--- a/documents/Trabalho de Sistemas Embarcados (C213).pptx
+++ b/documents/Trabalho de Sistemas Embarcados (C213).pptx
@@ -9,6 +9,15 @@
     <p:sldId id="259" r:id="rId3"/>
     <p:sldId id="258" r:id="rId4"/>
     <p:sldId id="260" r:id="rId5"/>
+    <p:sldId id="261" r:id="rId6"/>
+    <p:sldId id="268" r:id="rId7"/>
+    <p:sldId id="262" r:id="rId8"/>
+    <p:sldId id="263" r:id="rId9"/>
+    <p:sldId id="264" r:id="rId10"/>
+    <p:sldId id="265" r:id="rId11"/>
+    <p:sldId id="267" r:id="rId12"/>
+    <p:sldId id="266" r:id="rId13"/>
+    <p:sldId id="269" r:id="rId14"/>
   </p:sldIdLst>
   <p:sldSz cx="12192000" cy="6858000"/>
   <p:notesSz cx="6858000" cy="9144000"/>
@@ -107,6 +116,11 @@
       </a:defRPr>
     </a:lvl9pPr>
   </p:defaultTextStyle>
+  <p:extLst>
+    <p:ext uri="{EFAFB233-063F-42B5-8137-9DF3F51BA10A}">
+      <p15:sldGuideLst xmlns:p15="http://schemas.microsoft.com/office/powerpoint/2012/main"/>
+    </p:ext>
+  </p:extLst>
 </p:presentation>
 </file>
 
@@ -4392,7 +4406,7 @@
           <a:p>
             <a:fld id="{48A87A34-81AB-432B-8DAE-1953F412C126}" type="datetimeFigureOut">
               <a:rPr lang="en-US" dirty="0"/>
-              <a:t>4/16/2024</a:t>
+              <a:t>4/21/2024</a:t>
             </a:fld>
             <a:endParaRPr lang="en-US" dirty="0"/>
           </a:p>
@@ -4654,7 +4668,7 @@
           <a:p>
             <a:fld id="{48A87A34-81AB-432B-8DAE-1953F412C126}" type="datetimeFigureOut">
               <a:rPr lang="en-US" dirty="0"/>
-              <a:t>4/16/2024</a:t>
+              <a:t>4/21/2024</a:t>
             </a:fld>
             <a:endParaRPr lang="en-US" dirty="0"/>
           </a:p>
@@ -4845,7 +4859,7 @@
           <a:p>
             <a:fld id="{48A87A34-81AB-432B-8DAE-1953F412C126}" type="datetimeFigureOut">
               <a:rPr lang="en-US" dirty="0"/>
-              <a:t>4/16/2024</a:t>
+              <a:t>4/21/2024</a:t>
             </a:fld>
             <a:endParaRPr lang="en-US" dirty="0"/>
           </a:p>
@@ -5103,7 +5117,7 @@
           <a:p>
             <a:fld id="{48A87A34-81AB-432B-8DAE-1953F412C126}" type="datetimeFigureOut">
               <a:rPr lang="en-US" dirty="0"/>
-              <a:t>4/16/2024</a:t>
+              <a:t>4/21/2024</a:t>
             </a:fld>
             <a:endParaRPr lang="en-US" dirty="0"/>
           </a:p>
@@ -5532,7 +5546,7 @@
           <a:p>
             <a:fld id="{48A87A34-81AB-432B-8DAE-1953F412C126}" type="datetimeFigureOut">
               <a:rPr lang="en-US" dirty="0"/>
-              <a:t>4/16/2024</a:t>
+              <a:t>4/21/2024</a:t>
             </a:fld>
             <a:endParaRPr lang="en-US" dirty="0"/>
           </a:p>
@@ -6073,7 +6087,7 @@
           <a:p>
             <a:fld id="{48A87A34-81AB-432B-8DAE-1953F412C126}" type="datetimeFigureOut">
               <a:rPr lang="en-US" dirty="0"/>
-              <a:t>4/16/2024</a:t>
+              <a:t>4/21/2024</a:t>
             </a:fld>
             <a:endParaRPr lang="en-US" dirty="0"/>
           </a:p>
@@ -6788,7 +6802,7 @@
           <a:p>
             <a:fld id="{48A87A34-81AB-432B-8DAE-1953F412C126}" type="datetimeFigureOut">
               <a:rPr lang="en-US" dirty="0"/>
-              <a:t>4/16/2024</a:t>
+              <a:t>4/21/2024</a:t>
             </a:fld>
             <a:endParaRPr lang="en-US" dirty="0"/>
           </a:p>
@@ -6953,7 +6967,7 @@
           <a:p>
             <a:fld id="{48A87A34-81AB-432B-8DAE-1953F412C126}" type="datetimeFigureOut">
               <a:rPr lang="en-US" dirty="0"/>
-              <a:t>4/16/2024</a:t>
+              <a:t>4/21/2024</a:t>
             </a:fld>
             <a:endParaRPr lang="en-US" dirty="0"/>
           </a:p>
@@ -7128,7 +7142,7 @@
           <a:p>
             <a:fld id="{48A87A34-81AB-432B-8DAE-1953F412C126}" type="datetimeFigureOut">
               <a:rPr lang="en-US" dirty="0"/>
-              <a:t>4/16/2024</a:t>
+              <a:t>4/21/2024</a:t>
             </a:fld>
             <a:endParaRPr lang="en-US" dirty="0"/>
           </a:p>
@@ -7293,7 +7307,7 @@
           <a:p>
             <a:fld id="{48A87A34-81AB-432B-8DAE-1953F412C126}" type="datetimeFigureOut">
               <a:rPr lang="en-US" dirty="0"/>
-              <a:t>4/16/2024</a:t>
+              <a:t>4/21/2024</a:t>
             </a:fld>
             <a:endParaRPr lang="en-US" dirty="0"/>
           </a:p>
@@ -7538,7 +7552,7 @@
           <a:p>
             <a:fld id="{48A87A34-81AB-432B-8DAE-1953F412C126}" type="datetimeFigureOut">
               <a:rPr lang="en-US" dirty="0"/>
-              <a:t>4/16/2024</a:t>
+              <a:t>4/21/2024</a:t>
             </a:fld>
             <a:endParaRPr lang="en-US" dirty="0"/>
           </a:p>
@@ -7765,7 +7779,7 @@
           <a:p>
             <a:fld id="{48A87A34-81AB-432B-8DAE-1953F412C126}" type="datetimeFigureOut">
               <a:rPr lang="en-US" dirty="0"/>
-              <a:t>4/16/2024</a:t>
+              <a:t>4/21/2024</a:t>
             </a:fld>
             <a:endParaRPr lang="en-US" dirty="0"/>
           </a:p>
@@ -8141,7 +8155,7 @@
           <a:p>
             <a:fld id="{48A87A34-81AB-432B-8DAE-1953F412C126}" type="datetimeFigureOut">
               <a:rPr lang="en-US" dirty="0"/>
-              <a:t>4/16/2024</a:t>
+              <a:t>4/21/2024</a:t>
             </a:fld>
             <a:endParaRPr lang="en-US" dirty="0"/>
           </a:p>
@@ -8254,7 +8268,7 @@
           <a:p>
             <a:fld id="{48A87A34-81AB-432B-8DAE-1953F412C126}" type="datetimeFigureOut">
               <a:rPr lang="en-US" dirty="0"/>
-              <a:t>4/16/2024</a:t>
+              <a:t>4/21/2024</a:t>
             </a:fld>
             <a:endParaRPr lang="en-US" dirty="0"/>
           </a:p>
@@ -8344,7 +8358,7 @@
           <a:p>
             <a:fld id="{48A87A34-81AB-432B-8DAE-1953F412C126}" type="datetimeFigureOut">
               <a:rPr lang="en-US" dirty="0"/>
-              <a:t>4/16/2024</a:t>
+              <a:t>4/21/2024</a:t>
             </a:fld>
             <a:endParaRPr lang="en-US" dirty="0"/>
           </a:p>
@@ -8588,7 +8602,7 @@
           <a:p>
             <a:fld id="{48A87A34-81AB-432B-8DAE-1953F412C126}" type="datetimeFigureOut">
               <a:rPr lang="en-US" dirty="0"/>
-              <a:t>4/16/2024</a:t>
+              <a:t>4/21/2024</a:t>
             </a:fld>
             <a:endParaRPr lang="en-US" dirty="0"/>
           </a:p>
@@ -8863,7 +8877,7 @@
           <a:p>
             <a:fld id="{48A87A34-81AB-432B-8DAE-1953F412C126}" type="datetimeFigureOut">
               <a:rPr lang="en-US" dirty="0"/>
-              <a:t>4/16/2024</a:t>
+              <a:t>4/21/2024</a:t>
             </a:fld>
             <a:endParaRPr lang="en-US" dirty="0"/>
           </a:p>
@@ -11926,7 +11940,7 @@
             <a:fld id="{48A87A34-81AB-432B-8DAE-1953F412C126}" type="datetimeFigureOut">
               <a:rPr lang="en-US" dirty="0"/>
               <a:pPr/>
-              <a:t>4/16/2024</a:t>
+              <a:t>4/21/2024</a:t>
             </a:fld>
             <a:endParaRPr lang="en-US" dirty="0"/>
           </a:p>
@@ -12438,6 +12452,340 @@
 </p:sld>
 </file>
 
+<file path=ppt/slides/slide10.xml><?xml version="1.0" encoding="utf-8"?>
+<p:sld xmlns:a="http://schemas.openxmlformats.org/drawingml/2006/main" xmlns:r="http://schemas.openxmlformats.org/officeDocument/2006/relationships" xmlns:p="http://schemas.openxmlformats.org/presentationml/2006/main">
+  <p:cSld>
+    <p:spTree>
+      <p:nvGrpSpPr>
+        <p:cNvPr id="1" name=""/>
+        <p:cNvGrpSpPr/>
+        <p:nvPr/>
+      </p:nvGrpSpPr>
+      <p:grpSpPr>
+        <a:xfrm>
+          <a:off x="0" y="0"/>
+          <a:ext cx="0" cy="0"/>
+          <a:chOff x="0" y="0"/>
+          <a:chExt cx="0" cy="0"/>
+        </a:xfrm>
+      </p:grpSpPr>
+      <p:sp>
+        <p:nvSpPr>
+          <p:cNvPr id="2" name="Título 1">
+            <a:extLst>
+              <a:ext uri="{FF2B5EF4-FFF2-40B4-BE49-F238E27FC236}">
+                <a16:creationId xmlns:a16="http://schemas.microsoft.com/office/drawing/2014/main" id="{8CD0CD60-0AC8-6B29-0BCD-D8A173B1558B}"/>
+              </a:ext>
+            </a:extLst>
+          </p:cNvPr>
+          <p:cNvSpPr>
+            <a:spLocks noGrp="1"/>
+          </p:cNvSpPr>
+          <p:nvPr>
+            <p:ph type="title"/>
+          </p:nvPr>
+        </p:nvSpPr>
+        <p:spPr/>
+        <p:txBody>
+          <a:bodyPr/>
+          <a:lstStyle/>
+          <a:p>
+            <a:r>
+              <a:rPr lang="pt-BR" dirty="0"/>
+              <a:t>Resposta ao degrau (cohen e coon)</a:t>
+            </a:r>
+          </a:p>
+        </p:txBody>
+      </p:sp>
+      <p:pic>
+        <p:nvPicPr>
+          <p:cNvPr id="4" name="Imagem 3">
+            <a:extLst>
+              <a:ext uri="{FF2B5EF4-FFF2-40B4-BE49-F238E27FC236}">
+                <a16:creationId xmlns:a16="http://schemas.microsoft.com/office/drawing/2014/main" id="{C8623BA4-955F-F0ED-7846-E7348FB49B92}"/>
+              </a:ext>
+            </a:extLst>
+          </p:cNvPr>
+          <p:cNvPicPr>
+            <a:picLocks noChangeAspect="1"/>
+          </p:cNvPicPr>
+          <p:nvPr/>
+        </p:nvPicPr>
+        <p:blipFill>
+          <a:blip r:embed="rId2"/>
+          <a:stretch>
+            <a:fillRect/>
+          </a:stretch>
+        </p:blipFill>
+        <p:spPr>
+          <a:xfrm>
+            <a:off x="1239982" y="1742527"/>
+            <a:ext cx="8993910" cy="4496955"/>
+          </a:xfrm>
+          <a:prstGeom prst="rect">
+            <a:avLst/>
+          </a:prstGeom>
+        </p:spPr>
+      </p:pic>
+    </p:spTree>
+    <p:extLst>
+      <p:ext uri="{BB962C8B-B14F-4D97-AF65-F5344CB8AC3E}">
+        <p14:creationId xmlns:p14="http://schemas.microsoft.com/office/powerpoint/2010/main" val="1260546117"/>
+      </p:ext>
+    </p:extLst>
+  </p:cSld>
+  <p:clrMapOvr>
+    <a:masterClrMapping/>
+  </p:clrMapOvr>
+</p:sld>
+</file>
+
+<file path=ppt/slides/slide11.xml><?xml version="1.0" encoding="utf-8"?>
+<p:sld xmlns:a="http://schemas.openxmlformats.org/drawingml/2006/main" xmlns:r="http://schemas.openxmlformats.org/officeDocument/2006/relationships" xmlns:p="http://schemas.openxmlformats.org/presentationml/2006/main">
+  <p:cSld>
+    <p:spTree>
+      <p:nvGrpSpPr>
+        <p:cNvPr id="1" name=""/>
+        <p:cNvGrpSpPr/>
+        <p:nvPr/>
+      </p:nvGrpSpPr>
+      <p:grpSpPr>
+        <a:xfrm>
+          <a:off x="0" y="0"/>
+          <a:ext cx="0" cy="0"/>
+          <a:chOff x="0" y="0"/>
+          <a:chExt cx="0" cy="0"/>
+        </a:xfrm>
+      </p:grpSpPr>
+      <p:sp>
+        <p:nvSpPr>
+          <p:cNvPr id="2" name="Título 1">
+            <a:extLst>
+              <a:ext uri="{FF2B5EF4-FFF2-40B4-BE49-F238E27FC236}">
+                <a16:creationId xmlns:a16="http://schemas.microsoft.com/office/drawing/2014/main" id="{65BD07B1-27C3-C47F-5333-7FEB2071D186}"/>
+              </a:ext>
+            </a:extLst>
+          </p:cNvPr>
+          <p:cNvSpPr>
+            <a:spLocks noGrp="1"/>
+          </p:cNvSpPr>
+          <p:nvPr>
+            <p:ph type="title"/>
+          </p:nvPr>
+        </p:nvSpPr>
+        <p:spPr/>
+        <p:txBody>
+          <a:bodyPr/>
+          <a:lstStyle/>
+          <a:p>
+            <a:r>
+              <a:rPr lang="pt-BR" dirty="0"/>
+              <a:t>Parâmetros escolhidos pelo usuário</a:t>
+            </a:r>
+          </a:p>
+        </p:txBody>
+      </p:sp>
+      <p:pic>
+        <p:nvPicPr>
+          <p:cNvPr id="7" name="Imagem 6">
+            <a:extLst>
+              <a:ext uri="{FF2B5EF4-FFF2-40B4-BE49-F238E27FC236}">
+                <a16:creationId xmlns:a16="http://schemas.microsoft.com/office/drawing/2014/main" id="{7D067164-B9A4-4A98-DEA6-BD927B132ABE}"/>
+              </a:ext>
+            </a:extLst>
+          </p:cNvPr>
+          <p:cNvPicPr>
+            <a:picLocks noChangeAspect="1"/>
+          </p:cNvPicPr>
+          <p:nvPr/>
+        </p:nvPicPr>
+        <p:blipFill>
+          <a:blip r:embed="rId2"/>
+          <a:stretch>
+            <a:fillRect/>
+          </a:stretch>
+        </p:blipFill>
+        <p:spPr>
+          <a:xfrm>
+            <a:off x="1361724" y="2477655"/>
+            <a:ext cx="9468552" cy="2094345"/>
+          </a:xfrm>
+          <a:prstGeom prst="rect">
+            <a:avLst/>
+          </a:prstGeom>
+        </p:spPr>
+      </p:pic>
+    </p:spTree>
+    <p:extLst>
+      <p:ext uri="{BB962C8B-B14F-4D97-AF65-F5344CB8AC3E}">
+        <p14:creationId xmlns:p14="http://schemas.microsoft.com/office/powerpoint/2010/main" val="1885489446"/>
+      </p:ext>
+    </p:extLst>
+  </p:cSld>
+  <p:clrMapOvr>
+    <a:masterClrMapping/>
+  </p:clrMapOvr>
+</p:sld>
+</file>
+
+<file path=ppt/slides/slide12.xml><?xml version="1.0" encoding="utf-8"?>
+<p:sld xmlns:a="http://schemas.openxmlformats.org/drawingml/2006/main" xmlns:r="http://schemas.openxmlformats.org/officeDocument/2006/relationships" xmlns:p="http://schemas.openxmlformats.org/presentationml/2006/main">
+  <p:cSld>
+    <p:spTree>
+      <p:nvGrpSpPr>
+        <p:cNvPr id="1" name=""/>
+        <p:cNvGrpSpPr/>
+        <p:nvPr/>
+      </p:nvGrpSpPr>
+      <p:grpSpPr>
+        <a:xfrm>
+          <a:off x="0" y="0"/>
+          <a:ext cx="0" cy="0"/>
+          <a:chOff x="0" y="0"/>
+          <a:chExt cx="0" cy="0"/>
+        </a:xfrm>
+      </p:grpSpPr>
+      <p:sp>
+        <p:nvSpPr>
+          <p:cNvPr id="2" name="Título 1">
+            <a:extLst>
+              <a:ext uri="{FF2B5EF4-FFF2-40B4-BE49-F238E27FC236}">
+                <a16:creationId xmlns:a16="http://schemas.microsoft.com/office/drawing/2014/main" id="{9EE79EE4-54A2-7BA2-55BE-8CC49390DCE3}"/>
+              </a:ext>
+            </a:extLst>
+          </p:cNvPr>
+          <p:cNvSpPr>
+            <a:spLocks noGrp="1"/>
+          </p:cNvSpPr>
+          <p:nvPr>
+            <p:ph type="title"/>
+          </p:nvPr>
+        </p:nvSpPr>
+        <p:spPr>
+          <a:xfrm>
+            <a:off x="1141413" y="618518"/>
+            <a:ext cx="10163896" cy="1478570"/>
+          </a:xfrm>
+        </p:spPr>
+        <p:txBody>
+          <a:bodyPr/>
+          <a:lstStyle/>
+          <a:p>
+            <a:r>
+              <a:rPr lang="pt-BR" dirty="0"/>
+              <a:t>Resposta ao degrau (Parâmetros do usuário)</a:t>
+            </a:r>
+          </a:p>
+        </p:txBody>
+      </p:sp>
+      <p:pic>
+        <p:nvPicPr>
+          <p:cNvPr id="11" name="Imagem 10">
+            <a:extLst>
+              <a:ext uri="{FF2B5EF4-FFF2-40B4-BE49-F238E27FC236}">
+                <a16:creationId xmlns:a16="http://schemas.microsoft.com/office/drawing/2014/main" id="{F8036557-56B3-EA13-37A8-4E46A429153B}"/>
+              </a:ext>
+            </a:extLst>
+          </p:cNvPr>
+          <p:cNvPicPr>
+            <a:picLocks noChangeAspect="1"/>
+          </p:cNvPicPr>
+          <p:nvPr/>
+        </p:nvPicPr>
+        <p:blipFill>
+          <a:blip r:embed="rId2"/>
+          <a:stretch>
+            <a:fillRect/>
+          </a:stretch>
+        </p:blipFill>
+        <p:spPr>
+          <a:xfrm>
+            <a:off x="1327319" y="2020717"/>
+            <a:ext cx="9322208" cy="4218765"/>
+          </a:xfrm>
+          <a:prstGeom prst="rect">
+            <a:avLst/>
+          </a:prstGeom>
+        </p:spPr>
+      </p:pic>
+    </p:spTree>
+    <p:extLst>
+      <p:ext uri="{BB962C8B-B14F-4D97-AF65-F5344CB8AC3E}">
+        <p14:creationId xmlns:p14="http://schemas.microsoft.com/office/powerpoint/2010/main" val="2793628495"/>
+      </p:ext>
+    </p:extLst>
+  </p:cSld>
+  <p:clrMapOvr>
+    <a:masterClrMapping/>
+  </p:clrMapOvr>
+</p:sld>
+</file>
+
+<file path=ppt/slides/slide13.xml><?xml version="1.0" encoding="utf-8"?>
+<p:sld xmlns:a="http://schemas.openxmlformats.org/drawingml/2006/main" xmlns:r="http://schemas.openxmlformats.org/officeDocument/2006/relationships" xmlns:p="http://schemas.openxmlformats.org/presentationml/2006/main">
+  <p:cSld>
+    <p:spTree>
+      <p:nvGrpSpPr>
+        <p:cNvPr id="1" name=""/>
+        <p:cNvGrpSpPr/>
+        <p:nvPr/>
+      </p:nvGrpSpPr>
+      <p:grpSpPr>
+        <a:xfrm>
+          <a:off x="0" y="0"/>
+          <a:ext cx="0" cy="0"/>
+          <a:chOff x="0" y="0"/>
+          <a:chExt cx="0" cy="0"/>
+        </a:xfrm>
+      </p:grpSpPr>
+      <p:sp>
+        <p:nvSpPr>
+          <p:cNvPr id="2" name="Título 1">
+            <a:extLst>
+              <a:ext uri="{FF2B5EF4-FFF2-40B4-BE49-F238E27FC236}">
+                <a16:creationId xmlns:a16="http://schemas.microsoft.com/office/drawing/2014/main" id="{47F0245F-B322-76F3-41C1-D4F8847D51BD}"/>
+              </a:ext>
+            </a:extLst>
+          </p:cNvPr>
+          <p:cNvSpPr>
+            <a:spLocks noGrp="1"/>
+          </p:cNvSpPr>
+          <p:nvPr>
+            <p:ph type="title"/>
+          </p:nvPr>
+        </p:nvSpPr>
+        <p:spPr>
+          <a:xfrm>
+            <a:off x="1566286" y="1673555"/>
+            <a:ext cx="5647314" cy="2510517"/>
+          </a:xfrm>
+        </p:spPr>
+        <p:txBody>
+          <a:bodyPr>
+            <a:noAutofit/>
+          </a:bodyPr>
+          <a:lstStyle/>
+          <a:p>
+            <a:r>
+              <a:rPr lang="pt-BR" sz="6600" dirty="0"/>
+              <a:t>OBRIGADO PELA ATENÇÃO!</a:t>
+            </a:r>
+          </a:p>
+        </p:txBody>
+      </p:sp>
+    </p:spTree>
+    <p:extLst>
+      <p:ext uri="{BB962C8B-B14F-4D97-AF65-F5344CB8AC3E}">
+        <p14:creationId xmlns:p14="http://schemas.microsoft.com/office/powerpoint/2010/main" val="3954431362"/>
+      </p:ext>
+    </p:extLst>
+  </p:cSld>
+  <p:clrMapOvr>
+    <a:masterClrMapping/>
+  </p:clrMapOvr>
+</p:sld>
+</file>
+
 <file path=ppt/slides/slide2.xml><?xml version="1.0" encoding="utf-8"?>
 <p:sld xmlns:a="http://schemas.openxmlformats.org/drawingml/2006/main" xmlns:r="http://schemas.openxmlformats.org/officeDocument/2006/relationships" xmlns:p="http://schemas.openxmlformats.org/presentationml/2006/main">
   <p:cSld>
@@ -12819,21 +13167,88 @@
             <p:ph type="title"/>
           </p:nvPr>
         </p:nvSpPr>
-        <p:spPr/>
+        <p:spPr>
+          <a:xfrm>
+            <a:off x="1595582" y="461821"/>
+            <a:ext cx="9905998" cy="1478570"/>
+          </a:xfrm>
+        </p:spPr>
         <p:txBody>
           <a:bodyPr/>
           <a:lstStyle/>
           <a:p>
-            <a:endParaRPr lang="pt-BR"/>
+            <a:r>
+              <a:rPr lang="pt-BR" dirty="0"/>
+              <a:t>Calculando valores de k, theta e tau </a:t>
+            </a:r>
           </a:p>
         </p:txBody>
       </p:sp>
+      <p:pic>
+        <p:nvPicPr>
+          <p:cNvPr id="9" name="Marcador de Posição de Conteúdo 8">
+            <a:extLst>
+              <a:ext uri="{FF2B5EF4-FFF2-40B4-BE49-F238E27FC236}">
+                <a16:creationId xmlns:a16="http://schemas.microsoft.com/office/drawing/2014/main" id="{8DED2110-E5A9-47F4-FACE-19DD9BE1C10C}"/>
+              </a:ext>
+            </a:extLst>
+          </p:cNvPr>
+          <p:cNvPicPr>
+            <a:picLocks noGrp="1" noChangeAspect="1"/>
+          </p:cNvPicPr>
+          <p:nvPr>
+            <p:ph idx="1"/>
+          </p:nvPr>
+        </p:nvPicPr>
+        <p:blipFill>
+          <a:blip r:embed="rId2"/>
+          <a:stretch>
+            <a:fillRect/>
+          </a:stretch>
+        </p:blipFill>
+        <p:spPr>
+          <a:xfrm>
+            <a:off x="3226954" y="1599567"/>
+            <a:ext cx="5738091" cy="4796612"/>
+          </a:xfrm>
+        </p:spPr>
+      </p:pic>
+    </p:spTree>
+    <p:extLst>
+      <p:ext uri="{BB962C8B-B14F-4D97-AF65-F5344CB8AC3E}">
+        <p14:creationId xmlns:p14="http://schemas.microsoft.com/office/powerpoint/2010/main" val="4096245402"/>
+      </p:ext>
+    </p:extLst>
+  </p:cSld>
+  <p:clrMapOvr>
+    <a:masterClrMapping/>
+  </p:clrMapOvr>
+</p:sld>
+</file>
+
+<file path=ppt/slides/slide5.xml><?xml version="1.0" encoding="utf-8"?>
+<p:sld xmlns:a="http://schemas.openxmlformats.org/drawingml/2006/main" xmlns:r="http://schemas.openxmlformats.org/officeDocument/2006/relationships" xmlns:p="http://schemas.openxmlformats.org/presentationml/2006/main">
+  <p:cSld>
+    <p:spTree>
+      <p:nvGrpSpPr>
+        <p:cNvPr id="1" name=""/>
+        <p:cNvGrpSpPr/>
+        <p:nvPr/>
+      </p:nvGrpSpPr>
+      <p:grpSpPr>
+        <a:xfrm>
+          <a:off x="0" y="0"/>
+          <a:ext cx="0" cy="0"/>
+          <a:chOff x="0" y="0"/>
+          <a:chExt cx="0" cy="0"/>
+        </a:xfrm>
+      </p:grpSpPr>
       <p:sp>
         <p:nvSpPr>
-          <p:cNvPr id="3" name="Marcador de Posição de Conteúdo 2">
+          <p:cNvPr id="2" name="Título 1">
             <a:extLst>
               <a:ext uri="{FF2B5EF4-FFF2-40B4-BE49-F238E27FC236}">
-                <a16:creationId xmlns:a16="http://schemas.microsoft.com/office/drawing/2014/main" id="{BE0F175D-3039-69A0-2505-E11174B5D10F}"/>
+                <a16:creationId xmlns:a16="http://schemas.microsoft.com/office/drawing/2014/main" id="{3ED95605-31BE-D1F7-AB07-2A6C72B2D780}"/>
               </a:ext>
             </a:extLst>
           </p:cNvPr>
@@ -12841,7 +13256,285 @@
             <a:spLocks noGrp="1"/>
           </p:cNvSpPr>
           <p:nvPr>
+            <p:ph type="title"/>
+          </p:nvPr>
+        </p:nvSpPr>
+        <p:spPr>
+          <a:xfrm>
+            <a:off x="1595582" y="461821"/>
+            <a:ext cx="9905998" cy="1478570"/>
+          </a:xfrm>
+        </p:spPr>
+        <p:txBody>
+          <a:bodyPr/>
+          <a:lstStyle/>
+          <a:p>
+            <a:r>
+              <a:rPr lang="pt-BR" dirty="0"/>
+              <a:t>Calculando valores para ziegler nichols</a:t>
+            </a:r>
+          </a:p>
+        </p:txBody>
+      </p:sp>
+      <p:pic>
+        <p:nvPicPr>
+          <p:cNvPr id="8" name="Imagem 7">
+            <a:extLst>
+              <a:ext uri="{FF2B5EF4-FFF2-40B4-BE49-F238E27FC236}">
+                <a16:creationId xmlns:a16="http://schemas.microsoft.com/office/drawing/2014/main" id="{3C778BA6-6538-4368-65A8-F193A75CE6F7}"/>
+              </a:ext>
+            </a:extLst>
+          </p:cNvPr>
+          <p:cNvPicPr>
+            <a:picLocks noChangeAspect="1"/>
+          </p:cNvPicPr>
+          <p:nvPr/>
+        </p:nvPicPr>
+        <p:blipFill>
+          <a:blip r:embed="rId2"/>
+          <a:stretch>
+            <a:fillRect/>
+          </a:stretch>
+        </p:blipFill>
+        <p:spPr>
+          <a:xfrm>
+            <a:off x="3354154" y="1627545"/>
+            <a:ext cx="5483692" cy="4867447"/>
+          </a:xfrm>
+          <a:prstGeom prst="rect">
+            <a:avLst/>
+          </a:prstGeom>
+        </p:spPr>
+      </p:pic>
+    </p:spTree>
+    <p:extLst>
+      <p:ext uri="{BB962C8B-B14F-4D97-AF65-F5344CB8AC3E}">
+        <p14:creationId xmlns:p14="http://schemas.microsoft.com/office/powerpoint/2010/main" val="3188433868"/>
+      </p:ext>
+    </p:extLst>
+  </p:cSld>
+  <p:clrMapOvr>
+    <a:masterClrMapping/>
+  </p:clrMapOvr>
+</p:sld>
+</file>
+
+<file path=ppt/slides/slide6.xml><?xml version="1.0" encoding="utf-8"?>
+<p:sld xmlns:a="http://schemas.openxmlformats.org/drawingml/2006/main" xmlns:r="http://schemas.openxmlformats.org/officeDocument/2006/relationships" xmlns:p="http://schemas.openxmlformats.org/presentationml/2006/main">
+  <p:cSld>
+    <p:spTree>
+      <p:nvGrpSpPr>
+        <p:cNvPr id="1" name=""/>
+        <p:cNvGrpSpPr/>
+        <p:nvPr/>
+      </p:nvGrpSpPr>
+      <p:grpSpPr>
+        <a:xfrm>
+          <a:off x="0" y="0"/>
+          <a:ext cx="0" cy="0"/>
+          <a:chOff x="0" y="0"/>
+          <a:chExt cx="0" cy="0"/>
+        </a:xfrm>
+      </p:grpSpPr>
+      <p:sp>
+        <p:nvSpPr>
+          <p:cNvPr id="2" name="Título 1">
+            <a:extLst>
+              <a:ext uri="{FF2B5EF4-FFF2-40B4-BE49-F238E27FC236}">
+                <a16:creationId xmlns:a16="http://schemas.microsoft.com/office/drawing/2014/main" id="{3ED95605-31BE-D1F7-AB07-2A6C72B2D780}"/>
+              </a:ext>
+            </a:extLst>
+          </p:cNvPr>
+          <p:cNvSpPr>
+            <a:spLocks noGrp="1"/>
+          </p:cNvSpPr>
+          <p:nvPr>
+            <p:ph type="title"/>
+          </p:nvPr>
+        </p:nvSpPr>
+        <p:spPr>
+          <a:xfrm>
+            <a:off x="1595582" y="461821"/>
+            <a:ext cx="9905998" cy="1478570"/>
+          </a:xfrm>
+        </p:spPr>
+        <p:txBody>
+          <a:bodyPr/>
+          <a:lstStyle/>
+          <a:p>
+            <a:r>
+              <a:rPr lang="pt-BR" dirty="0"/>
+              <a:t>Calculando valores para Cohen e coon</a:t>
+            </a:r>
+          </a:p>
+        </p:txBody>
+      </p:sp>
+      <p:pic>
+        <p:nvPicPr>
+          <p:cNvPr id="6" name="Marcador de Posição de Conteúdo 5">
+            <a:extLst>
+              <a:ext uri="{FF2B5EF4-FFF2-40B4-BE49-F238E27FC236}">
+                <a16:creationId xmlns:a16="http://schemas.microsoft.com/office/drawing/2014/main" id="{1768C353-4B5D-E4D0-8486-9250EA0112FB}"/>
+              </a:ext>
+            </a:extLst>
+          </p:cNvPr>
+          <p:cNvPicPr>
+            <a:picLocks noGrp="1" noChangeAspect="1"/>
+          </p:cNvPicPr>
+          <p:nvPr>
             <p:ph idx="1"/>
+          </p:nvPr>
+        </p:nvPicPr>
+        <p:blipFill>
+          <a:blip r:embed="rId2"/>
+          <a:stretch>
+            <a:fillRect/>
+          </a:stretch>
+        </p:blipFill>
+        <p:spPr>
+          <a:xfrm>
+            <a:off x="3332956" y="1599836"/>
+            <a:ext cx="5526087" cy="4873766"/>
+          </a:xfrm>
+        </p:spPr>
+      </p:pic>
+    </p:spTree>
+    <p:extLst>
+      <p:ext uri="{BB962C8B-B14F-4D97-AF65-F5344CB8AC3E}">
+        <p14:creationId xmlns:p14="http://schemas.microsoft.com/office/powerpoint/2010/main" val="1271032530"/>
+      </p:ext>
+    </p:extLst>
+  </p:cSld>
+  <p:clrMapOvr>
+    <a:masterClrMapping/>
+  </p:clrMapOvr>
+</p:sld>
+</file>
+
+<file path=ppt/slides/slide7.xml><?xml version="1.0" encoding="utf-8"?>
+<p:sld xmlns:a="http://schemas.openxmlformats.org/drawingml/2006/main" xmlns:r="http://schemas.openxmlformats.org/officeDocument/2006/relationships" xmlns:p="http://schemas.openxmlformats.org/presentationml/2006/main">
+  <p:cSld>
+    <p:spTree>
+      <p:nvGrpSpPr>
+        <p:cNvPr id="1" name=""/>
+        <p:cNvGrpSpPr/>
+        <p:nvPr/>
+      </p:nvGrpSpPr>
+      <p:grpSpPr>
+        <a:xfrm>
+          <a:off x="0" y="0"/>
+          <a:ext cx="0" cy="0"/>
+          <a:chOff x="0" y="0"/>
+          <a:chExt cx="0" cy="0"/>
+        </a:xfrm>
+      </p:grpSpPr>
+      <p:sp>
+        <p:nvSpPr>
+          <p:cNvPr id="2" name="Título 1">
+            <a:extLst>
+              <a:ext uri="{FF2B5EF4-FFF2-40B4-BE49-F238E27FC236}">
+                <a16:creationId xmlns:a16="http://schemas.microsoft.com/office/drawing/2014/main" id="{3ED95605-31BE-D1F7-AB07-2A6C72B2D780}"/>
+              </a:ext>
+            </a:extLst>
+          </p:cNvPr>
+          <p:cNvSpPr>
+            <a:spLocks noGrp="1"/>
+          </p:cNvSpPr>
+          <p:nvPr>
+            <p:ph type="title"/>
+          </p:nvPr>
+        </p:nvSpPr>
+        <p:spPr>
+          <a:xfrm>
+            <a:off x="1595582" y="461821"/>
+            <a:ext cx="9905998" cy="1478570"/>
+          </a:xfrm>
+        </p:spPr>
+        <p:txBody>
+          <a:bodyPr/>
+          <a:lstStyle/>
+          <a:p>
+            <a:r>
+              <a:rPr lang="pt-BR" dirty="0"/>
+              <a:t>pArâmetros do pid para os métodos de sintonia especificados</a:t>
+            </a:r>
+          </a:p>
+        </p:txBody>
+      </p:sp>
+      <p:pic>
+        <p:nvPicPr>
+          <p:cNvPr id="7" name="Imagem 6">
+            <a:extLst>
+              <a:ext uri="{FF2B5EF4-FFF2-40B4-BE49-F238E27FC236}">
+                <a16:creationId xmlns:a16="http://schemas.microsoft.com/office/drawing/2014/main" id="{096F2F17-4144-321C-FAC6-7073E8B5DD3E}"/>
+              </a:ext>
+            </a:extLst>
+          </p:cNvPr>
+          <p:cNvPicPr>
+            <a:picLocks noChangeAspect="1"/>
+          </p:cNvPicPr>
+          <p:nvPr/>
+        </p:nvPicPr>
+        <p:blipFill>
+          <a:blip r:embed="rId2"/>
+          <a:stretch>
+            <a:fillRect/>
+          </a:stretch>
+        </p:blipFill>
+        <p:spPr>
+          <a:xfrm>
+            <a:off x="2564631" y="2023201"/>
+            <a:ext cx="6878010" cy="4067743"/>
+          </a:xfrm>
+          <a:prstGeom prst="rect">
+            <a:avLst/>
+          </a:prstGeom>
+        </p:spPr>
+      </p:pic>
+    </p:spTree>
+    <p:extLst>
+      <p:ext uri="{BB962C8B-B14F-4D97-AF65-F5344CB8AC3E}">
+        <p14:creationId xmlns:p14="http://schemas.microsoft.com/office/powerpoint/2010/main" val="1148944070"/>
+      </p:ext>
+    </p:extLst>
+  </p:cSld>
+  <p:clrMapOvr>
+    <a:masterClrMapping/>
+  </p:clrMapOvr>
+</p:sld>
+</file>
+
+<file path=ppt/slides/slide8.xml><?xml version="1.0" encoding="utf-8"?>
+<p:sld xmlns:a="http://schemas.openxmlformats.org/drawingml/2006/main" xmlns:r="http://schemas.openxmlformats.org/officeDocument/2006/relationships" xmlns:p="http://schemas.openxmlformats.org/presentationml/2006/main">
+  <p:cSld>
+    <p:spTree>
+      <p:nvGrpSpPr>
+        <p:cNvPr id="1" name=""/>
+        <p:cNvGrpSpPr/>
+        <p:nvPr/>
+      </p:nvGrpSpPr>
+      <p:grpSpPr>
+        <a:xfrm>
+          <a:off x="0" y="0"/>
+          <a:ext cx="0" cy="0"/>
+          <a:chOff x="0" y="0"/>
+          <a:chExt cx="0" cy="0"/>
+        </a:xfrm>
+      </p:grpSpPr>
+      <p:sp>
+        <p:nvSpPr>
+          <p:cNvPr id="2" name="Título 1">
+            <a:extLst>
+              <a:ext uri="{FF2B5EF4-FFF2-40B4-BE49-F238E27FC236}">
+                <a16:creationId xmlns:a16="http://schemas.microsoft.com/office/drawing/2014/main" id="{24C36417-EDA5-5676-4CB0-8171D6851FE6}"/>
+              </a:ext>
+            </a:extLst>
+          </p:cNvPr>
+          <p:cNvSpPr>
+            <a:spLocks noGrp="1"/>
+          </p:cNvSpPr>
+          <p:nvPr>
+            <p:ph type="title"/>
           </p:nvPr>
         </p:nvSpPr>
         <p:spPr/>
@@ -12849,14 +13542,221 @@
           <a:bodyPr/>
           <a:lstStyle/>
           <a:p>
+            <a:r>
+              <a:rPr lang="pt-BR" dirty="0"/>
+              <a:t>Comparação das conclusões</a:t>
+            </a:r>
+          </a:p>
+        </p:txBody>
+      </p:sp>
+      <p:pic>
+        <p:nvPicPr>
+          <p:cNvPr id="5" name="Marcador de Posição de Conteúdo 4">
+            <a:extLst>
+              <a:ext uri="{FF2B5EF4-FFF2-40B4-BE49-F238E27FC236}">
+                <a16:creationId xmlns:a16="http://schemas.microsoft.com/office/drawing/2014/main" id="{1EEBC5D2-D61F-B63A-F212-6E6376DFF2DD}"/>
+              </a:ext>
+            </a:extLst>
+          </p:cNvPr>
+          <p:cNvPicPr>
+            <a:picLocks noGrp="1" noChangeAspect="1"/>
+          </p:cNvPicPr>
+          <p:nvPr>
+            <p:ph idx="1"/>
+          </p:nvPr>
+        </p:nvPicPr>
+        <p:blipFill>
+          <a:blip r:embed="rId2"/>
+          <a:stretch>
+            <a:fillRect/>
+          </a:stretch>
+        </p:blipFill>
+        <p:spPr>
+          <a:xfrm>
+            <a:off x="1261486" y="2727001"/>
+            <a:ext cx="4347365" cy="2194125"/>
+          </a:xfrm>
+        </p:spPr>
+      </p:pic>
+      <p:sp>
+        <p:nvSpPr>
+          <p:cNvPr id="6" name="Retângulo 5">
+            <a:extLst>
+              <a:ext uri="{FF2B5EF4-FFF2-40B4-BE49-F238E27FC236}">
+                <a16:creationId xmlns:a16="http://schemas.microsoft.com/office/drawing/2014/main" id="{124554E5-BEAF-5031-7638-397FDB901B4D}"/>
+              </a:ext>
+            </a:extLst>
+          </p:cNvPr>
+          <p:cNvSpPr/>
+          <p:nvPr/>
+        </p:nvSpPr>
+        <p:spPr>
+          <a:xfrm>
+            <a:off x="6437023" y="2891656"/>
+            <a:ext cx="5320867" cy="1689579"/>
+          </a:xfrm>
+          <a:prstGeom prst="rect">
+            <a:avLst/>
+          </a:prstGeom>
+          <a:solidFill>
+            <a:schemeClr val="bg2">
+              <a:lumMod val="90000"/>
+              <a:lumOff val="10000"/>
+            </a:schemeClr>
+          </a:solidFill>
+        </p:spPr>
+        <p:style>
+          <a:lnRef idx="2">
+            <a:schemeClr val="dk1">
+              <a:shade val="15000"/>
+            </a:schemeClr>
+          </a:lnRef>
+          <a:fillRef idx="1">
+            <a:schemeClr val="dk1"/>
+          </a:fillRef>
+          <a:effectRef idx="0">
+            <a:schemeClr val="dk1"/>
+          </a:effectRef>
+          <a:fontRef idx="minor">
+            <a:schemeClr val="lt1"/>
+          </a:fontRef>
+        </p:style>
+        <p:txBody>
+          <a:bodyPr rtlCol="0" anchor="ctr"/>
+          <a:lstStyle/>
+          <a:p>
+            <a:pPr algn="ctr"/>
             <a:endParaRPr lang="pt-BR"/>
+          </a:p>
+        </p:txBody>
+      </p:sp>
+      <p:sp>
+        <p:nvSpPr>
+          <p:cNvPr id="7" name="CaixaDeTexto 6">
+            <a:extLst>
+              <a:ext uri="{FF2B5EF4-FFF2-40B4-BE49-F238E27FC236}">
+                <a16:creationId xmlns:a16="http://schemas.microsoft.com/office/drawing/2014/main" id="{68015FC2-2742-5B4E-1D70-790BAC99380B}"/>
+              </a:ext>
+            </a:extLst>
+          </p:cNvPr>
+          <p:cNvSpPr txBox="1"/>
+          <p:nvPr/>
+        </p:nvSpPr>
+        <p:spPr>
+          <a:xfrm>
+            <a:off x="6437024" y="2967335"/>
+            <a:ext cx="5422468" cy="1569660"/>
+          </a:xfrm>
+          <a:prstGeom prst="rect">
+            <a:avLst/>
+          </a:prstGeom>
+          <a:noFill/>
+        </p:spPr>
+        <p:txBody>
+          <a:bodyPr wrap="square" rtlCol="0">
+            <a:spAutoFit/>
+          </a:bodyPr>
+          <a:lstStyle/>
+          <a:p>
+            <a:r>
+              <a:rPr lang="pt-BR" sz="2400" dirty="0"/>
+              <a:t>Cohen e Coon apresentou valores menores em todos parâmetros, sendo tempo de subida (14,04), Tempo de acomodação (45,88) e Overshoot (2,46)</a:t>
+            </a:r>
           </a:p>
         </p:txBody>
       </p:sp>
     </p:spTree>
     <p:extLst>
       <p:ext uri="{BB962C8B-B14F-4D97-AF65-F5344CB8AC3E}">
-        <p14:creationId xmlns:p14="http://schemas.microsoft.com/office/powerpoint/2010/main" val="4096245402"/>
+        <p14:creationId xmlns:p14="http://schemas.microsoft.com/office/powerpoint/2010/main" val="1637307247"/>
+      </p:ext>
+    </p:extLst>
+  </p:cSld>
+  <p:clrMapOvr>
+    <a:masterClrMapping/>
+  </p:clrMapOvr>
+</p:sld>
+</file>
+
+<file path=ppt/slides/slide9.xml><?xml version="1.0" encoding="utf-8"?>
+<p:sld xmlns:a="http://schemas.openxmlformats.org/drawingml/2006/main" xmlns:r="http://schemas.openxmlformats.org/officeDocument/2006/relationships" xmlns:p="http://schemas.openxmlformats.org/presentationml/2006/main">
+  <p:cSld>
+    <p:spTree>
+      <p:nvGrpSpPr>
+        <p:cNvPr id="1" name=""/>
+        <p:cNvGrpSpPr/>
+        <p:nvPr/>
+      </p:nvGrpSpPr>
+      <p:grpSpPr>
+        <a:xfrm>
+          <a:off x="0" y="0"/>
+          <a:ext cx="0" cy="0"/>
+          <a:chOff x="0" y="0"/>
+          <a:chExt cx="0" cy="0"/>
+        </a:xfrm>
+      </p:grpSpPr>
+      <p:sp>
+        <p:nvSpPr>
+          <p:cNvPr id="2" name="Título 1">
+            <a:extLst>
+              <a:ext uri="{FF2B5EF4-FFF2-40B4-BE49-F238E27FC236}">
+                <a16:creationId xmlns:a16="http://schemas.microsoft.com/office/drawing/2014/main" id="{8CD0CD60-0AC8-6B29-0BCD-D8A173B1558B}"/>
+              </a:ext>
+            </a:extLst>
+          </p:cNvPr>
+          <p:cNvSpPr>
+            <a:spLocks noGrp="1"/>
+          </p:cNvSpPr>
+          <p:nvPr>
+            <p:ph type="title"/>
+          </p:nvPr>
+        </p:nvSpPr>
+        <p:spPr/>
+        <p:txBody>
+          <a:bodyPr/>
+          <a:lstStyle/>
+          <a:p>
+            <a:r>
+              <a:rPr lang="pt-BR" dirty="0"/>
+              <a:t>Resposta ao degrau (Ziegle-nichols)</a:t>
+            </a:r>
+          </a:p>
+        </p:txBody>
+      </p:sp>
+      <p:pic>
+        <p:nvPicPr>
+          <p:cNvPr id="7" name="Imagem 6">
+            <a:extLst>
+              <a:ext uri="{FF2B5EF4-FFF2-40B4-BE49-F238E27FC236}">
+                <a16:creationId xmlns:a16="http://schemas.microsoft.com/office/drawing/2014/main" id="{5BA8EA6E-08BA-DDD0-8723-93AEC9CF7043}"/>
+              </a:ext>
+            </a:extLst>
+          </p:cNvPr>
+          <p:cNvPicPr>
+            <a:picLocks noChangeAspect="1"/>
+          </p:cNvPicPr>
+          <p:nvPr/>
+        </p:nvPicPr>
+        <p:blipFill>
+          <a:blip r:embed="rId2"/>
+          <a:stretch>
+            <a:fillRect/>
+          </a:stretch>
+        </p:blipFill>
+        <p:spPr>
+          <a:xfrm>
+            <a:off x="1286164" y="1827213"/>
+            <a:ext cx="8993909" cy="4496955"/>
+          </a:xfrm>
+          <a:prstGeom prst="rect">
+            <a:avLst/>
+          </a:prstGeom>
+        </p:spPr>
+      </p:pic>
+    </p:spTree>
+    <p:extLst>
+      <p:ext uri="{BB962C8B-B14F-4D97-AF65-F5344CB8AC3E}">
+        <p14:creationId xmlns:p14="http://schemas.microsoft.com/office/powerpoint/2010/main" val="1361586937"/>
       </p:ext>
     </p:extLst>
   </p:cSld>

--- a/documents/Trabalho de Sistemas Embarcados (C213).pptx
+++ b/documents/Trabalho de Sistemas Embarcados (C213).pptx
@@ -15,9 +15,11 @@
     <p:sldId id="263" r:id="rId9"/>
     <p:sldId id="264" r:id="rId10"/>
     <p:sldId id="265" r:id="rId11"/>
-    <p:sldId id="267" r:id="rId12"/>
-    <p:sldId id="266" r:id="rId13"/>
-    <p:sldId id="269" r:id="rId14"/>
+    <p:sldId id="270" r:id="rId12"/>
+    <p:sldId id="271" r:id="rId13"/>
+    <p:sldId id="267" r:id="rId14"/>
+    <p:sldId id="266" r:id="rId15"/>
+    <p:sldId id="269" r:id="rId16"/>
   </p:sldIdLst>
   <p:sldSz cx="12192000" cy="6858000"/>
   <p:notesSz cx="6858000" cy="9144000"/>
@@ -181,7 +183,7 @@
           <a:noFill/>
           <a:extLst>
             <a:ext uri="{909E8E84-426E-40dd-AFC4-6F175D3DCCD1}">
-              <a14:hiddenFill xmlns:a14="http://schemas.microsoft.com/office/drawing/2010/main" xmlns="">
+              <a14:hiddenFill xmlns="" xmlns:a14="http://schemas.microsoft.com/office/drawing/2010/main">
                 <a:solidFill>
                   <a:srgbClr val="FFFFFF"/>
                 </a:solidFill>
@@ -240,7 +242,7 @@
             </a:ln>
             <a:extLst>
               <a:ext uri="{91240B29-F687-4f45-9708-019B960494DF}">
-                <a14:hiddenLine xmlns:a14="http://schemas.microsoft.com/office/drawing/2010/main" xmlns="" w="9525">
+                <a14:hiddenLine xmlns="" xmlns:a14="http://schemas.microsoft.com/office/drawing/2010/main" w="9525">
                   <a:solidFill>
                     <a:srgbClr val="000000"/>
                   </a:solidFill>
@@ -330,7 +332,7 @@
             </a:ln>
             <a:extLst>
               <a:ext uri="{91240B29-F687-4f45-9708-019B960494DF}">
-                <a14:hiddenLine xmlns:a14="http://schemas.microsoft.com/office/drawing/2010/main" xmlns="" w="9525">
+                <a14:hiddenLine xmlns="" xmlns:a14="http://schemas.microsoft.com/office/drawing/2010/main" w="9525">
                   <a:solidFill>
                     <a:srgbClr val="000000"/>
                   </a:solidFill>
@@ -420,7 +422,7 @@
             </a:ln>
             <a:extLst>
               <a:ext uri="{91240B29-F687-4f45-9708-019B960494DF}">
-                <a14:hiddenLine xmlns:a14="http://schemas.microsoft.com/office/drawing/2010/main" xmlns="" w="9525">
+                <a14:hiddenLine xmlns="" xmlns:a14="http://schemas.microsoft.com/office/drawing/2010/main" w="9525">
                   <a:solidFill>
                     <a:srgbClr val="000000"/>
                   </a:solidFill>
@@ -454,7 +456,7 @@
             </a:ln>
             <a:extLst>
               <a:ext uri="{91240B29-F687-4f45-9708-019B960494DF}">
-                <a14:hiddenLine xmlns:a14="http://schemas.microsoft.com/office/drawing/2010/main" xmlns="" w="9525">
+                <a14:hiddenLine xmlns="" xmlns:a14="http://schemas.microsoft.com/office/drawing/2010/main" w="9525">
                   <a:solidFill>
                     <a:srgbClr val="000000"/>
                   </a:solidFill>
@@ -544,7 +546,7 @@
             </a:ln>
             <a:extLst>
               <a:ext uri="{91240B29-F687-4f45-9708-019B960494DF}">
-                <a14:hiddenLine xmlns:a14="http://schemas.microsoft.com/office/drawing/2010/main" xmlns="" w="9525">
+                <a14:hiddenLine xmlns="" xmlns:a14="http://schemas.microsoft.com/office/drawing/2010/main" w="9525">
                   <a:solidFill>
                     <a:srgbClr val="000000"/>
                   </a:solidFill>
@@ -606,7 +608,7 @@
             </a:ln>
             <a:extLst>
               <a:ext uri="{91240B29-F687-4f45-9708-019B960494DF}">
-                <a14:hiddenLine xmlns:a14="http://schemas.microsoft.com/office/drawing/2010/main" xmlns="" w="9525">
+                <a14:hiddenLine xmlns="" xmlns:a14="http://schemas.microsoft.com/office/drawing/2010/main" w="9525">
                   <a:solidFill>
                     <a:srgbClr val="000000"/>
                   </a:solidFill>
@@ -668,7 +670,7 @@
             </a:ln>
             <a:extLst>
               <a:ext uri="{91240B29-F687-4f45-9708-019B960494DF}">
-                <a14:hiddenLine xmlns:a14="http://schemas.microsoft.com/office/drawing/2010/main" xmlns="" w="9525">
+                <a14:hiddenLine xmlns="" xmlns:a14="http://schemas.microsoft.com/office/drawing/2010/main" w="9525">
                   <a:solidFill>
                     <a:srgbClr val="000000"/>
                   </a:solidFill>
@@ -758,7 +760,7 @@
             </a:ln>
             <a:extLst>
               <a:ext uri="{91240B29-F687-4f45-9708-019B960494DF}">
-                <a14:hiddenLine xmlns:a14="http://schemas.microsoft.com/office/drawing/2010/main" xmlns="" w="9525">
+                <a14:hiddenLine xmlns="" xmlns:a14="http://schemas.microsoft.com/office/drawing/2010/main" w="9525">
                   <a:solidFill>
                     <a:srgbClr val="000000"/>
                   </a:solidFill>
@@ -820,7 +822,7 @@
             </a:ln>
             <a:extLst>
               <a:ext uri="{91240B29-F687-4f45-9708-019B960494DF}">
-                <a14:hiddenLine xmlns:a14="http://schemas.microsoft.com/office/drawing/2010/main" xmlns="" w="9525">
+                <a14:hiddenLine xmlns="" xmlns:a14="http://schemas.microsoft.com/office/drawing/2010/main" w="9525">
                   <a:solidFill>
                     <a:srgbClr val="000000"/>
                   </a:solidFill>
@@ -882,7 +884,7 @@
             </a:ln>
             <a:extLst>
               <a:ext uri="{91240B29-F687-4f45-9708-019B960494DF}">
-                <a14:hiddenLine xmlns:a14="http://schemas.microsoft.com/office/drawing/2010/main" xmlns="" w="9525">
+                <a14:hiddenLine xmlns="" xmlns:a14="http://schemas.microsoft.com/office/drawing/2010/main" w="9525">
                   <a:solidFill>
                     <a:srgbClr val="000000"/>
                   </a:solidFill>
@@ -972,7 +974,7 @@
             </a:ln>
             <a:extLst>
               <a:ext uri="{91240B29-F687-4f45-9708-019B960494DF}">
-                <a14:hiddenLine xmlns:a14="http://schemas.microsoft.com/office/drawing/2010/main" xmlns="" w="9525">
+                <a14:hiddenLine xmlns="" xmlns:a14="http://schemas.microsoft.com/office/drawing/2010/main" w="9525">
                   <a:solidFill>
                     <a:srgbClr val="000000"/>
                   </a:solidFill>
@@ -1062,7 +1064,7 @@
             </a:ln>
             <a:extLst>
               <a:ext uri="{91240B29-F687-4f45-9708-019B960494DF}">
-                <a14:hiddenLine xmlns:a14="http://schemas.microsoft.com/office/drawing/2010/main" xmlns="" w="9525">
+                <a14:hiddenLine xmlns="" xmlns:a14="http://schemas.microsoft.com/office/drawing/2010/main" w="9525">
                   <a:solidFill>
                     <a:srgbClr val="000000"/>
                   </a:solidFill>
@@ -1124,7 +1126,7 @@
             </a:ln>
             <a:extLst>
               <a:ext uri="{91240B29-F687-4f45-9708-019B960494DF}">
-                <a14:hiddenLine xmlns:a14="http://schemas.microsoft.com/office/drawing/2010/main" xmlns="" w="9525">
+                <a14:hiddenLine xmlns="" xmlns:a14="http://schemas.microsoft.com/office/drawing/2010/main" w="9525">
                   <a:solidFill>
                     <a:srgbClr val="000000"/>
                   </a:solidFill>
@@ -1234,7 +1236,7 @@
             </a:ln>
             <a:extLst>
               <a:ext uri="{91240B29-F687-4f45-9708-019B960494DF}">
-                <a14:hiddenLine xmlns:a14="http://schemas.microsoft.com/office/drawing/2010/main" xmlns="" w="9525">
+                <a14:hiddenLine xmlns="" xmlns:a14="http://schemas.microsoft.com/office/drawing/2010/main" w="9525">
                   <a:solidFill>
                     <a:srgbClr val="000000"/>
                   </a:solidFill>
@@ -1296,7 +1298,7 @@
             </a:ln>
             <a:extLst>
               <a:ext uri="{91240B29-F687-4f45-9708-019B960494DF}">
-                <a14:hiddenLine xmlns:a14="http://schemas.microsoft.com/office/drawing/2010/main" xmlns="" w="9525">
+                <a14:hiddenLine xmlns="" xmlns:a14="http://schemas.microsoft.com/office/drawing/2010/main" w="9525">
                   <a:solidFill>
                     <a:srgbClr val="000000"/>
                   </a:solidFill>
@@ -1386,7 +1388,7 @@
             </a:ln>
             <a:extLst>
               <a:ext uri="{91240B29-F687-4f45-9708-019B960494DF}">
-                <a14:hiddenLine xmlns:a14="http://schemas.microsoft.com/office/drawing/2010/main" xmlns="" w="9525">
+                <a14:hiddenLine xmlns="" xmlns:a14="http://schemas.microsoft.com/office/drawing/2010/main" w="9525">
                   <a:solidFill>
                     <a:srgbClr val="000000"/>
                   </a:solidFill>
@@ -1476,7 +1478,7 @@
             </a:ln>
             <a:extLst>
               <a:ext uri="{91240B29-F687-4f45-9708-019B960494DF}">
-                <a14:hiddenLine xmlns:a14="http://schemas.microsoft.com/office/drawing/2010/main" xmlns="" w="9525">
+                <a14:hiddenLine xmlns="" xmlns:a14="http://schemas.microsoft.com/office/drawing/2010/main" w="9525">
                   <a:solidFill>
                     <a:srgbClr val="000000"/>
                   </a:solidFill>
@@ -1538,7 +1540,7 @@
             </a:ln>
             <a:extLst>
               <a:ext uri="{91240B29-F687-4f45-9708-019B960494DF}">
-                <a14:hiddenLine xmlns:a14="http://schemas.microsoft.com/office/drawing/2010/main" xmlns="" w="9525">
+                <a14:hiddenLine xmlns="" xmlns:a14="http://schemas.microsoft.com/office/drawing/2010/main" w="9525">
                   <a:solidFill>
                     <a:srgbClr val="000000"/>
                   </a:solidFill>
@@ -1628,7 +1630,7 @@
             </a:ln>
             <a:extLst>
               <a:ext uri="{91240B29-F687-4f45-9708-019B960494DF}">
-                <a14:hiddenLine xmlns:a14="http://schemas.microsoft.com/office/drawing/2010/main" xmlns="" w="9525">
+                <a14:hiddenLine xmlns="" xmlns:a14="http://schemas.microsoft.com/office/drawing/2010/main" w="9525">
                   <a:solidFill>
                     <a:srgbClr val="000000"/>
                   </a:solidFill>
@@ -1718,7 +1720,7 @@
             </a:ln>
             <a:extLst>
               <a:ext uri="{91240B29-F687-4f45-9708-019B960494DF}">
-                <a14:hiddenLine xmlns:a14="http://schemas.microsoft.com/office/drawing/2010/main" xmlns="" w="9525">
+                <a14:hiddenLine xmlns="" xmlns:a14="http://schemas.microsoft.com/office/drawing/2010/main" w="9525">
                   <a:solidFill>
                     <a:srgbClr val="000000"/>
                   </a:solidFill>
@@ -1774,7 +1776,7 @@
             </a:ln>
             <a:extLst>
               <a:ext uri="{91240B29-F687-4f45-9708-019B960494DF}">
-                <a14:hiddenLine xmlns:a14="http://schemas.microsoft.com/office/drawing/2010/main" xmlns="" w="9525">
+                <a14:hiddenLine xmlns="" xmlns:a14="http://schemas.microsoft.com/office/drawing/2010/main" w="9525">
                   <a:solidFill>
                     <a:srgbClr val="000000"/>
                   </a:solidFill>
@@ -1864,7 +1866,7 @@
             </a:ln>
             <a:extLst>
               <a:ext uri="{91240B29-F687-4f45-9708-019B960494DF}">
-                <a14:hiddenLine xmlns:a14="http://schemas.microsoft.com/office/drawing/2010/main" xmlns="" w="9525">
+                <a14:hiddenLine xmlns="" xmlns:a14="http://schemas.microsoft.com/office/drawing/2010/main" w="9525">
                   <a:solidFill>
                     <a:srgbClr val="000000"/>
                   </a:solidFill>
@@ -1920,7 +1922,7 @@
             </a:ln>
             <a:extLst>
               <a:ext uri="{91240B29-F687-4f45-9708-019B960494DF}">
-                <a14:hiddenLine xmlns:a14="http://schemas.microsoft.com/office/drawing/2010/main" xmlns="" w="9525">
+                <a14:hiddenLine xmlns="" xmlns:a14="http://schemas.microsoft.com/office/drawing/2010/main" w="9525">
                   <a:solidFill>
                     <a:srgbClr val="000000"/>
                   </a:solidFill>
@@ -2010,7 +2012,7 @@
             </a:ln>
             <a:extLst>
               <a:ext uri="{91240B29-F687-4f45-9708-019B960494DF}">
-                <a14:hiddenLine xmlns:a14="http://schemas.microsoft.com/office/drawing/2010/main" xmlns="" w="9525">
+                <a14:hiddenLine xmlns="" xmlns:a14="http://schemas.microsoft.com/office/drawing/2010/main" w="9525">
                   <a:solidFill>
                     <a:srgbClr val="000000"/>
                   </a:solidFill>
@@ -2078,7 +2080,7 @@
             </a:ln>
             <a:extLst>
               <a:ext uri="{91240B29-F687-4f45-9708-019B960494DF}">
-                <a14:hiddenLine xmlns:a14="http://schemas.microsoft.com/office/drawing/2010/main" xmlns="" w="9525">
+                <a14:hiddenLine xmlns="" xmlns:a14="http://schemas.microsoft.com/office/drawing/2010/main" w="9525">
                   <a:solidFill>
                     <a:srgbClr val="000000"/>
                   </a:solidFill>
@@ -2168,7 +2170,7 @@
             </a:ln>
             <a:extLst>
               <a:ext uri="{91240B29-F687-4f45-9708-019B960494DF}">
-                <a14:hiddenLine xmlns:a14="http://schemas.microsoft.com/office/drawing/2010/main" xmlns="" w="9525">
+                <a14:hiddenLine xmlns="" xmlns:a14="http://schemas.microsoft.com/office/drawing/2010/main" w="9525">
                   <a:solidFill>
                     <a:srgbClr val="000000"/>
                   </a:solidFill>
@@ -2236,7 +2238,7 @@
             </a:ln>
             <a:extLst>
               <a:ext uri="{91240B29-F687-4f45-9708-019B960494DF}">
-                <a14:hiddenLine xmlns:a14="http://schemas.microsoft.com/office/drawing/2010/main" xmlns="" w="9525">
+                <a14:hiddenLine xmlns="" xmlns:a14="http://schemas.microsoft.com/office/drawing/2010/main" w="9525">
                   <a:solidFill>
                     <a:srgbClr val="000000"/>
                   </a:solidFill>
@@ -2326,7 +2328,7 @@
             </a:ln>
             <a:extLst>
               <a:ext uri="{91240B29-F687-4f45-9708-019B960494DF}">
-                <a14:hiddenLine xmlns:a14="http://schemas.microsoft.com/office/drawing/2010/main" xmlns="" w="9525">
+                <a14:hiddenLine xmlns="" xmlns:a14="http://schemas.microsoft.com/office/drawing/2010/main" w="9525">
                   <a:solidFill>
                     <a:srgbClr val="000000"/>
                   </a:solidFill>
@@ -2360,7 +2362,7 @@
             </a:ln>
             <a:extLst>
               <a:ext uri="{91240B29-F687-4f45-9708-019B960494DF}">
-                <a14:hiddenLine xmlns:a14="http://schemas.microsoft.com/office/drawing/2010/main" xmlns="" w="9525">
+                <a14:hiddenLine xmlns="" xmlns:a14="http://schemas.microsoft.com/office/drawing/2010/main" w="9525">
                   <a:solidFill>
                     <a:srgbClr val="000000"/>
                   </a:solidFill>
@@ -2450,7 +2452,7 @@
             </a:ln>
             <a:extLst>
               <a:ext uri="{91240B29-F687-4f45-9708-019B960494DF}">
-                <a14:hiddenLine xmlns:a14="http://schemas.microsoft.com/office/drawing/2010/main" xmlns="" w="9525">
+                <a14:hiddenLine xmlns="" xmlns:a14="http://schemas.microsoft.com/office/drawing/2010/main" w="9525">
                   <a:solidFill>
                     <a:srgbClr val="000000"/>
                   </a:solidFill>
@@ -2512,7 +2514,7 @@
             </a:ln>
             <a:extLst>
               <a:ext uri="{91240B29-F687-4f45-9708-019B960494DF}">
-                <a14:hiddenLine xmlns:a14="http://schemas.microsoft.com/office/drawing/2010/main" xmlns="" w="9525">
+                <a14:hiddenLine xmlns="" xmlns:a14="http://schemas.microsoft.com/office/drawing/2010/main" w="9525">
                   <a:solidFill>
                     <a:srgbClr val="000000"/>
                   </a:solidFill>
@@ -2574,7 +2576,7 @@
             </a:ln>
             <a:extLst>
               <a:ext uri="{91240B29-F687-4f45-9708-019B960494DF}">
-                <a14:hiddenLine xmlns:a14="http://schemas.microsoft.com/office/drawing/2010/main" xmlns="" w="9525">
+                <a14:hiddenLine xmlns="" xmlns:a14="http://schemas.microsoft.com/office/drawing/2010/main" w="9525">
                   <a:solidFill>
                     <a:srgbClr val="000000"/>
                   </a:solidFill>
@@ -2664,7 +2666,7 @@
             </a:ln>
             <a:extLst>
               <a:ext uri="{91240B29-F687-4f45-9708-019B960494DF}">
-                <a14:hiddenLine xmlns:a14="http://schemas.microsoft.com/office/drawing/2010/main" xmlns="" w="9525">
+                <a14:hiddenLine xmlns="" xmlns:a14="http://schemas.microsoft.com/office/drawing/2010/main" w="9525">
                   <a:solidFill>
                     <a:srgbClr val="000000"/>
                   </a:solidFill>
@@ -2732,7 +2734,7 @@
             </a:ln>
             <a:extLst>
               <a:ext uri="{91240B29-F687-4f45-9708-019B960494DF}">
-                <a14:hiddenLine xmlns:a14="http://schemas.microsoft.com/office/drawing/2010/main" xmlns="" w="9525">
+                <a14:hiddenLine xmlns="" xmlns:a14="http://schemas.microsoft.com/office/drawing/2010/main" w="9525">
                   <a:solidFill>
                     <a:srgbClr val="000000"/>
                   </a:solidFill>
@@ -2794,7 +2796,7 @@
             </a:ln>
             <a:extLst>
               <a:ext uri="{91240B29-F687-4f45-9708-019B960494DF}">
-                <a14:hiddenLine xmlns:a14="http://schemas.microsoft.com/office/drawing/2010/main" xmlns="" w="9525">
+                <a14:hiddenLine xmlns="" xmlns:a14="http://schemas.microsoft.com/office/drawing/2010/main" w="9525">
                   <a:solidFill>
                     <a:srgbClr val="000000"/>
                   </a:solidFill>
@@ -2884,7 +2886,7 @@
             </a:ln>
             <a:extLst>
               <a:ext uri="{91240B29-F687-4f45-9708-019B960494DF}">
-                <a14:hiddenLine xmlns:a14="http://schemas.microsoft.com/office/drawing/2010/main" xmlns="" w="9525">
+                <a14:hiddenLine xmlns="" xmlns:a14="http://schemas.microsoft.com/office/drawing/2010/main" w="9525">
                   <a:solidFill>
                     <a:srgbClr val="000000"/>
                   </a:solidFill>
@@ -2946,7 +2948,7 @@
             </a:ln>
             <a:extLst>
               <a:ext uri="{91240B29-F687-4f45-9708-019B960494DF}">
-                <a14:hiddenLine xmlns:a14="http://schemas.microsoft.com/office/drawing/2010/main" xmlns="" w="9525">
+                <a14:hiddenLine xmlns="" xmlns:a14="http://schemas.microsoft.com/office/drawing/2010/main" w="9525">
                   <a:solidFill>
                     <a:srgbClr val="000000"/>
                   </a:solidFill>
@@ -3036,7 +3038,7 @@
             </a:ln>
             <a:extLst>
               <a:ext uri="{91240B29-F687-4f45-9708-019B960494DF}">
-                <a14:hiddenLine xmlns:a14="http://schemas.microsoft.com/office/drawing/2010/main" xmlns="" w="9525">
+                <a14:hiddenLine xmlns="" xmlns:a14="http://schemas.microsoft.com/office/drawing/2010/main" w="9525">
                   <a:solidFill>
                     <a:srgbClr val="000000"/>
                   </a:solidFill>
@@ -3098,7 +3100,7 @@
             </a:ln>
             <a:extLst>
               <a:ext uri="{91240B29-F687-4f45-9708-019B960494DF}">
-                <a14:hiddenLine xmlns:a14="http://schemas.microsoft.com/office/drawing/2010/main" xmlns="" w="9525">
+                <a14:hiddenLine xmlns="" xmlns:a14="http://schemas.microsoft.com/office/drawing/2010/main" w="9525">
                   <a:solidFill>
                     <a:srgbClr val="000000"/>
                   </a:solidFill>
@@ -3188,7 +3190,7 @@
             </a:ln>
             <a:extLst>
               <a:ext uri="{91240B29-F687-4f45-9708-019B960494DF}">
-                <a14:hiddenLine xmlns:a14="http://schemas.microsoft.com/office/drawing/2010/main" xmlns="" w="9525">
+                <a14:hiddenLine xmlns="" xmlns:a14="http://schemas.microsoft.com/office/drawing/2010/main" w="9525">
                   <a:solidFill>
                     <a:srgbClr val="000000"/>
                   </a:solidFill>
@@ -3222,7 +3224,7 @@
             </a:ln>
             <a:extLst>
               <a:ext uri="{91240B29-F687-4f45-9708-019B960494DF}">
-                <a14:hiddenLine xmlns:a14="http://schemas.microsoft.com/office/drawing/2010/main" xmlns="" w="9525">
+                <a14:hiddenLine xmlns="" xmlns:a14="http://schemas.microsoft.com/office/drawing/2010/main" w="9525">
                   <a:solidFill>
                     <a:srgbClr val="000000"/>
                   </a:solidFill>
@@ -3287,7 +3289,7 @@
             </a:ln>
             <a:extLst>
               <a:ext uri="{91240B29-F687-4f45-9708-019B960494DF}">
-                <a14:hiddenLine xmlns:a14="http://schemas.microsoft.com/office/drawing/2010/main" xmlns="" w="9525">
+                <a14:hiddenLine xmlns="" xmlns:a14="http://schemas.microsoft.com/office/drawing/2010/main" w="9525">
                   <a:solidFill>
                     <a:srgbClr val="000000"/>
                   </a:solidFill>
@@ -3377,7 +3379,7 @@
             </a:ln>
             <a:extLst>
               <a:ext uri="{91240B29-F687-4f45-9708-019B960494DF}">
-                <a14:hiddenLine xmlns:a14="http://schemas.microsoft.com/office/drawing/2010/main" xmlns="" w="9525">
+                <a14:hiddenLine xmlns="" xmlns:a14="http://schemas.microsoft.com/office/drawing/2010/main" w="9525">
                   <a:solidFill>
                     <a:srgbClr val="000000"/>
                   </a:solidFill>
@@ -3439,7 +3441,7 @@
             </a:ln>
             <a:extLst>
               <a:ext uri="{91240B29-F687-4f45-9708-019B960494DF}">
-                <a14:hiddenLine xmlns:a14="http://schemas.microsoft.com/office/drawing/2010/main" xmlns="" w="9525">
+                <a14:hiddenLine xmlns="" xmlns:a14="http://schemas.microsoft.com/office/drawing/2010/main" w="9525">
                   <a:solidFill>
                     <a:srgbClr val="000000"/>
                   </a:solidFill>
@@ -3529,7 +3531,7 @@
             </a:ln>
             <a:extLst>
               <a:ext uri="{91240B29-F687-4f45-9708-019B960494DF}">
-                <a14:hiddenLine xmlns:a14="http://schemas.microsoft.com/office/drawing/2010/main" xmlns="" w="9525">
+                <a14:hiddenLine xmlns="" xmlns:a14="http://schemas.microsoft.com/office/drawing/2010/main" w="9525">
                   <a:solidFill>
                     <a:srgbClr val="000000"/>
                   </a:solidFill>
@@ -3619,7 +3621,7 @@
             </a:ln>
             <a:extLst>
               <a:ext uri="{91240B29-F687-4f45-9708-019B960494DF}">
-                <a14:hiddenLine xmlns:a14="http://schemas.microsoft.com/office/drawing/2010/main" xmlns="" w="9525">
+                <a14:hiddenLine xmlns="" xmlns:a14="http://schemas.microsoft.com/office/drawing/2010/main" w="9525">
                   <a:solidFill>
                     <a:srgbClr val="000000"/>
                   </a:solidFill>
@@ -3684,7 +3686,7 @@
             </a:ln>
             <a:extLst>
               <a:ext uri="{91240B29-F687-4f45-9708-019B960494DF}">
-                <a14:hiddenLine xmlns:a14="http://schemas.microsoft.com/office/drawing/2010/main" xmlns="" w="9525">
+                <a14:hiddenLine xmlns="" xmlns:a14="http://schemas.microsoft.com/office/drawing/2010/main" w="9525">
                   <a:solidFill>
                     <a:srgbClr val="000000"/>
                   </a:solidFill>
@@ -3746,7 +3748,7 @@
             </a:ln>
             <a:extLst>
               <a:ext uri="{91240B29-F687-4f45-9708-019B960494DF}">
-                <a14:hiddenLine xmlns:a14="http://schemas.microsoft.com/office/drawing/2010/main" xmlns="" w="9525">
+                <a14:hiddenLine xmlns="" xmlns:a14="http://schemas.microsoft.com/office/drawing/2010/main" w="9525">
                   <a:solidFill>
                     <a:srgbClr val="000000"/>
                   </a:solidFill>
@@ -3836,7 +3838,7 @@
             </a:ln>
             <a:extLst>
               <a:ext uri="{91240B29-F687-4f45-9708-019B960494DF}">
-                <a14:hiddenLine xmlns:a14="http://schemas.microsoft.com/office/drawing/2010/main" xmlns="" w="9525">
+                <a14:hiddenLine xmlns="" xmlns:a14="http://schemas.microsoft.com/office/drawing/2010/main" w="9525">
                   <a:solidFill>
                     <a:srgbClr val="000000"/>
                   </a:solidFill>
@@ -3926,7 +3928,7 @@
             </a:ln>
             <a:extLst>
               <a:ext uri="{91240B29-F687-4f45-9708-019B960494DF}">
-                <a14:hiddenLine xmlns:a14="http://schemas.microsoft.com/office/drawing/2010/main" xmlns="" w="9525">
+                <a14:hiddenLine xmlns="" xmlns:a14="http://schemas.microsoft.com/office/drawing/2010/main" w="9525">
                   <a:solidFill>
                     <a:srgbClr val="000000"/>
                   </a:solidFill>
@@ -3988,7 +3990,7 @@
             </a:ln>
             <a:extLst>
               <a:ext uri="{91240B29-F687-4f45-9708-019B960494DF}">
-                <a14:hiddenLine xmlns:a14="http://schemas.microsoft.com/office/drawing/2010/main" xmlns="" w="9525">
+                <a14:hiddenLine xmlns="" xmlns:a14="http://schemas.microsoft.com/office/drawing/2010/main" w="9525">
                   <a:solidFill>
                     <a:srgbClr val="000000"/>
                   </a:solidFill>
@@ -4108,7 +4110,7 @@
             </a:ln>
             <a:extLst>
               <a:ext uri="{91240B29-F687-4f45-9708-019B960494DF}">
-                <a14:hiddenLine xmlns:a14="http://schemas.microsoft.com/office/drawing/2010/main" xmlns="" w="9525">
+                <a14:hiddenLine xmlns="" xmlns:a14="http://schemas.microsoft.com/office/drawing/2010/main" w="9525">
                   <a:solidFill>
                     <a:srgbClr val="000000"/>
                   </a:solidFill>
@@ -4176,7 +4178,7 @@
             </a:ln>
             <a:extLst>
               <a:ext uri="{91240B29-F687-4f45-9708-019B960494DF}">
-                <a14:hiddenLine xmlns:a14="http://schemas.microsoft.com/office/drawing/2010/main" xmlns="" w="9525">
+                <a14:hiddenLine xmlns="" xmlns:a14="http://schemas.microsoft.com/office/drawing/2010/main" w="9525">
                   <a:solidFill>
                     <a:srgbClr val="000000"/>
                   </a:solidFill>
@@ -4266,7 +4268,7 @@
             </a:ln>
             <a:extLst>
               <a:ext uri="{91240B29-F687-4f45-9708-019B960494DF}">
-                <a14:hiddenLine xmlns:a14="http://schemas.microsoft.com/office/drawing/2010/main" xmlns="" w="9525">
+                <a14:hiddenLine xmlns="" xmlns:a14="http://schemas.microsoft.com/office/drawing/2010/main" w="9525">
                   <a:solidFill>
                     <a:srgbClr val="000000"/>
                   </a:solidFill>
@@ -8995,7 +8997,7 @@
           <a:noFill/>
           <a:extLst>
             <a:ext uri="{909E8E84-426E-40dd-AFC4-6F175D3DCCD1}">
-              <a14:hiddenFill xmlns:a14="http://schemas.microsoft.com/office/drawing/2010/main" xmlns="">
+              <a14:hiddenFill xmlns="" xmlns:a14="http://schemas.microsoft.com/office/drawing/2010/main">
                 <a:solidFill>
                   <a:srgbClr val="FFFFFF"/>
                 </a:solidFill>
@@ -9069,7 +9071,7 @@
               </a:ln>
               <a:extLst>
                 <a:ext uri="{91240B29-F687-4f45-9708-019B960494DF}">
-                  <a14:hiddenLine xmlns:a14="http://schemas.microsoft.com/office/drawing/2010/main" xmlns="" w="9525">
+                  <a14:hiddenLine xmlns="" xmlns:a14="http://schemas.microsoft.com/office/drawing/2010/main" w="9525">
                     <a:solidFill>
                       <a:srgbClr val="000000"/>
                     </a:solidFill>
@@ -9159,7 +9161,7 @@
               </a:ln>
               <a:extLst>
                 <a:ext uri="{91240B29-F687-4f45-9708-019B960494DF}">
-                  <a14:hiddenLine xmlns:a14="http://schemas.microsoft.com/office/drawing/2010/main" xmlns="" w="9525">
+                  <a14:hiddenLine xmlns="" xmlns:a14="http://schemas.microsoft.com/office/drawing/2010/main" w="9525">
                     <a:solidFill>
                       <a:srgbClr val="000000"/>
                     </a:solidFill>
@@ -9249,7 +9251,7 @@
               </a:ln>
               <a:extLst>
                 <a:ext uri="{91240B29-F687-4f45-9708-019B960494DF}">
-                  <a14:hiddenLine xmlns:a14="http://schemas.microsoft.com/office/drawing/2010/main" xmlns="" w="9525">
+                  <a14:hiddenLine xmlns="" xmlns:a14="http://schemas.microsoft.com/office/drawing/2010/main" w="9525">
                     <a:solidFill>
                       <a:srgbClr val="000000"/>
                     </a:solidFill>
@@ -9311,7 +9313,7 @@
               </a:ln>
               <a:extLst>
                 <a:ext uri="{91240B29-F687-4f45-9708-019B960494DF}">
-                  <a14:hiddenLine xmlns:a14="http://schemas.microsoft.com/office/drawing/2010/main" xmlns="" w="9525">
+                  <a14:hiddenLine xmlns="" xmlns:a14="http://schemas.microsoft.com/office/drawing/2010/main" w="9525">
                     <a:solidFill>
                       <a:srgbClr val="000000"/>
                     </a:solidFill>
@@ -9401,7 +9403,7 @@
               </a:ln>
               <a:extLst>
                 <a:ext uri="{91240B29-F687-4f45-9708-019B960494DF}">
-                  <a14:hiddenLine xmlns:a14="http://schemas.microsoft.com/office/drawing/2010/main" xmlns="" w="9525">
+                  <a14:hiddenLine xmlns="" xmlns:a14="http://schemas.microsoft.com/office/drawing/2010/main" w="9525">
                     <a:solidFill>
                       <a:srgbClr val="000000"/>
                     </a:solidFill>
@@ -9463,7 +9465,7 @@
               </a:ln>
               <a:extLst>
                 <a:ext uri="{91240B29-F687-4f45-9708-019B960494DF}">
-                  <a14:hiddenLine xmlns:a14="http://schemas.microsoft.com/office/drawing/2010/main" xmlns="" w="9525">
+                  <a14:hiddenLine xmlns="" xmlns:a14="http://schemas.microsoft.com/office/drawing/2010/main" w="9525">
                     <a:solidFill>
                       <a:srgbClr val="000000"/>
                     </a:solidFill>
@@ -9525,7 +9527,7 @@
               </a:ln>
               <a:extLst>
                 <a:ext uri="{91240B29-F687-4f45-9708-019B960494DF}">
-                  <a14:hiddenLine xmlns:a14="http://schemas.microsoft.com/office/drawing/2010/main" xmlns="" w="9525">
+                  <a14:hiddenLine xmlns="" xmlns:a14="http://schemas.microsoft.com/office/drawing/2010/main" w="9525">
                     <a:solidFill>
                       <a:srgbClr val="000000"/>
                     </a:solidFill>
@@ -9615,7 +9617,7 @@
               </a:ln>
               <a:extLst>
                 <a:ext uri="{91240B29-F687-4f45-9708-019B960494DF}">
-                  <a14:hiddenLine xmlns:a14="http://schemas.microsoft.com/office/drawing/2010/main" xmlns="" w="9525">
+                  <a14:hiddenLine xmlns="" xmlns:a14="http://schemas.microsoft.com/office/drawing/2010/main" w="9525">
                     <a:solidFill>
                       <a:srgbClr val="000000"/>
                     </a:solidFill>
@@ -9705,7 +9707,7 @@
               </a:ln>
               <a:extLst>
                 <a:ext uri="{91240B29-F687-4f45-9708-019B960494DF}">
-                  <a14:hiddenLine xmlns:a14="http://schemas.microsoft.com/office/drawing/2010/main" xmlns="" w="9525">
+                  <a14:hiddenLine xmlns="" xmlns:a14="http://schemas.microsoft.com/office/drawing/2010/main" w="9525">
                     <a:solidFill>
                       <a:srgbClr val="000000"/>
                     </a:solidFill>
@@ -9767,7 +9769,7 @@
               </a:ln>
               <a:extLst>
                 <a:ext uri="{91240B29-F687-4f45-9708-019B960494DF}">
-                  <a14:hiddenLine xmlns:a14="http://schemas.microsoft.com/office/drawing/2010/main" xmlns="" w="9525">
+                  <a14:hiddenLine xmlns="" xmlns:a14="http://schemas.microsoft.com/office/drawing/2010/main" w="9525">
                     <a:solidFill>
                       <a:srgbClr val="000000"/>
                     </a:solidFill>
@@ -9877,7 +9879,7 @@
               </a:ln>
               <a:extLst>
                 <a:ext uri="{91240B29-F687-4f45-9708-019B960494DF}">
-                  <a14:hiddenLine xmlns:a14="http://schemas.microsoft.com/office/drawing/2010/main" xmlns="" w="9525">
+                  <a14:hiddenLine xmlns="" xmlns:a14="http://schemas.microsoft.com/office/drawing/2010/main" w="9525">
                     <a:solidFill>
                       <a:srgbClr val="000000"/>
                     </a:solidFill>
@@ -9961,7 +9963,7 @@
               </a:ln>
               <a:extLst>
                 <a:ext uri="{91240B29-F687-4f45-9708-019B960494DF}">
-                  <a14:hiddenLine xmlns:a14="http://schemas.microsoft.com/office/drawing/2010/main" xmlns="" w="9525">
+                  <a14:hiddenLine xmlns="" xmlns:a14="http://schemas.microsoft.com/office/drawing/2010/main" w="9525">
                     <a:solidFill>
                       <a:srgbClr val="000000"/>
                     </a:solidFill>
@@ -10023,7 +10025,7 @@
               </a:ln>
               <a:extLst>
                 <a:ext uri="{91240B29-F687-4f45-9708-019B960494DF}">
-                  <a14:hiddenLine xmlns:a14="http://schemas.microsoft.com/office/drawing/2010/main" xmlns="" w="9525">
+                  <a14:hiddenLine xmlns="" xmlns:a14="http://schemas.microsoft.com/office/drawing/2010/main" w="9525">
                     <a:solidFill>
                       <a:srgbClr val="000000"/>
                     </a:solidFill>
@@ -10085,7 +10087,7 @@
               </a:ln>
               <a:extLst>
                 <a:ext uri="{91240B29-F687-4f45-9708-019B960494DF}">
-                  <a14:hiddenLine xmlns:a14="http://schemas.microsoft.com/office/drawing/2010/main" xmlns="" w="9525">
+                  <a14:hiddenLine xmlns="" xmlns:a14="http://schemas.microsoft.com/office/drawing/2010/main" w="9525">
                     <a:solidFill>
                       <a:srgbClr val="000000"/>
                     </a:solidFill>
@@ -10175,7 +10177,7 @@
               </a:ln>
               <a:extLst>
                 <a:ext uri="{91240B29-F687-4f45-9708-019B960494DF}">
-                  <a14:hiddenLine xmlns:a14="http://schemas.microsoft.com/office/drawing/2010/main" xmlns="" w="9525">
+                  <a14:hiddenLine xmlns="" xmlns:a14="http://schemas.microsoft.com/office/drawing/2010/main" w="9525">
                     <a:solidFill>
                       <a:srgbClr val="000000"/>
                     </a:solidFill>
@@ -10209,7 +10211,7 @@
               </a:ln>
               <a:extLst>
                 <a:ext uri="{91240B29-F687-4f45-9708-019B960494DF}">
-                  <a14:hiddenLine xmlns:a14="http://schemas.microsoft.com/office/drawing/2010/main" xmlns="" w="9525">
+                  <a14:hiddenLine xmlns="" xmlns:a14="http://schemas.microsoft.com/office/drawing/2010/main" w="9525">
                     <a:solidFill>
                       <a:srgbClr val="000000"/>
                     </a:solidFill>
@@ -10274,7 +10276,7 @@
               </a:ln>
               <a:extLst>
                 <a:ext uri="{91240B29-F687-4f45-9708-019B960494DF}">
-                  <a14:hiddenLine xmlns:a14="http://schemas.microsoft.com/office/drawing/2010/main" xmlns="" w="9525">
+                  <a14:hiddenLine xmlns="" xmlns:a14="http://schemas.microsoft.com/office/drawing/2010/main" w="9525">
                     <a:solidFill>
                       <a:srgbClr val="000000"/>
                     </a:solidFill>
@@ -10364,7 +10366,7 @@
               </a:ln>
               <a:extLst>
                 <a:ext uri="{91240B29-F687-4f45-9708-019B960494DF}">
-                  <a14:hiddenLine xmlns:a14="http://schemas.microsoft.com/office/drawing/2010/main" xmlns="" w="9525">
+                  <a14:hiddenLine xmlns="" xmlns:a14="http://schemas.microsoft.com/office/drawing/2010/main" w="9525">
                     <a:solidFill>
                       <a:srgbClr val="000000"/>
                     </a:solidFill>
@@ -10426,7 +10428,7 @@
               </a:ln>
               <a:extLst>
                 <a:ext uri="{91240B29-F687-4f45-9708-019B960494DF}">
-                  <a14:hiddenLine xmlns:a14="http://schemas.microsoft.com/office/drawing/2010/main" xmlns="" w="9525">
+                  <a14:hiddenLine xmlns="" xmlns:a14="http://schemas.microsoft.com/office/drawing/2010/main" w="9525">
                     <a:solidFill>
                       <a:srgbClr val="000000"/>
                     </a:solidFill>
@@ -10516,7 +10518,7 @@
               </a:ln>
               <a:extLst>
                 <a:ext uri="{91240B29-F687-4f45-9708-019B960494DF}">
-                  <a14:hiddenLine xmlns:a14="http://schemas.microsoft.com/office/drawing/2010/main" xmlns="" w="9525">
+                  <a14:hiddenLine xmlns="" xmlns:a14="http://schemas.microsoft.com/office/drawing/2010/main" w="9525">
                     <a:solidFill>
                       <a:srgbClr val="000000"/>
                     </a:solidFill>
@@ -10581,7 +10583,7 @@
               </a:ln>
               <a:extLst>
                 <a:ext uri="{91240B29-F687-4f45-9708-019B960494DF}">
-                  <a14:hiddenLine xmlns:a14="http://schemas.microsoft.com/office/drawing/2010/main" xmlns="" w="9525">
+                  <a14:hiddenLine xmlns="" xmlns:a14="http://schemas.microsoft.com/office/drawing/2010/main" w="9525">
                     <a:solidFill>
                       <a:srgbClr val="000000"/>
                     </a:solidFill>
@@ -10643,7 +10645,7 @@
               </a:ln>
               <a:extLst>
                 <a:ext uri="{91240B29-F687-4f45-9708-019B960494DF}">
-                  <a14:hiddenLine xmlns:a14="http://schemas.microsoft.com/office/drawing/2010/main" xmlns="" w="9525">
+                  <a14:hiddenLine xmlns="" xmlns:a14="http://schemas.microsoft.com/office/drawing/2010/main" w="9525">
                     <a:solidFill>
                       <a:srgbClr val="000000"/>
                     </a:solidFill>
@@ -10733,7 +10735,7 @@
               </a:ln>
               <a:extLst>
                 <a:ext uri="{91240B29-F687-4f45-9708-019B960494DF}">
-                  <a14:hiddenLine xmlns:a14="http://schemas.microsoft.com/office/drawing/2010/main" xmlns="" w="9525">
+                  <a14:hiddenLine xmlns="" xmlns:a14="http://schemas.microsoft.com/office/drawing/2010/main" w="9525">
                     <a:solidFill>
                       <a:srgbClr val="000000"/>
                     </a:solidFill>
@@ -10823,7 +10825,7 @@
               </a:ln>
               <a:extLst>
                 <a:ext uri="{91240B29-F687-4f45-9708-019B960494DF}">
-                  <a14:hiddenLine xmlns:a14="http://schemas.microsoft.com/office/drawing/2010/main" xmlns="" w="9525">
+                  <a14:hiddenLine xmlns="" xmlns:a14="http://schemas.microsoft.com/office/drawing/2010/main" w="9525">
                     <a:solidFill>
                       <a:srgbClr val="000000"/>
                     </a:solidFill>
@@ -10888,7 +10890,7 @@
               </a:ln>
               <a:extLst>
                 <a:ext uri="{91240B29-F687-4f45-9708-019B960494DF}">
-                  <a14:hiddenLine xmlns:a14="http://schemas.microsoft.com/office/drawing/2010/main" xmlns="" w="9525">
+                  <a14:hiddenLine xmlns="" xmlns:a14="http://schemas.microsoft.com/office/drawing/2010/main" w="9525">
                     <a:solidFill>
                       <a:srgbClr val="000000"/>
                     </a:solidFill>
@@ -11008,7 +11010,7 @@
               </a:ln>
               <a:extLst>
                 <a:ext uri="{91240B29-F687-4f45-9708-019B960494DF}">
-                  <a14:hiddenLine xmlns:a14="http://schemas.microsoft.com/office/drawing/2010/main" xmlns="" w="9525">
+                  <a14:hiddenLine xmlns="" xmlns:a14="http://schemas.microsoft.com/office/drawing/2010/main" w="9525">
                     <a:solidFill>
                       <a:srgbClr val="000000"/>
                     </a:solidFill>
@@ -11089,7 +11091,7 @@
               </a:ln>
               <a:extLst>
                 <a:ext uri="{91240B29-F687-4f45-9708-019B960494DF}">
-                  <a14:hiddenLine xmlns:a14="http://schemas.microsoft.com/office/drawing/2010/main" xmlns="" w="9525">
+                  <a14:hiddenLine xmlns="" xmlns:a14="http://schemas.microsoft.com/office/drawing/2010/main" w="9525">
                     <a:solidFill>
                       <a:srgbClr val="000000"/>
                     </a:solidFill>
@@ -11204,7 +11206,7 @@
               </a:ln>
               <a:extLst>
                 <a:ext uri="{91240B29-F687-4f45-9708-019B960494DF}">
-                  <a14:hiddenLine xmlns:a14="http://schemas.microsoft.com/office/drawing/2010/main" xmlns="" w="9525">
+                  <a14:hiddenLine xmlns="" xmlns:a14="http://schemas.microsoft.com/office/drawing/2010/main" w="9525">
                     <a:solidFill>
                       <a:srgbClr val="000000"/>
                     </a:solidFill>
@@ -11294,7 +11296,7 @@
               </a:ln>
               <a:extLst>
                 <a:ext uri="{91240B29-F687-4f45-9708-019B960494DF}">
-                  <a14:hiddenLine xmlns:a14="http://schemas.microsoft.com/office/drawing/2010/main" xmlns="" w="9525">
+                  <a14:hiddenLine xmlns="" xmlns:a14="http://schemas.microsoft.com/office/drawing/2010/main" w="9525">
                     <a:solidFill>
                       <a:srgbClr val="000000"/>
                     </a:solidFill>
@@ -11359,7 +11361,7 @@
               </a:ln>
               <a:extLst>
                 <a:ext uri="{91240B29-F687-4f45-9708-019B960494DF}">
-                  <a14:hiddenLine xmlns:a14="http://schemas.microsoft.com/office/drawing/2010/main" xmlns="" w="9525">
+                  <a14:hiddenLine xmlns="" xmlns:a14="http://schemas.microsoft.com/office/drawing/2010/main" w="9525">
                     <a:solidFill>
                       <a:srgbClr val="000000"/>
                     </a:solidFill>
@@ -11449,7 +11451,7 @@
               </a:ln>
               <a:extLst>
                 <a:ext uri="{91240B29-F687-4f45-9708-019B960494DF}">
-                  <a14:hiddenLine xmlns:a14="http://schemas.microsoft.com/office/drawing/2010/main" xmlns="" w="9525">
+                  <a14:hiddenLine xmlns="" xmlns:a14="http://schemas.microsoft.com/office/drawing/2010/main" w="9525">
                     <a:solidFill>
                       <a:srgbClr val="000000"/>
                     </a:solidFill>
@@ -11517,7 +11519,7 @@
               </a:ln>
               <a:extLst>
                 <a:ext uri="{91240B29-F687-4f45-9708-019B960494DF}">
-                  <a14:hiddenLine xmlns:a14="http://schemas.microsoft.com/office/drawing/2010/main" xmlns="" w="9525">
+                  <a14:hiddenLine xmlns="" xmlns:a14="http://schemas.microsoft.com/office/drawing/2010/main" w="9525">
                     <a:solidFill>
                       <a:srgbClr val="000000"/>
                     </a:solidFill>
@@ -11607,7 +11609,7 @@
               </a:ln>
               <a:extLst>
                 <a:ext uri="{91240B29-F687-4f45-9708-019B960494DF}">
-                  <a14:hiddenLine xmlns:a14="http://schemas.microsoft.com/office/drawing/2010/main" xmlns="" w="9525">
+                  <a14:hiddenLine xmlns="" xmlns:a14="http://schemas.microsoft.com/office/drawing/2010/main" w="9525">
                     <a:solidFill>
                       <a:srgbClr val="000000"/>
                     </a:solidFill>
@@ -11675,7 +11677,7 @@
               </a:ln>
               <a:extLst>
                 <a:ext uri="{91240B29-F687-4f45-9708-019B960494DF}">
-                  <a14:hiddenLine xmlns:a14="http://schemas.microsoft.com/office/drawing/2010/main" xmlns="" w="9525">
+                  <a14:hiddenLine xmlns="" xmlns:a14="http://schemas.microsoft.com/office/drawing/2010/main" w="9525">
                     <a:solidFill>
                       <a:srgbClr val="000000"/>
                     </a:solidFill>
@@ -11765,7 +11767,7 @@
               </a:ln>
               <a:extLst>
                 <a:ext uri="{91240B29-F687-4f45-9708-019B960494DF}">
-                  <a14:hiddenLine xmlns:a14="http://schemas.microsoft.com/office/drawing/2010/main" xmlns="" w="9525">
+                  <a14:hiddenLine xmlns="" xmlns:a14="http://schemas.microsoft.com/office/drawing/2010/main" w="9525">
                     <a:solidFill>
                       <a:srgbClr val="000000"/>
                     </a:solidFill>
@@ -11799,7 +11801,7 @@
               </a:ln>
               <a:extLst>
                 <a:ext uri="{91240B29-F687-4f45-9708-019B960494DF}">
-                  <a14:hiddenLine xmlns:a14="http://schemas.microsoft.com/office/drawing/2010/main" xmlns="" w="9525">
+                  <a14:hiddenLine xmlns="" xmlns:a14="http://schemas.microsoft.com/office/drawing/2010/main" w="9525">
                     <a:solidFill>
                       <a:srgbClr val="000000"/>
                     </a:solidFill>
@@ -12562,7 +12564,7 @@
           <p:cNvPr id="2" name="Título 1">
             <a:extLst>
               <a:ext uri="{FF2B5EF4-FFF2-40B4-BE49-F238E27FC236}">
-                <a16:creationId xmlns:a16="http://schemas.microsoft.com/office/drawing/2014/main" id="{65BD07B1-27C3-C47F-5333-7FEB2071D186}"/>
+                <a16:creationId xmlns:a16="http://schemas.microsoft.com/office/drawing/2014/main" id="{EB01F6A7-E1A4-7BAD-BFC3-DF81F1E0FAD1}"/>
               </a:ext>
             </a:extLst>
           </p:cNvPr>
@@ -12580,7 +12582,214 @@
           <a:p>
             <a:r>
               <a:rPr lang="pt-BR" dirty="0"/>
-              <a:t>Parâmetros escolhidos pelo usuário</a:t>
+              <a:t>Parâmetros escolhidos pelo usuário: ziegler nichols</a:t>
+            </a:r>
+          </a:p>
+        </p:txBody>
+      </p:sp>
+      <p:pic>
+        <p:nvPicPr>
+          <p:cNvPr id="5" name="Imagem 4">
+            <a:extLst>
+              <a:ext uri="{FF2B5EF4-FFF2-40B4-BE49-F238E27FC236}">
+                <a16:creationId xmlns:a16="http://schemas.microsoft.com/office/drawing/2014/main" id="{A5966071-406A-D78D-4A0B-118D6BF69266}"/>
+              </a:ext>
+            </a:extLst>
+          </p:cNvPr>
+          <p:cNvPicPr>
+            <a:picLocks noChangeAspect="1"/>
+          </p:cNvPicPr>
+          <p:nvPr/>
+        </p:nvPicPr>
+        <p:blipFill>
+          <a:blip r:embed="rId2"/>
+          <a:stretch>
+            <a:fillRect/>
+          </a:stretch>
+        </p:blipFill>
+        <p:spPr>
+          <a:xfrm>
+            <a:off x="1317813" y="2780145"/>
+            <a:ext cx="9556373" cy="1980768"/>
+          </a:xfrm>
+          <a:prstGeom prst="rect">
+            <a:avLst/>
+          </a:prstGeom>
+        </p:spPr>
+      </p:pic>
+    </p:spTree>
+    <p:extLst>
+      <p:ext uri="{BB962C8B-B14F-4D97-AF65-F5344CB8AC3E}">
+        <p14:creationId xmlns:p14="http://schemas.microsoft.com/office/powerpoint/2010/main" val="2409751517"/>
+      </p:ext>
+    </p:extLst>
+  </p:cSld>
+  <p:clrMapOvr>
+    <a:masterClrMapping/>
+  </p:clrMapOvr>
+</p:sld>
+</file>
+
+<file path=ppt/slides/slide12.xml><?xml version="1.0" encoding="utf-8"?>
+<p:sld xmlns:a="http://schemas.openxmlformats.org/drawingml/2006/main" xmlns:r="http://schemas.openxmlformats.org/officeDocument/2006/relationships" xmlns:p="http://schemas.openxmlformats.org/presentationml/2006/main">
+  <p:cSld>
+    <p:spTree>
+      <p:nvGrpSpPr>
+        <p:cNvPr id="1" name=""/>
+        <p:cNvGrpSpPr/>
+        <p:nvPr/>
+      </p:nvGrpSpPr>
+      <p:grpSpPr>
+        <a:xfrm>
+          <a:off x="0" y="0"/>
+          <a:ext cx="0" cy="0"/>
+          <a:chOff x="0" y="0"/>
+          <a:chExt cx="0" cy="0"/>
+        </a:xfrm>
+      </p:grpSpPr>
+      <p:pic>
+        <p:nvPicPr>
+          <p:cNvPr id="5" name="Imagem 4">
+            <a:extLst>
+              <a:ext uri="{FF2B5EF4-FFF2-40B4-BE49-F238E27FC236}">
+                <a16:creationId xmlns:a16="http://schemas.microsoft.com/office/drawing/2014/main" id="{B8D8E12B-E072-6F6B-390E-5C17DC5C6290}"/>
+              </a:ext>
+            </a:extLst>
+          </p:cNvPr>
+          <p:cNvPicPr>
+            <a:picLocks noChangeAspect="1"/>
+          </p:cNvPicPr>
+          <p:nvPr/>
+        </p:nvPicPr>
+        <p:blipFill>
+          <a:blip r:embed="rId2"/>
+          <a:stretch>
+            <a:fillRect/>
+          </a:stretch>
+        </p:blipFill>
+        <p:spPr>
+          <a:xfrm>
+            <a:off x="1577325" y="2221899"/>
+            <a:ext cx="8508784" cy="3837155"/>
+          </a:xfrm>
+          <a:prstGeom prst="rect">
+            <a:avLst/>
+          </a:prstGeom>
+        </p:spPr>
+      </p:pic>
+      <p:sp>
+        <p:nvSpPr>
+          <p:cNvPr id="6" name="Título 1">
+            <a:extLst>
+              <a:ext uri="{FF2B5EF4-FFF2-40B4-BE49-F238E27FC236}">
+                <a16:creationId xmlns:a16="http://schemas.microsoft.com/office/drawing/2014/main" id="{1B906E16-89AF-8489-68B9-0B5637BAD195}"/>
+              </a:ext>
+            </a:extLst>
+          </p:cNvPr>
+          <p:cNvSpPr txBox="1">
+            <a:spLocks/>
+          </p:cNvSpPr>
+          <p:nvPr/>
+        </p:nvSpPr>
+        <p:spPr>
+          <a:xfrm>
+            <a:off x="1215304" y="595229"/>
+            <a:ext cx="10385569" cy="1478570"/>
+          </a:xfrm>
+          <a:prstGeom prst="rect">
+            <a:avLst/>
+          </a:prstGeom>
+        </p:spPr>
+        <p:txBody>
+          <a:bodyPr vert="horz" lIns="91440" tIns="45720" rIns="91440" bIns="45720" rtlCol="0" anchor="ctr">
+            <a:normAutofit/>
+          </a:bodyPr>
+          <a:lstStyle>
+            <a:lvl1pPr algn="l" defTabSz="914400" rtl="0" eaLnBrk="1" latinLnBrk="0" hangingPunct="1">
+              <a:lnSpc>
+                <a:spcPct val="90000"/>
+              </a:lnSpc>
+              <a:spcBef>
+                <a:spcPct val="0"/>
+              </a:spcBef>
+              <a:buNone/>
+              <a:defRPr sz="3600" kern="1200" cap="all" baseline="0">
+                <a:solidFill>
+                  <a:schemeClr val="tx1"/>
+                </a:solidFill>
+                <a:latin typeface="+mj-lt"/>
+                <a:ea typeface="+mj-ea"/>
+                <a:cs typeface="+mj-cs"/>
+              </a:defRPr>
+            </a:lvl1pPr>
+          </a:lstStyle>
+          <a:p>
+            <a:r>
+              <a:rPr lang="pt-BR" dirty="0"/>
+              <a:t>Resposta ao degrau (Parâmetros do usuário): Ziegler nichols</a:t>
+            </a:r>
+          </a:p>
+        </p:txBody>
+      </p:sp>
+    </p:spTree>
+    <p:extLst>
+      <p:ext uri="{BB962C8B-B14F-4D97-AF65-F5344CB8AC3E}">
+        <p14:creationId xmlns:p14="http://schemas.microsoft.com/office/powerpoint/2010/main" val="3711166200"/>
+      </p:ext>
+    </p:extLst>
+  </p:cSld>
+  <p:clrMapOvr>
+    <a:masterClrMapping/>
+  </p:clrMapOvr>
+</p:sld>
+</file>
+
+<file path=ppt/slides/slide13.xml><?xml version="1.0" encoding="utf-8"?>
+<p:sld xmlns:a="http://schemas.openxmlformats.org/drawingml/2006/main" xmlns:r="http://schemas.openxmlformats.org/officeDocument/2006/relationships" xmlns:p="http://schemas.openxmlformats.org/presentationml/2006/main">
+  <p:cSld>
+    <p:spTree>
+      <p:nvGrpSpPr>
+        <p:cNvPr id="1" name=""/>
+        <p:cNvGrpSpPr/>
+        <p:nvPr/>
+      </p:nvGrpSpPr>
+      <p:grpSpPr>
+        <a:xfrm>
+          <a:off x="0" y="0"/>
+          <a:ext cx="0" cy="0"/>
+          <a:chOff x="0" y="0"/>
+          <a:chExt cx="0" cy="0"/>
+        </a:xfrm>
+      </p:grpSpPr>
+      <p:sp>
+        <p:nvSpPr>
+          <p:cNvPr id="2" name="Título 1">
+            <a:extLst>
+              <a:ext uri="{FF2B5EF4-FFF2-40B4-BE49-F238E27FC236}">
+                <a16:creationId xmlns:a16="http://schemas.microsoft.com/office/drawing/2014/main" id="{65BD07B1-27C3-C47F-5333-7FEB2071D186}"/>
+              </a:ext>
+            </a:extLst>
+          </p:cNvPr>
+          <p:cNvSpPr>
+            <a:spLocks noGrp="1"/>
+          </p:cNvSpPr>
+          <p:nvPr>
+            <p:ph type="title"/>
+          </p:nvPr>
+        </p:nvSpPr>
+        <p:spPr>
+          <a:xfrm>
+            <a:off x="1243013" y="627755"/>
+            <a:ext cx="9110951" cy="1478570"/>
+          </a:xfrm>
+        </p:spPr>
+        <p:txBody>
+          <a:bodyPr/>
+          <a:lstStyle/>
+          <a:p>
+            <a:r>
+              <a:rPr lang="pt-BR" dirty="0"/>
+              <a:t>Parâmetros escolhidos pelo usuário: Cohen e coon</a:t>
             </a:r>
           </a:p>
         </p:txBody>
@@ -12628,7 +12837,7 @@
 </p:sld>
 </file>
 
-<file path=ppt/slides/slide12.xml><?xml version="1.0" encoding="utf-8"?>
+<file path=ppt/slides/slide14.xml><?xml version="1.0" encoding="utf-8"?>
 <p:sld xmlns:a="http://schemas.openxmlformats.org/drawingml/2006/main" xmlns:r="http://schemas.openxmlformats.org/officeDocument/2006/relationships" xmlns:p="http://schemas.openxmlformats.org/presentationml/2006/main">
   <p:cSld>
     <p:spTree>
@@ -12663,8 +12872,8 @@
         </p:nvSpPr>
         <p:spPr>
           <a:xfrm>
-            <a:off x="1141413" y="618518"/>
-            <a:ext cx="10163896" cy="1478570"/>
+            <a:off x="1141412" y="618518"/>
+            <a:ext cx="10385569" cy="1478570"/>
           </a:xfrm>
         </p:spPr>
         <p:txBody>
@@ -12673,7 +12882,7 @@
           <a:p>
             <a:r>
               <a:rPr lang="pt-BR" dirty="0"/>
-              <a:t>Resposta ao degrau (Parâmetros do usuário)</a:t>
+              <a:t>Resposta ao degrau (Parâmetros do usuário): cohen e coon</a:t>
             </a:r>
           </a:p>
         </p:txBody>
@@ -12721,7 +12930,7 @@
 </p:sld>
 </file>
 
-<file path=ppt/slides/slide13.xml><?xml version="1.0" encoding="utf-8"?>
+<file path=ppt/slides/slide15.xml><?xml version="1.0" encoding="utf-8"?>
 <p:sld xmlns:a="http://schemas.openxmlformats.org/drawingml/2006/main" xmlns:r="http://schemas.openxmlformats.org/officeDocument/2006/relationships" xmlns:p="http://schemas.openxmlformats.org/presentationml/2006/main">
   <p:cSld>
     <p:spTree>

--- a/documents/Trabalho de Sistemas Embarcados (C213).pptx
+++ b/documents/Trabalho de Sistemas Embarcados (C213).pptx
@@ -8,18 +8,21 @@
     <p:sldId id="256" r:id="rId2"/>
     <p:sldId id="259" r:id="rId3"/>
     <p:sldId id="258" r:id="rId4"/>
-    <p:sldId id="260" r:id="rId5"/>
-    <p:sldId id="261" r:id="rId6"/>
-    <p:sldId id="268" r:id="rId7"/>
-    <p:sldId id="262" r:id="rId8"/>
-    <p:sldId id="263" r:id="rId9"/>
-    <p:sldId id="264" r:id="rId10"/>
-    <p:sldId id="265" r:id="rId11"/>
-    <p:sldId id="270" r:id="rId12"/>
-    <p:sldId id="271" r:id="rId13"/>
-    <p:sldId id="267" r:id="rId14"/>
-    <p:sldId id="266" r:id="rId15"/>
-    <p:sldId id="269" r:id="rId16"/>
+    <p:sldId id="273" r:id="rId5"/>
+    <p:sldId id="272" r:id="rId6"/>
+    <p:sldId id="260" r:id="rId7"/>
+    <p:sldId id="261" r:id="rId8"/>
+    <p:sldId id="268" r:id="rId9"/>
+    <p:sldId id="262" r:id="rId10"/>
+    <p:sldId id="263" r:id="rId11"/>
+    <p:sldId id="264" r:id="rId12"/>
+    <p:sldId id="265" r:id="rId13"/>
+    <p:sldId id="274" r:id="rId14"/>
+    <p:sldId id="270" r:id="rId15"/>
+    <p:sldId id="271" r:id="rId16"/>
+    <p:sldId id="267" r:id="rId17"/>
+    <p:sldId id="266" r:id="rId18"/>
+    <p:sldId id="269" r:id="rId19"/>
   </p:sldIdLst>
   <p:sldSz cx="12192000" cy="6858000"/>
   <p:notesSz cx="6858000" cy="9144000"/>
@@ -183,7 +186,7 @@
           <a:noFill/>
           <a:extLst>
             <a:ext uri="{909E8E84-426E-40dd-AFC4-6F175D3DCCD1}">
-              <a14:hiddenFill xmlns="" xmlns:a14="http://schemas.microsoft.com/office/drawing/2010/main">
+              <a14:hiddenFill xmlns:a14="http://schemas.microsoft.com/office/drawing/2010/main" xmlns="">
                 <a:solidFill>
                   <a:srgbClr val="FFFFFF"/>
                 </a:solidFill>
@@ -242,7 +245,7 @@
             </a:ln>
             <a:extLst>
               <a:ext uri="{91240B29-F687-4f45-9708-019B960494DF}">
-                <a14:hiddenLine xmlns="" xmlns:a14="http://schemas.microsoft.com/office/drawing/2010/main" w="9525">
+                <a14:hiddenLine xmlns:a14="http://schemas.microsoft.com/office/drawing/2010/main" xmlns="" w="9525">
                   <a:solidFill>
                     <a:srgbClr val="000000"/>
                   </a:solidFill>
@@ -332,7 +335,7 @@
             </a:ln>
             <a:extLst>
               <a:ext uri="{91240B29-F687-4f45-9708-019B960494DF}">
-                <a14:hiddenLine xmlns="" xmlns:a14="http://schemas.microsoft.com/office/drawing/2010/main" w="9525">
+                <a14:hiddenLine xmlns:a14="http://schemas.microsoft.com/office/drawing/2010/main" xmlns="" w="9525">
                   <a:solidFill>
                     <a:srgbClr val="000000"/>
                   </a:solidFill>
@@ -422,7 +425,7 @@
             </a:ln>
             <a:extLst>
               <a:ext uri="{91240B29-F687-4f45-9708-019B960494DF}">
-                <a14:hiddenLine xmlns="" xmlns:a14="http://schemas.microsoft.com/office/drawing/2010/main" w="9525">
+                <a14:hiddenLine xmlns:a14="http://schemas.microsoft.com/office/drawing/2010/main" xmlns="" w="9525">
                   <a:solidFill>
                     <a:srgbClr val="000000"/>
                   </a:solidFill>
@@ -456,7 +459,7 @@
             </a:ln>
             <a:extLst>
               <a:ext uri="{91240B29-F687-4f45-9708-019B960494DF}">
-                <a14:hiddenLine xmlns="" xmlns:a14="http://schemas.microsoft.com/office/drawing/2010/main" w="9525">
+                <a14:hiddenLine xmlns:a14="http://schemas.microsoft.com/office/drawing/2010/main" xmlns="" w="9525">
                   <a:solidFill>
                     <a:srgbClr val="000000"/>
                   </a:solidFill>
@@ -546,7 +549,7 @@
             </a:ln>
             <a:extLst>
               <a:ext uri="{91240B29-F687-4f45-9708-019B960494DF}">
-                <a14:hiddenLine xmlns="" xmlns:a14="http://schemas.microsoft.com/office/drawing/2010/main" w="9525">
+                <a14:hiddenLine xmlns:a14="http://schemas.microsoft.com/office/drawing/2010/main" xmlns="" w="9525">
                   <a:solidFill>
                     <a:srgbClr val="000000"/>
                   </a:solidFill>
@@ -608,7 +611,7 @@
             </a:ln>
             <a:extLst>
               <a:ext uri="{91240B29-F687-4f45-9708-019B960494DF}">
-                <a14:hiddenLine xmlns="" xmlns:a14="http://schemas.microsoft.com/office/drawing/2010/main" w="9525">
+                <a14:hiddenLine xmlns:a14="http://schemas.microsoft.com/office/drawing/2010/main" xmlns="" w="9525">
                   <a:solidFill>
                     <a:srgbClr val="000000"/>
                   </a:solidFill>
@@ -670,7 +673,7 @@
             </a:ln>
             <a:extLst>
               <a:ext uri="{91240B29-F687-4f45-9708-019B960494DF}">
-                <a14:hiddenLine xmlns="" xmlns:a14="http://schemas.microsoft.com/office/drawing/2010/main" w="9525">
+                <a14:hiddenLine xmlns:a14="http://schemas.microsoft.com/office/drawing/2010/main" xmlns="" w="9525">
                   <a:solidFill>
                     <a:srgbClr val="000000"/>
                   </a:solidFill>
@@ -760,7 +763,7 @@
             </a:ln>
             <a:extLst>
               <a:ext uri="{91240B29-F687-4f45-9708-019B960494DF}">
-                <a14:hiddenLine xmlns="" xmlns:a14="http://schemas.microsoft.com/office/drawing/2010/main" w="9525">
+                <a14:hiddenLine xmlns:a14="http://schemas.microsoft.com/office/drawing/2010/main" xmlns="" w="9525">
                   <a:solidFill>
                     <a:srgbClr val="000000"/>
                   </a:solidFill>
@@ -822,7 +825,7 @@
             </a:ln>
             <a:extLst>
               <a:ext uri="{91240B29-F687-4f45-9708-019B960494DF}">
-                <a14:hiddenLine xmlns="" xmlns:a14="http://schemas.microsoft.com/office/drawing/2010/main" w="9525">
+                <a14:hiddenLine xmlns:a14="http://schemas.microsoft.com/office/drawing/2010/main" xmlns="" w="9525">
                   <a:solidFill>
                     <a:srgbClr val="000000"/>
                   </a:solidFill>
@@ -884,7 +887,7 @@
             </a:ln>
             <a:extLst>
               <a:ext uri="{91240B29-F687-4f45-9708-019B960494DF}">
-                <a14:hiddenLine xmlns="" xmlns:a14="http://schemas.microsoft.com/office/drawing/2010/main" w="9525">
+                <a14:hiddenLine xmlns:a14="http://schemas.microsoft.com/office/drawing/2010/main" xmlns="" w="9525">
                   <a:solidFill>
                     <a:srgbClr val="000000"/>
                   </a:solidFill>
@@ -974,7 +977,7 @@
             </a:ln>
             <a:extLst>
               <a:ext uri="{91240B29-F687-4f45-9708-019B960494DF}">
-                <a14:hiddenLine xmlns="" xmlns:a14="http://schemas.microsoft.com/office/drawing/2010/main" w="9525">
+                <a14:hiddenLine xmlns:a14="http://schemas.microsoft.com/office/drawing/2010/main" xmlns="" w="9525">
                   <a:solidFill>
                     <a:srgbClr val="000000"/>
                   </a:solidFill>
@@ -1064,7 +1067,7 @@
             </a:ln>
             <a:extLst>
               <a:ext uri="{91240B29-F687-4f45-9708-019B960494DF}">
-                <a14:hiddenLine xmlns="" xmlns:a14="http://schemas.microsoft.com/office/drawing/2010/main" w="9525">
+                <a14:hiddenLine xmlns:a14="http://schemas.microsoft.com/office/drawing/2010/main" xmlns="" w="9525">
                   <a:solidFill>
                     <a:srgbClr val="000000"/>
                   </a:solidFill>
@@ -1126,7 +1129,7 @@
             </a:ln>
             <a:extLst>
               <a:ext uri="{91240B29-F687-4f45-9708-019B960494DF}">
-                <a14:hiddenLine xmlns="" xmlns:a14="http://schemas.microsoft.com/office/drawing/2010/main" w="9525">
+                <a14:hiddenLine xmlns:a14="http://schemas.microsoft.com/office/drawing/2010/main" xmlns="" w="9525">
                   <a:solidFill>
                     <a:srgbClr val="000000"/>
                   </a:solidFill>
@@ -1236,7 +1239,7 @@
             </a:ln>
             <a:extLst>
               <a:ext uri="{91240B29-F687-4f45-9708-019B960494DF}">
-                <a14:hiddenLine xmlns="" xmlns:a14="http://schemas.microsoft.com/office/drawing/2010/main" w="9525">
+                <a14:hiddenLine xmlns:a14="http://schemas.microsoft.com/office/drawing/2010/main" xmlns="" w="9525">
                   <a:solidFill>
                     <a:srgbClr val="000000"/>
                   </a:solidFill>
@@ -1298,7 +1301,7 @@
             </a:ln>
             <a:extLst>
               <a:ext uri="{91240B29-F687-4f45-9708-019B960494DF}">
-                <a14:hiddenLine xmlns="" xmlns:a14="http://schemas.microsoft.com/office/drawing/2010/main" w="9525">
+                <a14:hiddenLine xmlns:a14="http://schemas.microsoft.com/office/drawing/2010/main" xmlns="" w="9525">
                   <a:solidFill>
                     <a:srgbClr val="000000"/>
                   </a:solidFill>
@@ -1388,7 +1391,7 @@
             </a:ln>
             <a:extLst>
               <a:ext uri="{91240B29-F687-4f45-9708-019B960494DF}">
-                <a14:hiddenLine xmlns="" xmlns:a14="http://schemas.microsoft.com/office/drawing/2010/main" w="9525">
+                <a14:hiddenLine xmlns:a14="http://schemas.microsoft.com/office/drawing/2010/main" xmlns="" w="9525">
                   <a:solidFill>
                     <a:srgbClr val="000000"/>
                   </a:solidFill>
@@ -1478,7 +1481,7 @@
             </a:ln>
             <a:extLst>
               <a:ext uri="{91240B29-F687-4f45-9708-019B960494DF}">
-                <a14:hiddenLine xmlns="" xmlns:a14="http://schemas.microsoft.com/office/drawing/2010/main" w="9525">
+                <a14:hiddenLine xmlns:a14="http://schemas.microsoft.com/office/drawing/2010/main" xmlns="" w="9525">
                   <a:solidFill>
                     <a:srgbClr val="000000"/>
                   </a:solidFill>
@@ -1540,7 +1543,7 @@
             </a:ln>
             <a:extLst>
               <a:ext uri="{91240B29-F687-4f45-9708-019B960494DF}">
-                <a14:hiddenLine xmlns="" xmlns:a14="http://schemas.microsoft.com/office/drawing/2010/main" w="9525">
+                <a14:hiddenLine xmlns:a14="http://schemas.microsoft.com/office/drawing/2010/main" xmlns="" w="9525">
                   <a:solidFill>
                     <a:srgbClr val="000000"/>
                   </a:solidFill>
@@ -1630,7 +1633,7 @@
             </a:ln>
             <a:extLst>
               <a:ext uri="{91240B29-F687-4f45-9708-019B960494DF}">
-                <a14:hiddenLine xmlns="" xmlns:a14="http://schemas.microsoft.com/office/drawing/2010/main" w="9525">
+                <a14:hiddenLine xmlns:a14="http://schemas.microsoft.com/office/drawing/2010/main" xmlns="" w="9525">
                   <a:solidFill>
                     <a:srgbClr val="000000"/>
                   </a:solidFill>
@@ -1720,7 +1723,7 @@
             </a:ln>
             <a:extLst>
               <a:ext uri="{91240B29-F687-4f45-9708-019B960494DF}">
-                <a14:hiddenLine xmlns="" xmlns:a14="http://schemas.microsoft.com/office/drawing/2010/main" w="9525">
+                <a14:hiddenLine xmlns:a14="http://schemas.microsoft.com/office/drawing/2010/main" xmlns="" w="9525">
                   <a:solidFill>
                     <a:srgbClr val="000000"/>
                   </a:solidFill>
@@ -1776,7 +1779,7 @@
             </a:ln>
             <a:extLst>
               <a:ext uri="{91240B29-F687-4f45-9708-019B960494DF}">
-                <a14:hiddenLine xmlns="" xmlns:a14="http://schemas.microsoft.com/office/drawing/2010/main" w="9525">
+                <a14:hiddenLine xmlns:a14="http://schemas.microsoft.com/office/drawing/2010/main" xmlns="" w="9525">
                   <a:solidFill>
                     <a:srgbClr val="000000"/>
                   </a:solidFill>
@@ -1866,7 +1869,7 @@
             </a:ln>
             <a:extLst>
               <a:ext uri="{91240B29-F687-4f45-9708-019B960494DF}">
-                <a14:hiddenLine xmlns="" xmlns:a14="http://schemas.microsoft.com/office/drawing/2010/main" w="9525">
+                <a14:hiddenLine xmlns:a14="http://schemas.microsoft.com/office/drawing/2010/main" xmlns="" w="9525">
                   <a:solidFill>
                     <a:srgbClr val="000000"/>
                   </a:solidFill>
@@ -1922,7 +1925,7 @@
             </a:ln>
             <a:extLst>
               <a:ext uri="{91240B29-F687-4f45-9708-019B960494DF}">
-                <a14:hiddenLine xmlns="" xmlns:a14="http://schemas.microsoft.com/office/drawing/2010/main" w="9525">
+                <a14:hiddenLine xmlns:a14="http://schemas.microsoft.com/office/drawing/2010/main" xmlns="" w="9525">
                   <a:solidFill>
                     <a:srgbClr val="000000"/>
                   </a:solidFill>
@@ -2012,7 +2015,7 @@
             </a:ln>
             <a:extLst>
               <a:ext uri="{91240B29-F687-4f45-9708-019B960494DF}">
-                <a14:hiddenLine xmlns="" xmlns:a14="http://schemas.microsoft.com/office/drawing/2010/main" w="9525">
+                <a14:hiddenLine xmlns:a14="http://schemas.microsoft.com/office/drawing/2010/main" xmlns="" w="9525">
                   <a:solidFill>
                     <a:srgbClr val="000000"/>
                   </a:solidFill>
@@ -2080,7 +2083,7 @@
             </a:ln>
             <a:extLst>
               <a:ext uri="{91240B29-F687-4f45-9708-019B960494DF}">
-                <a14:hiddenLine xmlns="" xmlns:a14="http://schemas.microsoft.com/office/drawing/2010/main" w="9525">
+                <a14:hiddenLine xmlns:a14="http://schemas.microsoft.com/office/drawing/2010/main" xmlns="" w="9525">
                   <a:solidFill>
                     <a:srgbClr val="000000"/>
                   </a:solidFill>
@@ -2170,7 +2173,7 @@
             </a:ln>
             <a:extLst>
               <a:ext uri="{91240B29-F687-4f45-9708-019B960494DF}">
-                <a14:hiddenLine xmlns="" xmlns:a14="http://schemas.microsoft.com/office/drawing/2010/main" w="9525">
+                <a14:hiddenLine xmlns:a14="http://schemas.microsoft.com/office/drawing/2010/main" xmlns="" w="9525">
                   <a:solidFill>
                     <a:srgbClr val="000000"/>
                   </a:solidFill>
@@ -2238,7 +2241,7 @@
             </a:ln>
             <a:extLst>
               <a:ext uri="{91240B29-F687-4f45-9708-019B960494DF}">
-                <a14:hiddenLine xmlns="" xmlns:a14="http://schemas.microsoft.com/office/drawing/2010/main" w="9525">
+                <a14:hiddenLine xmlns:a14="http://schemas.microsoft.com/office/drawing/2010/main" xmlns="" w="9525">
                   <a:solidFill>
                     <a:srgbClr val="000000"/>
                   </a:solidFill>
@@ -2328,7 +2331,7 @@
             </a:ln>
             <a:extLst>
               <a:ext uri="{91240B29-F687-4f45-9708-019B960494DF}">
-                <a14:hiddenLine xmlns="" xmlns:a14="http://schemas.microsoft.com/office/drawing/2010/main" w="9525">
+                <a14:hiddenLine xmlns:a14="http://schemas.microsoft.com/office/drawing/2010/main" xmlns="" w="9525">
                   <a:solidFill>
                     <a:srgbClr val="000000"/>
                   </a:solidFill>
@@ -2362,7 +2365,7 @@
             </a:ln>
             <a:extLst>
               <a:ext uri="{91240B29-F687-4f45-9708-019B960494DF}">
-                <a14:hiddenLine xmlns="" xmlns:a14="http://schemas.microsoft.com/office/drawing/2010/main" w="9525">
+                <a14:hiddenLine xmlns:a14="http://schemas.microsoft.com/office/drawing/2010/main" xmlns="" w="9525">
                   <a:solidFill>
                     <a:srgbClr val="000000"/>
                   </a:solidFill>
@@ -2452,7 +2455,7 @@
             </a:ln>
             <a:extLst>
               <a:ext uri="{91240B29-F687-4f45-9708-019B960494DF}">
-                <a14:hiddenLine xmlns="" xmlns:a14="http://schemas.microsoft.com/office/drawing/2010/main" w="9525">
+                <a14:hiddenLine xmlns:a14="http://schemas.microsoft.com/office/drawing/2010/main" xmlns="" w="9525">
                   <a:solidFill>
                     <a:srgbClr val="000000"/>
                   </a:solidFill>
@@ -2514,7 +2517,7 @@
             </a:ln>
             <a:extLst>
               <a:ext uri="{91240B29-F687-4f45-9708-019B960494DF}">
-                <a14:hiddenLine xmlns="" xmlns:a14="http://schemas.microsoft.com/office/drawing/2010/main" w="9525">
+                <a14:hiddenLine xmlns:a14="http://schemas.microsoft.com/office/drawing/2010/main" xmlns="" w="9525">
                   <a:solidFill>
                     <a:srgbClr val="000000"/>
                   </a:solidFill>
@@ -2576,7 +2579,7 @@
             </a:ln>
             <a:extLst>
               <a:ext uri="{91240B29-F687-4f45-9708-019B960494DF}">
-                <a14:hiddenLine xmlns="" xmlns:a14="http://schemas.microsoft.com/office/drawing/2010/main" w="9525">
+                <a14:hiddenLine xmlns:a14="http://schemas.microsoft.com/office/drawing/2010/main" xmlns="" w="9525">
                   <a:solidFill>
                     <a:srgbClr val="000000"/>
                   </a:solidFill>
@@ -2666,7 +2669,7 @@
             </a:ln>
             <a:extLst>
               <a:ext uri="{91240B29-F687-4f45-9708-019B960494DF}">
-                <a14:hiddenLine xmlns="" xmlns:a14="http://schemas.microsoft.com/office/drawing/2010/main" w="9525">
+                <a14:hiddenLine xmlns:a14="http://schemas.microsoft.com/office/drawing/2010/main" xmlns="" w="9525">
                   <a:solidFill>
                     <a:srgbClr val="000000"/>
                   </a:solidFill>
@@ -2734,7 +2737,7 @@
             </a:ln>
             <a:extLst>
               <a:ext uri="{91240B29-F687-4f45-9708-019B960494DF}">
-                <a14:hiddenLine xmlns="" xmlns:a14="http://schemas.microsoft.com/office/drawing/2010/main" w="9525">
+                <a14:hiddenLine xmlns:a14="http://schemas.microsoft.com/office/drawing/2010/main" xmlns="" w="9525">
                   <a:solidFill>
                     <a:srgbClr val="000000"/>
                   </a:solidFill>
@@ -2796,7 +2799,7 @@
             </a:ln>
             <a:extLst>
               <a:ext uri="{91240B29-F687-4f45-9708-019B960494DF}">
-                <a14:hiddenLine xmlns="" xmlns:a14="http://schemas.microsoft.com/office/drawing/2010/main" w="9525">
+                <a14:hiddenLine xmlns:a14="http://schemas.microsoft.com/office/drawing/2010/main" xmlns="" w="9525">
                   <a:solidFill>
                     <a:srgbClr val="000000"/>
                   </a:solidFill>
@@ -2886,7 +2889,7 @@
             </a:ln>
             <a:extLst>
               <a:ext uri="{91240B29-F687-4f45-9708-019B960494DF}">
-                <a14:hiddenLine xmlns="" xmlns:a14="http://schemas.microsoft.com/office/drawing/2010/main" w="9525">
+                <a14:hiddenLine xmlns:a14="http://schemas.microsoft.com/office/drawing/2010/main" xmlns="" w="9525">
                   <a:solidFill>
                     <a:srgbClr val="000000"/>
                   </a:solidFill>
@@ -2948,7 +2951,7 @@
             </a:ln>
             <a:extLst>
               <a:ext uri="{91240B29-F687-4f45-9708-019B960494DF}">
-                <a14:hiddenLine xmlns="" xmlns:a14="http://schemas.microsoft.com/office/drawing/2010/main" w="9525">
+                <a14:hiddenLine xmlns:a14="http://schemas.microsoft.com/office/drawing/2010/main" xmlns="" w="9525">
                   <a:solidFill>
                     <a:srgbClr val="000000"/>
                   </a:solidFill>
@@ -3038,7 +3041,7 @@
             </a:ln>
             <a:extLst>
               <a:ext uri="{91240B29-F687-4f45-9708-019B960494DF}">
-                <a14:hiddenLine xmlns="" xmlns:a14="http://schemas.microsoft.com/office/drawing/2010/main" w="9525">
+                <a14:hiddenLine xmlns:a14="http://schemas.microsoft.com/office/drawing/2010/main" xmlns="" w="9525">
                   <a:solidFill>
                     <a:srgbClr val="000000"/>
                   </a:solidFill>
@@ -3100,7 +3103,7 @@
             </a:ln>
             <a:extLst>
               <a:ext uri="{91240B29-F687-4f45-9708-019B960494DF}">
-                <a14:hiddenLine xmlns="" xmlns:a14="http://schemas.microsoft.com/office/drawing/2010/main" w="9525">
+                <a14:hiddenLine xmlns:a14="http://schemas.microsoft.com/office/drawing/2010/main" xmlns="" w="9525">
                   <a:solidFill>
                     <a:srgbClr val="000000"/>
                   </a:solidFill>
@@ -3190,7 +3193,7 @@
             </a:ln>
             <a:extLst>
               <a:ext uri="{91240B29-F687-4f45-9708-019B960494DF}">
-                <a14:hiddenLine xmlns="" xmlns:a14="http://schemas.microsoft.com/office/drawing/2010/main" w="9525">
+                <a14:hiddenLine xmlns:a14="http://schemas.microsoft.com/office/drawing/2010/main" xmlns="" w="9525">
                   <a:solidFill>
                     <a:srgbClr val="000000"/>
                   </a:solidFill>
@@ -3224,7 +3227,7 @@
             </a:ln>
             <a:extLst>
               <a:ext uri="{91240B29-F687-4f45-9708-019B960494DF}">
-                <a14:hiddenLine xmlns="" xmlns:a14="http://schemas.microsoft.com/office/drawing/2010/main" w="9525">
+                <a14:hiddenLine xmlns:a14="http://schemas.microsoft.com/office/drawing/2010/main" xmlns="" w="9525">
                   <a:solidFill>
                     <a:srgbClr val="000000"/>
                   </a:solidFill>
@@ -3289,7 +3292,7 @@
             </a:ln>
             <a:extLst>
               <a:ext uri="{91240B29-F687-4f45-9708-019B960494DF}">
-                <a14:hiddenLine xmlns="" xmlns:a14="http://schemas.microsoft.com/office/drawing/2010/main" w="9525">
+                <a14:hiddenLine xmlns:a14="http://schemas.microsoft.com/office/drawing/2010/main" xmlns="" w="9525">
                   <a:solidFill>
                     <a:srgbClr val="000000"/>
                   </a:solidFill>
@@ -3379,7 +3382,7 @@
             </a:ln>
             <a:extLst>
               <a:ext uri="{91240B29-F687-4f45-9708-019B960494DF}">
-                <a14:hiddenLine xmlns="" xmlns:a14="http://schemas.microsoft.com/office/drawing/2010/main" w="9525">
+                <a14:hiddenLine xmlns:a14="http://schemas.microsoft.com/office/drawing/2010/main" xmlns="" w="9525">
                   <a:solidFill>
                     <a:srgbClr val="000000"/>
                   </a:solidFill>
@@ -3441,7 +3444,7 @@
             </a:ln>
             <a:extLst>
               <a:ext uri="{91240B29-F687-4f45-9708-019B960494DF}">
-                <a14:hiddenLine xmlns="" xmlns:a14="http://schemas.microsoft.com/office/drawing/2010/main" w="9525">
+                <a14:hiddenLine xmlns:a14="http://schemas.microsoft.com/office/drawing/2010/main" xmlns="" w="9525">
                   <a:solidFill>
                     <a:srgbClr val="000000"/>
                   </a:solidFill>
@@ -3531,7 +3534,7 @@
             </a:ln>
             <a:extLst>
               <a:ext uri="{91240B29-F687-4f45-9708-019B960494DF}">
-                <a14:hiddenLine xmlns="" xmlns:a14="http://schemas.microsoft.com/office/drawing/2010/main" w="9525">
+                <a14:hiddenLine xmlns:a14="http://schemas.microsoft.com/office/drawing/2010/main" xmlns="" w="9525">
                   <a:solidFill>
                     <a:srgbClr val="000000"/>
                   </a:solidFill>
@@ -3621,7 +3624,7 @@
             </a:ln>
             <a:extLst>
               <a:ext uri="{91240B29-F687-4f45-9708-019B960494DF}">
-                <a14:hiddenLine xmlns="" xmlns:a14="http://schemas.microsoft.com/office/drawing/2010/main" w="9525">
+                <a14:hiddenLine xmlns:a14="http://schemas.microsoft.com/office/drawing/2010/main" xmlns="" w="9525">
                   <a:solidFill>
                     <a:srgbClr val="000000"/>
                   </a:solidFill>
@@ -3686,7 +3689,7 @@
             </a:ln>
             <a:extLst>
               <a:ext uri="{91240B29-F687-4f45-9708-019B960494DF}">
-                <a14:hiddenLine xmlns="" xmlns:a14="http://schemas.microsoft.com/office/drawing/2010/main" w="9525">
+                <a14:hiddenLine xmlns:a14="http://schemas.microsoft.com/office/drawing/2010/main" xmlns="" w="9525">
                   <a:solidFill>
                     <a:srgbClr val="000000"/>
                   </a:solidFill>
@@ -3748,7 +3751,7 @@
             </a:ln>
             <a:extLst>
               <a:ext uri="{91240B29-F687-4f45-9708-019B960494DF}">
-                <a14:hiddenLine xmlns="" xmlns:a14="http://schemas.microsoft.com/office/drawing/2010/main" w="9525">
+                <a14:hiddenLine xmlns:a14="http://schemas.microsoft.com/office/drawing/2010/main" xmlns="" w="9525">
                   <a:solidFill>
                     <a:srgbClr val="000000"/>
                   </a:solidFill>
@@ -3838,7 +3841,7 @@
             </a:ln>
             <a:extLst>
               <a:ext uri="{91240B29-F687-4f45-9708-019B960494DF}">
-                <a14:hiddenLine xmlns="" xmlns:a14="http://schemas.microsoft.com/office/drawing/2010/main" w="9525">
+                <a14:hiddenLine xmlns:a14="http://schemas.microsoft.com/office/drawing/2010/main" xmlns="" w="9525">
                   <a:solidFill>
                     <a:srgbClr val="000000"/>
                   </a:solidFill>
@@ -3928,7 +3931,7 @@
             </a:ln>
             <a:extLst>
               <a:ext uri="{91240B29-F687-4f45-9708-019B960494DF}">
-                <a14:hiddenLine xmlns="" xmlns:a14="http://schemas.microsoft.com/office/drawing/2010/main" w="9525">
+                <a14:hiddenLine xmlns:a14="http://schemas.microsoft.com/office/drawing/2010/main" xmlns="" w="9525">
                   <a:solidFill>
                     <a:srgbClr val="000000"/>
                   </a:solidFill>
@@ -3990,7 +3993,7 @@
             </a:ln>
             <a:extLst>
               <a:ext uri="{91240B29-F687-4f45-9708-019B960494DF}">
-                <a14:hiddenLine xmlns="" xmlns:a14="http://schemas.microsoft.com/office/drawing/2010/main" w="9525">
+                <a14:hiddenLine xmlns:a14="http://schemas.microsoft.com/office/drawing/2010/main" xmlns="" w="9525">
                   <a:solidFill>
                     <a:srgbClr val="000000"/>
                   </a:solidFill>
@@ -4110,7 +4113,7 @@
             </a:ln>
             <a:extLst>
               <a:ext uri="{91240B29-F687-4f45-9708-019B960494DF}">
-                <a14:hiddenLine xmlns="" xmlns:a14="http://schemas.microsoft.com/office/drawing/2010/main" w="9525">
+                <a14:hiddenLine xmlns:a14="http://schemas.microsoft.com/office/drawing/2010/main" xmlns="" w="9525">
                   <a:solidFill>
                     <a:srgbClr val="000000"/>
                   </a:solidFill>
@@ -4178,7 +4181,7 @@
             </a:ln>
             <a:extLst>
               <a:ext uri="{91240B29-F687-4f45-9708-019B960494DF}">
-                <a14:hiddenLine xmlns="" xmlns:a14="http://schemas.microsoft.com/office/drawing/2010/main" w="9525">
+                <a14:hiddenLine xmlns:a14="http://schemas.microsoft.com/office/drawing/2010/main" xmlns="" w="9525">
                   <a:solidFill>
                     <a:srgbClr val="000000"/>
                   </a:solidFill>
@@ -4268,7 +4271,7 @@
             </a:ln>
             <a:extLst>
               <a:ext uri="{91240B29-F687-4f45-9708-019B960494DF}">
-                <a14:hiddenLine xmlns="" xmlns:a14="http://schemas.microsoft.com/office/drawing/2010/main" w="9525">
+                <a14:hiddenLine xmlns:a14="http://schemas.microsoft.com/office/drawing/2010/main" xmlns="" w="9525">
                   <a:solidFill>
                     <a:srgbClr val="000000"/>
                   </a:solidFill>
@@ -8997,7 +9000,7 @@
           <a:noFill/>
           <a:extLst>
             <a:ext uri="{909E8E84-426E-40dd-AFC4-6F175D3DCCD1}">
-              <a14:hiddenFill xmlns="" xmlns:a14="http://schemas.microsoft.com/office/drawing/2010/main">
+              <a14:hiddenFill xmlns:a14="http://schemas.microsoft.com/office/drawing/2010/main" xmlns="">
                 <a:solidFill>
                   <a:srgbClr val="FFFFFF"/>
                 </a:solidFill>
@@ -9071,7 +9074,7 @@
               </a:ln>
               <a:extLst>
                 <a:ext uri="{91240B29-F687-4f45-9708-019B960494DF}">
-                  <a14:hiddenLine xmlns="" xmlns:a14="http://schemas.microsoft.com/office/drawing/2010/main" w="9525">
+                  <a14:hiddenLine xmlns:a14="http://schemas.microsoft.com/office/drawing/2010/main" xmlns="" w="9525">
                     <a:solidFill>
                       <a:srgbClr val="000000"/>
                     </a:solidFill>
@@ -9161,7 +9164,7 @@
               </a:ln>
               <a:extLst>
                 <a:ext uri="{91240B29-F687-4f45-9708-019B960494DF}">
-                  <a14:hiddenLine xmlns="" xmlns:a14="http://schemas.microsoft.com/office/drawing/2010/main" w="9525">
+                  <a14:hiddenLine xmlns:a14="http://schemas.microsoft.com/office/drawing/2010/main" xmlns="" w="9525">
                     <a:solidFill>
                       <a:srgbClr val="000000"/>
                     </a:solidFill>
@@ -9251,7 +9254,7 @@
               </a:ln>
               <a:extLst>
                 <a:ext uri="{91240B29-F687-4f45-9708-019B960494DF}">
-                  <a14:hiddenLine xmlns="" xmlns:a14="http://schemas.microsoft.com/office/drawing/2010/main" w="9525">
+                  <a14:hiddenLine xmlns:a14="http://schemas.microsoft.com/office/drawing/2010/main" xmlns="" w="9525">
                     <a:solidFill>
                       <a:srgbClr val="000000"/>
                     </a:solidFill>
@@ -9313,7 +9316,7 @@
               </a:ln>
               <a:extLst>
                 <a:ext uri="{91240B29-F687-4f45-9708-019B960494DF}">
-                  <a14:hiddenLine xmlns="" xmlns:a14="http://schemas.microsoft.com/office/drawing/2010/main" w="9525">
+                  <a14:hiddenLine xmlns:a14="http://schemas.microsoft.com/office/drawing/2010/main" xmlns="" w="9525">
                     <a:solidFill>
                       <a:srgbClr val="000000"/>
                     </a:solidFill>
@@ -9403,7 +9406,7 @@
               </a:ln>
               <a:extLst>
                 <a:ext uri="{91240B29-F687-4f45-9708-019B960494DF}">
-                  <a14:hiddenLine xmlns="" xmlns:a14="http://schemas.microsoft.com/office/drawing/2010/main" w="9525">
+                  <a14:hiddenLine xmlns:a14="http://schemas.microsoft.com/office/drawing/2010/main" xmlns="" w="9525">
                     <a:solidFill>
                       <a:srgbClr val="000000"/>
                     </a:solidFill>
@@ -9465,7 +9468,7 @@
               </a:ln>
               <a:extLst>
                 <a:ext uri="{91240B29-F687-4f45-9708-019B960494DF}">
-                  <a14:hiddenLine xmlns="" xmlns:a14="http://schemas.microsoft.com/office/drawing/2010/main" w="9525">
+                  <a14:hiddenLine xmlns:a14="http://schemas.microsoft.com/office/drawing/2010/main" xmlns="" w="9525">
                     <a:solidFill>
                       <a:srgbClr val="000000"/>
                     </a:solidFill>
@@ -9527,7 +9530,7 @@
               </a:ln>
               <a:extLst>
                 <a:ext uri="{91240B29-F687-4f45-9708-019B960494DF}">
-                  <a14:hiddenLine xmlns="" xmlns:a14="http://schemas.microsoft.com/office/drawing/2010/main" w="9525">
+                  <a14:hiddenLine xmlns:a14="http://schemas.microsoft.com/office/drawing/2010/main" xmlns="" w="9525">
                     <a:solidFill>
                       <a:srgbClr val="000000"/>
                     </a:solidFill>
@@ -9617,7 +9620,7 @@
               </a:ln>
               <a:extLst>
                 <a:ext uri="{91240B29-F687-4f45-9708-019B960494DF}">
-                  <a14:hiddenLine xmlns="" xmlns:a14="http://schemas.microsoft.com/office/drawing/2010/main" w="9525">
+                  <a14:hiddenLine xmlns:a14="http://schemas.microsoft.com/office/drawing/2010/main" xmlns="" w="9525">
                     <a:solidFill>
                       <a:srgbClr val="000000"/>
                     </a:solidFill>
@@ -9707,7 +9710,7 @@
               </a:ln>
               <a:extLst>
                 <a:ext uri="{91240B29-F687-4f45-9708-019B960494DF}">
-                  <a14:hiddenLine xmlns="" xmlns:a14="http://schemas.microsoft.com/office/drawing/2010/main" w="9525">
+                  <a14:hiddenLine xmlns:a14="http://schemas.microsoft.com/office/drawing/2010/main" xmlns="" w="9525">
                     <a:solidFill>
                       <a:srgbClr val="000000"/>
                     </a:solidFill>
@@ -9769,7 +9772,7 @@
               </a:ln>
               <a:extLst>
                 <a:ext uri="{91240B29-F687-4f45-9708-019B960494DF}">
-                  <a14:hiddenLine xmlns="" xmlns:a14="http://schemas.microsoft.com/office/drawing/2010/main" w="9525">
+                  <a14:hiddenLine xmlns:a14="http://schemas.microsoft.com/office/drawing/2010/main" xmlns="" w="9525">
                     <a:solidFill>
                       <a:srgbClr val="000000"/>
                     </a:solidFill>
@@ -9879,7 +9882,7 @@
               </a:ln>
               <a:extLst>
                 <a:ext uri="{91240B29-F687-4f45-9708-019B960494DF}">
-                  <a14:hiddenLine xmlns="" xmlns:a14="http://schemas.microsoft.com/office/drawing/2010/main" w="9525">
+                  <a14:hiddenLine xmlns:a14="http://schemas.microsoft.com/office/drawing/2010/main" xmlns="" w="9525">
                     <a:solidFill>
                       <a:srgbClr val="000000"/>
                     </a:solidFill>
@@ -9963,7 +9966,7 @@
               </a:ln>
               <a:extLst>
                 <a:ext uri="{91240B29-F687-4f45-9708-019B960494DF}">
-                  <a14:hiddenLine xmlns="" xmlns:a14="http://schemas.microsoft.com/office/drawing/2010/main" w="9525">
+                  <a14:hiddenLine xmlns:a14="http://schemas.microsoft.com/office/drawing/2010/main" xmlns="" w="9525">
                     <a:solidFill>
                       <a:srgbClr val="000000"/>
                     </a:solidFill>
@@ -10025,7 +10028,7 @@
               </a:ln>
               <a:extLst>
                 <a:ext uri="{91240B29-F687-4f45-9708-019B960494DF}">
-                  <a14:hiddenLine xmlns="" xmlns:a14="http://schemas.microsoft.com/office/drawing/2010/main" w="9525">
+                  <a14:hiddenLine xmlns:a14="http://schemas.microsoft.com/office/drawing/2010/main" xmlns="" w="9525">
                     <a:solidFill>
                       <a:srgbClr val="000000"/>
                     </a:solidFill>
@@ -10087,7 +10090,7 @@
               </a:ln>
               <a:extLst>
                 <a:ext uri="{91240B29-F687-4f45-9708-019B960494DF}">
-                  <a14:hiddenLine xmlns="" xmlns:a14="http://schemas.microsoft.com/office/drawing/2010/main" w="9525">
+                  <a14:hiddenLine xmlns:a14="http://schemas.microsoft.com/office/drawing/2010/main" xmlns="" w="9525">
                     <a:solidFill>
                       <a:srgbClr val="000000"/>
                     </a:solidFill>
@@ -10177,7 +10180,7 @@
               </a:ln>
               <a:extLst>
                 <a:ext uri="{91240B29-F687-4f45-9708-019B960494DF}">
-                  <a14:hiddenLine xmlns="" xmlns:a14="http://schemas.microsoft.com/office/drawing/2010/main" w="9525">
+                  <a14:hiddenLine xmlns:a14="http://schemas.microsoft.com/office/drawing/2010/main" xmlns="" w="9525">
                     <a:solidFill>
                       <a:srgbClr val="000000"/>
                     </a:solidFill>
@@ -10211,7 +10214,7 @@
               </a:ln>
               <a:extLst>
                 <a:ext uri="{91240B29-F687-4f45-9708-019B960494DF}">
-                  <a14:hiddenLine xmlns="" xmlns:a14="http://schemas.microsoft.com/office/drawing/2010/main" w="9525">
+                  <a14:hiddenLine xmlns:a14="http://schemas.microsoft.com/office/drawing/2010/main" xmlns="" w="9525">
                     <a:solidFill>
                       <a:srgbClr val="000000"/>
                     </a:solidFill>
@@ -10276,7 +10279,7 @@
               </a:ln>
               <a:extLst>
                 <a:ext uri="{91240B29-F687-4f45-9708-019B960494DF}">
-                  <a14:hiddenLine xmlns="" xmlns:a14="http://schemas.microsoft.com/office/drawing/2010/main" w="9525">
+                  <a14:hiddenLine xmlns:a14="http://schemas.microsoft.com/office/drawing/2010/main" xmlns="" w="9525">
                     <a:solidFill>
                       <a:srgbClr val="000000"/>
                     </a:solidFill>
@@ -10366,7 +10369,7 @@
               </a:ln>
               <a:extLst>
                 <a:ext uri="{91240B29-F687-4f45-9708-019B960494DF}">
-                  <a14:hiddenLine xmlns="" xmlns:a14="http://schemas.microsoft.com/office/drawing/2010/main" w="9525">
+                  <a14:hiddenLine xmlns:a14="http://schemas.microsoft.com/office/drawing/2010/main" xmlns="" w="9525">
                     <a:solidFill>
                       <a:srgbClr val="000000"/>
                     </a:solidFill>
@@ -10428,7 +10431,7 @@
               </a:ln>
               <a:extLst>
                 <a:ext uri="{91240B29-F687-4f45-9708-019B960494DF}">
-                  <a14:hiddenLine xmlns="" xmlns:a14="http://schemas.microsoft.com/office/drawing/2010/main" w="9525">
+                  <a14:hiddenLine xmlns:a14="http://schemas.microsoft.com/office/drawing/2010/main" xmlns="" w="9525">
                     <a:solidFill>
                       <a:srgbClr val="000000"/>
                     </a:solidFill>
@@ -10518,7 +10521,7 @@
               </a:ln>
               <a:extLst>
                 <a:ext uri="{91240B29-F687-4f45-9708-019B960494DF}">
-                  <a14:hiddenLine xmlns="" xmlns:a14="http://schemas.microsoft.com/office/drawing/2010/main" w="9525">
+                  <a14:hiddenLine xmlns:a14="http://schemas.microsoft.com/office/drawing/2010/main" xmlns="" w="9525">
                     <a:solidFill>
                       <a:srgbClr val="000000"/>
                     </a:solidFill>
@@ -10583,7 +10586,7 @@
               </a:ln>
               <a:extLst>
                 <a:ext uri="{91240B29-F687-4f45-9708-019B960494DF}">
-                  <a14:hiddenLine xmlns="" xmlns:a14="http://schemas.microsoft.com/office/drawing/2010/main" w="9525">
+                  <a14:hiddenLine xmlns:a14="http://schemas.microsoft.com/office/drawing/2010/main" xmlns="" w="9525">
                     <a:solidFill>
                       <a:srgbClr val="000000"/>
                     </a:solidFill>
@@ -10645,7 +10648,7 @@
               </a:ln>
               <a:extLst>
                 <a:ext uri="{91240B29-F687-4f45-9708-019B960494DF}">
-                  <a14:hiddenLine xmlns="" xmlns:a14="http://schemas.microsoft.com/office/drawing/2010/main" w="9525">
+                  <a14:hiddenLine xmlns:a14="http://schemas.microsoft.com/office/drawing/2010/main" xmlns="" w="9525">
                     <a:solidFill>
                       <a:srgbClr val="000000"/>
                     </a:solidFill>
@@ -10735,7 +10738,7 @@
               </a:ln>
               <a:extLst>
                 <a:ext uri="{91240B29-F687-4f45-9708-019B960494DF}">
-                  <a14:hiddenLine xmlns="" xmlns:a14="http://schemas.microsoft.com/office/drawing/2010/main" w="9525">
+                  <a14:hiddenLine xmlns:a14="http://schemas.microsoft.com/office/drawing/2010/main" xmlns="" w="9525">
                     <a:solidFill>
                       <a:srgbClr val="000000"/>
                     </a:solidFill>
@@ -10825,7 +10828,7 @@
               </a:ln>
               <a:extLst>
                 <a:ext uri="{91240B29-F687-4f45-9708-019B960494DF}">
-                  <a14:hiddenLine xmlns="" xmlns:a14="http://schemas.microsoft.com/office/drawing/2010/main" w="9525">
+                  <a14:hiddenLine xmlns:a14="http://schemas.microsoft.com/office/drawing/2010/main" xmlns="" w="9525">
                     <a:solidFill>
                       <a:srgbClr val="000000"/>
                     </a:solidFill>
@@ -10890,7 +10893,7 @@
               </a:ln>
               <a:extLst>
                 <a:ext uri="{91240B29-F687-4f45-9708-019B960494DF}">
-                  <a14:hiddenLine xmlns="" xmlns:a14="http://schemas.microsoft.com/office/drawing/2010/main" w="9525">
+                  <a14:hiddenLine xmlns:a14="http://schemas.microsoft.com/office/drawing/2010/main" xmlns="" w="9525">
                     <a:solidFill>
                       <a:srgbClr val="000000"/>
                     </a:solidFill>
@@ -11010,7 +11013,7 @@
               </a:ln>
               <a:extLst>
                 <a:ext uri="{91240B29-F687-4f45-9708-019B960494DF}">
-                  <a14:hiddenLine xmlns="" xmlns:a14="http://schemas.microsoft.com/office/drawing/2010/main" w="9525">
+                  <a14:hiddenLine xmlns:a14="http://schemas.microsoft.com/office/drawing/2010/main" xmlns="" w="9525">
                     <a:solidFill>
                       <a:srgbClr val="000000"/>
                     </a:solidFill>
@@ -11091,7 +11094,7 @@
               </a:ln>
               <a:extLst>
                 <a:ext uri="{91240B29-F687-4f45-9708-019B960494DF}">
-                  <a14:hiddenLine xmlns="" xmlns:a14="http://schemas.microsoft.com/office/drawing/2010/main" w="9525">
+                  <a14:hiddenLine xmlns:a14="http://schemas.microsoft.com/office/drawing/2010/main" xmlns="" w="9525">
                     <a:solidFill>
                       <a:srgbClr val="000000"/>
                     </a:solidFill>
@@ -11206,7 +11209,7 @@
               </a:ln>
               <a:extLst>
                 <a:ext uri="{91240B29-F687-4f45-9708-019B960494DF}">
-                  <a14:hiddenLine xmlns="" xmlns:a14="http://schemas.microsoft.com/office/drawing/2010/main" w="9525">
+                  <a14:hiddenLine xmlns:a14="http://schemas.microsoft.com/office/drawing/2010/main" xmlns="" w="9525">
                     <a:solidFill>
                       <a:srgbClr val="000000"/>
                     </a:solidFill>
@@ -11296,7 +11299,7 @@
               </a:ln>
               <a:extLst>
                 <a:ext uri="{91240B29-F687-4f45-9708-019B960494DF}">
-                  <a14:hiddenLine xmlns="" xmlns:a14="http://schemas.microsoft.com/office/drawing/2010/main" w="9525">
+                  <a14:hiddenLine xmlns:a14="http://schemas.microsoft.com/office/drawing/2010/main" xmlns="" w="9525">
                     <a:solidFill>
                       <a:srgbClr val="000000"/>
                     </a:solidFill>
@@ -11361,7 +11364,7 @@
               </a:ln>
               <a:extLst>
                 <a:ext uri="{91240B29-F687-4f45-9708-019B960494DF}">
-                  <a14:hiddenLine xmlns="" xmlns:a14="http://schemas.microsoft.com/office/drawing/2010/main" w="9525">
+                  <a14:hiddenLine xmlns:a14="http://schemas.microsoft.com/office/drawing/2010/main" xmlns="" w="9525">
                     <a:solidFill>
                       <a:srgbClr val="000000"/>
                     </a:solidFill>
@@ -11451,7 +11454,7 @@
               </a:ln>
               <a:extLst>
                 <a:ext uri="{91240B29-F687-4f45-9708-019B960494DF}">
-                  <a14:hiddenLine xmlns="" xmlns:a14="http://schemas.microsoft.com/office/drawing/2010/main" w="9525">
+                  <a14:hiddenLine xmlns:a14="http://schemas.microsoft.com/office/drawing/2010/main" xmlns="" w="9525">
                     <a:solidFill>
                       <a:srgbClr val="000000"/>
                     </a:solidFill>
@@ -11519,7 +11522,7 @@
               </a:ln>
               <a:extLst>
                 <a:ext uri="{91240B29-F687-4f45-9708-019B960494DF}">
-                  <a14:hiddenLine xmlns="" xmlns:a14="http://schemas.microsoft.com/office/drawing/2010/main" w="9525">
+                  <a14:hiddenLine xmlns:a14="http://schemas.microsoft.com/office/drawing/2010/main" xmlns="" w="9525">
                     <a:solidFill>
                       <a:srgbClr val="000000"/>
                     </a:solidFill>
@@ -11609,7 +11612,7 @@
               </a:ln>
               <a:extLst>
                 <a:ext uri="{91240B29-F687-4f45-9708-019B960494DF}">
-                  <a14:hiddenLine xmlns="" xmlns:a14="http://schemas.microsoft.com/office/drawing/2010/main" w="9525">
+                  <a14:hiddenLine xmlns:a14="http://schemas.microsoft.com/office/drawing/2010/main" xmlns="" w="9525">
                     <a:solidFill>
                       <a:srgbClr val="000000"/>
                     </a:solidFill>
@@ -11677,7 +11680,7 @@
               </a:ln>
               <a:extLst>
                 <a:ext uri="{91240B29-F687-4f45-9708-019B960494DF}">
-                  <a14:hiddenLine xmlns="" xmlns:a14="http://schemas.microsoft.com/office/drawing/2010/main" w="9525">
+                  <a14:hiddenLine xmlns:a14="http://schemas.microsoft.com/office/drawing/2010/main" xmlns="" w="9525">
                     <a:solidFill>
                       <a:srgbClr val="000000"/>
                     </a:solidFill>
@@ -11767,7 +11770,7 @@
               </a:ln>
               <a:extLst>
                 <a:ext uri="{91240B29-F687-4f45-9708-019B960494DF}">
-                  <a14:hiddenLine xmlns="" xmlns:a14="http://schemas.microsoft.com/office/drawing/2010/main" w="9525">
+                  <a14:hiddenLine xmlns:a14="http://schemas.microsoft.com/office/drawing/2010/main" xmlns="" w="9525">
                     <a:solidFill>
                       <a:srgbClr val="000000"/>
                     </a:solidFill>
@@ -11801,7 +11804,7 @@
               </a:ln>
               <a:extLst>
                 <a:ext uri="{91240B29-F687-4f45-9708-019B960494DF}">
-                  <a14:hiddenLine xmlns="" xmlns:a14="http://schemas.microsoft.com/office/drawing/2010/main" w="9525">
+                  <a14:hiddenLine xmlns:a14="http://schemas.microsoft.com/office/drawing/2010/main" xmlns="" w="9525">
                     <a:solidFill>
                       <a:srgbClr val="000000"/>
                     </a:solidFill>
@@ -12476,7 +12479,7 @@
           <p:cNvPr id="2" name="Título 1">
             <a:extLst>
               <a:ext uri="{FF2B5EF4-FFF2-40B4-BE49-F238E27FC236}">
-                <a16:creationId xmlns:a16="http://schemas.microsoft.com/office/drawing/2014/main" id="{8CD0CD60-0AC8-6B29-0BCD-D8A173B1558B}"/>
+                <a16:creationId xmlns:a16="http://schemas.microsoft.com/office/drawing/2014/main" id="{24C36417-EDA5-5676-4CB0-8171D6851FE6}"/>
               </a:ext>
             </a:extLst>
           </p:cNvPr>
@@ -12494,7 +12497,94 @@
           <a:p>
             <a:r>
               <a:rPr lang="pt-BR" dirty="0"/>
-              <a:t>Resposta ao degrau (cohen e coon)</a:t>
+              <a:t>Comparação das conclusões</a:t>
+            </a:r>
+          </a:p>
+        </p:txBody>
+      </p:sp>
+      <p:sp>
+        <p:nvSpPr>
+          <p:cNvPr id="6" name="Retângulo 5">
+            <a:extLst>
+              <a:ext uri="{FF2B5EF4-FFF2-40B4-BE49-F238E27FC236}">
+                <a16:creationId xmlns:a16="http://schemas.microsoft.com/office/drawing/2014/main" id="{124554E5-BEAF-5031-7638-397FDB901B4D}"/>
+              </a:ext>
+            </a:extLst>
+          </p:cNvPr>
+          <p:cNvSpPr/>
+          <p:nvPr/>
+        </p:nvSpPr>
+        <p:spPr>
+          <a:xfrm>
+            <a:off x="6437023" y="2891656"/>
+            <a:ext cx="5320867" cy="1689579"/>
+          </a:xfrm>
+          <a:prstGeom prst="rect">
+            <a:avLst/>
+          </a:prstGeom>
+          <a:solidFill>
+            <a:schemeClr val="bg2">
+              <a:lumMod val="90000"/>
+              <a:lumOff val="10000"/>
+            </a:schemeClr>
+          </a:solidFill>
+        </p:spPr>
+        <p:style>
+          <a:lnRef idx="2">
+            <a:schemeClr val="dk1">
+              <a:shade val="15000"/>
+            </a:schemeClr>
+          </a:lnRef>
+          <a:fillRef idx="1">
+            <a:schemeClr val="dk1"/>
+          </a:fillRef>
+          <a:effectRef idx="0">
+            <a:schemeClr val="dk1"/>
+          </a:effectRef>
+          <a:fontRef idx="minor">
+            <a:schemeClr val="lt1"/>
+          </a:fontRef>
+        </p:style>
+        <p:txBody>
+          <a:bodyPr rtlCol="0" anchor="ctr"/>
+          <a:lstStyle/>
+          <a:p>
+            <a:pPr algn="ctr"/>
+            <a:endParaRPr lang="pt-BR"/>
+          </a:p>
+        </p:txBody>
+      </p:sp>
+      <p:sp>
+        <p:nvSpPr>
+          <p:cNvPr id="7" name="CaixaDeTexto 6">
+            <a:extLst>
+              <a:ext uri="{FF2B5EF4-FFF2-40B4-BE49-F238E27FC236}">
+                <a16:creationId xmlns:a16="http://schemas.microsoft.com/office/drawing/2014/main" id="{68015FC2-2742-5B4E-1D70-790BAC99380B}"/>
+              </a:ext>
+            </a:extLst>
+          </p:cNvPr>
+          <p:cNvSpPr txBox="1"/>
+          <p:nvPr/>
+        </p:nvSpPr>
+        <p:spPr>
+          <a:xfrm>
+            <a:off x="6437024" y="2967335"/>
+            <a:ext cx="5422468" cy="1569660"/>
+          </a:xfrm>
+          <a:prstGeom prst="rect">
+            <a:avLst/>
+          </a:prstGeom>
+          <a:noFill/>
+        </p:spPr>
+        <p:txBody>
+          <a:bodyPr wrap="square" rtlCol="0">
+            <a:spAutoFit/>
+          </a:bodyPr>
+          <a:lstStyle/>
+          <a:p>
+            <a:r>
+              <a:rPr lang="pt-BR" sz="2400" dirty="0"/>
+              <a:t>Cohen e Coon apresentou valores menores em todos parâmetros, sendo tempo de subida (14,09), Tempo de acomodação (46,03) e Overshoot (2,40)</a:t>
             </a:r>
           </a:p>
         </p:txBody>
@@ -12504,7 +12594,7 @@
           <p:cNvPr id="4" name="Imagem 3">
             <a:extLst>
               <a:ext uri="{FF2B5EF4-FFF2-40B4-BE49-F238E27FC236}">
-                <a16:creationId xmlns:a16="http://schemas.microsoft.com/office/drawing/2014/main" id="{C8623BA4-955F-F0ED-7846-E7348FB49B92}"/>
+                <a16:creationId xmlns:a16="http://schemas.microsoft.com/office/drawing/2014/main" id="{950BAC00-A8A9-8B36-4719-02EDAC64AED4}"/>
               </a:ext>
             </a:extLst>
           </p:cNvPr>
@@ -12521,8 +12611,184 @@
         </p:blipFill>
         <p:spPr>
           <a:xfrm>
-            <a:off x="1239982" y="1742527"/>
-            <a:ext cx="8993910" cy="4496955"/>
+            <a:off x="1248031" y="2655102"/>
+            <a:ext cx="4374274" cy="2194125"/>
+          </a:xfrm>
+          <a:prstGeom prst="rect">
+            <a:avLst/>
+          </a:prstGeom>
+        </p:spPr>
+      </p:pic>
+    </p:spTree>
+    <p:extLst>
+      <p:ext uri="{BB962C8B-B14F-4D97-AF65-F5344CB8AC3E}">
+        <p14:creationId xmlns:p14="http://schemas.microsoft.com/office/powerpoint/2010/main" val="1637307247"/>
+      </p:ext>
+    </p:extLst>
+  </p:cSld>
+  <p:clrMapOvr>
+    <a:masterClrMapping/>
+  </p:clrMapOvr>
+</p:sld>
+</file>
+
+<file path=ppt/slides/slide11.xml><?xml version="1.0" encoding="utf-8"?>
+<p:sld xmlns:a="http://schemas.openxmlformats.org/drawingml/2006/main" xmlns:r="http://schemas.openxmlformats.org/officeDocument/2006/relationships" xmlns:p="http://schemas.openxmlformats.org/presentationml/2006/main">
+  <p:cSld>
+    <p:spTree>
+      <p:nvGrpSpPr>
+        <p:cNvPr id="1" name=""/>
+        <p:cNvGrpSpPr/>
+        <p:nvPr/>
+      </p:nvGrpSpPr>
+      <p:grpSpPr>
+        <a:xfrm>
+          <a:off x="0" y="0"/>
+          <a:ext cx="0" cy="0"/>
+          <a:chOff x="0" y="0"/>
+          <a:chExt cx="0" cy="0"/>
+        </a:xfrm>
+      </p:grpSpPr>
+      <p:sp>
+        <p:nvSpPr>
+          <p:cNvPr id="2" name="Título 1">
+            <a:extLst>
+              <a:ext uri="{FF2B5EF4-FFF2-40B4-BE49-F238E27FC236}">
+                <a16:creationId xmlns:a16="http://schemas.microsoft.com/office/drawing/2014/main" id="{8CD0CD60-0AC8-6B29-0BCD-D8A173B1558B}"/>
+              </a:ext>
+            </a:extLst>
+          </p:cNvPr>
+          <p:cNvSpPr>
+            <a:spLocks noGrp="1"/>
+          </p:cNvSpPr>
+          <p:nvPr>
+            <p:ph type="title"/>
+          </p:nvPr>
+        </p:nvSpPr>
+        <p:spPr/>
+        <p:txBody>
+          <a:bodyPr/>
+          <a:lstStyle/>
+          <a:p>
+            <a:r>
+              <a:rPr lang="pt-BR" dirty="0"/>
+              <a:t>Resposta ao degrau (Ziegle-nichols)</a:t>
+            </a:r>
+          </a:p>
+        </p:txBody>
+      </p:sp>
+      <p:pic>
+        <p:nvPicPr>
+          <p:cNvPr id="4" name="Imagem 3">
+            <a:extLst>
+              <a:ext uri="{FF2B5EF4-FFF2-40B4-BE49-F238E27FC236}">
+                <a16:creationId xmlns:a16="http://schemas.microsoft.com/office/drawing/2014/main" id="{CB603B44-B487-C136-D29B-BE78A1346D55}"/>
+              </a:ext>
+            </a:extLst>
+          </p:cNvPr>
+          <p:cNvPicPr>
+            <a:picLocks noChangeAspect="1"/>
+          </p:cNvPicPr>
+          <p:nvPr/>
+        </p:nvPicPr>
+        <p:blipFill>
+          <a:blip r:embed="rId2"/>
+          <a:stretch>
+            <a:fillRect/>
+          </a:stretch>
+        </p:blipFill>
+        <p:spPr>
+          <a:xfrm>
+            <a:off x="2939132" y="1793650"/>
+            <a:ext cx="5927777" cy="4445832"/>
+          </a:xfrm>
+          <a:prstGeom prst="rect">
+            <a:avLst/>
+          </a:prstGeom>
+        </p:spPr>
+      </p:pic>
+    </p:spTree>
+    <p:extLst>
+      <p:ext uri="{BB962C8B-B14F-4D97-AF65-F5344CB8AC3E}">
+        <p14:creationId xmlns:p14="http://schemas.microsoft.com/office/powerpoint/2010/main" val="1361586937"/>
+      </p:ext>
+    </p:extLst>
+  </p:cSld>
+  <p:clrMapOvr>
+    <a:masterClrMapping/>
+  </p:clrMapOvr>
+</p:sld>
+</file>
+
+<file path=ppt/slides/slide12.xml><?xml version="1.0" encoding="utf-8"?>
+<p:sld xmlns:a="http://schemas.openxmlformats.org/drawingml/2006/main" xmlns:r="http://schemas.openxmlformats.org/officeDocument/2006/relationships" xmlns:p="http://schemas.openxmlformats.org/presentationml/2006/main">
+  <p:cSld>
+    <p:spTree>
+      <p:nvGrpSpPr>
+        <p:cNvPr id="1" name=""/>
+        <p:cNvGrpSpPr/>
+        <p:nvPr/>
+      </p:nvGrpSpPr>
+      <p:grpSpPr>
+        <a:xfrm>
+          <a:off x="0" y="0"/>
+          <a:ext cx="0" cy="0"/>
+          <a:chOff x="0" y="0"/>
+          <a:chExt cx="0" cy="0"/>
+        </a:xfrm>
+      </p:grpSpPr>
+      <p:sp>
+        <p:nvSpPr>
+          <p:cNvPr id="2" name="Título 1">
+            <a:extLst>
+              <a:ext uri="{FF2B5EF4-FFF2-40B4-BE49-F238E27FC236}">
+                <a16:creationId xmlns:a16="http://schemas.microsoft.com/office/drawing/2014/main" id="{8CD0CD60-0AC8-6B29-0BCD-D8A173B1558B}"/>
+              </a:ext>
+            </a:extLst>
+          </p:cNvPr>
+          <p:cNvSpPr>
+            <a:spLocks noGrp="1"/>
+          </p:cNvSpPr>
+          <p:nvPr>
+            <p:ph type="title"/>
+          </p:nvPr>
+        </p:nvSpPr>
+        <p:spPr/>
+        <p:txBody>
+          <a:bodyPr/>
+          <a:lstStyle/>
+          <a:p>
+            <a:r>
+              <a:rPr lang="pt-BR" dirty="0"/>
+              <a:t>Resposta ao degrau (cohen e coon)</a:t>
+            </a:r>
+          </a:p>
+        </p:txBody>
+      </p:sp>
+      <p:pic>
+        <p:nvPicPr>
+          <p:cNvPr id="5" name="Imagem 4">
+            <a:extLst>
+              <a:ext uri="{FF2B5EF4-FFF2-40B4-BE49-F238E27FC236}">
+                <a16:creationId xmlns:a16="http://schemas.microsoft.com/office/drawing/2014/main" id="{3CC43227-E7C0-A05A-7CF7-E17080944C9F}"/>
+              </a:ext>
+            </a:extLst>
+          </p:cNvPr>
+          <p:cNvPicPr>
+            <a:picLocks noChangeAspect="1"/>
+          </p:cNvPicPr>
+          <p:nvPr/>
+        </p:nvPicPr>
+        <p:blipFill>
+          <a:blip r:embed="rId2"/>
+          <a:stretch>
+            <a:fillRect/>
+          </a:stretch>
+        </p:blipFill>
+        <p:spPr>
+          <a:xfrm>
+            <a:off x="2770902" y="1856510"/>
+            <a:ext cx="6062139" cy="4546604"/>
           </a:xfrm>
           <a:prstGeom prst="rect">
             <a:avLst/>
@@ -12542,7 +12808,167 @@
 </p:sld>
 </file>
 
-<file path=ppt/slides/slide11.xml><?xml version="1.0" encoding="utf-8"?>
+<file path=ppt/slides/slide13.xml><?xml version="1.0" encoding="utf-8"?>
+<p:sld xmlns:a="http://schemas.openxmlformats.org/drawingml/2006/main" xmlns:r="http://schemas.openxmlformats.org/officeDocument/2006/relationships" xmlns:p="http://schemas.openxmlformats.org/presentationml/2006/main">
+  <p:cSld>
+    <p:spTree>
+      <p:nvGrpSpPr>
+        <p:cNvPr id="1" name=""/>
+        <p:cNvGrpSpPr/>
+        <p:nvPr/>
+      </p:nvGrpSpPr>
+      <p:grpSpPr>
+        <a:xfrm>
+          <a:off x="0" y="0"/>
+          <a:ext cx="0" cy="0"/>
+          <a:chOff x="0" y="0"/>
+          <a:chExt cx="0" cy="0"/>
+        </a:xfrm>
+      </p:grpSpPr>
+      <p:sp>
+        <p:nvSpPr>
+          <p:cNvPr id="2" name="Título 1">
+            <a:extLst>
+              <a:ext uri="{FF2B5EF4-FFF2-40B4-BE49-F238E27FC236}">
+                <a16:creationId xmlns:a16="http://schemas.microsoft.com/office/drawing/2014/main" id="{AE993DA6-73AF-D516-D69C-66906A89548A}"/>
+              </a:ext>
+            </a:extLst>
+          </p:cNvPr>
+          <p:cNvSpPr>
+            <a:spLocks noGrp="1"/>
+          </p:cNvSpPr>
+          <p:nvPr>
+            <p:ph type="title"/>
+          </p:nvPr>
+        </p:nvSpPr>
+        <p:spPr/>
+        <p:txBody>
+          <a:bodyPr/>
+          <a:lstStyle/>
+          <a:p>
+            <a:r>
+              <a:rPr lang="pt-BR" dirty="0"/>
+              <a:t>Dados reais vs identificação</a:t>
+            </a:r>
+          </a:p>
+        </p:txBody>
+      </p:sp>
+      <p:pic>
+        <p:nvPicPr>
+          <p:cNvPr id="5" name="Imagem 4">
+            <a:extLst>
+              <a:ext uri="{FF2B5EF4-FFF2-40B4-BE49-F238E27FC236}">
+                <a16:creationId xmlns:a16="http://schemas.microsoft.com/office/drawing/2014/main" id="{BE96B2EF-FB0E-24A9-C215-93257CC07FC6}"/>
+              </a:ext>
+            </a:extLst>
+          </p:cNvPr>
+          <p:cNvPicPr>
+            <a:picLocks noChangeAspect="1"/>
+          </p:cNvPicPr>
+          <p:nvPr/>
+        </p:nvPicPr>
+        <p:blipFill>
+          <a:blip r:embed="rId2"/>
+          <a:stretch>
+            <a:fillRect/>
+          </a:stretch>
+        </p:blipFill>
+        <p:spPr>
+          <a:xfrm>
+            <a:off x="1141413" y="1951495"/>
+            <a:ext cx="5717316" cy="4287987"/>
+          </a:xfrm>
+          <a:prstGeom prst="rect">
+            <a:avLst/>
+          </a:prstGeom>
+        </p:spPr>
+      </p:pic>
+      <p:pic>
+        <p:nvPicPr>
+          <p:cNvPr id="7" name="Imagem 6">
+            <a:extLst>
+              <a:ext uri="{FF2B5EF4-FFF2-40B4-BE49-F238E27FC236}">
+                <a16:creationId xmlns:a16="http://schemas.microsoft.com/office/drawing/2014/main" id="{332CA620-A4BB-BA7F-E39A-948C7757C8CD}"/>
+              </a:ext>
+            </a:extLst>
+          </p:cNvPr>
+          <p:cNvPicPr>
+            <a:picLocks noChangeAspect="1"/>
+          </p:cNvPicPr>
+          <p:nvPr/>
+        </p:nvPicPr>
+        <p:blipFill>
+          <a:blip r:embed="rId3"/>
+          <a:stretch>
+            <a:fillRect/>
+          </a:stretch>
+        </p:blipFill>
+        <p:spPr>
+          <a:xfrm>
+            <a:off x="7236780" y="2604654"/>
+            <a:ext cx="3598149" cy="2733020"/>
+          </a:xfrm>
+          <a:prstGeom prst="rect">
+            <a:avLst/>
+          </a:prstGeom>
+        </p:spPr>
+      </p:pic>
+      <p:cxnSp>
+        <p:nvCxnSpPr>
+          <p:cNvPr id="11" name="Conexão reta unidirecional 10">
+            <a:extLst>
+              <a:ext uri="{FF2B5EF4-FFF2-40B4-BE49-F238E27FC236}">
+                <a16:creationId xmlns:a16="http://schemas.microsoft.com/office/drawing/2014/main" id="{2D741C54-C899-5484-979E-DBB4B7313065}"/>
+              </a:ext>
+            </a:extLst>
+          </p:cNvPr>
+          <p:cNvCxnSpPr/>
+          <p:nvPr/>
+        </p:nvCxnSpPr>
+        <p:spPr>
+          <a:xfrm>
+            <a:off x="2632364" y="3121891"/>
+            <a:ext cx="6280727" cy="498764"/>
+          </a:xfrm>
+          <a:prstGeom prst="straightConnector1">
+            <a:avLst/>
+          </a:prstGeom>
+          <a:ln w="38100">
+            <a:solidFill>
+              <a:srgbClr val="FF0000"/>
+            </a:solidFill>
+            <a:tailEnd type="triangle"/>
+          </a:ln>
+        </p:spPr>
+        <p:style>
+          <a:lnRef idx="1">
+            <a:schemeClr val="accent1"/>
+          </a:lnRef>
+          <a:fillRef idx="0">
+            <a:schemeClr val="accent1"/>
+          </a:fillRef>
+          <a:effectRef idx="0">
+            <a:schemeClr val="accent1"/>
+          </a:effectRef>
+          <a:fontRef idx="minor">
+            <a:schemeClr val="tx1"/>
+          </a:fontRef>
+        </p:style>
+      </p:cxnSp>
+    </p:spTree>
+    <p:extLst>
+      <p:ext uri="{BB962C8B-B14F-4D97-AF65-F5344CB8AC3E}">
+        <p14:creationId xmlns:p14="http://schemas.microsoft.com/office/powerpoint/2010/main" val="664501814"/>
+      </p:ext>
+    </p:extLst>
+  </p:cSld>
+  <p:clrMapOvr>
+    <a:masterClrMapping/>
+  </p:clrMapOvr>
+</p:sld>
+</file>
+
+<file path=ppt/slides/slide14.xml><?xml version="1.0" encoding="utf-8"?>
 <p:sld xmlns:a="http://schemas.openxmlformats.org/drawingml/2006/main" xmlns:r="http://schemas.openxmlformats.org/officeDocument/2006/relationships" xmlns:p="http://schemas.openxmlformats.org/presentationml/2006/main">
   <p:cSld>
     <p:spTree>
@@ -12630,7 +13056,7 @@
 </p:sld>
 </file>
 
-<file path=ppt/slides/slide12.xml><?xml version="1.0" encoding="utf-8"?>
+<file path=ppt/slides/slide15.xml><?xml version="1.0" encoding="utf-8"?>
 <p:sld xmlns:a="http://schemas.openxmlformats.org/drawingml/2006/main" xmlns:r="http://schemas.openxmlformats.org/officeDocument/2006/relationships" xmlns:p="http://schemas.openxmlformats.org/presentationml/2006/main">
   <p:cSld>
     <p:spTree>
@@ -12647,36 +13073,6 @@
           <a:chExt cx="0" cy="0"/>
         </a:xfrm>
       </p:grpSpPr>
-      <p:pic>
-        <p:nvPicPr>
-          <p:cNvPr id="5" name="Imagem 4">
-            <a:extLst>
-              <a:ext uri="{FF2B5EF4-FFF2-40B4-BE49-F238E27FC236}">
-                <a16:creationId xmlns:a16="http://schemas.microsoft.com/office/drawing/2014/main" id="{B8D8E12B-E072-6F6B-390E-5C17DC5C6290}"/>
-              </a:ext>
-            </a:extLst>
-          </p:cNvPr>
-          <p:cNvPicPr>
-            <a:picLocks noChangeAspect="1"/>
-          </p:cNvPicPr>
-          <p:nvPr/>
-        </p:nvPicPr>
-        <p:blipFill>
-          <a:blip r:embed="rId2"/>
-          <a:stretch>
-            <a:fillRect/>
-          </a:stretch>
-        </p:blipFill>
-        <p:spPr>
-          <a:xfrm>
-            <a:off x="1577325" y="2221899"/>
-            <a:ext cx="8508784" cy="3837155"/>
-          </a:xfrm>
-          <a:prstGeom prst="rect">
-            <a:avLst/>
-          </a:prstGeom>
-        </p:spPr>
-      </p:pic>
       <p:sp>
         <p:nvSpPr>
           <p:cNvPr id="6" name="Título 1">
@@ -12731,6 +13127,66 @@
           </a:p>
         </p:txBody>
       </p:sp>
+      <p:pic>
+        <p:nvPicPr>
+          <p:cNvPr id="9" name="Imagem 8">
+            <a:extLst>
+              <a:ext uri="{FF2B5EF4-FFF2-40B4-BE49-F238E27FC236}">
+                <a16:creationId xmlns:a16="http://schemas.microsoft.com/office/drawing/2014/main" id="{29D2BB10-0C31-F498-12FC-442CF2864401}"/>
+              </a:ext>
+            </a:extLst>
+          </p:cNvPr>
+          <p:cNvPicPr>
+            <a:picLocks noChangeAspect="1"/>
+          </p:cNvPicPr>
+          <p:nvPr/>
+        </p:nvPicPr>
+        <p:blipFill>
+          <a:blip r:embed="rId2"/>
+          <a:stretch>
+            <a:fillRect/>
+          </a:stretch>
+        </p:blipFill>
+        <p:spPr>
+          <a:xfrm>
+            <a:off x="6631709" y="2243960"/>
+            <a:ext cx="4645891" cy="3834081"/>
+          </a:xfrm>
+          <a:prstGeom prst="rect">
+            <a:avLst/>
+          </a:prstGeom>
+        </p:spPr>
+      </p:pic>
+      <p:pic>
+        <p:nvPicPr>
+          <p:cNvPr id="11" name="Imagem 10">
+            <a:extLst>
+              <a:ext uri="{FF2B5EF4-FFF2-40B4-BE49-F238E27FC236}">
+                <a16:creationId xmlns:a16="http://schemas.microsoft.com/office/drawing/2014/main" id="{D7513E29-936D-1BB4-3FC9-45D005F74900}"/>
+              </a:ext>
+            </a:extLst>
+          </p:cNvPr>
+          <p:cNvPicPr>
+            <a:picLocks noChangeAspect="1"/>
+          </p:cNvPicPr>
+          <p:nvPr/>
+        </p:nvPicPr>
+        <p:blipFill>
+          <a:blip r:embed="rId3"/>
+          <a:stretch>
+            <a:fillRect/>
+          </a:stretch>
+        </p:blipFill>
+        <p:spPr>
+          <a:xfrm>
+            <a:off x="1392851" y="2243961"/>
+            <a:ext cx="4860167" cy="3834081"/>
+          </a:xfrm>
+          <a:prstGeom prst="rect">
+            <a:avLst/>
+          </a:prstGeom>
+        </p:spPr>
+      </p:pic>
     </p:spTree>
     <p:extLst>
       <p:ext uri="{BB962C8B-B14F-4D97-AF65-F5344CB8AC3E}">
@@ -12744,7 +13200,7 @@
 </p:sld>
 </file>
 
-<file path=ppt/slides/slide13.xml><?xml version="1.0" encoding="utf-8"?>
+<file path=ppt/slides/slide16.xml><?xml version="1.0" encoding="utf-8"?>
 <p:sld xmlns:a="http://schemas.openxmlformats.org/drawingml/2006/main" xmlns:r="http://schemas.openxmlformats.org/officeDocument/2006/relationships" xmlns:p="http://schemas.openxmlformats.org/presentationml/2006/main">
   <p:cSld>
     <p:spTree>
@@ -12837,7 +13293,7 @@
 </p:sld>
 </file>
 
-<file path=ppt/slides/slide14.xml><?xml version="1.0" encoding="utf-8"?>
+<file path=ppt/slides/slide17.xml><?xml version="1.0" encoding="utf-8"?>
 <p:sld xmlns:a="http://schemas.openxmlformats.org/drawingml/2006/main" xmlns:r="http://schemas.openxmlformats.org/officeDocument/2006/relationships" xmlns:p="http://schemas.openxmlformats.org/presentationml/2006/main">
   <p:cSld>
     <p:spTree>
@@ -12889,10 +13345,10 @@
       </p:sp>
       <p:pic>
         <p:nvPicPr>
-          <p:cNvPr id="11" name="Imagem 10">
+          <p:cNvPr id="6" name="Imagem 5">
             <a:extLst>
               <a:ext uri="{FF2B5EF4-FFF2-40B4-BE49-F238E27FC236}">
-                <a16:creationId xmlns:a16="http://schemas.microsoft.com/office/drawing/2014/main" id="{F8036557-56B3-EA13-37A8-4E46A429153B}"/>
+                <a16:creationId xmlns:a16="http://schemas.microsoft.com/office/drawing/2014/main" id="{3601406D-25FF-5BC4-C42C-46C404940F0E}"/>
               </a:ext>
             </a:extLst>
           </p:cNvPr>
@@ -12909,8 +13365,8 @@
         </p:blipFill>
         <p:spPr>
           <a:xfrm>
-            <a:off x="1327319" y="2020717"/>
-            <a:ext cx="9322208" cy="4218765"/>
+            <a:off x="1336555" y="2097088"/>
+            <a:ext cx="9322206" cy="4249994"/>
           </a:xfrm>
           <a:prstGeom prst="rect">
             <a:avLst/>
@@ -12930,7 +13386,7 @@
 </p:sld>
 </file>
 
-<file path=ppt/slides/slide15.xml><?xml version="1.0" encoding="utf-8"?>
+<file path=ppt/slides/slide18.xml><?xml version="1.0" encoding="utf-8"?>
 <p:sld xmlns:a="http://schemas.openxmlformats.org/drawingml/2006/main" xmlns:r="http://schemas.openxmlformats.org/officeDocument/2006/relationships" xmlns:p="http://schemas.openxmlformats.org/presentationml/2006/main">
   <p:cSld>
     <p:spTree>
@@ -13365,7 +13821,7 @@
           <p:cNvPr id="2" name="Título 1">
             <a:extLst>
               <a:ext uri="{FF2B5EF4-FFF2-40B4-BE49-F238E27FC236}">
-                <a16:creationId xmlns:a16="http://schemas.microsoft.com/office/drawing/2014/main" id="{3ED95605-31BE-D1F7-AB07-2A6C72B2D780}"/>
+                <a16:creationId xmlns:a16="http://schemas.microsoft.com/office/drawing/2014/main" id="{B9CA99FE-ACE0-FFCF-FC68-14AB69E5EA0C}"/>
               </a:ext>
             </a:extLst>
           </p:cNvPr>
@@ -13376,38 +13832,31 @@
             <p:ph type="title"/>
           </p:nvPr>
         </p:nvSpPr>
-        <p:spPr>
-          <a:xfrm>
-            <a:off x="1595582" y="461821"/>
-            <a:ext cx="9905998" cy="1478570"/>
-          </a:xfrm>
-        </p:spPr>
+        <p:spPr/>
         <p:txBody>
           <a:bodyPr/>
           <a:lstStyle/>
           <a:p>
             <a:r>
               <a:rPr lang="pt-BR" dirty="0"/>
-              <a:t>Calculando valores de k, theta e tau </a:t>
+              <a:t>Função de transferência Ziegle-nichols e cohen e coon</a:t>
             </a:r>
           </a:p>
         </p:txBody>
       </p:sp>
       <p:pic>
         <p:nvPicPr>
-          <p:cNvPr id="9" name="Marcador de Posição de Conteúdo 8">
+          <p:cNvPr id="9" name="Imagem 8">
             <a:extLst>
               <a:ext uri="{FF2B5EF4-FFF2-40B4-BE49-F238E27FC236}">
-                <a16:creationId xmlns:a16="http://schemas.microsoft.com/office/drawing/2014/main" id="{8DED2110-E5A9-47F4-FACE-19DD9BE1C10C}"/>
+                <a16:creationId xmlns:a16="http://schemas.microsoft.com/office/drawing/2014/main" id="{96E5CE52-534C-22CD-D4AB-FF0302E3A9AA}"/>
               </a:ext>
             </a:extLst>
           </p:cNvPr>
           <p:cNvPicPr>
-            <a:picLocks noGrp="1" noChangeAspect="1"/>
+            <a:picLocks noChangeAspect="1"/>
           </p:cNvPicPr>
-          <p:nvPr>
-            <p:ph idx="1"/>
-          </p:nvPr>
+          <p:nvPr/>
         </p:nvPicPr>
         <p:blipFill>
           <a:blip r:embed="rId2"/>
@@ -13417,15 +13866,48 @@
         </p:blipFill>
         <p:spPr>
           <a:xfrm>
-            <a:off x="3226954" y="1599567"/>
-            <a:ext cx="5738091" cy="4796612"/>
+            <a:off x="1427740" y="2736929"/>
+            <a:ext cx="4051144" cy="2335035"/>
           </a:xfrm>
+          <a:prstGeom prst="rect">
+            <a:avLst/>
+          </a:prstGeom>
+        </p:spPr>
+      </p:pic>
+      <p:pic>
+        <p:nvPicPr>
+          <p:cNvPr id="11" name="Imagem 10">
+            <a:extLst>
+              <a:ext uri="{FF2B5EF4-FFF2-40B4-BE49-F238E27FC236}">
+                <a16:creationId xmlns:a16="http://schemas.microsoft.com/office/drawing/2014/main" id="{24792305-5CBB-3F55-4986-2535A202DFD7}"/>
+              </a:ext>
+            </a:extLst>
+          </p:cNvPr>
+          <p:cNvPicPr>
+            <a:picLocks noChangeAspect="1"/>
+          </p:cNvPicPr>
+          <p:nvPr/>
+        </p:nvPicPr>
+        <p:blipFill>
+          <a:blip r:embed="rId3"/>
+          <a:stretch>
+            <a:fillRect/>
+          </a:stretch>
+        </p:blipFill>
+        <p:spPr>
+          <a:xfrm>
+            <a:off x="6094412" y="2736930"/>
+            <a:ext cx="4051144" cy="2335035"/>
+          </a:xfrm>
+          <a:prstGeom prst="rect">
+            <a:avLst/>
+          </a:prstGeom>
         </p:spPr>
       </p:pic>
     </p:spTree>
     <p:extLst>
       <p:ext uri="{BB962C8B-B14F-4D97-AF65-F5344CB8AC3E}">
-        <p14:creationId xmlns:p14="http://schemas.microsoft.com/office/powerpoint/2010/main" val="4096245402"/>
+        <p14:creationId xmlns:p14="http://schemas.microsoft.com/office/powerpoint/2010/main" val="2369448010"/>
       </p:ext>
     </p:extLst>
   </p:cSld>
@@ -13457,7 +13939,7 @@
           <p:cNvPr id="2" name="Título 1">
             <a:extLst>
               <a:ext uri="{FF2B5EF4-FFF2-40B4-BE49-F238E27FC236}">
-                <a16:creationId xmlns:a16="http://schemas.microsoft.com/office/drawing/2014/main" id="{3ED95605-31BE-D1F7-AB07-2A6C72B2D780}"/>
+                <a16:creationId xmlns:a16="http://schemas.microsoft.com/office/drawing/2014/main" id="{9CD9B89C-F1F2-44A1-5535-FDCE2CF481CA}"/>
               </a:ext>
             </a:extLst>
           </p:cNvPr>
@@ -13468,29 +13950,24 @@
             <p:ph type="title"/>
           </p:nvPr>
         </p:nvSpPr>
-        <p:spPr>
-          <a:xfrm>
-            <a:off x="1595582" y="461821"/>
-            <a:ext cx="9905998" cy="1478570"/>
-          </a:xfrm>
-        </p:spPr>
+        <p:spPr/>
         <p:txBody>
           <a:bodyPr/>
           <a:lstStyle/>
           <a:p>
             <a:r>
               <a:rPr lang="pt-BR" dirty="0"/>
-              <a:t>Calculando valores para ziegler nichols</a:t>
+              <a:t>Métodos de identificação de planta e seleção através de menor erro</a:t>
             </a:r>
           </a:p>
         </p:txBody>
       </p:sp>
       <p:pic>
         <p:nvPicPr>
-          <p:cNvPr id="8" name="Imagem 7">
+          <p:cNvPr id="5" name="Imagem 4">
             <a:extLst>
               <a:ext uri="{FF2B5EF4-FFF2-40B4-BE49-F238E27FC236}">
-                <a16:creationId xmlns:a16="http://schemas.microsoft.com/office/drawing/2014/main" id="{3C778BA6-6538-4368-65A8-F193A75CE6F7}"/>
+                <a16:creationId xmlns:a16="http://schemas.microsoft.com/office/drawing/2014/main" id="{EFDACA32-C780-5B9F-B398-53F382C3C7EC}"/>
               </a:ext>
             </a:extLst>
           </p:cNvPr>
@@ -13507,8 +13984,38 @@
         </p:blipFill>
         <p:spPr>
           <a:xfrm>
-            <a:off x="3354154" y="1627545"/>
-            <a:ext cx="5483692" cy="4867447"/>
+            <a:off x="1334450" y="2419580"/>
+            <a:ext cx="4759962" cy="3082058"/>
+          </a:xfrm>
+          <a:prstGeom prst="rect">
+            <a:avLst/>
+          </a:prstGeom>
+        </p:spPr>
+      </p:pic>
+      <p:pic>
+        <p:nvPicPr>
+          <p:cNvPr id="7" name="Imagem 6">
+            <a:extLst>
+              <a:ext uri="{FF2B5EF4-FFF2-40B4-BE49-F238E27FC236}">
+                <a16:creationId xmlns:a16="http://schemas.microsoft.com/office/drawing/2014/main" id="{6841425F-6887-E817-A0B5-EE6184A4ECE2}"/>
+              </a:ext>
+            </a:extLst>
+          </p:cNvPr>
+          <p:cNvPicPr>
+            <a:picLocks noChangeAspect="1"/>
+          </p:cNvPicPr>
+          <p:nvPr/>
+        </p:nvPicPr>
+        <p:blipFill>
+          <a:blip r:embed="rId3"/>
+          <a:stretch>
+            <a:fillRect/>
+          </a:stretch>
+        </p:blipFill>
+        <p:spPr>
+          <a:xfrm>
+            <a:off x="6316567" y="2419580"/>
+            <a:ext cx="4868669" cy="3082058"/>
           </a:xfrm>
           <a:prstGeom prst="rect">
             <a:avLst/>
@@ -13518,7 +14025,7 @@
     </p:spTree>
     <p:extLst>
       <p:ext uri="{BB962C8B-B14F-4D97-AF65-F5344CB8AC3E}">
-        <p14:creationId xmlns:p14="http://schemas.microsoft.com/office/powerpoint/2010/main" val="3188433868"/>
+        <p14:creationId xmlns:p14="http://schemas.microsoft.com/office/powerpoint/2010/main" val="3263591216"/>
       </p:ext>
     </p:extLst>
   </p:cSld>
@@ -13573,26 +14080,24 @@
           <a:p>
             <a:r>
               <a:rPr lang="pt-BR" dirty="0"/>
-              <a:t>Calculando valores para Cohen e coon</a:t>
+              <a:t>Calculando valores de k, theta e tau </a:t>
             </a:r>
           </a:p>
         </p:txBody>
       </p:sp>
       <p:pic>
         <p:nvPicPr>
-          <p:cNvPr id="6" name="Marcador de Posição de Conteúdo 5">
+          <p:cNvPr id="8" name="Imagem 7">
             <a:extLst>
               <a:ext uri="{FF2B5EF4-FFF2-40B4-BE49-F238E27FC236}">
-                <a16:creationId xmlns:a16="http://schemas.microsoft.com/office/drawing/2014/main" id="{1768C353-4B5D-E4D0-8486-9250EA0112FB}"/>
+                <a16:creationId xmlns:a16="http://schemas.microsoft.com/office/drawing/2014/main" id="{258AB554-CE1C-C787-5FF4-D975FF046BCF}"/>
               </a:ext>
             </a:extLst>
           </p:cNvPr>
           <p:cNvPicPr>
-            <a:picLocks noGrp="1" noChangeAspect="1"/>
+            <a:picLocks noChangeAspect="1"/>
           </p:cNvPicPr>
-          <p:nvPr>
-            <p:ph idx="1"/>
-          </p:nvPr>
+          <p:nvPr/>
         </p:nvPicPr>
         <p:blipFill>
           <a:blip r:embed="rId2"/>
@@ -13602,15 +14107,135 @@
         </p:blipFill>
         <p:spPr>
           <a:xfrm>
-            <a:off x="3332956" y="1599836"/>
-            <a:ext cx="5526087" cy="4873766"/>
+            <a:off x="1595581" y="2094346"/>
+            <a:ext cx="4574309" cy="2669308"/>
           </a:xfrm>
+          <a:prstGeom prst="rect">
+            <a:avLst/>
+          </a:prstGeom>
         </p:spPr>
       </p:pic>
+      <p:pic>
+        <p:nvPicPr>
+          <p:cNvPr id="11" name="Imagem 10">
+            <a:extLst>
+              <a:ext uri="{FF2B5EF4-FFF2-40B4-BE49-F238E27FC236}">
+                <a16:creationId xmlns:a16="http://schemas.microsoft.com/office/drawing/2014/main" id="{4908E9E5-9E50-5DFA-DC41-24D771B83C7E}"/>
+              </a:ext>
+            </a:extLst>
+          </p:cNvPr>
+          <p:cNvPicPr>
+            <a:picLocks noChangeAspect="1"/>
+          </p:cNvPicPr>
+          <p:nvPr/>
+        </p:nvPicPr>
+        <p:blipFill>
+          <a:blip r:embed="rId3"/>
+          <a:stretch>
+            <a:fillRect/>
+          </a:stretch>
+        </p:blipFill>
+        <p:spPr>
+          <a:xfrm>
+            <a:off x="6317673" y="2094345"/>
+            <a:ext cx="4802908" cy="2669309"/>
+          </a:xfrm>
+          <a:prstGeom prst="rect">
+            <a:avLst/>
+          </a:prstGeom>
+        </p:spPr>
+      </p:pic>
+      <p:sp>
+        <p:nvSpPr>
+          <p:cNvPr id="12" name="Retângulo 11">
+            <a:extLst>
+              <a:ext uri="{FF2B5EF4-FFF2-40B4-BE49-F238E27FC236}">
+                <a16:creationId xmlns:a16="http://schemas.microsoft.com/office/drawing/2014/main" id="{85E3FED9-D164-600D-6D56-25275BF9F170}"/>
+              </a:ext>
+            </a:extLst>
+          </p:cNvPr>
+          <p:cNvSpPr/>
+          <p:nvPr/>
+        </p:nvSpPr>
+        <p:spPr>
+          <a:xfrm>
+            <a:off x="1595581" y="4917608"/>
+            <a:ext cx="9525000" cy="1689579"/>
+          </a:xfrm>
+          <a:prstGeom prst="rect">
+            <a:avLst/>
+          </a:prstGeom>
+          <a:solidFill>
+            <a:schemeClr val="bg2">
+              <a:lumMod val="90000"/>
+              <a:lumOff val="10000"/>
+            </a:schemeClr>
+          </a:solidFill>
+        </p:spPr>
+        <p:style>
+          <a:lnRef idx="2">
+            <a:schemeClr val="dk1">
+              <a:shade val="15000"/>
+            </a:schemeClr>
+          </a:lnRef>
+          <a:fillRef idx="1">
+            <a:schemeClr val="dk1"/>
+          </a:fillRef>
+          <a:effectRef idx="0">
+            <a:schemeClr val="dk1"/>
+          </a:effectRef>
+          <a:fontRef idx="minor">
+            <a:schemeClr val="lt1"/>
+          </a:fontRef>
+        </p:style>
+        <p:txBody>
+          <a:bodyPr rtlCol="0" anchor="ctr"/>
+          <a:lstStyle/>
+          <a:p>
+            <a:pPr algn="ctr"/>
+            <a:endParaRPr lang="pt-BR"/>
+          </a:p>
+        </p:txBody>
+      </p:sp>
+      <p:sp>
+        <p:nvSpPr>
+          <p:cNvPr id="13" name="CaixaDeTexto 12">
+            <a:extLst>
+              <a:ext uri="{FF2B5EF4-FFF2-40B4-BE49-F238E27FC236}">
+                <a16:creationId xmlns:a16="http://schemas.microsoft.com/office/drawing/2014/main" id="{5C9AD2E1-B407-B1B2-1D82-8350176045CA}"/>
+              </a:ext>
+            </a:extLst>
+          </p:cNvPr>
+          <p:cNvSpPr txBox="1"/>
+          <p:nvPr/>
+        </p:nvSpPr>
+        <p:spPr>
+          <a:xfrm>
+            <a:off x="1595581" y="4917609"/>
+            <a:ext cx="9321801" cy="1200329"/>
+          </a:xfrm>
+          <a:prstGeom prst="rect">
+            <a:avLst/>
+          </a:prstGeom>
+          <a:noFill/>
+        </p:spPr>
+        <p:txBody>
+          <a:bodyPr wrap="square" rtlCol="0">
+            <a:spAutoFit/>
+          </a:bodyPr>
+          <a:lstStyle/>
+          <a:p>
+            <a:r>
+              <a:rPr lang="pt-BR" sz="2400" dirty="0"/>
+              <a:t>Para o nosso projeto o método escolhido foi o Smith, em razão de o valor do erro ter sido menor em relação ao erro do sundaresan. Utilizamos esse método para aumentar a eficiência tendo o erro como decisão.</a:t>
+            </a:r>
+          </a:p>
+        </p:txBody>
+      </p:sp>
     </p:spTree>
     <p:extLst>
       <p:ext uri="{BB962C8B-B14F-4D97-AF65-F5344CB8AC3E}">
-        <p14:creationId xmlns:p14="http://schemas.microsoft.com/office/powerpoint/2010/main" val="1271032530"/>
+        <p14:creationId xmlns:p14="http://schemas.microsoft.com/office/powerpoint/2010/main" val="4096245402"/>
       </p:ext>
     </p:extLst>
   </p:cSld>
@@ -13665,6 +14290,191 @@
           <a:p>
             <a:r>
               <a:rPr lang="pt-BR" dirty="0"/>
+              <a:t>Calculando valores para ziegler nichols</a:t>
+            </a:r>
+          </a:p>
+        </p:txBody>
+      </p:sp>
+      <p:pic>
+        <p:nvPicPr>
+          <p:cNvPr id="8" name="Imagem 7">
+            <a:extLst>
+              <a:ext uri="{FF2B5EF4-FFF2-40B4-BE49-F238E27FC236}">
+                <a16:creationId xmlns:a16="http://schemas.microsoft.com/office/drawing/2014/main" id="{3C778BA6-6538-4368-65A8-F193A75CE6F7}"/>
+              </a:ext>
+            </a:extLst>
+          </p:cNvPr>
+          <p:cNvPicPr>
+            <a:picLocks noChangeAspect="1"/>
+          </p:cNvPicPr>
+          <p:nvPr/>
+        </p:nvPicPr>
+        <p:blipFill>
+          <a:blip r:embed="rId2"/>
+          <a:stretch>
+            <a:fillRect/>
+          </a:stretch>
+        </p:blipFill>
+        <p:spPr>
+          <a:xfrm>
+            <a:off x="3354154" y="1627545"/>
+            <a:ext cx="5483692" cy="4867447"/>
+          </a:xfrm>
+          <a:prstGeom prst="rect">
+            <a:avLst/>
+          </a:prstGeom>
+        </p:spPr>
+      </p:pic>
+    </p:spTree>
+    <p:extLst>
+      <p:ext uri="{BB962C8B-B14F-4D97-AF65-F5344CB8AC3E}">
+        <p14:creationId xmlns:p14="http://schemas.microsoft.com/office/powerpoint/2010/main" val="3188433868"/>
+      </p:ext>
+    </p:extLst>
+  </p:cSld>
+  <p:clrMapOvr>
+    <a:masterClrMapping/>
+  </p:clrMapOvr>
+</p:sld>
+</file>
+
+<file path=ppt/slides/slide8.xml><?xml version="1.0" encoding="utf-8"?>
+<p:sld xmlns:a="http://schemas.openxmlformats.org/drawingml/2006/main" xmlns:r="http://schemas.openxmlformats.org/officeDocument/2006/relationships" xmlns:p="http://schemas.openxmlformats.org/presentationml/2006/main">
+  <p:cSld>
+    <p:spTree>
+      <p:nvGrpSpPr>
+        <p:cNvPr id="1" name=""/>
+        <p:cNvGrpSpPr/>
+        <p:nvPr/>
+      </p:nvGrpSpPr>
+      <p:grpSpPr>
+        <a:xfrm>
+          <a:off x="0" y="0"/>
+          <a:ext cx="0" cy="0"/>
+          <a:chOff x="0" y="0"/>
+          <a:chExt cx="0" cy="0"/>
+        </a:xfrm>
+      </p:grpSpPr>
+      <p:sp>
+        <p:nvSpPr>
+          <p:cNvPr id="2" name="Título 1">
+            <a:extLst>
+              <a:ext uri="{FF2B5EF4-FFF2-40B4-BE49-F238E27FC236}">
+                <a16:creationId xmlns:a16="http://schemas.microsoft.com/office/drawing/2014/main" id="{3ED95605-31BE-D1F7-AB07-2A6C72B2D780}"/>
+              </a:ext>
+            </a:extLst>
+          </p:cNvPr>
+          <p:cNvSpPr>
+            <a:spLocks noGrp="1"/>
+          </p:cNvSpPr>
+          <p:nvPr>
+            <p:ph type="title"/>
+          </p:nvPr>
+        </p:nvSpPr>
+        <p:spPr>
+          <a:xfrm>
+            <a:off x="1595582" y="461821"/>
+            <a:ext cx="9905998" cy="1478570"/>
+          </a:xfrm>
+        </p:spPr>
+        <p:txBody>
+          <a:bodyPr/>
+          <a:lstStyle/>
+          <a:p>
+            <a:r>
+              <a:rPr lang="pt-BR" dirty="0"/>
+              <a:t>Calculando valores para Cohen e coon</a:t>
+            </a:r>
+          </a:p>
+        </p:txBody>
+      </p:sp>
+      <p:pic>
+        <p:nvPicPr>
+          <p:cNvPr id="6" name="Marcador de Posição de Conteúdo 5">
+            <a:extLst>
+              <a:ext uri="{FF2B5EF4-FFF2-40B4-BE49-F238E27FC236}">
+                <a16:creationId xmlns:a16="http://schemas.microsoft.com/office/drawing/2014/main" id="{1768C353-4B5D-E4D0-8486-9250EA0112FB}"/>
+              </a:ext>
+            </a:extLst>
+          </p:cNvPr>
+          <p:cNvPicPr>
+            <a:picLocks noGrp="1" noChangeAspect="1"/>
+          </p:cNvPicPr>
+          <p:nvPr>
+            <p:ph idx="1"/>
+          </p:nvPr>
+        </p:nvPicPr>
+        <p:blipFill>
+          <a:blip r:embed="rId2"/>
+          <a:stretch>
+            <a:fillRect/>
+          </a:stretch>
+        </p:blipFill>
+        <p:spPr>
+          <a:xfrm>
+            <a:off x="3332956" y="1599836"/>
+            <a:ext cx="5526087" cy="4873766"/>
+          </a:xfrm>
+        </p:spPr>
+      </p:pic>
+    </p:spTree>
+    <p:extLst>
+      <p:ext uri="{BB962C8B-B14F-4D97-AF65-F5344CB8AC3E}">
+        <p14:creationId xmlns:p14="http://schemas.microsoft.com/office/powerpoint/2010/main" val="1271032530"/>
+      </p:ext>
+    </p:extLst>
+  </p:cSld>
+  <p:clrMapOvr>
+    <a:masterClrMapping/>
+  </p:clrMapOvr>
+</p:sld>
+</file>
+
+<file path=ppt/slides/slide9.xml><?xml version="1.0" encoding="utf-8"?>
+<p:sld xmlns:a="http://schemas.openxmlformats.org/drawingml/2006/main" xmlns:r="http://schemas.openxmlformats.org/officeDocument/2006/relationships" xmlns:p="http://schemas.openxmlformats.org/presentationml/2006/main">
+  <p:cSld>
+    <p:spTree>
+      <p:nvGrpSpPr>
+        <p:cNvPr id="1" name=""/>
+        <p:cNvGrpSpPr/>
+        <p:nvPr/>
+      </p:nvGrpSpPr>
+      <p:grpSpPr>
+        <a:xfrm>
+          <a:off x="0" y="0"/>
+          <a:ext cx="0" cy="0"/>
+          <a:chOff x="0" y="0"/>
+          <a:chExt cx="0" cy="0"/>
+        </a:xfrm>
+      </p:grpSpPr>
+      <p:sp>
+        <p:nvSpPr>
+          <p:cNvPr id="2" name="Título 1">
+            <a:extLst>
+              <a:ext uri="{FF2B5EF4-FFF2-40B4-BE49-F238E27FC236}">
+                <a16:creationId xmlns:a16="http://schemas.microsoft.com/office/drawing/2014/main" id="{3ED95605-31BE-D1F7-AB07-2A6C72B2D780}"/>
+              </a:ext>
+            </a:extLst>
+          </p:cNvPr>
+          <p:cNvSpPr>
+            <a:spLocks noGrp="1"/>
+          </p:cNvSpPr>
+          <p:nvPr>
+            <p:ph type="title"/>
+          </p:nvPr>
+        </p:nvSpPr>
+        <p:spPr>
+          <a:xfrm>
+            <a:off x="1595582" y="461821"/>
+            <a:ext cx="9905998" cy="1478570"/>
+          </a:xfrm>
+        </p:spPr>
+        <p:txBody>
+          <a:bodyPr/>
+          <a:lstStyle/>
+          <a:p>
+            <a:r>
+              <a:rPr lang="pt-BR" dirty="0"/>
               <a:t>pArâmetros do pid para os métodos de sintonia especificados</a:t>
             </a:r>
           </a:p>
@@ -13704,268 +14514,6 @@
     <p:extLst>
       <p:ext uri="{BB962C8B-B14F-4D97-AF65-F5344CB8AC3E}">
         <p14:creationId xmlns:p14="http://schemas.microsoft.com/office/powerpoint/2010/main" val="1148944070"/>
-      </p:ext>
-    </p:extLst>
-  </p:cSld>
-  <p:clrMapOvr>
-    <a:masterClrMapping/>
-  </p:clrMapOvr>
-</p:sld>
-</file>
-
-<file path=ppt/slides/slide8.xml><?xml version="1.0" encoding="utf-8"?>
-<p:sld xmlns:a="http://schemas.openxmlformats.org/drawingml/2006/main" xmlns:r="http://schemas.openxmlformats.org/officeDocument/2006/relationships" xmlns:p="http://schemas.openxmlformats.org/presentationml/2006/main">
-  <p:cSld>
-    <p:spTree>
-      <p:nvGrpSpPr>
-        <p:cNvPr id="1" name=""/>
-        <p:cNvGrpSpPr/>
-        <p:nvPr/>
-      </p:nvGrpSpPr>
-      <p:grpSpPr>
-        <a:xfrm>
-          <a:off x="0" y="0"/>
-          <a:ext cx="0" cy="0"/>
-          <a:chOff x="0" y="0"/>
-          <a:chExt cx="0" cy="0"/>
-        </a:xfrm>
-      </p:grpSpPr>
-      <p:sp>
-        <p:nvSpPr>
-          <p:cNvPr id="2" name="Título 1">
-            <a:extLst>
-              <a:ext uri="{FF2B5EF4-FFF2-40B4-BE49-F238E27FC236}">
-                <a16:creationId xmlns:a16="http://schemas.microsoft.com/office/drawing/2014/main" id="{24C36417-EDA5-5676-4CB0-8171D6851FE6}"/>
-              </a:ext>
-            </a:extLst>
-          </p:cNvPr>
-          <p:cNvSpPr>
-            <a:spLocks noGrp="1"/>
-          </p:cNvSpPr>
-          <p:nvPr>
-            <p:ph type="title"/>
-          </p:nvPr>
-        </p:nvSpPr>
-        <p:spPr/>
-        <p:txBody>
-          <a:bodyPr/>
-          <a:lstStyle/>
-          <a:p>
-            <a:r>
-              <a:rPr lang="pt-BR" dirty="0"/>
-              <a:t>Comparação das conclusões</a:t>
-            </a:r>
-          </a:p>
-        </p:txBody>
-      </p:sp>
-      <p:pic>
-        <p:nvPicPr>
-          <p:cNvPr id="5" name="Marcador de Posição de Conteúdo 4">
-            <a:extLst>
-              <a:ext uri="{FF2B5EF4-FFF2-40B4-BE49-F238E27FC236}">
-                <a16:creationId xmlns:a16="http://schemas.microsoft.com/office/drawing/2014/main" id="{1EEBC5D2-D61F-B63A-F212-6E6376DFF2DD}"/>
-              </a:ext>
-            </a:extLst>
-          </p:cNvPr>
-          <p:cNvPicPr>
-            <a:picLocks noGrp="1" noChangeAspect="1"/>
-          </p:cNvPicPr>
-          <p:nvPr>
-            <p:ph idx="1"/>
-          </p:nvPr>
-        </p:nvPicPr>
-        <p:blipFill>
-          <a:blip r:embed="rId2"/>
-          <a:stretch>
-            <a:fillRect/>
-          </a:stretch>
-        </p:blipFill>
-        <p:spPr>
-          <a:xfrm>
-            <a:off x="1261486" y="2727001"/>
-            <a:ext cx="4347365" cy="2194125"/>
-          </a:xfrm>
-        </p:spPr>
-      </p:pic>
-      <p:sp>
-        <p:nvSpPr>
-          <p:cNvPr id="6" name="Retângulo 5">
-            <a:extLst>
-              <a:ext uri="{FF2B5EF4-FFF2-40B4-BE49-F238E27FC236}">
-                <a16:creationId xmlns:a16="http://schemas.microsoft.com/office/drawing/2014/main" id="{124554E5-BEAF-5031-7638-397FDB901B4D}"/>
-              </a:ext>
-            </a:extLst>
-          </p:cNvPr>
-          <p:cNvSpPr/>
-          <p:nvPr/>
-        </p:nvSpPr>
-        <p:spPr>
-          <a:xfrm>
-            <a:off x="6437023" y="2891656"/>
-            <a:ext cx="5320867" cy="1689579"/>
-          </a:xfrm>
-          <a:prstGeom prst="rect">
-            <a:avLst/>
-          </a:prstGeom>
-          <a:solidFill>
-            <a:schemeClr val="bg2">
-              <a:lumMod val="90000"/>
-              <a:lumOff val="10000"/>
-            </a:schemeClr>
-          </a:solidFill>
-        </p:spPr>
-        <p:style>
-          <a:lnRef idx="2">
-            <a:schemeClr val="dk1">
-              <a:shade val="15000"/>
-            </a:schemeClr>
-          </a:lnRef>
-          <a:fillRef idx="1">
-            <a:schemeClr val="dk1"/>
-          </a:fillRef>
-          <a:effectRef idx="0">
-            <a:schemeClr val="dk1"/>
-          </a:effectRef>
-          <a:fontRef idx="minor">
-            <a:schemeClr val="lt1"/>
-          </a:fontRef>
-        </p:style>
-        <p:txBody>
-          <a:bodyPr rtlCol="0" anchor="ctr"/>
-          <a:lstStyle/>
-          <a:p>
-            <a:pPr algn="ctr"/>
-            <a:endParaRPr lang="pt-BR"/>
-          </a:p>
-        </p:txBody>
-      </p:sp>
-      <p:sp>
-        <p:nvSpPr>
-          <p:cNvPr id="7" name="CaixaDeTexto 6">
-            <a:extLst>
-              <a:ext uri="{FF2B5EF4-FFF2-40B4-BE49-F238E27FC236}">
-                <a16:creationId xmlns:a16="http://schemas.microsoft.com/office/drawing/2014/main" id="{68015FC2-2742-5B4E-1D70-790BAC99380B}"/>
-              </a:ext>
-            </a:extLst>
-          </p:cNvPr>
-          <p:cNvSpPr txBox="1"/>
-          <p:nvPr/>
-        </p:nvSpPr>
-        <p:spPr>
-          <a:xfrm>
-            <a:off x="6437024" y="2967335"/>
-            <a:ext cx="5422468" cy="1569660"/>
-          </a:xfrm>
-          <a:prstGeom prst="rect">
-            <a:avLst/>
-          </a:prstGeom>
-          <a:noFill/>
-        </p:spPr>
-        <p:txBody>
-          <a:bodyPr wrap="square" rtlCol="0">
-            <a:spAutoFit/>
-          </a:bodyPr>
-          <a:lstStyle/>
-          <a:p>
-            <a:r>
-              <a:rPr lang="pt-BR" sz="2400" dirty="0"/>
-              <a:t>Cohen e Coon apresentou valores menores em todos parâmetros, sendo tempo de subida (14,04), Tempo de acomodação (45,88) e Overshoot (2,46)</a:t>
-            </a:r>
-          </a:p>
-        </p:txBody>
-      </p:sp>
-    </p:spTree>
-    <p:extLst>
-      <p:ext uri="{BB962C8B-B14F-4D97-AF65-F5344CB8AC3E}">
-        <p14:creationId xmlns:p14="http://schemas.microsoft.com/office/powerpoint/2010/main" val="1637307247"/>
-      </p:ext>
-    </p:extLst>
-  </p:cSld>
-  <p:clrMapOvr>
-    <a:masterClrMapping/>
-  </p:clrMapOvr>
-</p:sld>
-</file>
-
-<file path=ppt/slides/slide9.xml><?xml version="1.0" encoding="utf-8"?>
-<p:sld xmlns:a="http://schemas.openxmlformats.org/drawingml/2006/main" xmlns:r="http://schemas.openxmlformats.org/officeDocument/2006/relationships" xmlns:p="http://schemas.openxmlformats.org/presentationml/2006/main">
-  <p:cSld>
-    <p:spTree>
-      <p:nvGrpSpPr>
-        <p:cNvPr id="1" name=""/>
-        <p:cNvGrpSpPr/>
-        <p:nvPr/>
-      </p:nvGrpSpPr>
-      <p:grpSpPr>
-        <a:xfrm>
-          <a:off x="0" y="0"/>
-          <a:ext cx="0" cy="0"/>
-          <a:chOff x="0" y="0"/>
-          <a:chExt cx="0" cy="0"/>
-        </a:xfrm>
-      </p:grpSpPr>
-      <p:sp>
-        <p:nvSpPr>
-          <p:cNvPr id="2" name="Título 1">
-            <a:extLst>
-              <a:ext uri="{FF2B5EF4-FFF2-40B4-BE49-F238E27FC236}">
-                <a16:creationId xmlns:a16="http://schemas.microsoft.com/office/drawing/2014/main" id="{8CD0CD60-0AC8-6B29-0BCD-D8A173B1558B}"/>
-              </a:ext>
-            </a:extLst>
-          </p:cNvPr>
-          <p:cNvSpPr>
-            <a:spLocks noGrp="1"/>
-          </p:cNvSpPr>
-          <p:nvPr>
-            <p:ph type="title"/>
-          </p:nvPr>
-        </p:nvSpPr>
-        <p:spPr/>
-        <p:txBody>
-          <a:bodyPr/>
-          <a:lstStyle/>
-          <a:p>
-            <a:r>
-              <a:rPr lang="pt-BR" dirty="0"/>
-              <a:t>Resposta ao degrau (Ziegle-nichols)</a:t>
-            </a:r>
-          </a:p>
-        </p:txBody>
-      </p:sp>
-      <p:pic>
-        <p:nvPicPr>
-          <p:cNvPr id="7" name="Imagem 6">
-            <a:extLst>
-              <a:ext uri="{FF2B5EF4-FFF2-40B4-BE49-F238E27FC236}">
-                <a16:creationId xmlns:a16="http://schemas.microsoft.com/office/drawing/2014/main" id="{5BA8EA6E-08BA-DDD0-8723-93AEC9CF7043}"/>
-              </a:ext>
-            </a:extLst>
-          </p:cNvPr>
-          <p:cNvPicPr>
-            <a:picLocks noChangeAspect="1"/>
-          </p:cNvPicPr>
-          <p:nvPr/>
-        </p:nvPicPr>
-        <p:blipFill>
-          <a:blip r:embed="rId2"/>
-          <a:stretch>
-            <a:fillRect/>
-          </a:stretch>
-        </p:blipFill>
-        <p:spPr>
-          <a:xfrm>
-            <a:off x="1286164" y="1827213"/>
-            <a:ext cx="8993909" cy="4496955"/>
-          </a:xfrm>
-          <a:prstGeom prst="rect">
-            <a:avLst/>
-          </a:prstGeom>
-        </p:spPr>
-      </p:pic>
-    </p:spTree>
-    <p:extLst>
-      <p:ext uri="{BB962C8B-B14F-4D97-AF65-F5344CB8AC3E}">
-        <p14:creationId xmlns:p14="http://schemas.microsoft.com/office/powerpoint/2010/main" val="1361586937"/>
       </p:ext>
     </p:extLst>
   </p:cSld>

--- a/documents/Trabalho de Sistemas Embarcados (C213).pptx
+++ b/documents/Trabalho de Sistemas Embarcados (C213).pptx
@@ -14,15 +14,17 @@
     <p:sldId id="261" r:id="rId8"/>
     <p:sldId id="268" r:id="rId9"/>
     <p:sldId id="262" r:id="rId10"/>
-    <p:sldId id="263" r:id="rId11"/>
-    <p:sldId id="264" r:id="rId12"/>
-    <p:sldId id="265" r:id="rId13"/>
-    <p:sldId id="274" r:id="rId14"/>
-    <p:sldId id="270" r:id="rId15"/>
-    <p:sldId id="271" r:id="rId16"/>
-    <p:sldId id="267" r:id="rId17"/>
-    <p:sldId id="266" r:id="rId18"/>
-    <p:sldId id="269" r:id="rId19"/>
+    <p:sldId id="276" r:id="rId11"/>
+    <p:sldId id="275" r:id="rId12"/>
+    <p:sldId id="263" r:id="rId13"/>
+    <p:sldId id="264" r:id="rId14"/>
+    <p:sldId id="265" r:id="rId15"/>
+    <p:sldId id="274" r:id="rId16"/>
+    <p:sldId id="270" r:id="rId17"/>
+    <p:sldId id="271" r:id="rId18"/>
+    <p:sldId id="267" r:id="rId19"/>
+    <p:sldId id="266" r:id="rId20"/>
+    <p:sldId id="269" r:id="rId21"/>
   </p:sldIdLst>
   <p:sldSz cx="12192000" cy="6858000"/>
   <p:notesSz cx="6858000" cy="9144000"/>
@@ -12479,6 +12481,559 @@
           <p:cNvPr id="2" name="Título 1">
             <a:extLst>
               <a:ext uri="{FF2B5EF4-FFF2-40B4-BE49-F238E27FC236}">
+                <a16:creationId xmlns:a16="http://schemas.microsoft.com/office/drawing/2014/main" id="{97168131-46E7-8B67-712B-F55B61B7B701}"/>
+              </a:ext>
+            </a:extLst>
+          </p:cNvPr>
+          <p:cNvSpPr>
+            <a:spLocks noGrp="1"/>
+          </p:cNvSpPr>
+          <p:nvPr>
+            <p:ph type="title"/>
+          </p:nvPr>
+        </p:nvSpPr>
+        <p:spPr>
+          <a:xfrm>
+            <a:off x="1143001" y="258300"/>
+            <a:ext cx="9905998" cy="1478570"/>
+          </a:xfrm>
+        </p:spPr>
+        <p:txBody>
+          <a:bodyPr/>
+          <a:lstStyle/>
+          <a:p>
+            <a:r>
+              <a:rPr lang="pt-BR" dirty="0"/>
+              <a:t>Calculando erros</a:t>
+            </a:r>
+          </a:p>
+        </p:txBody>
+      </p:sp>
+      <p:pic>
+        <p:nvPicPr>
+          <p:cNvPr id="9" name="Imagem 8">
+            <a:extLst>
+              <a:ext uri="{FF2B5EF4-FFF2-40B4-BE49-F238E27FC236}">
+                <a16:creationId xmlns:a16="http://schemas.microsoft.com/office/drawing/2014/main" id="{94784C69-CA73-0AFC-255C-DED75B876AF1}"/>
+              </a:ext>
+            </a:extLst>
+          </p:cNvPr>
+          <p:cNvPicPr>
+            <a:picLocks noChangeAspect="1"/>
+          </p:cNvPicPr>
+          <p:nvPr/>
+        </p:nvPicPr>
+        <p:blipFill>
+          <a:blip r:embed="rId2"/>
+          <a:stretch>
+            <a:fillRect/>
+          </a:stretch>
+        </p:blipFill>
+        <p:spPr>
+          <a:xfrm>
+            <a:off x="1282308" y="1383332"/>
+            <a:ext cx="7066123" cy="4675724"/>
+          </a:xfrm>
+          <a:prstGeom prst="rect">
+            <a:avLst/>
+          </a:prstGeom>
+        </p:spPr>
+      </p:pic>
+      <p:sp>
+        <p:nvSpPr>
+          <p:cNvPr id="10" name="Retângulo 9">
+            <a:extLst>
+              <a:ext uri="{FF2B5EF4-FFF2-40B4-BE49-F238E27FC236}">
+                <a16:creationId xmlns:a16="http://schemas.microsoft.com/office/drawing/2014/main" id="{2A3512B7-2C4A-205A-5FF9-A038BEC2C0D0}"/>
+              </a:ext>
+            </a:extLst>
+          </p:cNvPr>
+          <p:cNvSpPr/>
+          <p:nvPr/>
+        </p:nvSpPr>
+        <p:spPr>
+          <a:xfrm>
+            <a:off x="8571345" y="1505527"/>
+            <a:ext cx="3408219" cy="4294909"/>
+          </a:xfrm>
+          <a:prstGeom prst="rect">
+            <a:avLst/>
+          </a:prstGeom>
+          <a:solidFill>
+            <a:schemeClr val="bg2">
+              <a:lumMod val="90000"/>
+              <a:lumOff val="10000"/>
+            </a:schemeClr>
+          </a:solidFill>
+        </p:spPr>
+        <p:style>
+          <a:lnRef idx="2">
+            <a:schemeClr val="dk1">
+              <a:shade val="15000"/>
+            </a:schemeClr>
+          </a:lnRef>
+          <a:fillRef idx="1">
+            <a:schemeClr val="dk1"/>
+          </a:fillRef>
+          <a:effectRef idx="0">
+            <a:schemeClr val="dk1"/>
+          </a:effectRef>
+          <a:fontRef idx="minor">
+            <a:schemeClr val="lt1"/>
+          </a:fontRef>
+        </p:style>
+        <p:txBody>
+          <a:bodyPr rtlCol="0" anchor="ctr"/>
+          <a:lstStyle/>
+          <a:p>
+            <a:pPr algn="ctr"/>
+            <a:endParaRPr lang="pt-BR"/>
+          </a:p>
+        </p:txBody>
+      </p:sp>
+      <p:sp>
+        <p:nvSpPr>
+          <p:cNvPr id="11" name="CaixaDeTexto 10">
+            <a:extLst>
+              <a:ext uri="{FF2B5EF4-FFF2-40B4-BE49-F238E27FC236}">
+                <a16:creationId xmlns:a16="http://schemas.microsoft.com/office/drawing/2014/main" id="{25C1154C-9C38-BFDF-0C1B-83CA180258B1}"/>
+              </a:ext>
+            </a:extLst>
+          </p:cNvPr>
+          <p:cNvSpPr txBox="1"/>
+          <p:nvPr/>
+        </p:nvSpPr>
+        <p:spPr>
+          <a:xfrm>
+            <a:off x="8719066" y="1644071"/>
+            <a:ext cx="3131189" cy="3785652"/>
+          </a:xfrm>
+          <a:prstGeom prst="rect">
+            <a:avLst/>
+          </a:prstGeom>
+          <a:noFill/>
+        </p:spPr>
+        <p:txBody>
+          <a:bodyPr wrap="square" rtlCol="0">
+            <a:spAutoFit/>
+          </a:bodyPr>
+          <a:lstStyle/>
+          <a:p>
+            <a:r>
+              <a:rPr lang="pt-BR" sz="1600" dirty="0"/>
+              <a:t>Erro Quadrático Médio (RMSE):</a:t>
+            </a:r>
+          </a:p>
+          <a:p>
+            <a:r>
+              <a:rPr lang="pt-BR" sz="1600" dirty="0"/>
+              <a:t>-O RMSE é uma medida comum de quão bem um modelo de previsão ou estimativa se ajusta aos dados observados.</a:t>
+            </a:r>
+          </a:p>
+          <a:p>
+            <a:r>
+              <a:rPr lang="pt-BR" sz="1600" dirty="0"/>
+              <a:t>-Ele é calculado como a raiz quadrada da média dos quadrados dos erros entre os valores previstos pelo modelo e os valores observados.</a:t>
+            </a:r>
+          </a:p>
+          <a:p>
+            <a:r>
+              <a:rPr lang="pt-BR" sz="1600" dirty="0"/>
+              <a:t>-É frequentemente usado em problemas de regressão ou previsão, onde se deseja avaliar o quão bem um modelo está prevendo os valores reais.</a:t>
+            </a:r>
+          </a:p>
+        </p:txBody>
+      </p:sp>
+    </p:spTree>
+    <p:extLst>
+      <p:ext uri="{BB962C8B-B14F-4D97-AF65-F5344CB8AC3E}">
+        <p14:creationId xmlns:p14="http://schemas.microsoft.com/office/powerpoint/2010/main" val="4108190537"/>
+      </p:ext>
+    </p:extLst>
+  </p:cSld>
+  <p:clrMapOvr>
+    <a:masterClrMapping/>
+  </p:clrMapOvr>
+</p:sld>
+</file>
+
+<file path=ppt/slides/slide11.xml><?xml version="1.0" encoding="utf-8"?>
+<p:sld xmlns:a="http://schemas.openxmlformats.org/drawingml/2006/main" xmlns:r="http://schemas.openxmlformats.org/officeDocument/2006/relationships" xmlns:p="http://schemas.openxmlformats.org/presentationml/2006/main">
+  <p:cSld>
+    <p:spTree>
+      <p:nvGrpSpPr>
+        <p:cNvPr id="1" name=""/>
+        <p:cNvGrpSpPr/>
+        <p:nvPr/>
+      </p:nvGrpSpPr>
+      <p:grpSpPr>
+        <a:xfrm>
+          <a:off x="0" y="0"/>
+          <a:ext cx="0" cy="0"/>
+          <a:chOff x="0" y="0"/>
+          <a:chExt cx="0" cy="0"/>
+        </a:xfrm>
+      </p:grpSpPr>
+      <p:sp>
+        <p:nvSpPr>
+          <p:cNvPr id="2" name="Título 1">
+            <a:extLst>
+              <a:ext uri="{FF2B5EF4-FFF2-40B4-BE49-F238E27FC236}">
+                <a16:creationId xmlns:a16="http://schemas.microsoft.com/office/drawing/2014/main" id="{2164E5B2-7A0D-5483-DC9A-8C62C715DD8E}"/>
+              </a:ext>
+            </a:extLst>
+          </p:cNvPr>
+          <p:cNvSpPr>
+            <a:spLocks noGrp="1"/>
+          </p:cNvSpPr>
+          <p:nvPr>
+            <p:ph type="title"/>
+          </p:nvPr>
+        </p:nvSpPr>
+        <p:spPr/>
+        <p:txBody>
+          <a:bodyPr/>
+          <a:lstStyle/>
+          <a:p>
+            <a:r>
+              <a:rPr lang="pt-BR" dirty="0"/>
+              <a:t>Comparação dos erros malha aberta x malha fechada</a:t>
+            </a:r>
+          </a:p>
+        </p:txBody>
+      </p:sp>
+      <p:sp>
+        <p:nvSpPr>
+          <p:cNvPr id="4" name="Retângulo 3">
+            <a:extLst>
+              <a:ext uri="{FF2B5EF4-FFF2-40B4-BE49-F238E27FC236}">
+                <a16:creationId xmlns:a16="http://schemas.microsoft.com/office/drawing/2014/main" id="{CB546C26-5994-249F-4D08-180B4621AF80}"/>
+              </a:ext>
+            </a:extLst>
+          </p:cNvPr>
+          <p:cNvSpPr/>
+          <p:nvPr/>
+        </p:nvSpPr>
+        <p:spPr>
+          <a:xfrm>
+            <a:off x="1141413" y="2161983"/>
+            <a:ext cx="7389812" cy="1689579"/>
+          </a:xfrm>
+          <a:prstGeom prst="rect">
+            <a:avLst/>
+          </a:prstGeom>
+          <a:solidFill>
+            <a:schemeClr val="bg2">
+              <a:lumMod val="90000"/>
+              <a:lumOff val="10000"/>
+            </a:schemeClr>
+          </a:solidFill>
+        </p:spPr>
+        <p:style>
+          <a:lnRef idx="2">
+            <a:schemeClr val="dk1">
+              <a:shade val="15000"/>
+            </a:schemeClr>
+          </a:lnRef>
+          <a:fillRef idx="1">
+            <a:schemeClr val="dk1"/>
+          </a:fillRef>
+          <a:effectRef idx="0">
+            <a:schemeClr val="dk1"/>
+          </a:effectRef>
+          <a:fontRef idx="minor">
+            <a:schemeClr val="lt1"/>
+          </a:fontRef>
+        </p:style>
+        <p:txBody>
+          <a:bodyPr rtlCol="0" anchor="ctr"/>
+          <a:lstStyle/>
+          <a:p>
+            <a:pPr algn="ctr"/>
+            <a:endParaRPr lang="pt-BR"/>
+          </a:p>
+        </p:txBody>
+      </p:sp>
+      <p:sp>
+        <p:nvSpPr>
+          <p:cNvPr id="6" name="CaixaDeTexto 5">
+            <a:extLst>
+              <a:ext uri="{FF2B5EF4-FFF2-40B4-BE49-F238E27FC236}">
+                <a16:creationId xmlns:a16="http://schemas.microsoft.com/office/drawing/2014/main" id="{43C5FEFD-D04C-8CFB-956C-B994645281D1}"/>
+              </a:ext>
+            </a:extLst>
+          </p:cNvPr>
+          <p:cNvSpPr txBox="1"/>
+          <p:nvPr/>
+        </p:nvSpPr>
+        <p:spPr>
+          <a:xfrm>
+            <a:off x="1233776" y="2161983"/>
+            <a:ext cx="7916286" cy="1569660"/>
+          </a:xfrm>
+          <a:prstGeom prst="rect">
+            <a:avLst/>
+          </a:prstGeom>
+          <a:noFill/>
+        </p:spPr>
+        <p:txBody>
+          <a:bodyPr wrap="square" rtlCol="0">
+            <a:spAutoFit/>
+          </a:bodyPr>
+          <a:lstStyle/>
+          <a:p>
+            <a:r>
+              <a:rPr lang="pt-BR" sz="2400" dirty="0"/>
+              <a:t>Malha Fechada:</a:t>
+            </a:r>
+          </a:p>
+          <a:p>
+            <a:r>
+              <a:rPr lang="pt-BR" sz="2400" dirty="0"/>
+              <a:t>Erro Ziegler-Nichols: 0.280879499042471</a:t>
+            </a:r>
+          </a:p>
+          <a:p>
+            <a:r>
+              <a:rPr lang="pt-BR" sz="2400" dirty="0"/>
+              <a:t>Erro Cohen e Coon: 0.28577878742150886</a:t>
+            </a:r>
+          </a:p>
+          <a:p>
+            <a:r>
+              <a:rPr lang="pt-BR" sz="2400" dirty="0"/>
+              <a:t>Erro com parâmetros do usuário: 0.27764846520679415</a:t>
+            </a:r>
+          </a:p>
+        </p:txBody>
+      </p:sp>
+      <p:sp>
+        <p:nvSpPr>
+          <p:cNvPr id="9" name="Retângulo 8">
+            <a:extLst>
+              <a:ext uri="{FF2B5EF4-FFF2-40B4-BE49-F238E27FC236}">
+                <a16:creationId xmlns:a16="http://schemas.microsoft.com/office/drawing/2014/main" id="{EC7ED6D8-6921-4CC0-4A6F-5B0030AB8AC2}"/>
+              </a:ext>
+            </a:extLst>
+          </p:cNvPr>
+          <p:cNvSpPr/>
+          <p:nvPr/>
+        </p:nvSpPr>
+        <p:spPr>
+          <a:xfrm>
+            <a:off x="1141413" y="4170892"/>
+            <a:ext cx="7389812" cy="1689579"/>
+          </a:xfrm>
+          <a:prstGeom prst="rect">
+            <a:avLst/>
+          </a:prstGeom>
+          <a:solidFill>
+            <a:schemeClr val="bg2">
+              <a:lumMod val="90000"/>
+              <a:lumOff val="10000"/>
+            </a:schemeClr>
+          </a:solidFill>
+        </p:spPr>
+        <p:style>
+          <a:lnRef idx="2">
+            <a:schemeClr val="dk1">
+              <a:shade val="15000"/>
+            </a:schemeClr>
+          </a:lnRef>
+          <a:fillRef idx="1">
+            <a:schemeClr val="dk1"/>
+          </a:fillRef>
+          <a:effectRef idx="0">
+            <a:schemeClr val="dk1"/>
+          </a:effectRef>
+          <a:fontRef idx="minor">
+            <a:schemeClr val="lt1"/>
+          </a:fontRef>
+        </p:style>
+        <p:txBody>
+          <a:bodyPr rtlCol="0" anchor="ctr"/>
+          <a:lstStyle/>
+          <a:p>
+            <a:pPr algn="ctr"/>
+            <a:endParaRPr lang="pt-BR"/>
+          </a:p>
+        </p:txBody>
+      </p:sp>
+      <p:sp>
+        <p:nvSpPr>
+          <p:cNvPr id="10" name="CaixaDeTexto 9">
+            <a:extLst>
+              <a:ext uri="{FF2B5EF4-FFF2-40B4-BE49-F238E27FC236}">
+                <a16:creationId xmlns:a16="http://schemas.microsoft.com/office/drawing/2014/main" id="{68043848-D9DF-BBCF-800A-76C023580173}"/>
+              </a:ext>
+            </a:extLst>
+          </p:cNvPr>
+          <p:cNvSpPr txBox="1"/>
+          <p:nvPr/>
+        </p:nvSpPr>
+        <p:spPr>
+          <a:xfrm>
+            <a:off x="1233775" y="4170892"/>
+            <a:ext cx="9618951" cy="1569660"/>
+          </a:xfrm>
+          <a:prstGeom prst="rect">
+            <a:avLst/>
+          </a:prstGeom>
+          <a:noFill/>
+        </p:spPr>
+        <p:txBody>
+          <a:bodyPr wrap="square" rtlCol="0">
+            <a:spAutoFit/>
+          </a:bodyPr>
+          <a:lstStyle/>
+          <a:p>
+            <a:r>
+              <a:rPr lang="pt-BR" sz="2400" dirty="0"/>
+              <a:t>Malha Aberta:</a:t>
+            </a:r>
+          </a:p>
+          <a:p>
+            <a:r>
+              <a:rPr lang="pt-BR" sz="2400" dirty="0"/>
+              <a:t>Erro Ziegler-Nichols: 0.056593101570233874</a:t>
+            </a:r>
+          </a:p>
+          <a:p>
+            <a:r>
+              <a:rPr lang="pt-BR" sz="2400" dirty="0"/>
+              <a:t>Erro Cohen e Coon: 0.06670258056145524</a:t>
+            </a:r>
+          </a:p>
+          <a:p>
+            <a:r>
+              <a:rPr lang="pt-BR" sz="2400" dirty="0"/>
+              <a:t>Erro com parâmetros do usuário: 0.16125387064678529</a:t>
+            </a:r>
+          </a:p>
+        </p:txBody>
+      </p:sp>
+      <p:sp>
+        <p:nvSpPr>
+          <p:cNvPr id="11" name="Retângulo 10">
+            <a:extLst>
+              <a:ext uri="{FF2B5EF4-FFF2-40B4-BE49-F238E27FC236}">
+                <a16:creationId xmlns:a16="http://schemas.microsoft.com/office/drawing/2014/main" id="{0C8E5591-DDCF-7FC6-9958-333B08633967}"/>
+              </a:ext>
+            </a:extLst>
+          </p:cNvPr>
+          <p:cNvSpPr/>
+          <p:nvPr/>
+        </p:nvSpPr>
+        <p:spPr>
+          <a:xfrm>
+            <a:off x="9242425" y="2549599"/>
+            <a:ext cx="2742841" cy="2133237"/>
+          </a:xfrm>
+          <a:prstGeom prst="rect">
+            <a:avLst/>
+          </a:prstGeom>
+          <a:solidFill>
+            <a:schemeClr val="bg2">
+              <a:lumMod val="90000"/>
+              <a:lumOff val="10000"/>
+            </a:schemeClr>
+          </a:solidFill>
+        </p:spPr>
+        <p:style>
+          <a:lnRef idx="2">
+            <a:schemeClr val="dk1">
+              <a:shade val="15000"/>
+            </a:schemeClr>
+          </a:lnRef>
+          <a:fillRef idx="1">
+            <a:schemeClr val="dk1"/>
+          </a:fillRef>
+          <a:effectRef idx="0">
+            <a:schemeClr val="dk1"/>
+          </a:effectRef>
+          <a:fontRef idx="minor">
+            <a:schemeClr val="lt1"/>
+          </a:fontRef>
+        </p:style>
+        <p:txBody>
+          <a:bodyPr rtlCol="0" anchor="ctr"/>
+          <a:lstStyle/>
+          <a:p>
+            <a:pPr algn="ctr"/>
+            <a:endParaRPr lang="pt-BR"/>
+          </a:p>
+        </p:txBody>
+      </p:sp>
+      <p:sp>
+        <p:nvSpPr>
+          <p:cNvPr id="12" name="CaixaDeTexto 11">
+            <a:extLst>
+              <a:ext uri="{FF2B5EF4-FFF2-40B4-BE49-F238E27FC236}">
+                <a16:creationId xmlns:a16="http://schemas.microsoft.com/office/drawing/2014/main" id="{3CD61A72-96D0-81DD-6856-A49746FC054C}"/>
+              </a:ext>
+            </a:extLst>
+          </p:cNvPr>
+          <p:cNvSpPr txBox="1"/>
+          <p:nvPr/>
+        </p:nvSpPr>
+        <p:spPr>
+          <a:xfrm>
+            <a:off x="9242426" y="2625278"/>
+            <a:ext cx="2795215" cy="1938992"/>
+          </a:xfrm>
+          <a:prstGeom prst="rect">
+            <a:avLst/>
+          </a:prstGeom>
+          <a:noFill/>
+        </p:spPr>
+        <p:txBody>
+          <a:bodyPr wrap="square" rtlCol="0">
+            <a:spAutoFit/>
+          </a:bodyPr>
+          <a:lstStyle/>
+          <a:p>
+            <a:r>
+              <a:rPr lang="pt-BR" sz="2400" dirty="0"/>
+              <a:t>Obs: Os erros em malha fechada foram maiores do que os erros em malha aberta</a:t>
+            </a:r>
+          </a:p>
+        </p:txBody>
+      </p:sp>
+    </p:spTree>
+    <p:extLst>
+      <p:ext uri="{BB962C8B-B14F-4D97-AF65-F5344CB8AC3E}">
+        <p14:creationId xmlns:p14="http://schemas.microsoft.com/office/powerpoint/2010/main" val="2243186053"/>
+      </p:ext>
+    </p:extLst>
+  </p:cSld>
+  <p:clrMapOvr>
+    <a:masterClrMapping/>
+  </p:clrMapOvr>
+</p:sld>
+</file>
+
+<file path=ppt/slides/slide12.xml><?xml version="1.0" encoding="utf-8"?>
+<p:sld xmlns:a="http://schemas.openxmlformats.org/drawingml/2006/main" xmlns:r="http://schemas.openxmlformats.org/officeDocument/2006/relationships" xmlns:p="http://schemas.openxmlformats.org/presentationml/2006/main">
+  <p:cSld>
+    <p:spTree>
+      <p:nvGrpSpPr>
+        <p:cNvPr id="1" name=""/>
+        <p:cNvGrpSpPr/>
+        <p:nvPr/>
+      </p:nvGrpSpPr>
+      <p:grpSpPr>
+        <a:xfrm>
+          <a:off x="0" y="0"/>
+          <a:ext cx="0" cy="0"/>
+          <a:chOff x="0" y="0"/>
+          <a:chExt cx="0" cy="0"/>
+        </a:xfrm>
+      </p:grpSpPr>
+      <p:sp>
+        <p:nvSpPr>
+          <p:cNvPr id="2" name="Título 1">
+            <a:extLst>
+              <a:ext uri="{FF2B5EF4-FFF2-40B4-BE49-F238E27FC236}">
                 <a16:creationId xmlns:a16="http://schemas.microsoft.com/office/drawing/2014/main" id="{24C36417-EDA5-5676-4CB0-8171D6851FE6}"/>
               </a:ext>
             </a:extLst>
@@ -12632,7 +13187,7 @@
 </p:sld>
 </file>
 
-<file path=ppt/slides/slide11.xml><?xml version="1.0" encoding="utf-8"?>
+<file path=ppt/slides/slide13.xml><?xml version="1.0" encoding="utf-8"?>
 <p:sld xmlns:a="http://schemas.openxmlformats.org/drawingml/2006/main" xmlns:r="http://schemas.openxmlformats.org/officeDocument/2006/relationships" xmlns:p="http://schemas.openxmlformats.org/presentationml/2006/main">
   <p:cSld>
     <p:spTree>
@@ -12720,7 +13275,7 @@
 </p:sld>
 </file>
 
-<file path=ppt/slides/slide12.xml><?xml version="1.0" encoding="utf-8"?>
+<file path=ppt/slides/slide14.xml><?xml version="1.0" encoding="utf-8"?>
 <p:sld xmlns:a="http://schemas.openxmlformats.org/drawingml/2006/main" xmlns:r="http://schemas.openxmlformats.org/officeDocument/2006/relationships" xmlns:p="http://schemas.openxmlformats.org/presentationml/2006/main">
   <p:cSld>
     <p:spTree>
@@ -12808,7 +13363,7 @@
 </p:sld>
 </file>
 
-<file path=ppt/slides/slide13.xml><?xml version="1.0" encoding="utf-8"?>
+<file path=ppt/slides/slide15.xml><?xml version="1.0" encoding="utf-8"?>
 <p:sld xmlns:a="http://schemas.openxmlformats.org/drawingml/2006/main" xmlns:r="http://schemas.openxmlformats.org/officeDocument/2006/relationships" xmlns:p="http://schemas.openxmlformats.org/presentationml/2006/main">
   <p:cSld>
     <p:spTree>
@@ -12968,7 +13523,7 @@
 </p:sld>
 </file>
 
-<file path=ppt/slides/slide14.xml><?xml version="1.0" encoding="utf-8"?>
+<file path=ppt/slides/slide16.xml><?xml version="1.0" encoding="utf-8"?>
 <p:sld xmlns:a="http://schemas.openxmlformats.org/drawingml/2006/main" xmlns:r="http://schemas.openxmlformats.org/officeDocument/2006/relationships" xmlns:p="http://schemas.openxmlformats.org/presentationml/2006/main">
   <p:cSld>
     <p:spTree>
@@ -13056,7 +13611,7 @@
 </p:sld>
 </file>
 
-<file path=ppt/slides/slide15.xml><?xml version="1.0" encoding="utf-8"?>
+<file path=ppt/slides/slide17.xml><?xml version="1.0" encoding="utf-8"?>
 <p:sld xmlns:a="http://schemas.openxmlformats.org/drawingml/2006/main" xmlns:r="http://schemas.openxmlformats.org/officeDocument/2006/relationships" xmlns:p="http://schemas.openxmlformats.org/presentationml/2006/main">
   <p:cSld>
     <p:spTree>
@@ -13200,7 +13755,7 @@
 </p:sld>
 </file>
 
-<file path=ppt/slides/slide16.xml><?xml version="1.0" encoding="utf-8"?>
+<file path=ppt/slides/slide18.xml><?xml version="1.0" encoding="utf-8"?>
 <p:sld xmlns:a="http://schemas.openxmlformats.org/drawingml/2006/main" xmlns:r="http://schemas.openxmlformats.org/officeDocument/2006/relationships" xmlns:p="http://schemas.openxmlformats.org/presentationml/2006/main">
   <p:cSld>
     <p:spTree>
@@ -13293,7 +13848,7 @@
 </p:sld>
 </file>
 
-<file path=ppt/slides/slide17.xml><?xml version="1.0" encoding="utf-8"?>
+<file path=ppt/slides/slide19.xml><?xml version="1.0" encoding="utf-8"?>
 <p:sld xmlns:a="http://schemas.openxmlformats.org/drawingml/2006/main" xmlns:r="http://schemas.openxmlformats.org/officeDocument/2006/relationships" xmlns:p="http://schemas.openxmlformats.org/presentationml/2006/main">
   <p:cSld>
     <p:spTree>
@@ -13345,10 +13900,10 @@
       </p:sp>
       <p:pic>
         <p:nvPicPr>
-          <p:cNvPr id="6" name="Imagem 5">
+          <p:cNvPr id="16" name="Imagem 15">
             <a:extLst>
               <a:ext uri="{FF2B5EF4-FFF2-40B4-BE49-F238E27FC236}">
-                <a16:creationId xmlns:a16="http://schemas.microsoft.com/office/drawing/2014/main" id="{3601406D-25FF-5BC4-C42C-46C404940F0E}"/>
+                <a16:creationId xmlns:a16="http://schemas.microsoft.com/office/drawing/2014/main" id="{E3F438BD-2A1F-B330-32D4-8DF45D483D3E}"/>
               </a:ext>
             </a:extLst>
           </p:cNvPr>
@@ -13365,8 +13920,38 @@
         </p:blipFill>
         <p:spPr>
           <a:xfrm>
-            <a:off x="1336555" y="2097088"/>
-            <a:ext cx="9322206" cy="4249994"/>
+            <a:off x="1141412" y="2097088"/>
+            <a:ext cx="4860167" cy="3834081"/>
+          </a:xfrm>
+          <a:prstGeom prst="rect">
+            <a:avLst/>
+          </a:prstGeom>
+        </p:spPr>
+      </p:pic>
+      <p:pic>
+        <p:nvPicPr>
+          <p:cNvPr id="18" name="Imagem 17">
+            <a:extLst>
+              <a:ext uri="{FF2B5EF4-FFF2-40B4-BE49-F238E27FC236}">
+                <a16:creationId xmlns:a16="http://schemas.microsoft.com/office/drawing/2014/main" id="{F2EB2608-C1C5-5792-63D2-138CF6CC4CC1}"/>
+              </a:ext>
+            </a:extLst>
+          </p:cNvPr>
+          <p:cNvPicPr>
+            <a:picLocks noChangeAspect="1"/>
+          </p:cNvPicPr>
+          <p:nvPr/>
+        </p:nvPicPr>
+        <p:blipFill>
+          <a:blip r:embed="rId3"/>
+          <a:stretch>
+            <a:fillRect/>
+          </a:stretch>
+        </p:blipFill>
+        <p:spPr>
+          <a:xfrm>
+            <a:off x="6334196" y="2097088"/>
+            <a:ext cx="4860167" cy="3834080"/>
           </a:xfrm>
           <a:prstGeom prst="rect">
             <a:avLst/>
@@ -13377,71 +13962,6 @@
     <p:extLst>
       <p:ext uri="{BB962C8B-B14F-4D97-AF65-F5344CB8AC3E}">
         <p14:creationId xmlns:p14="http://schemas.microsoft.com/office/powerpoint/2010/main" val="2793628495"/>
-      </p:ext>
-    </p:extLst>
-  </p:cSld>
-  <p:clrMapOvr>
-    <a:masterClrMapping/>
-  </p:clrMapOvr>
-</p:sld>
-</file>
-
-<file path=ppt/slides/slide18.xml><?xml version="1.0" encoding="utf-8"?>
-<p:sld xmlns:a="http://schemas.openxmlformats.org/drawingml/2006/main" xmlns:r="http://schemas.openxmlformats.org/officeDocument/2006/relationships" xmlns:p="http://schemas.openxmlformats.org/presentationml/2006/main">
-  <p:cSld>
-    <p:spTree>
-      <p:nvGrpSpPr>
-        <p:cNvPr id="1" name=""/>
-        <p:cNvGrpSpPr/>
-        <p:nvPr/>
-      </p:nvGrpSpPr>
-      <p:grpSpPr>
-        <a:xfrm>
-          <a:off x="0" y="0"/>
-          <a:ext cx="0" cy="0"/>
-          <a:chOff x="0" y="0"/>
-          <a:chExt cx="0" cy="0"/>
-        </a:xfrm>
-      </p:grpSpPr>
-      <p:sp>
-        <p:nvSpPr>
-          <p:cNvPr id="2" name="Título 1">
-            <a:extLst>
-              <a:ext uri="{FF2B5EF4-FFF2-40B4-BE49-F238E27FC236}">
-                <a16:creationId xmlns:a16="http://schemas.microsoft.com/office/drawing/2014/main" id="{47F0245F-B322-76F3-41C1-D4F8847D51BD}"/>
-              </a:ext>
-            </a:extLst>
-          </p:cNvPr>
-          <p:cNvSpPr>
-            <a:spLocks noGrp="1"/>
-          </p:cNvSpPr>
-          <p:nvPr>
-            <p:ph type="title"/>
-          </p:nvPr>
-        </p:nvSpPr>
-        <p:spPr>
-          <a:xfrm>
-            <a:off x="1566286" y="1673555"/>
-            <a:ext cx="5647314" cy="2510517"/>
-          </a:xfrm>
-        </p:spPr>
-        <p:txBody>
-          <a:bodyPr>
-            <a:noAutofit/>
-          </a:bodyPr>
-          <a:lstStyle/>
-          <a:p>
-            <a:r>
-              <a:rPr lang="pt-BR" sz="6600" dirty="0"/>
-              <a:t>OBRIGADO PELA ATENÇÃO!</a:t>
-            </a:r>
-          </a:p>
-        </p:txBody>
-      </p:sp>
-    </p:spTree>
-    <p:extLst>
-      <p:ext uri="{BB962C8B-B14F-4D97-AF65-F5344CB8AC3E}">
-        <p14:creationId xmlns:p14="http://schemas.microsoft.com/office/powerpoint/2010/main" val="3954431362"/>
       </p:ext>
     </p:extLst>
   </p:cSld>
@@ -13667,6 +14187,71 @@
     <p:extLst>
       <p:ext uri="{BB962C8B-B14F-4D97-AF65-F5344CB8AC3E}">
         <p14:creationId xmlns:p14="http://schemas.microsoft.com/office/powerpoint/2010/main" val="977415310"/>
+      </p:ext>
+    </p:extLst>
+  </p:cSld>
+  <p:clrMapOvr>
+    <a:masterClrMapping/>
+  </p:clrMapOvr>
+</p:sld>
+</file>
+
+<file path=ppt/slides/slide20.xml><?xml version="1.0" encoding="utf-8"?>
+<p:sld xmlns:a="http://schemas.openxmlformats.org/drawingml/2006/main" xmlns:r="http://schemas.openxmlformats.org/officeDocument/2006/relationships" xmlns:p="http://schemas.openxmlformats.org/presentationml/2006/main">
+  <p:cSld>
+    <p:spTree>
+      <p:nvGrpSpPr>
+        <p:cNvPr id="1" name=""/>
+        <p:cNvGrpSpPr/>
+        <p:nvPr/>
+      </p:nvGrpSpPr>
+      <p:grpSpPr>
+        <a:xfrm>
+          <a:off x="0" y="0"/>
+          <a:ext cx="0" cy="0"/>
+          <a:chOff x="0" y="0"/>
+          <a:chExt cx="0" cy="0"/>
+        </a:xfrm>
+      </p:grpSpPr>
+      <p:sp>
+        <p:nvSpPr>
+          <p:cNvPr id="2" name="Título 1">
+            <a:extLst>
+              <a:ext uri="{FF2B5EF4-FFF2-40B4-BE49-F238E27FC236}">
+                <a16:creationId xmlns:a16="http://schemas.microsoft.com/office/drawing/2014/main" id="{47F0245F-B322-76F3-41C1-D4F8847D51BD}"/>
+              </a:ext>
+            </a:extLst>
+          </p:cNvPr>
+          <p:cNvSpPr>
+            <a:spLocks noGrp="1"/>
+          </p:cNvSpPr>
+          <p:nvPr>
+            <p:ph type="title"/>
+          </p:nvPr>
+        </p:nvSpPr>
+        <p:spPr>
+          <a:xfrm>
+            <a:off x="1566286" y="1673555"/>
+            <a:ext cx="5647314" cy="2510517"/>
+          </a:xfrm>
+        </p:spPr>
+        <p:txBody>
+          <a:bodyPr>
+            <a:noAutofit/>
+          </a:bodyPr>
+          <a:lstStyle/>
+          <a:p>
+            <a:r>
+              <a:rPr lang="pt-BR" sz="6600" dirty="0"/>
+              <a:t>OBRIGADO PELA ATENÇÃO!</a:t>
+            </a:r>
+          </a:p>
+        </p:txBody>
+      </p:sp>
+    </p:spTree>
+    <p:extLst>
+      <p:ext uri="{BB962C8B-B14F-4D97-AF65-F5344CB8AC3E}">
+        <p14:creationId xmlns:p14="http://schemas.microsoft.com/office/powerpoint/2010/main" val="3954431362"/>
       </p:ext>
     </p:extLst>
   </p:cSld>
@@ -14482,10 +15067,10 @@
       </p:sp>
       <p:pic>
         <p:nvPicPr>
-          <p:cNvPr id="7" name="Imagem 6">
+          <p:cNvPr id="4" name="Imagem 3">
             <a:extLst>
               <a:ext uri="{FF2B5EF4-FFF2-40B4-BE49-F238E27FC236}">
-                <a16:creationId xmlns:a16="http://schemas.microsoft.com/office/drawing/2014/main" id="{096F2F17-4144-321C-FAC6-7073E8B5DD3E}"/>
+                <a16:creationId xmlns:a16="http://schemas.microsoft.com/office/drawing/2014/main" id="{704677A6-3464-0D5A-EAEE-19C0BB24A9B1}"/>
               </a:ext>
             </a:extLst>
           </p:cNvPr>
@@ -14502,7 +15087,7 @@
         </p:blipFill>
         <p:spPr>
           <a:xfrm>
-            <a:off x="2564631" y="2023201"/>
+            <a:off x="2546159" y="2050910"/>
             <a:ext cx="6878010" cy="4067743"/>
           </a:xfrm>
           <a:prstGeom prst="rect">

--- a/documents/Trabalho de Sistemas Embarcados (C213).pptx
+++ b/documents/Trabalho de Sistemas Embarcados (C213).pptx
@@ -188,7 +188,7 @@
           <a:noFill/>
           <a:extLst>
             <a:ext uri="{909E8E84-426E-40dd-AFC4-6F175D3DCCD1}">
-              <a14:hiddenFill xmlns:a14="http://schemas.microsoft.com/office/drawing/2010/main" xmlns="">
+              <a14:hiddenFill xmlns="" xmlns:a14="http://schemas.microsoft.com/office/drawing/2010/main">
                 <a:solidFill>
                   <a:srgbClr val="FFFFFF"/>
                 </a:solidFill>
@@ -247,7 +247,7 @@
             </a:ln>
             <a:extLst>
               <a:ext uri="{91240B29-F687-4f45-9708-019B960494DF}">
-                <a14:hiddenLine xmlns:a14="http://schemas.microsoft.com/office/drawing/2010/main" xmlns="" w="9525">
+                <a14:hiddenLine xmlns="" xmlns:a14="http://schemas.microsoft.com/office/drawing/2010/main" w="9525">
                   <a:solidFill>
                     <a:srgbClr val="000000"/>
                   </a:solidFill>
@@ -337,7 +337,7 @@
             </a:ln>
             <a:extLst>
               <a:ext uri="{91240B29-F687-4f45-9708-019B960494DF}">
-                <a14:hiddenLine xmlns:a14="http://schemas.microsoft.com/office/drawing/2010/main" xmlns="" w="9525">
+                <a14:hiddenLine xmlns="" xmlns:a14="http://schemas.microsoft.com/office/drawing/2010/main" w="9525">
                   <a:solidFill>
                     <a:srgbClr val="000000"/>
                   </a:solidFill>
@@ -427,7 +427,7 @@
             </a:ln>
             <a:extLst>
               <a:ext uri="{91240B29-F687-4f45-9708-019B960494DF}">
-                <a14:hiddenLine xmlns:a14="http://schemas.microsoft.com/office/drawing/2010/main" xmlns="" w="9525">
+                <a14:hiddenLine xmlns="" xmlns:a14="http://schemas.microsoft.com/office/drawing/2010/main" w="9525">
                   <a:solidFill>
                     <a:srgbClr val="000000"/>
                   </a:solidFill>
@@ -461,7 +461,7 @@
             </a:ln>
             <a:extLst>
               <a:ext uri="{91240B29-F687-4f45-9708-019B960494DF}">
-                <a14:hiddenLine xmlns:a14="http://schemas.microsoft.com/office/drawing/2010/main" xmlns="" w="9525">
+                <a14:hiddenLine xmlns="" xmlns:a14="http://schemas.microsoft.com/office/drawing/2010/main" w="9525">
                   <a:solidFill>
                     <a:srgbClr val="000000"/>
                   </a:solidFill>
@@ -551,7 +551,7 @@
             </a:ln>
             <a:extLst>
               <a:ext uri="{91240B29-F687-4f45-9708-019B960494DF}">
-                <a14:hiddenLine xmlns:a14="http://schemas.microsoft.com/office/drawing/2010/main" xmlns="" w="9525">
+                <a14:hiddenLine xmlns="" xmlns:a14="http://schemas.microsoft.com/office/drawing/2010/main" w="9525">
                   <a:solidFill>
                     <a:srgbClr val="000000"/>
                   </a:solidFill>
@@ -613,7 +613,7 @@
             </a:ln>
             <a:extLst>
               <a:ext uri="{91240B29-F687-4f45-9708-019B960494DF}">
-                <a14:hiddenLine xmlns:a14="http://schemas.microsoft.com/office/drawing/2010/main" xmlns="" w="9525">
+                <a14:hiddenLine xmlns="" xmlns:a14="http://schemas.microsoft.com/office/drawing/2010/main" w="9525">
                   <a:solidFill>
                     <a:srgbClr val="000000"/>
                   </a:solidFill>
@@ -675,7 +675,7 @@
             </a:ln>
             <a:extLst>
               <a:ext uri="{91240B29-F687-4f45-9708-019B960494DF}">
-                <a14:hiddenLine xmlns:a14="http://schemas.microsoft.com/office/drawing/2010/main" xmlns="" w="9525">
+                <a14:hiddenLine xmlns="" xmlns:a14="http://schemas.microsoft.com/office/drawing/2010/main" w="9525">
                   <a:solidFill>
                     <a:srgbClr val="000000"/>
                   </a:solidFill>
@@ -765,7 +765,7 @@
             </a:ln>
             <a:extLst>
               <a:ext uri="{91240B29-F687-4f45-9708-019B960494DF}">
-                <a14:hiddenLine xmlns:a14="http://schemas.microsoft.com/office/drawing/2010/main" xmlns="" w="9525">
+                <a14:hiddenLine xmlns="" xmlns:a14="http://schemas.microsoft.com/office/drawing/2010/main" w="9525">
                   <a:solidFill>
                     <a:srgbClr val="000000"/>
                   </a:solidFill>
@@ -827,7 +827,7 @@
             </a:ln>
             <a:extLst>
               <a:ext uri="{91240B29-F687-4f45-9708-019B960494DF}">
-                <a14:hiddenLine xmlns:a14="http://schemas.microsoft.com/office/drawing/2010/main" xmlns="" w="9525">
+                <a14:hiddenLine xmlns="" xmlns:a14="http://schemas.microsoft.com/office/drawing/2010/main" w="9525">
                   <a:solidFill>
                     <a:srgbClr val="000000"/>
                   </a:solidFill>
@@ -889,7 +889,7 @@
             </a:ln>
             <a:extLst>
               <a:ext uri="{91240B29-F687-4f45-9708-019B960494DF}">
-                <a14:hiddenLine xmlns:a14="http://schemas.microsoft.com/office/drawing/2010/main" xmlns="" w="9525">
+                <a14:hiddenLine xmlns="" xmlns:a14="http://schemas.microsoft.com/office/drawing/2010/main" w="9525">
                   <a:solidFill>
                     <a:srgbClr val="000000"/>
                   </a:solidFill>
@@ -979,7 +979,7 @@
             </a:ln>
             <a:extLst>
               <a:ext uri="{91240B29-F687-4f45-9708-019B960494DF}">
-                <a14:hiddenLine xmlns:a14="http://schemas.microsoft.com/office/drawing/2010/main" xmlns="" w="9525">
+                <a14:hiddenLine xmlns="" xmlns:a14="http://schemas.microsoft.com/office/drawing/2010/main" w="9525">
                   <a:solidFill>
                     <a:srgbClr val="000000"/>
                   </a:solidFill>
@@ -1069,7 +1069,7 @@
             </a:ln>
             <a:extLst>
               <a:ext uri="{91240B29-F687-4f45-9708-019B960494DF}">
-                <a14:hiddenLine xmlns:a14="http://schemas.microsoft.com/office/drawing/2010/main" xmlns="" w="9525">
+                <a14:hiddenLine xmlns="" xmlns:a14="http://schemas.microsoft.com/office/drawing/2010/main" w="9525">
                   <a:solidFill>
                     <a:srgbClr val="000000"/>
                   </a:solidFill>
@@ -1131,7 +1131,7 @@
             </a:ln>
             <a:extLst>
               <a:ext uri="{91240B29-F687-4f45-9708-019B960494DF}">
-                <a14:hiddenLine xmlns:a14="http://schemas.microsoft.com/office/drawing/2010/main" xmlns="" w="9525">
+                <a14:hiddenLine xmlns="" xmlns:a14="http://schemas.microsoft.com/office/drawing/2010/main" w="9525">
                   <a:solidFill>
                     <a:srgbClr val="000000"/>
                   </a:solidFill>
@@ -1241,7 +1241,7 @@
             </a:ln>
             <a:extLst>
               <a:ext uri="{91240B29-F687-4f45-9708-019B960494DF}">
-                <a14:hiddenLine xmlns:a14="http://schemas.microsoft.com/office/drawing/2010/main" xmlns="" w="9525">
+                <a14:hiddenLine xmlns="" xmlns:a14="http://schemas.microsoft.com/office/drawing/2010/main" w="9525">
                   <a:solidFill>
                     <a:srgbClr val="000000"/>
                   </a:solidFill>
@@ -1303,7 +1303,7 @@
             </a:ln>
             <a:extLst>
               <a:ext uri="{91240B29-F687-4f45-9708-019B960494DF}">
-                <a14:hiddenLine xmlns:a14="http://schemas.microsoft.com/office/drawing/2010/main" xmlns="" w="9525">
+                <a14:hiddenLine xmlns="" xmlns:a14="http://schemas.microsoft.com/office/drawing/2010/main" w="9525">
                   <a:solidFill>
                     <a:srgbClr val="000000"/>
                   </a:solidFill>
@@ -1393,7 +1393,7 @@
             </a:ln>
             <a:extLst>
               <a:ext uri="{91240B29-F687-4f45-9708-019B960494DF}">
-                <a14:hiddenLine xmlns:a14="http://schemas.microsoft.com/office/drawing/2010/main" xmlns="" w="9525">
+                <a14:hiddenLine xmlns="" xmlns:a14="http://schemas.microsoft.com/office/drawing/2010/main" w="9525">
                   <a:solidFill>
                     <a:srgbClr val="000000"/>
                   </a:solidFill>
@@ -1483,7 +1483,7 @@
             </a:ln>
             <a:extLst>
               <a:ext uri="{91240B29-F687-4f45-9708-019B960494DF}">
-                <a14:hiddenLine xmlns:a14="http://schemas.microsoft.com/office/drawing/2010/main" xmlns="" w="9525">
+                <a14:hiddenLine xmlns="" xmlns:a14="http://schemas.microsoft.com/office/drawing/2010/main" w="9525">
                   <a:solidFill>
                     <a:srgbClr val="000000"/>
                   </a:solidFill>
@@ -1545,7 +1545,7 @@
             </a:ln>
             <a:extLst>
               <a:ext uri="{91240B29-F687-4f45-9708-019B960494DF}">
-                <a14:hiddenLine xmlns:a14="http://schemas.microsoft.com/office/drawing/2010/main" xmlns="" w="9525">
+                <a14:hiddenLine xmlns="" xmlns:a14="http://schemas.microsoft.com/office/drawing/2010/main" w="9525">
                   <a:solidFill>
                     <a:srgbClr val="000000"/>
                   </a:solidFill>
@@ -1635,7 +1635,7 @@
             </a:ln>
             <a:extLst>
               <a:ext uri="{91240B29-F687-4f45-9708-019B960494DF}">
-                <a14:hiddenLine xmlns:a14="http://schemas.microsoft.com/office/drawing/2010/main" xmlns="" w="9525">
+                <a14:hiddenLine xmlns="" xmlns:a14="http://schemas.microsoft.com/office/drawing/2010/main" w="9525">
                   <a:solidFill>
                     <a:srgbClr val="000000"/>
                   </a:solidFill>
@@ -1725,7 +1725,7 @@
             </a:ln>
             <a:extLst>
               <a:ext uri="{91240B29-F687-4f45-9708-019B960494DF}">
-                <a14:hiddenLine xmlns:a14="http://schemas.microsoft.com/office/drawing/2010/main" xmlns="" w="9525">
+                <a14:hiddenLine xmlns="" xmlns:a14="http://schemas.microsoft.com/office/drawing/2010/main" w="9525">
                   <a:solidFill>
                     <a:srgbClr val="000000"/>
                   </a:solidFill>
@@ -1781,7 +1781,7 @@
             </a:ln>
             <a:extLst>
               <a:ext uri="{91240B29-F687-4f45-9708-019B960494DF}">
-                <a14:hiddenLine xmlns:a14="http://schemas.microsoft.com/office/drawing/2010/main" xmlns="" w="9525">
+                <a14:hiddenLine xmlns="" xmlns:a14="http://schemas.microsoft.com/office/drawing/2010/main" w="9525">
                   <a:solidFill>
                     <a:srgbClr val="000000"/>
                   </a:solidFill>
@@ -1871,7 +1871,7 @@
             </a:ln>
             <a:extLst>
               <a:ext uri="{91240B29-F687-4f45-9708-019B960494DF}">
-                <a14:hiddenLine xmlns:a14="http://schemas.microsoft.com/office/drawing/2010/main" xmlns="" w="9525">
+                <a14:hiddenLine xmlns="" xmlns:a14="http://schemas.microsoft.com/office/drawing/2010/main" w="9525">
                   <a:solidFill>
                     <a:srgbClr val="000000"/>
                   </a:solidFill>
@@ -1927,7 +1927,7 @@
             </a:ln>
             <a:extLst>
               <a:ext uri="{91240B29-F687-4f45-9708-019B960494DF}">
-                <a14:hiddenLine xmlns:a14="http://schemas.microsoft.com/office/drawing/2010/main" xmlns="" w="9525">
+                <a14:hiddenLine xmlns="" xmlns:a14="http://schemas.microsoft.com/office/drawing/2010/main" w="9525">
                   <a:solidFill>
                     <a:srgbClr val="000000"/>
                   </a:solidFill>
@@ -2017,7 +2017,7 @@
             </a:ln>
             <a:extLst>
               <a:ext uri="{91240B29-F687-4f45-9708-019B960494DF}">
-                <a14:hiddenLine xmlns:a14="http://schemas.microsoft.com/office/drawing/2010/main" xmlns="" w="9525">
+                <a14:hiddenLine xmlns="" xmlns:a14="http://schemas.microsoft.com/office/drawing/2010/main" w="9525">
                   <a:solidFill>
                     <a:srgbClr val="000000"/>
                   </a:solidFill>
@@ -2085,7 +2085,7 @@
             </a:ln>
             <a:extLst>
               <a:ext uri="{91240B29-F687-4f45-9708-019B960494DF}">
-                <a14:hiddenLine xmlns:a14="http://schemas.microsoft.com/office/drawing/2010/main" xmlns="" w="9525">
+                <a14:hiddenLine xmlns="" xmlns:a14="http://schemas.microsoft.com/office/drawing/2010/main" w="9525">
                   <a:solidFill>
                     <a:srgbClr val="000000"/>
                   </a:solidFill>
@@ -2175,7 +2175,7 @@
             </a:ln>
             <a:extLst>
               <a:ext uri="{91240B29-F687-4f45-9708-019B960494DF}">
-                <a14:hiddenLine xmlns:a14="http://schemas.microsoft.com/office/drawing/2010/main" xmlns="" w="9525">
+                <a14:hiddenLine xmlns="" xmlns:a14="http://schemas.microsoft.com/office/drawing/2010/main" w="9525">
                   <a:solidFill>
                     <a:srgbClr val="000000"/>
                   </a:solidFill>
@@ -2243,7 +2243,7 @@
             </a:ln>
             <a:extLst>
               <a:ext uri="{91240B29-F687-4f45-9708-019B960494DF}">
-                <a14:hiddenLine xmlns:a14="http://schemas.microsoft.com/office/drawing/2010/main" xmlns="" w="9525">
+                <a14:hiddenLine xmlns="" xmlns:a14="http://schemas.microsoft.com/office/drawing/2010/main" w="9525">
                   <a:solidFill>
                     <a:srgbClr val="000000"/>
                   </a:solidFill>
@@ -2333,7 +2333,7 @@
             </a:ln>
             <a:extLst>
               <a:ext uri="{91240B29-F687-4f45-9708-019B960494DF}">
-                <a14:hiddenLine xmlns:a14="http://schemas.microsoft.com/office/drawing/2010/main" xmlns="" w="9525">
+                <a14:hiddenLine xmlns="" xmlns:a14="http://schemas.microsoft.com/office/drawing/2010/main" w="9525">
                   <a:solidFill>
                     <a:srgbClr val="000000"/>
                   </a:solidFill>
@@ -2367,7 +2367,7 @@
             </a:ln>
             <a:extLst>
               <a:ext uri="{91240B29-F687-4f45-9708-019B960494DF}">
-                <a14:hiddenLine xmlns:a14="http://schemas.microsoft.com/office/drawing/2010/main" xmlns="" w="9525">
+                <a14:hiddenLine xmlns="" xmlns:a14="http://schemas.microsoft.com/office/drawing/2010/main" w="9525">
                   <a:solidFill>
                     <a:srgbClr val="000000"/>
                   </a:solidFill>
@@ -2457,7 +2457,7 @@
             </a:ln>
             <a:extLst>
               <a:ext uri="{91240B29-F687-4f45-9708-019B960494DF}">
-                <a14:hiddenLine xmlns:a14="http://schemas.microsoft.com/office/drawing/2010/main" xmlns="" w="9525">
+                <a14:hiddenLine xmlns="" xmlns:a14="http://schemas.microsoft.com/office/drawing/2010/main" w="9525">
                   <a:solidFill>
                     <a:srgbClr val="000000"/>
                   </a:solidFill>
@@ -2519,7 +2519,7 @@
             </a:ln>
             <a:extLst>
               <a:ext uri="{91240B29-F687-4f45-9708-019B960494DF}">
-                <a14:hiddenLine xmlns:a14="http://schemas.microsoft.com/office/drawing/2010/main" xmlns="" w="9525">
+                <a14:hiddenLine xmlns="" xmlns:a14="http://schemas.microsoft.com/office/drawing/2010/main" w="9525">
                   <a:solidFill>
                     <a:srgbClr val="000000"/>
                   </a:solidFill>
@@ -2581,7 +2581,7 @@
             </a:ln>
             <a:extLst>
               <a:ext uri="{91240B29-F687-4f45-9708-019B960494DF}">
-                <a14:hiddenLine xmlns:a14="http://schemas.microsoft.com/office/drawing/2010/main" xmlns="" w="9525">
+                <a14:hiddenLine xmlns="" xmlns:a14="http://schemas.microsoft.com/office/drawing/2010/main" w="9525">
                   <a:solidFill>
                     <a:srgbClr val="000000"/>
                   </a:solidFill>
@@ -2671,7 +2671,7 @@
             </a:ln>
             <a:extLst>
               <a:ext uri="{91240B29-F687-4f45-9708-019B960494DF}">
-                <a14:hiddenLine xmlns:a14="http://schemas.microsoft.com/office/drawing/2010/main" xmlns="" w="9525">
+                <a14:hiddenLine xmlns="" xmlns:a14="http://schemas.microsoft.com/office/drawing/2010/main" w="9525">
                   <a:solidFill>
                     <a:srgbClr val="000000"/>
                   </a:solidFill>
@@ -2739,7 +2739,7 @@
             </a:ln>
             <a:extLst>
               <a:ext uri="{91240B29-F687-4f45-9708-019B960494DF}">
-                <a14:hiddenLine xmlns:a14="http://schemas.microsoft.com/office/drawing/2010/main" xmlns="" w="9525">
+                <a14:hiddenLine xmlns="" xmlns:a14="http://schemas.microsoft.com/office/drawing/2010/main" w="9525">
                   <a:solidFill>
                     <a:srgbClr val="000000"/>
                   </a:solidFill>
@@ -2801,7 +2801,7 @@
             </a:ln>
             <a:extLst>
               <a:ext uri="{91240B29-F687-4f45-9708-019B960494DF}">
-                <a14:hiddenLine xmlns:a14="http://schemas.microsoft.com/office/drawing/2010/main" xmlns="" w="9525">
+                <a14:hiddenLine xmlns="" xmlns:a14="http://schemas.microsoft.com/office/drawing/2010/main" w="9525">
                   <a:solidFill>
                     <a:srgbClr val="000000"/>
                   </a:solidFill>
@@ -2891,7 +2891,7 @@
             </a:ln>
             <a:extLst>
               <a:ext uri="{91240B29-F687-4f45-9708-019B960494DF}">
-                <a14:hiddenLine xmlns:a14="http://schemas.microsoft.com/office/drawing/2010/main" xmlns="" w="9525">
+                <a14:hiddenLine xmlns="" xmlns:a14="http://schemas.microsoft.com/office/drawing/2010/main" w="9525">
                   <a:solidFill>
                     <a:srgbClr val="000000"/>
                   </a:solidFill>
@@ -2953,7 +2953,7 @@
             </a:ln>
             <a:extLst>
               <a:ext uri="{91240B29-F687-4f45-9708-019B960494DF}">
-                <a14:hiddenLine xmlns:a14="http://schemas.microsoft.com/office/drawing/2010/main" xmlns="" w="9525">
+                <a14:hiddenLine xmlns="" xmlns:a14="http://schemas.microsoft.com/office/drawing/2010/main" w="9525">
                   <a:solidFill>
                     <a:srgbClr val="000000"/>
                   </a:solidFill>
@@ -3043,7 +3043,7 @@
             </a:ln>
             <a:extLst>
               <a:ext uri="{91240B29-F687-4f45-9708-019B960494DF}">
-                <a14:hiddenLine xmlns:a14="http://schemas.microsoft.com/office/drawing/2010/main" xmlns="" w="9525">
+                <a14:hiddenLine xmlns="" xmlns:a14="http://schemas.microsoft.com/office/drawing/2010/main" w="9525">
                   <a:solidFill>
                     <a:srgbClr val="000000"/>
                   </a:solidFill>
@@ -3105,7 +3105,7 @@
             </a:ln>
             <a:extLst>
               <a:ext uri="{91240B29-F687-4f45-9708-019B960494DF}">
-                <a14:hiddenLine xmlns:a14="http://schemas.microsoft.com/office/drawing/2010/main" xmlns="" w="9525">
+                <a14:hiddenLine xmlns="" xmlns:a14="http://schemas.microsoft.com/office/drawing/2010/main" w="9525">
                   <a:solidFill>
                     <a:srgbClr val="000000"/>
                   </a:solidFill>
@@ -3195,7 +3195,7 @@
             </a:ln>
             <a:extLst>
               <a:ext uri="{91240B29-F687-4f45-9708-019B960494DF}">
-                <a14:hiddenLine xmlns:a14="http://schemas.microsoft.com/office/drawing/2010/main" xmlns="" w="9525">
+                <a14:hiddenLine xmlns="" xmlns:a14="http://schemas.microsoft.com/office/drawing/2010/main" w="9525">
                   <a:solidFill>
                     <a:srgbClr val="000000"/>
                   </a:solidFill>
@@ -3229,7 +3229,7 @@
             </a:ln>
             <a:extLst>
               <a:ext uri="{91240B29-F687-4f45-9708-019B960494DF}">
-                <a14:hiddenLine xmlns:a14="http://schemas.microsoft.com/office/drawing/2010/main" xmlns="" w="9525">
+                <a14:hiddenLine xmlns="" xmlns:a14="http://schemas.microsoft.com/office/drawing/2010/main" w="9525">
                   <a:solidFill>
                     <a:srgbClr val="000000"/>
                   </a:solidFill>
@@ -3294,7 +3294,7 @@
             </a:ln>
             <a:extLst>
               <a:ext uri="{91240B29-F687-4f45-9708-019B960494DF}">
-                <a14:hiddenLine xmlns:a14="http://schemas.microsoft.com/office/drawing/2010/main" xmlns="" w="9525">
+                <a14:hiddenLine xmlns="" xmlns:a14="http://schemas.microsoft.com/office/drawing/2010/main" w="9525">
                   <a:solidFill>
                     <a:srgbClr val="000000"/>
                   </a:solidFill>
@@ -3384,7 +3384,7 @@
             </a:ln>
             <a:extLst>
               <a:ext uri="{91240B29-F687-4f45-9708-019B960494DF}">
-                <a14:hiddenLine xmlns:a14="http://schemas.microsoft.com/office/drawing/2010/main" xmlns="" w="9525">
+                <a14:hiddenLine xmlns="" xmlns:a14="http://schemas.microsoft.com/office/drawing/2010/main" w="9525">
                   <a:solidFill>
                     <a:srgbClr val="000000"/>
                   </a:solidFill>
@@ -3446,7 +3446,7 @@
             </a:ln>
             <a:extLst>
               <a:ext uri="{91240B29-F687-4f45-9708-019B960494DF}">
-                <a14:hiddenLine xmlns:a14="http://schemas.microsoft.com/office/drawing/2010/main" xmlns="" w="9525">
+                <a14:hiddenLine xmlns="" xmlns:a14="http://schemas.microsoft.com/office/drawing/2010/main" w="9525">
                   <a:solidFill>
                     <a:srgbClr val="000000"/>
                   </a:solidFill>
@@ -3536,7 +3536,7 @@
             </a:ln>
             <a:extLst>
               <a:ext uri="{91240B29-F687-4f45-9708-019B960494DF}">
-                <a14:hiddenLine xmlns:a14="http://schemas.microsoft.com/office/drawing/2010/main" xmlns="" w="9525">
+                <a14:hiddenLine xmlns="" xmlns:a14="http://schemas.microsoft.com/office/drawing/2010/main" w="9525">
                   <a:solidFill>
                     <a:srgbClr val="000000"/>
                   </a:solidFill>
@@ -3626,7 +3626,7 @@
             </a:ln>
             <a:extLst>
               <a:ext uri="{91240B29-F687-4f45-9708-019B960494DF}">
-                <a14:hiddenLine xmlns:a14="http://schemas.microsoft.com/office/drawing/2010/main" xmlns="" w="9525">
+                <a14:hiddenLine xmlns="" xmlns:a14="http://schemas.microsoft.com/office/drawing/2010/main" w="9525">
                   <a:solidFill>
                     <a:srgbClr val="000000"/>
                   </a:solidFill>
@@ -3691,7 +3691,7 @@
             </a:ln>
             <a:extLst>
               <a:ext uri="{91240B29-F687-4f45-9708-019B960494DF}">
-                <a14:hiddenLine xmlns:a14="http://schemas.microsoft.com/office/drawing/2010/main" xmlns="" w="9525">
+                <a14:hiddenLine xmlns="" xmlns:a14="http://schemas.microsoft.com/office/drawing/2010/main" w="9525">
                   <a:solidFill>
                     <a:srgbClr val="000000"/>
                   </a:solidFill>
@@ -3753,7 +3753,7 @@
             </a:ln>
             <a:extLst>
               <a:ext uri="{91240B29-F687-4f45-9708-019B960494DF}">
-                <a14:hiddenLine xmlns:a14="http://schemas.microsoft.com/office/drawing/2010/main" xmlns="" w="9525">
+                <a14:hiddenLine xmlns="" xmlns:a14="http://schemas.microsoft.com/office/drawing/2010/main" w="9525">
                   <a:solidFill>
                     <a:srgbClr val="000000"/>
                   </a:solidFill>
@@ -3843,7 +3843,7 @@
             </a:ln>
             <a:extLst>
               <a:ext uri="{91240B29-F687-4f45-9708-019B960494DF}">
-                <a14:hiddenLine xmlns:a14="http://schemas.microsoft.com/office/drawing/2010/main" xmlns="" w="9525">
+                <a14:hiddenLine xmlns="" xmlns:a14="http://schemas.microsoft.com/office/drawing/2010/main" w="9525">
                   <a:solidFill>
                     <a:srgbClr val="000000"/>
                   </a:solidFill>
@@ -3933,7 +3933,7 @@
             </a:ln>
             <a:extLst>
               <a:ext uri="{91240B29-F687-4f45-9708-019B960494DF}">
-                <a14:hiddenLine xmlns:a14="http://schemas.microsoft.com/office/drawing/2010/main" xmlns="" w="9525">
+                <a14:hiddenLine xmlns="" xmlns:a14="http://schemas.microsoft.com/office/drawing/2010/main" w="9525">
                   <a:solidFill>
                     <a:srgbClr val="000000"/>
                   </a:solidFill>
@@ -3995,7 +3995,7 @@
             </a:ln>
             <a:extLst>
               <a:ext uri="{91240B29-F687-4f45-9708-019B960494DF}">
-                <a14:hiddenLine xmlns:a14="http://schemas.microsoft.com/office/drawing/2010/main" xmlns="" w="9525">
+                <a14:hiddenLine xmlns="" xmlns:a14="http://schemas.microsoft.com/office/drawing/2010/main" w="9525">
                   <a:solidFill>
                     <a:srgbClr val="000000"/>
                   </a:solidFill>
@@ -4115,7 +4115,7 @@
             </a:ln>
             <a:extLst>
               <a:ext uri="{91240B29-F687-4f45-9708-019B960494DF}">
-                <a14:hiddenLine xmlns:a14="http://schemas.microsoft.com/office/drawing/2010/main" xmlns="" w="9525">
+                <a14:hiddenLine xmlns="" xmlns:a14="http://schemas.microsoft.com/office/drawing/2010/main" w="9525">
                   <a:solidFill>
                     <a:srgbClr val="000000"/>
                   </a:solidFill>
@@ -4183,7 +4183,7 @@
             </a:ln>
             <a:extLst>
               <a:ext uri="{91240B29-F687-4f45-9708-019B960494DF}">
-                <a14:hiddenLine xmlns:a14="http://schemas.microsoft.com/office/drawing/2010/main" xmlns="" w="9525">
+                <a14:hiddenLine xmlns="" xmlns:a14="http://schemas.microsoft.com/office/drawing/2010/main" w="9525">
                   <a:solidFill>
                     <a:srgbClr val="000000"/>
                   </a:solidFill>
@@ -4273,7 +4273,7 @@
             </a:ln>
             <a:extLst>
               <a:ext uri="{91240B29-F687-4f45-9708-019B960494DF}">
-                <a14:hiddenLine xmlns:a14="http://schemas.microsoft.com/office/drawing/2010/main" xmlns="" w="9525">
+                <a14:hiddenLine xmlns="" xmlns:a14="http://schemas.microsoft.com/office/drawing/2010/main" w="9525">
                   <a:solidFill>
                     <a:srgbClr val="000000"/>
                   </a:solidFill>
@@ -4413,7 +4413,7 @@
           <a:p>
             <a:fld id="{48A87A34-81AB-432B-8DAE-1953F412C126}" type="datetimeFigureOut">
               <a:rPr lang="en-US" dirty="0"/>
-              <a:t>4/21/2024</a:t>
+              <a:t>4/22/2024</a:t>
             </a:fld>
             <a:endParaRPr lang="en-US" dirty="0"/>
           </a:p>
@@ -4675,7 +4675,7 @@
           <a:p>
             <a:fld id="{48A87A34-81AB-432B-8DAE-1953F412C126}" type="datetimeFigureOut">
               <a:rPr lang="en-US" dirty="0"/>
-              <a:t>4/21/2024</a:t>
+              <a:t>4/22/2024</a:t>
             </a:fld>
             <a:endParaRPr lang="en-US" dirty="0"/>
           </a:p>
@@ -4866,7 +4866,7 @@
           <a:p>
             <a:fld id="{48A87A34-81AB-432B-8DAE-1953F412C126}" type="datetimeFigureOut">
               <a:rPr lang="en-US" dirty="0"/>
-              <a:t>4/21/2024</a:t>
+              <a:t>4/22/2024</a:t>
             </a:fld>
             <a:endParaRPr lang="en-US" dirty="0"/>
           </a:p>
@@ -5124,7 +5124,7 @@
           <a:p>
             <a:fld id="{48A87A34-81AB-432B-8DAE-1953F412C126}" type="datetimeFigureOut">
               <a:rPr lang="en-US" dirty="0"/>
-              <a:t>4/21/2024</a:t>
+              <a:t>4/22/2024</a:t>
             </a:fld>
             <a:endParaRPr lang="en-US" dirty="0"/>
           </a:p>
@@ -5553,7 +5553,7 @@
           <a:p>
             <a:fld id="{48A87A34-81AB-432B-8DAE-1953F412C126}" type="datetimeFigureOut">
               <a:rPr lang="en-US" dirty="0"/>
-              <a:t>4/21/2024</a:t>
+              <a:t>4/22/2024</a:t>
             </a:fld>
             <a:endParaRPr lang="en-US" dirty="0"/>
           </a:p>
@@ -6094,7 +6094,7 @@
           <a:p>
             <a:fld id="{48A87A34-81AB-432B-8DAE-1953F412C126}" type="datetimeFigureOut">
               <a:rPr lang="en-US" dirty="0"/>
-              <a:t>4/21/2024</a:t>
+              <a:t>4/22/2024</a:t>
             </a:fld>
             <a:endParaRPr lang="en-US" dirty="0"/>
           </a:p>
@@ -6809,7 +6809,7 @@
           <a:p>
             <a:fld id="{48A87A34-81AB-432B-8DAE-1953F412C126}" type="datetimeFigureOut">
               <a:rPr lang="en-US" dirty="0"/>
-              <a:t>4/21/2024</a:t>
+              <a:t>4/22/2024</a:t>
             </a:fld>
             <a:endParaRPr lang="en-US" dirty="0"/>
           </a:p>
@@ -6974,7 +6974,7 @@
           <a:p>
             <a:fld id="{48A87A34-81AB-432B-8DAE-1953F412C126}" type="datetimeFigureOut">
               <a:rPr lang="en-US" dirty="0"/>
-              <a:t>4/21/2024</a:t>
+              <a:t>4/22/2024</a:t>
             </a:fld>
             <a:endParaRPr lang="en-US" dirty="0"/>
           </a:p>
@@ -7149,7 +7149,7 @@
           <a:p>
             <a:fld id="{48A87A34-81AB-432B-8DAE-1953F412C126}" type="datetimeFigureOut">
               <a:rPr lang="en-US" dirty="0"/>
-              <a:t>4/21/2024</a:t>
+              <a:t>4/22/2024</a:t>
             </a:fld>
             <a:endParaRPr lang="en-US" dirty="0"/>
           </a:p>
@@ -7314,7 +7314,7 @@
           <a:p>
             <a:fld id="{48A87A34-81AB-432B-8DAE-1953F412C126}" type="datetimeFigureOut">
               <a:rPr lang="en-US" dirty="0"/>
-              <a:t>4/21/2024</a:t>
+              <a:t>4/22/2024</a:t>
             </a:fld>
             <a:endParaRPr lang="en-US" dirty="0"/>
           </a:p>
@@ -7559,7 +7559,7 @@
           <a:p>
             <a:fld id="{48A87A34-81AB-432B-8DAE-1953F412C126}" type="datetimeFigureOut">
               <a:rPr lang="en-US" dirty="0"/>
-              <a:t>4/21/2024</a:t>
+              <a:t>4/22/2024</a:t>
             </a:fld>
             <a:endParaRPr lang="en-US" dirty="0"/>
           </a:p>
@@ -7786,7 +7786,7 @@
           <a:p>
             <a:fld id="{48A87A34-81AB-432B-8DAE-1953F412C126}" type="datetimeFigureOut">
               <a:rPr lang="en-US" dirty="0"/>
-              <a:t>4/21/2024</a:t>
+              <a:t>4/22/2024</a:t>
             </a:fld>
             <a:endParaRPr lang="en-US" dirty="0"/>
           </a:p>
@@ -8162,7 +8162,7 @@
           <a:p>
             <a:fld id="{48A87A34-81AB-432B-8DAE-1953F412C126}" type="datetimeFigureOut">
               <a:rPr lang="en-US" dirty="0"/>
-              <a:t>4/21/2024</a:t>
+              <a:t>4/22/2024</a:t>
             </a:fld>
             <a:endParaRPr lang="en-US" dirty="0"/>
           </a:p>
@@ -8275,7 +8275,7 @@
           <a:p>
             <a:fld id="{48A87A34-81AB-432B-8DAE-1953F412C126}" type="datetimeFigureOut">
               <a:rPr lang="en-US" dirty="0"/>
-              <a:t>4/21/2024</a:t>
+              <a:t>4/22/2024</a:t>
             </a:fld>
             <a:endParaRPr lang="en-US" dirty="0"/>
           </a:p>
@@ -8365,7 +8365,7 @@
           <a:p>
             <a:fld id="{48A87A34-81AB-432B-8DAE-1953F412C126}" type="datetimeFigureOut">
               <a:rPr lang="en-US" dirty="0"/>
-              <a:t>4/21/2024</a:t>
+              <a:t>4/22/2024</a:t>
             </a:fld>
             <a:endParaRPr lang="en-US" dirty="0"/>
           </a:p>
@@ -8609,7 +8609,7 @@
           <a:p>
             <a:fld id="{48A87A34-81AB-432B-8DAE-1953F412C126}" type="datetimeFigureOut">
               <a:rPr lang="en-US" dirty="0"/>
-              <a:t>4/21/2024</a:t>
+              <a:t>4/22/2024</a:t>
             </a:fld>
             <a:endParaRPr lang="en-US" dirty="0"/>
           </a:p>
@@ -8884,7 +8884,7 @@
           <a:p>
             <a:fld id="{48A87A34-81AB-432B-8DAE-1953F412C126}" type="datetimeFigureOut">
               <a:rPr lang="en-US" dirty="0"/>
-              <a:t>4/21/2024</a:t>
+              <a:t>4/22/2024</a:t>
             </a:fld>
             <a:endParaRPr lang="en-US" dirty="0"/>
           </a:p>
@@ -9002,7 +9002,7 @@
           <a:noFill/>
           <a:extLst>
             <a:ext uri="{909E8E84-426E-40dd-AFC4-6F175D3DCCD1}">
-              <a14:hiddenFill xmlns:a14="http://schemas.microsoft.com/office/drawing/2010/main" xmlns="">
+              <a14:hiddenFill xmlns="" xmlns:a14="http://schemas.microsoft.com/office/drawing/2010/main">
                 <a:solidFill>
                   <a:srgbClr val="FFFFFF"/>
                 </a:solidFill>
@@ -9076,7 +9076,7 @@
               </a:ln>
               <a:extLst>
                 <a:ext uri="{91240B29-F687-4f45-9708-019B960494DF}">
-                  <a14:hiddenLine xmlns:a14="http://schemas.microsoft.com/office/drawing/2010/main" xmlns="" w="9525">
+                  <a14:hiddenLine xmlns="" xmlns:a14="http://schemas.microsoft.com/office/drawing/2010/main" w="9525">
                     <a:solidFill>
                       <a:srgbClr val="000000"/>
                     </a:solidFill>
@@ -9166,7 +9166,7 @@
               </a:ln>
               <a:extLst>
                 <a:ext uri="{91240B29-F687-4f45-9708-019B960494DF}">
-                  <a14:hiddenLine xmlns:a14="http://schemas.microsoft.com/office/drawing/2010/main" xmlns="" w="9525">
+                  <a14:hiddenLine xmlns="" xmlns:a14="http://schemas.microsoft.com/office/drawing/2010/main" w="9525">
                     <a:solidFill>
                       <a:srgbClr val="000000"/>
                     </a:solidFill>
@@ -9256,7 +9256,7 @@
               </a:ln>
               <a:extLst>
                 <a:ext uri="{91240B29-F687-4f45-9708-019B960494DF}">
-                  <a14:hiddenLine xmlns:a14="http://schemas.microsoft.com/office/drawing/2010/main" xmlns="" w="9525">
+                  <a14:hiddenLine xmlns="" xmlns:a14="http://schemas.microsoft.com/office/drawing/2010/main" w="9525">
                     <a:solidFill>
                       <a:srgbClr val="000000"/>
                     </a:solidFill>
@@ -9318,7 +9318,7 @@
               </a:ln>
               <a:extLst>
                 <a:ext uri="{91240B29-F687-4f45-9708-019B960494DF}">
-                  <a14:hiddenLine xmlns:a14="http://schemas.microsoft.com/office/drawing/2010/main" xmlns="" w="9525">
+                  <a14:hiddenLine xmlns="" xmlns:a14="http://schemas.microsoft.com/office/drawing/2010/main" w="9525">
                     <a:solidFill>
                       <a:srgbClr val="000000"/>
                     </a:solidFill>
@@ -9408,7 +9408,7 @@
               </a:ln>
               <a:extLst>
                 <a:ext uri="{91240B29-F687-4f45-9708-019B960494DF}">
-                  <a14:hiddenLine xmlns:a14="http://schemas.microsoft.com/office/drawing/2010/main" xmlns="" w="9525">
+                  <a14:hiddenLine xmlns="" xmlns:a14="http://schemas.microsoft.com/office/drawing/2010/main" w="9525">
                     <a:solidFill>
                       <a:srgbClr val="000000"/>
                     </a:solidFill>
@@ -9470,7 +9470,7 @@
               </a:ln>
               <a:extLst>
                 <a:ext uri="{91240B29-F687-4f45-9708-019B960494DF}">
-                  <a14:hiddenLine xmlns:a14="http://schemas.microsoft.com/office/drawing/2010/main" xmlns="" w="9525">
+                  <a14:hiddenLine xmlns="" xmlns:a14="http://schemas.microsoft.com/office/drawing/2010/main" w="9525">
                     <a:solidFill>
                       <a:srgbClr val="000000"/>
                     </a:solidFill>
@@ -9532,7 +9532,7 @@
               </a:ln>
               <a:extLst>
                 <a:ext uri="{91240B29-F687-4f45-9708-019B960494DF}">
-                  <a14:hiddenLine xmlns:a14="http://schemas.microsoft.com/office/drawing/2010/main" xmlns="" w="9525">
+                  <a14:hiddenLine xmlns="" xmlns:a14="http://schemas.microsoft.com/office/drawing/2010/main" w="9525">
                     <a:solidFill>
                       <a:srgbClr val="000000"/>
                     </a:solidFill>
@@ -9622,7 +9622,7 @@
               </a:ln>
               <a:extLst>
                 <a:ext uri="{91240B29-F687-4f45-9708-019B960494DF}">
-                  <a14:hiddenLine xmlns:a14="http://schemas.microsoft.com/office/drawing/2010/main" xmlns="" w="9525">
+                  <a14:hiddenLine xmlns="" xmlns:a14="http://schemas.microsoft.com/office/drawing/2010/main" w="9525">
                     <a:solidFill>
                       <a:srgbClr val="000000"/>
                     </a:solidFill>
@@ -9712,7 +9712,7 @@
               </a:ln>
               <a:extLst>
                 <a:ext uri="{91240B29-F687-4f45-9708-019B960494DF}">
-                  <a14:hiddenLine xmlns:a14="http://schemas.microsoft.com/office/drawing/2010/main" xmlns="" w="9525">
+                  <a14:hiddenLine xmlns="" xmlns:a14="http://schemas.microsoft.com/office/drawing/2010/main" w="9525">
                     <a:solidFill>
                       <a:srgbClr val="000000"/>
                     </a:solidFill>
@@ -9774,7 +9774,7 @@
               </a:ln>
               <a:extLst>
                 <a:ext uri="{91240B29-F687-4f45-9708-019B960494DF}">
-                  <a14:hiddenLine xmlns:a14="http://schemas.microsoft.com/office/drawing/2010/main" xmlns="" w="9525">
+                  <a14:hiddenLine xmlns="" xmlns:a14="http://schemas.microsoft.com/office/drawing/2010/main" w="9525">
                     <a:solidFill>
                       <a:srgbClr val="000000"/>
                     </a:solidFill>
@@ -9884,7 +9884,7 @@
               </a:ln>
               <a:extLst>
                 <a:ext uri="{91240B29-F687-4f45-9708-019B960494DF}">
-                  <a14:hiddenLine xmlns:a14="http://schemas.microsoft.com/office/drawing/2010/main" xmlns="" w="9525">
+                  <a14:hiddenLine xmlns="" xmlns:a14="http://schemas.microsoft.com/office/drawing/2010/main" w="9525">
                     <a:solidFill>
                       <a:srgbClr val="000000"/>
                     </a:solidFill>
@@ -9968,7 +9968,7 @@
               </a:ln>
               <a:extLst>
                 <a:ext uri="{91240B29-F687-4f45-9708-019B960494DF}">
-                  <a14:hiddenLine xmlns:a14="http://schemas.microsoft.com/office/drawing/2010/main" xmlns="" w="9525">
+                  <a14:hiddenLine xmlns="" xmlns:a14="http://schemas.microsoft.com/office/drawing/2010/main" w="9525">
                     <a:solidFill>
                       <a:srgbClr val="000000"/>
                     </a:solidFill>
@@ -10030,7 +10030,7 @@
               </a:ln>
               <a:extLst>
                 <a:ext uri="{91240B29-F687-4f45-9708-019B960494DF}">
-                  <a14:hiddenLine xmlns:a14="http://schemas.microsoft.com/office/drawing/2010/main" xmlns="" w="9525">
+                  <a14:hiddenLine xmlns="" xmlns:a14="http://schemas.microsoft.com/office/drawing/2010/main" w="9525">
                     <a:solidFill>
                       <a:srgbClr val="000000"/>
                     </a:solidFill>
@@ -10092,7 +10092,7 @@
               </a:ln>
               <a:extLst>
                 <a:ext uri="{91240B29-F687-4f45-9708-019B960494DF}">
-                  <a14:hiddenLine xmlns:a14="http://schemas.microsoft.com/office/drawing/2010/main" xmlns="" w="9525">
+                  <a14:hiddenLine xmlns="" xmlns:a14="http://schemas.microsoft.com/office/drawing/2010/main" w="9525">
                     <a:solidFill>
                       <a:srgbClr val="000000"/>
                     </a:solidFill>
@@ -10182,7 +10182,7 @@
               </a:ln>
               <a:extLst>
                 <a:ext uri="{91240B29-F687-4f45-9708-019B960494DF}">
-                  <a14:hiddenLine xmlns:a14="http://schemas.microsoft.com/office/drawing/2010/main" xmlns="" w="9525">
+                  <a14:hiddenLine xmlns="" xmlns:a14="http://schemas.microsoft.com/office/drawing/2010/main" w="9525">
                     <a:solidFill>
                       <a:srgbClr val="000000"/>
                     </a:solidFill>
@@ -10216,7 +10216,7 @@
               </a:ln>
               <a:extLst>
                 <a:ext uri="{91240B29-F687-4f45-9708-019B960494DF}">
-                  <a14:hiddenLine xmlns:a14="http://schemas.microsoft.com/office/drawing/2010/main" xmlns="" w="9525">
+                  <a14:hiddenLine xmlns="" xmlns:a14="http://schemas.microsoft.com/office/drawing/2010/main" w="9525">
                     <a:solidFill>
                       <a:srgbClr val="000000"/>
                     </a:solidFill>
@@ -10281,7 +10281,7 @@
               </a:ln>
               <a:extLst>
                 <a:ext uri="{91240B29-F687-4f45-9708-019B960494DF}">
-                  <a14:hiddenLine xmlns:a14="http://schemas.microsoft.com/office/drawing/2010/main" xmlns="" w="9525">
+                  <a14:hiddenLine xmlns="" xmlns:a14="http://schemas.microsoft.com/office/drawing/2010/main" w="9525">
                     <a:solidFill>
                       <a:srgbClr val="000000"/>
                     </a:solidFill>
@@ -10371,7 +10371,7 @@
               </a:ln>
               <a:extLst>
                 <a:ext uri="{91240B29-F687-4f45-9708-019B960494DF}">
-                  <a14:hiddenLine xmlns:a14="http://schemas.microsoft.com/office/drawing/2010/main" xmlns="" w="9525">
+                  <a14:hiddenLine xmlns="" xmlns:a14="http://schemas.microsoft.com/office/drawing/2010/main" w="9525">
                     <a:solidFill>
                       <a:srgbClr val="000000"/>
                     </a:solidFill>
@@ -10433,7 +10433,7 @@
               </a:ln>
               <a:extLst>
                 <a:ext uri="{91240B29-F687-4f45-9708-019B960494DF}">
-                  <a14:hiddenLine xmlns:a14="http://schemas.microsoft.com/office/drawing/2010/main" xmlns="" w="9525">
+                  <a14:hiddenLine xmlns="" xmlns:a14="http://schemas.microsoft.com/office/drawing/2010/main" w="9525">
                     <a:solidFill>
                       <a:srgbClr val="000000"/>
                     </a:solidFill>
@@ -10523,7 +10523,7 @@
               </a:ln>
               <a:extLst>
                 <a:ext uri="{91240B29-F687-4f45-9708-019B960494DF}">
-                  <a14:hiddenLine xmlns:a14="http://schemas.microsoft.com/office/drawing/2010/main" xmlns="" w="9525">
+                  <a14:hiddenLine xmlns="" xmlns:a14="http://schemas.microsoft.com/office/drawing/2010/main" w="9525">
                     <a:solidFill>
                       <a:srgbClr val="000000"/>
                     </a:solidFill>
@@ -10588,7 +10588,7 @@
               </a:ln>
               <a:extLst>
                 <a:ext uri="{91240B29-F687-4f45-9708-019B960494DF}">
-                  <a14:hiddenLine xmlns:a14="http://schemas.microsoft.com/office/drawing/2010/main" xmlns="" w="9525">
+                  <a14:hiddenLine xmlns="" xmlns:a14="http://schemas.microsoft.com/office/drawing/2010/main" w="9525">
                     <a:solidFill>
                       <a:srgbClr val="000000"/>
                     </a:solidFill>
@@ -10650,7 +10650,7 @@
               </a:ln>
               <a:extLst>
                 <a:ext uri="{91240B29-F687-4f45-9708-019B960494DF}">
-                  <a14:hiddenLine xmlns:a14="http://schemas.microsoft.com/office/drawing/2010/main" xmlns="" w="9525">
+                  <a14:hiddenLine xmlns="" xmlns:a14="http://schemas.microsoft.com/office/drawing/2010/main" w="9525">
                     <a:solidFill>
                       <a:srgbClr val="000000"/>
                     </a:solidFill>
@@ -10740,7 +10740,7 @@
               </a:ln>
               <a:extLst>
                 <a:ext uri="{91240B29-F687-4f45-9708-019B960494DF}">
-                  <a14:hiddenLine xmlns:a14="http://schemas.microsoft.com/office/drawing/2010/main" xmlns="" w="9525">
+                  <a14:hiddenLine xmlns="" xmlns:a14="http://schemas.microsoft.com/office/drawing/2010/main" w="9525">
                     <a:solidFill>
                       <a:srgbClr val="000000"/>
                     </a:solidFill>
@@ -10830,7 +10830,7 @@
               </a:ln>
               <a:extLst>
                 <a:ext uri="{91240B29-F687-4f45-9708-019B960494DF}">
-                  <a14:hiddenLine xmlns:a14="http://schemas.microsoft.com/office/drawing/2010/main" xmlns="" w="9525">
+                  <a14:hiddenLine xmlns="" xmlns:a14="http://schemas.microsoft.com/office/drawing/2010/main" w="9525">
                     <a:solidFill>
                       <a:srgbClr val="000000"/>
                     </a:solidFill>
@@ -10895,7 +10895,7 @@
               </a:ln>
               <a:extLst>
                 <a:ext uri="{91240B29-F687-4f45-9708-019B960494DF}">
-                  <a14:hiddenLine xmlns:a14="http://schemas.microsoft.com/office/drawing/2010/main" xmlns="" w="9525">
+                  <a14:hiddenLine xmlns="" xmlns:a14="http://schemas.microsoft.com/office/drawing/2010/main" w="9525">
                     <a:solidFill>
                       <a:srgbClr val="000000"/>
                     </a:solidFill>
@@ -11015,7 +11015,7 @@
               </a:ln>
               <a:extLst>
                 <a:ext uri="{91240B29-F687-4f45-9708-019B960494DF}">
-                  <a14:hiddenLine xmlns:a14="http://schemas.microsoft.com/office/drawing/2010/main" xmlns="" w="9525">
+                  <a14:hiddenLine xmlns="" xmlns:a14="http://schemas.microsoft.com/office/drawing/2010/main" w="9525">
                     <a:solidFill>
                       <a:srgbClr val="000000"/>
                     </a:solidFill>
@@ -11096,7 +11096,7 @@
               </a:ln>
               <a:extLst>
                 <a:ext uri="{91240B29-F687-4f45-9708-019B960494DF}">
-                  <a14:hiddenLine xmlns:a14="http://schemas.microsoft.com/office/drawing/2010/main" xmlns="" w="9525">
+                  <a14:hiddenLine xmlns="" xmlns:a14="http://schemas.microsoft.com/office/drawing/2010/main" w="9525">
                     <a:solidFill>
                       <a:srgbClr val="000000"/>
                     </a:solidFill>
@@ -11211,7 +11211,7 @@
               </a:ln>
               <a:extLst>
                 <a:ext uri="{91240B29-F687-4f45-9708-019B960494DF}">
-                  <a14:hiddenLine xmlns:a14="http://schemas.microsoft.com/office/drawing/2010/main" xmlns="" w="9525">
+                  <a14:hiddenLine xmlns="" xmlns:a14="http://schemas.microsoft.com/office/drawing/2010/main" w="9525">
                     <a:solidFill>
                       <a:srgbClr val="000000"/>
                     </a:solidFill>
@@ -11301,7 +11301,7 @@
               </a:ln>
               <a:extLst>
                 <a:ext uri="{91240B29-F687-4f45-9708-019B960494DF}">
-                  <a14:hiddenLine xmlns:a14="http://schemas.microsoft.com/office/drawing/2010/main" xmlns="" w="9525">
+                  <a14:hiddenLine xmlns="" xmlns:a14="http://schemas.microsoft.com/office/drawing/2010/main" w="9525">
                     <a:solidFill>
                       <a:srgbClr val="000000"/>
                     </a:solidFill>
@@ -11366,7 +11366,7 @@
               </a:ln>
               <a:extLst>
                 <a:ext uri="{91240B29-F687-4f45-9708-019B960494DF}">
-                  <a14:hiddenLine xmlns:a14="http://schemas.microsoft.com/office/drawing/2010/main" xmlns="" w="9525">
+                  <a14:hiddenLine xmlns="" xmlns:a14="http://schemas.microsoft.com/office/drawing/2010/main" w="9525">
                     <a:solidFill>
                       <a:srgbClr val="000000"/>
                     </a:solidFill>
@@ -11456,7 +11456,7 @@
               </a:ln>
               <a:extLst>
                 <a:ext uri="{91240B29-F687-4f45-9708-019B960494DF}">
-                  <a14:hiddenLine xmlns:a14="http://schemas.microsoft.com/office/drawing/2010/main" xmlns="" w="9525">
+                  <a14:hiddenLine xmlns="" xmlns:a14="http://schemas.microsoft.com/office/drawing/2010/main" w="9525">
                     <a:solidFill>
                       <a:srgbClr val="000000"/>
                     </a:solidFill>
@@ -11524,7 +11524,7 @@
               </a:ln>
               <a:extLst>
                 <a:ext uri="{91240B29-F687-4f45-9708-019B960494DF}">
-                  <a14:hiddenLine xmlns:a14="http://schemas.microsoft.com/office/drawing/2010/main" xmlns="" w="9525">
+                  <a14:hiddenLine xmlns="" xmlns:a14="http://schemas.microsoft.com/office/drawing/2010/main" w="9525">
                     <a:solidFill>
                       <a:srgbClr val="000000"/>
                     </a:solidFill>
@@ -11614,7 +11614,7 @@
               </a:ln>
               <a:extLst>
                 <a:ext uri="{91240B29-F687-4f45-9708-019B960494DF}">
-                  <a14:hiddenLine xmlns:a14="http://schemas.microsoft.com/office/drawing/2010/main" xmlns="" w="9525">
+                  <a14:hiddenLine xmlns="" xmlns:a14="http://schemas.microsoft.com/office/drawing/2010/main" w="9525">
                     <a:solidFill>
                       <a:srgbClr val="000000"/>
                     </a:solidFill>
@@ -11682,7 +11682,7 @@
               </a:ln>
               <a:extLst>
                 <a:ext uri="{91240B29-F687-4f45-9708-019B960494DF}">
-                  <a14:hiddenLine xmlns:a14="http://schemas.microsoft.com/office/drawing/2010/main" xmlns="" w="9525">
+                  <a14:hiddenLine xmlns="" xmlns:a14="http://schemas.microsoft.com/office/drawing/2010/main" w="9525">
                     <a:solidFill>
                       <a:srgbClr val="000000"/>
                     </a:solidFill>
@@ -11772,7 +11772,7 @@
               </a:ln>
               <a:extLst>
                 <a:ext uri="{91240B29-F687-4f45-9708-019B960494DF}">
-                  <a14:hiddenLine xmlns:a14="http://schemas.microsoft.com/office/drawing/2010/main" xmlns="" w="9525">
+                  <a14:hiddenLine xmlns="" xmlns:a14="http://schemas.microsoft.com/office/drawing/2010/main" w="9525">
                     <a:solidFill>
                       <a:srgbClr val="000000"/>
                     </a:solidFill>
@@ -11806,7 +11806,7 @@
               </a:ln>
               <a:extLst>
                 <a:ext uri="{91240B29-F687-4f45-9708-019B960494DF}">
-                  <a14:hiddenLine xmlns:a14="http://schemas.microsoft.com/office/drawing/2010/main" xmlns="" w="9525">
+                  <a14:hiddenLine xmlns="" xmlns:a14="http://schemas.microsoft.com/office/drawing/2010/main" w="9525">
                     <a:solidFill>
                       <a:srgbClr val="000000"/>
                     </a:solidFill>
@@ -11947,7 +11947,7 @@
             <a:fld id="{48A87A34-81AB-432B-8DAE-1953F412C126}" type="datetimeFigureOut">
               <a:rPr lang="en-US" dirty="0"/>
               <a:pPr/>
-              <a:t>4/21/2024</a:t>
+              <a:t>4/22/2024</a:t>
             </a:fld>
             <a:endParaRPr lang="en-US" dirty="0"/>
           </a:p>
@@ -14172,13 +14172,13 @@
           <a:p>
             <a:r>
               <a:rPr lang="pt-BR" sz="2400" dirty="0"/>
-              <a:t>Tempo de Atraso: 8,8</a:t>
+              <a:t>Tempo de Atraso: 8,85</a:t>
             </a:r>
           </a:p>
           <a:p>
             <a:r>
               <a:rPr lang="pt-BR" sz="2400" dirty="0"/>
-              <a:t>Valor da constante de tempo: 25.175 </a:t>
+              <a:t>Valor da constante de tempo: 25,049 </a:t>
             </a:r>
           </a:p>
         </p:txBody>

--- a/documents/Trabalho de Sistemas Embarcados (C213).pptx
+++ b/documents/Trabalho de Sistemas Embarcados (C213).pptx
@@ -188,7 +188,7 @@
           <a:noFill/>
           <a:extLst>
             <a:ext uri="{909E8E84-426E-40dd-AFC4-6F175D3DCCD1}">
-              <a14:hiddenFill xmlns="" xmlns:a14="http://schemas.microsoft.com/office/drawing/2010/main">
+              <a14:hiddenFill xmlns:a14="http://schemas.microsoft.com/office/drawing/2010/main" xmlns="">
                 <a:solidFill>
                   <a:srgbClr val="FFFFFF"/>
                 </a:solidFill>
@@ -247,7 +247,7 @@
             </a:ln>
             <a:extLst>
               <a:ext uri="{91240B29-F687-4f45-9708-019B960494DF}">
-                <a14:hiddenLine xmlns="" xmlns:a14="http://schemas.microsoft.com/office/drawing/2010/main" w="9525">
+                <a14:hiddenLine xmlns:a14="http://schemas.microsoft.com/office/drawing/2010/main" xmlns="" w="9525">
                   <a:solidFill>
                     <a:srgbClr val="000000"/>
                   </a:solidFill>
@@ -337,7 +337,7 @@
             </a:ln>
             <a:extLst>
               <a:ext uri="{91240B29-F687-4f45-9708-019B960494DF}">
-                <a14:hiddenLine xmlns="" xmlns:a14="http://schemas.microsoft.com/office/drawing/2010/main" w="9525">
+                <a14:hiddenLine xmlns:a14="http://schemas.microsoft.com/office/drawing/2010/main" xmlns="" w="9525">
                   <a:solidFill>
                     <a:srgbClr val="000000"/>
                   </a:solidFill>
@@ -427,7 +427,7 @@
             </a:ln>
             <a:extLst>
               <a:ext uri="{91240B29-F687-4f45-9708-019B960494DF}">
-                <a14:hiddenLine xmlns="" xmlns:a14="http://schemas.microsoft.com/office/drawing/2010/main" w="9525">
+                <a14:hiddenLine xmlns:a14="http://schemas.microsoft.com/office/drawing/2010/main" xmlns="" w="9525">
                   <a:solidFill>
                     <a:srgbClr val="000000"/>
                   </a:solidFill>
@@ -461,7 +461,7 @@
             </a:ln>
             <a:extLst>
               <a:ext uri="{91240B29-F687-4f45-9708-019B960494DF}">
-                <a14:hiddenLine xmlns="" xmlns:a14="http://schemas.microsoft.com/office/drawing/2010/main" w="9525">
+                <a14:hiddenLine xmlns:a14="http://schemas.microsoft.com/office/drawing/2010/main" xmlns="" w="9525">
                   <a:solidFill>
                     <a:srgbClr val="000000"/>
                   </a:solidFill>
@@ -551,7 +551,7 @@
             </a:ln>
             <a:extLst>
               <a:ext uri="{91240B29-F687-4f45-9708-019B960494DF}">
-                <a14:hiddenLine xmlns="" xmlns:a14="http://schemas.microsoft.com/office/drawing/2010/main" w="9525">
+                <a14:hiddenLine xmlns:a14="http://schemas.microsoft.com/office/drawing/2010/main" xmlns="" w="9525">
                   <a:solidFill>
                     <a:srgbClr val="000000"/>
                   </a:solidFill>
@@ -613,7 +613,7 @@
             </a:ln>
             <a:extLst>
               <a:ext uri="{91240B29-F687-4f45-9708-019B960494DF}">
-                <a14:hiddenLine xmlns="" xmlns:a14="http://schemas.microsoft.com/office/drawing/2010/main" w="9525">
+                <a14:hiddenLine xmlns:a14="http://schemas.microsoft.com/office/drawing/2010/main" xmlns="" w="9525">
                   <a:solidFill>
                     <a:srgbClr val="000000"/>
                   </a:solidFill>
@@ -675,7 +675,7 @@
             </a:ln>
             <a:extLst>
               <a:ext uri="{91240B29-F687-4f45-9708-019B960494DF}">
-                <a14:hiddenLine xmlns="" xmlns:a14="http://schemas.microsoft.com/office/drawing/2010/main" w="9525">
+                <a14:hiddenLine xmlns:a14="http://schemas.microsoft.com/office/drawing/2010/main" xmlns="" w="9525">
                   <a:solidFill>
                     <a:srgbClr val="000000"/>
                   </a:solidFill>
@@ -765,7 +765,7 @@
             </a:ln>
             <a:extLst>
               <a:ext uri="{91240B29-F687-4f45-9708-019B960494DF}">
-                <a14:hiddenLine xmlns="" xmlns:a14="http://schemas.microsoft.com/office/drawing/2010/main" w="9525">
+                <a14:hiddenLine xmlns:a14="http://schemas.microsoft.com/office/drawing/2010/main" xmlns="" w="9525">
                   <a:solidFill>
                     <a:srgbClr val="000000"/>
                   </a:solidFill>
@@ -827,7 +827,7 @@
             </a:ln>
             <a:extLst>
               <a:ext uri="{91240B29-F687-4f45-9708-019B960494DF}">
-                <a14:hiddenLine xmlns="" xmlns:a14="http://schemas.microsoft.com/office/drawing/2010/main" w="9525">
+                <a14:hiddenLine xmlns:a14="http://schemas.microsoft.com/office/drawing/2010/main" xmlns="" w="9525">
                   <a:solidFill>
                     <a:srgbClr val="000000"/>
                   </a:solidFill>
@@ -889,7 +889,7 @@
             </a:ln>
             <a:extLst>
               <a:ext uri="{91240B29-F687-4f45-9708-019B960494DF}">
-                <a14:hiddenLine xmlns="" xmlns:a14="http://schemas.microsoft.com/office/drawing/2010/main" w="9525">
+                <a14:hiddenLine xmlns:a14="http://schemas.microsoft.com/office/drawing/2010/main" xmlns="" w="9525">
                   <a:solidFill>
                     <a:srgbClr val="000000"/>
                   </a:solidFill>
@@ -979,7 +979,7 @@
             </a:ln>
             <a:extLst>
               <a:ext uri="{91240B29-F687-4f45-9708-019B960494DF}">
-                <a14:hiddenLine xmlns="" xmlns:a14="http://schemas.microsoft.com/office/drawing/2010/main" w="9525">
+                <a14:hiddenLine xmlns:a14="http://schemas.microsoft.com/office/drawing/2010/main" xmlns="" w="9525">
                   <a:solidFill>
                     <a:srgbClr val="000000"/>
                   </a:solidFill>
@@ -1069,7 +1069,7 @@
             </a:ln>
             <a:extLst>
               <a:ext uri="{91240B29-F687-4f45-9708-019B960494DF}">
-                <a14:hiddenLine xmlns="" xmlns:a14="http://schemas.microsoft.com/office/drawing/2010/main" w="9525">
+                <a14:hiddenLine xmlns:a14="http://schemas.microsoft.com/office/drawing/2010/main" xmlns="" w="9525">
                   <a:solidFill>
                     <a:srgbClr val="000000"/>
                   </a:solidFill>
@@ -1131,7 +1131,7 @@
             </a:ln>
             <a:extLst>
               <a:ext uri="{91240B29-F687-4f45-9708-019B960494DF}">
-                <a14:hiddenLine xmlns="" xmlns:a14="http://schemas.microsoft.com/office/drawing/2010/main" w="9525">
+                <a14:hiddenLine xmlns:a14="http://schemas.microsoft.com/office/drawing/2010/main" xmlns="" w="9525">
                   <a:solidFill>
                     <a:srgbClr val="000000"/>
                   </a:solidFill>
@@ -1241,7 +1241,7 @@
             </a:ln>
             <a:extLst>
               <a:ext uri="{91240B29-F687-4f45-9708-019B960494DF}">
-                <a14:hiddenLine xmlns="" xmlns:a14="http://schemas.microsoft.com/office/drawing/2010/main" w="9525">
+                <a14:hiddenLine xmlns:a14="http://schemas.microsoft.com/office/drawing/2010/main" xmlns="" w="9525">
                   <a:solidFill>
                     <a:srgbClr val="000000"/>
                   </a:solidFill>
@@ -1303,7 +1303,7 @@
             </a:ln>
             <a:extLst>
               <a:ext uri="{91240B29-F687-4f45-9708-019B960494DF}">
-                <a14:hiddenLine xmlns="" xmlns:a14="http://schemas.microsoft.com/office/drawing/2010/main" w="9525">
+                <a14:hiddenLine xmlns:a14="http://schemas.microsoft.com/office/drawing/2010/main" xmlns="" w="9525">
                   <a:solidFill>
                     <a:srgbClr val="000000"/>
                   </a:solidFill>
@@ -1393,7 +1393,7 @@
             </a:ln>
             <a:extLst>
               <a:ext uri="{91240B29-F687-4f45-9708-019B960494DF}">
-                <a14:hiddenLine xmlns="" xmlns:a14="http://schemas.microsoft.com/office/drawing/2010/main" w="9525">
+                <a14:hiddenLine xmlns:a14="http://schemas.microsoft.com/office/drawing/2010/main" xmlns="" w="9525">
                   <a:solidFill>
                     <a:srgbClr val="000000"/>
                   </a:solidFill>
@@ -1483,7 +1483,7 @@
             </a:ln>
             <a:extLst>
               <a:ext uri="{91240B29-F687-4f45-9708-019B960494DF}">
-                <a14:hiddenLine xmlns="" xmlns:a14="http://schemas.microsoft.com/office/drawing/2010/main" w="9525">
+                <a14:hiddenLine xmlns:a14="http://schemas.microsoft.com/office/drawing/2010/main" xmlns="" w="9525">
                   <a:solidFill>
                     <a:srgbClr val="000000"/>
                   </a:solidFill>
@@ -1545,7 +1545,7 @@
             </a:ln>
             <a:extLst>
               <a:ext uri="{91240B29-F687-4f45-9708-019B960494DF}">
-                <a14:hiddenLine xmlns="" xmlns:a14="http://schemas.microsoft.com/office/drawing/2010/main" w="9525">
+                <a14:hiddenLine xmlns:a14="http://schemas.microsoft.com/office/drawing/2010/main" xmlns="" w="9525">
                   <a:solidFill>
                     <a:srgbClr val="000000"/>
                   </a:solidFill>
@@ -1635,7 +1635,7 @@
             </a:ln>
             <a:extLst>
               <a:ext uri="{91240B29-F687-4f45-9708-019B960494DF}">
-                <a14:hiddenLine xmlns="" xmlns:a14="http://schemas.microsoft.com/office/drawing/2010/main" w="9525">
+                <a14:hiddenLine xmlns:a14="http://schemas.microsoft.com/office/drawing/2010/main" xmlns="" w="9525">
                   <a:solidFill>
                     <a:srgbClr val="000000"/>
                   </a:solidFill>
@@ -1725,7 +1725,7 @@
             </a:ln>
             <a:extLst>
               <a:ext uri="{91240B29-F687-4f45-9708-019B960494DF}">
-                <a14:hiddenLine xmlns="" xmlns:a14="http://schemas.microsoft.com/office/drawing/2010/main" w="9525">
+                <a14:hiddenLine xmlns:a14="http://schemas.microsoft.com/office/drawing/2010/main" xmlns="" w="9525">
                   <a:solidFill>
                     <a:srgbClr val="000000"/>
                   </a:solidFill>
@@ -1781,7 +1781,7 @@
             </a:ln>
             <a:extLst>
               <a:ext uri="{91240B29-F687-4f45-9708-019B960494DF}">
-                <a14:hiddenLine xmlns="" xmlns:a14="http://schemas.microsoft.com/office/drawing/2010/main" w="9525">
+                <a14:hiddenLine xmlns:a14="http://schemas.microsoft.com/office/drawing/2010/main" xmlns="" w="9525">
                   <a:solidFill>
                     <a:srgbClr val="000000"/>
                   </a:solidFill>
@@ -1871,7 +1871,7 @@
             </a:ln>
             <a:extLst>
               <a:ext uri="{91240B29-F687-4f45-9708-019B960494DF}">
-                <a14:hiddenLine xmlns="" xmlns:a14="http://schemas.microsoft.com/office/drawing/2010/main" w="9525">
+                <a14:hiddenLine xmlns:a14="http://schemas.microsoft.com/office/drawing/2010/main" xmlns="" w="9525">
                   <a:solidFill>
                     <a:srgbClr val="000000"/>
                   </a:solidFill>
@@ -1927,7 +1927,7 @@
             </a:ln>
             <a:extLst>
               <a:ext uri="{91240B29-F687-4f45-9708-019B960494DF}">
-                <a14:hiddenLine xmlns="" xmlns:a14="http://schemas.microsoft.com/office/drawing/2010/main" w="9525">
+                <a14:hiddenLine xmlns:a14="http://schemas.microsoft.com/office/drawing/2010/main" xmlns="" w="9525">
                   <a:solidFill>
                     <a:srgbClr val="000000"/>
                   </a:solidFill>
@@ -2017,7 +2017,7 @@
             </a:ln>
             <a:extLst>
               <a:ext uri="{91240B29-F687-4f45-9708-019B960494DF}">
-                <a14:hiddenLine xmlns="" xmlns:a14="http://schemas.microsoft.com/office/drawing/2010/main" w="9525">
+                <a14:hiddenLine xmlns:a14="http://schemas.microsoft.com/office/drawing/2010/main" xmlns="" w="9525">
                   <a:solidFill>
                     <a:srgbClr val="000000"/>
                   </a:solidFill>
@@ -2085,7 +2085,7 @@
             </a:ln>
             <a:extLst>
               <a:ext uri="{91240B29-F687-4f45-9708-019B960494DF}">
-                <a14:hiddenLine xmlns="" xmlns:a14="http://schemas.microsoft.com/office/drawing/2010/main" w="9525">
+                <a14:hiddenLine xmlns:a14="http://schemas.microsoft.com/office/drawing/2010/main" xmlns="" w="9525">
                   <a:solidFill>
                     <a:srgbClr val="000000"/>
                   </a:solidFill>
@@ -2175,7 +2175,7 @@
             </a:ln>
             <a:extLst>
               <a:ext uri="{91240B29-F687-4f45-9708-019B960494DF}">
-                <a14:hiddenLine xmlns="" xmlns:a14="http://schemas.microsoft.com/office/drawing/2010/main" w="9525">
+                <a14:hiddenLine xmlns:a14="http://schemas.microsoft.com/office/drawing/2010/main" xmlns="" w="9525">
                   <a:solidFill>
                     <a:srgbClr val="000000"/>
                   </a:solidFill>
@@ -2243,7 +2243,7 @@
             </a:ln>
             <a:extLst>
               <a:ext uri="{91240B29-F687-4f45-9708-019B960494DF}">
-                <a14:hiddenLine xmlns="" xmlns:a14="http://schemas.microsoft.com/office/drawing/2010/main" w="9525">
+                <a14:hiddenLine xmlns:a14="http://schemas.microsoft.com/office/drawing/2010/main" xmlns="" w="9525">
                   <a:solidFill>
                     <a:srgbClr val="000000"/>
                   </a:solidFill>
@@ -2333,7 +2333,7 @@
             </a:ln>
             <a:extLst>
               <a:ext uri="{91240B29-F687-4f45-9708-019B960494DF}">
-                <a14:hiddenLine xmlns="" xmlns:a14="http://schemas.microsoft.com/office/drawing/2010/main" w="9525">
+                <a14:hiddenLine xmlns:a14="http://schemas.microsoft.com/office/drawing/2010/main" xmlns="" w="9525">
                   <a:solidFill>
                     <a:srgbClr val="000000"/>
                   </a:solidFill>
@@ -2367,7 +2367,7 @@
             </a:ln>
             <a:extLst>
               <a:ext uri="{91240B29-F687-4f45-9708-019B960494DF}">
-                <a14:hiddenLine xmlns="" xmlns:a14="http://schemas.microsoft.com/office/drawing/2010/main" w="9525">
+                <a14:hiddenLine xmlns:a14="http://schemas.microsoft.com/office/drawing/2010/main" xmlns="" w="9525">
                   <a:solidFill>
                     <a:srgbClr val="000000"/>
                   </a:solidFill>
@@ -2457,7 +2457,7 @@
             </a:ln>
             <a:extLst>
               <a:ext uri="{91240B29-F687-4f45-9708-019B960494DF}">
-                <a14:hiddenLine xmlns="" xmlns:a14="http://schemas.microsoft.com/office/drawing/2010/main" w="9525">
+                <a14:hiddenLine xmlns:a14="http://schemas.microsoft.com/office/drawing/2010/main" xmlns="" w="9525">
                   <a:solidFill>
                     <a:srgbClr val="000000"/>
                   </a:solidFill>
@@ -2519,7 +2519,7 @@
             </a:ln>
             <a:extLst>
               <a:ext uri="{91240B29-F687-4f45-9708-019B960494DF}">
-                <a14:hiddenLine xmlns="" xmlns:a14="http://schemas.microsoft.com/office/drawing/2010/main" w="9525">
+                <a14:hiddenLine xmlns:a14="http://schemas.microsoft.com/office/drawing/2010/main" xmlns="" w="9525">
                   <a:solidFill>
                     <a:srgbClr val="000000"/>
                   </a:solidFill>
@@ -2581,7 +2581,7 @@
             </a:ln>
             <a:extLst>
               <a:ext uri="{91240B29-F687-4f45-9708-019B960494DF}">
-                <a14:hiddenLine xmlns="" xmlns:a14="http://schemas.microsoft.com/office/drawing/2010/main" w="9525">
+                <a14:hiddenLine xmlns:a14="http://schemas.microsoft.com/office/drawing/2010/main" xmlns="" w="9525">
                   <a:solidFill>
                     <a:srgbClr val="000000"/>
                   </a:solidFill>
@@ -2671,7 +2671,7 @@
             </a:ln>
             <a:extLst>
               <a:ext uri="{91240B29-F687-4f45-9708-019B960494DF}">
-                <a14:hiddenLine xmlns="" xmlns:a14="http://schemas.microsoft.com/office/drawing/2010/main" w="9525">
+                <a14:hiddenLine xmlns:a14="http://schemas.microsoft.com/office/drawing/2010/main" xmlns="" w="9525">
                   <a:solidFill>
                     <a:srgbClr val="000000"/>
                   </a:solidFill>
@@ -2739,7 +2739,7 @@
             </a:ln>
             <a:extLst>
               <a:ext uri="{91240B29-F687-4f45-9708-019B960494DF}">
-                <a14:hiddenLine xmlns="" xmlns:a14="http://schemas.microsoft.com/office/drawing/2010/main" w="9525">
+                <a14:hiddenLine xmlns:a14="http://schemas.microsoft.com/office/drawing/2010/main" xmlns="" w="9525">
                   <a:solidFill>
                     <a:srgbClr val="000000"/>
                   </a:solidFill>
@@ -2801,7 +2801,7 @@
             </a:ln>
             <a:extLst>
               <a:ext uri="{91240B29-F687-4f45-9708-019B960494DF}">
-                <a14:hiddenLine xmlns="" xmlns:a14="http://schemas.microsoft.com/office/drawing/2010/main" w="9525">
+                <a14:hiddenLine xmlns:a14="http://schemas.microsoft.com/office/drawing/2010/main" xmlns="" w="9525">
                   <a:solidFill>
                     <a:srgbClr val="000000"/>
                   </a:solidFill>
@@ -2891,7 +2891,7 @@
             </a:ln>
             <a:extLst>
               <a:ext uri="{91240B29-F687-4f45-9708-019B960494DF}">
-                <a14:hiddenLine xmlns="" xmlns:a14="http://schemas.microsoft.com/office/drawing/2010/main" w="9525">
+                <a14:hiddenLine xmlns:a14="http://schemas.microsoft.com/office/drawing/2010/main" xmlns="" w="9525">
                   <a:solidFill>
                     <a:srgbClr val="000000"/>
                   </a:solidFill>
@@ -2953,7 +2953,7 @@
             </a:ln>
             <a:extLst>
               <a:ext uri="{91240B29-F687-4f45-9708-019B960494DF}">
-                <a14:hiddenLine xmlns="" xmlns:a14="http://schemas.microsoft.com/office/drawing/2010/main" w="9525">
+                <a14:hiddenLine xmlns:a14="http://schemas.microsoft.com/office/drawing/2010/main" xmlns="" w="9525">
                   <a:solidFill>
                     <a:srgbClr val="000000"/>
                   </a:solidFill>
@@ -3043,7 +3043,7 @@
             </a:ln>
             <a:extLst>
               <a:ext uri="{91240B29-F687-4f45-9708-019B960494DF}">
-                <a14:hiddenLine xmlns="" xmlns:a14="http://schemas.microsoft.com/office/drawing/2010/main" w="9525">
+                <a14:hiddenLine xmlns:a14="http://schemas.microsoft.com/office/drawing/2010/main" xmlns="" w="9525">
                   <a:solidFill>
                     <a:srgbClr val="000000"/>
                   </a:solidFill>
@@ -3105,7 +3105,7 @@
             </a:ln>
             <a:extLst>
               <a:ext uri="{91240B29-F687-4f45-9708-019B960494DF}">
-                <a14:hiddenLine xmlns="" xmlns:a14="http://schemas.microsoft.com/office/drawing/2010/main" w="9525">
+                <a14:hiddenLine xmlns:a14="http://schemas.microsoft.com/office/drawing/2010/main" xmlns="" w="9525">
                   <a:solidFill>
                     <a:srgbClr val="000000"/>
                   </a:solidFill>
@@ -3195,7 +3195,7 @@
             </a:ln>
             <a:extLst>
               <a:ext uri="{91240B29-F687-4f45-9708-019B960494DF}">
-                <a14:hiddenLine xmlns="" xmlns:a14="http://schemas.microsoft.com/office/drawing/2010/main" w="9525">
+                <a14:hiddenLine xmlns:a14="http://schemas.microsoft.com/office/drawing/2010/main" xmlns="" w="9525">
                   <a:solidFill>
                     <a:srgbClr val="000000"/>
                   </a:solidFill>
@@ -3229,7 +3229,7 @@
             </a:ln>
             <a:extLst>
               <a:ext uri="{91240B29-F687-4f45-9708-019B960494DF}">
-                <a14:hiddenLine xmlns="" xmlns:a14="http://schemas.microsoft.com/office/drawing/2010/main" w="9525">
+                <a14:hiddenLine xmlns:a14="http://schemas.microsoft.com/office/drawing/2010/main" xmlns="" w="9525">
                   <a:solidFill>
                     <a:srgbClr val="000000"/>
                   </a:solidFill>
@@ -3294,7 +3294,7 @@
             </a:ln>
             <a:extLst>
               <a:ext uri="{91240B29-F687-4f45-9708-019B960494DF}">
-                <a14:hiddenLine xmlns="" xmlns:a14="http://schemas.microsoft.com/office/drawing/2010/main" w="9525">
+                <a14:hiddenLine xmlns:a14="http://schemas.microsoft.com/office/drawing/2010/main" xmlns="" w="9525">
                   <a:solidFill>
                     <a:srgbClr val="000000"/>
                   </a:solidFill>
@@ -3384,7 +3384,7 @@
             </a:ln>
             <a:extLst>
               <a:ext uri="{91240B29-F687-4f45-9708-019B960494DF}">
-                <a14:hiddenLine xmlns="" xmlns:a14="http://schemas.microsoft.com/office/drawing/2010/main" w="9525">
+                <a14:hiddenLine xmlns:a14="http://schemas.microsoft.com/office/drawing/2010/main" xmlns="" w="9525">
                   <a:solidFill>
                     <a:srgbClr val="000000"/>
                   </a:solidFill>
@@ -3446,7 +3446,7 @@
             </a:ln>
             <a:extLst>
               <a:ext uri="{91240B29-F687-4f45-9708-019B960494DF}">
-                <a14:hiddenLine xmlns="" xmlns:a14="http://schemas.microsoft.com/office/drawing/2010/main" w="9525">
+                <a14:hiddenLine xmlns:a14="http://schemas.microsoft.com/office/drawing/2010/main" xmlns="" w="9525">
                   <a:solidFill>
                     <a:srgbClr val="000000"/>
                   </a:solidFill>
@@ -3536,7 +3536,7 @@
             </a:ln>
             <a:extLst>
               <a:ext uri="{91240B29-F687-4f45-9708-019B960494DF}">
-                <a14:hiddenLine xmlns="" xmlns:a14="http://schemas.microsoft.com/office/drawing/2010/main" w="9525">
+                <a14:hiddenLine xmlns:a14="http://schemas.microsoft.com/office/drawing/2010/main" xmlns="" w="9525">
                   <a:solidFill>
                     <a:srgbClr val="000000"/>
                   </a:solidFill>
@@ -3626,7 +3626,7 @@
             </a:ln>
             <a:extLst>
               <a:ext uri="{91240B29-F687-4f45-9708-019B960494DF}">
-                <a14:hiddenLine xmlns="" xmlns:a14="http://schemas.microsoft.com/office/drawing/2010/main" w="9525">
+                <a14:hiddenLine xmlns:a14="http://schemas.microsoft.com/office/drawing/2010/main" xmlns="" w="9525">
                   <a:solidFill>
                     <a:srgbClr val="000000"/>
                   </a:solidFill>
@@ -3691,7 +3691,7 @@
             </a:ln>
             <a:extLst>
               <a:ext uri="{91240B29-F687-4f45-9708-019B960494DF}">
-                <a14:hiddenLine xmlns="" xmlns:a14="http://schemas.microsoft.com/office/drawing/2010/main" w="9525">
+                <a14:hiddenLine xmlns:a14="http://schemas.microsoft.com/office/drawing/2010/main" xmlns="" w="9525">
                   <a:solidFill>
                     <a:srgbClr val="000000"/>
                   </a:solidFill>
@@ -3753,7 +3753,7 @@
             </a:ln>
             <a:extLst>
               <a:ext uri="{91240B29-F687-4f45-9708-019B960494DF}">
-                <a14:hiddenLine xmlns="" xmlns:a14="http://schemas.microsoft.com/office/drawing/2010/main" w="9525">
+                <a14:hiddenLine xmlns:a14="http://schemas.microsoft.com/office/drawing/2010/main" xmlns="" w="9525">
                   <a:solidFill>
                     <a:srgbClr val="000000"/>
                   </a:solidFill>
@@ -3843,7 +3843,7 @@
             </a:ln>
             <a:extLst>
               <a:ext uri="{91240B29-F687-4f45-9708-019B960494DF}">
-                <a14:hiddenLine xmlns="" xmlns:a14="http://schemas.microsoft.com/office/drawing/2010/main" w="9525">
+                <a14:hiddenLine xmlns:a14="http://schemas.microsoft.com/office/drawing/2010/main" xmlns="" w="9525">
                   <a:solidFill>
                     <a:srgbClr val="000000"/>
                   </a:solidFill>
@@ -3933,7 +3933,7 @@
             </a:ln>
             <a:extLst>
               <a:ext uri="{91240B29-F687-4f45-9708-019B960494DF}">
-                <a14:hiddenLine xmlns="" xmlns:a14="http://schemas.microsoft.com/office/drawing/2010/main" w="9525">
+                <a14:hiddenLine xmlns:a14="http://schemas.microsoft.com/office/drawing/2010/main" xmlns="" w="9525">
                   <a:solidFill>
                     <a:srgbClr val="000000"/>
                   </a:solidFill>
@@ -3995,7 +3995,7 @@
             </a:ln>
             <a:extLst>
               <a:ext uri="{91240B29-F687-4f45-9708-019B960494DF}">
-                <a14:hiddenLine xmlns="" xmlns:a14="http://schemas.microsoft.com/office/drawing/2010/main" w="9525">
+                <a14:hiddenLine xmlns:a14="http://schemas.microsoft.com/office/drawing/2010/main" xmlns="" w="9525">
                   <a:solidFill>
                     <a:srgbClr val="000000"/>
                   </a:solidFill>
@@ -4115,7 +4115,7 @@
             </a:ln>
             <a:extLst>
               <a:ext uri="{91240B29-F687-4f45-9708-019B960494DF}">
-                <a14:hiddenLine xmlns="" xmlns:a14="http://schemas.microsoft.com/office/drawing/2010/main" w="9525">
+                <a14:hiddenLine xmlns:a14="http://schemas.microsoft.com/office/drawing/2010/main" xmlns="" w="9525">
                   <a:solidFill>
                     <a:srgbClr val="000000"/>
                   </a:solidFill>
@@ -4183,7 +4183,7 @@
             </a:ln>
             <a:extLst>
               <a:ext uri="{91240B29-F687-4f45-9708-019B960494DF}">
-                <a14:hiddenLine xmlns="" xmlns:a14="http://schemas.microsoft.com/office/drawing/2010/main" w="9525">
+                <a14:hiddenLine xmlns:a14="http://schemas.microsoft.com/office/drawing/2010/main" xmlns="" w="9525">
                   <a:solidFill>
                     <a:srgbClr val="000000"/>
                   </a:solidFill>
@@ -4273,7 +4273,7 @@
             </a:ln>
             <a:extLst>
               <a:ext uri="{91240B29-F687-4f45-9708-019B960494DF}">
-                <a14:hiddenLine xmlns="" xmlns:a14="http://schemas.microsoft.com/office/drawing/2010/main" w="9525">
+                <a14:hiddenLine xmlns:a14="http://schemas.microsoft.com/office/drawing/2010/main" xmlns="" w="9525">
                   <a:solidFill>
                     <a:srgbClr val="000000"/>
                   </a:solidFill>
@@ -9002,7 +9002,7 @@
           <a:noFill/>
           <a:extLst>
             <a:ext uri="{909E8E84-426E-40dd-AFC4-6F175D3DCCD1}">
-              <a14:hiddenFill xmlns="" xmlns:a14="http://schemas.microsoft.com/office/drawing/2010/main">
+              <a14:hiddenFill xmlns:a14="http://schemas.microsoft.com/office/drawing/2010/main" xmlns="">
                 <a:solidFill>
                   <a:srgbClr val="FFFFFF"/>
                 </a:solidFill>
@@ -9076,7 +9076,7 @@
               </a:ln>
               <a:extLst>
                 <a:ext uri="{91240B29-F687-4f45-9708-019B960494DF}">
-                  <a14:hiddenLine xmlns="" xmlns:a14="http://schemas.microsoft.com/office/drawing/2010/main" w="9525">
+                  <a14:hiddenLine xmlns:a14="http://schemas.microsoft.com/office/drawing/2010/main" xmlns="" w="9525">
                     <a:solidFill>
                       <a:srgbClr val="000000"/>
                     </a:solidFill>
@@ -9166,7 +9166,7 @@
               </a:ln>
               <a:extLst>
                 <a:ext uri="{91240B29-F687-4f45-9708-019B960494DF}">
-                  <a14:hiddenLine xmlns="" xmlns:a14="http://schemas.microsoft.com/office/drawing/2010/main" w="9525">
+                  <a14:hiddenLine xmlns:a14="http://schemas.microsoft.com/office/drawing/2010/main" xmlns="" w="9525">
                     <a:solidFill>
                       <a:srgbClr val="000000"/>
                     </a:solidFill>
@@ -9256,7 +9256,7 @@
               </a:ln>
               <a:extLst>
                 <a:ext uri="{91240B29-F687-4f45-9708-019B960494DF}">
-                  <a14:hiddenLine xmlns="" xmlns:a14="http://schemas.microsoft.com/office/drawing/2010/main" w="9525">
+                  <a14:hiddenLine xmlns:a14="http://schemas.microsoft.com/office/drawing/2010/main" xmlns="" w="9525">
                     <a:solidFill>
                       <a:srgbClr val="000000"/>
                     </a:solidFill>
@@ -9318,7 +9318,7 @@
               </a:ln>
               <a:extLst>
                 <a:ext uri="{91240B29-F687-4f45-9708-019B960494DF}">
-                  <a14:hiddenLine xmlns="" xmlns:a14="http://schemas.microsoft.com/office/drawing/2010/main" w="9525">
+                  <a14:hiddenLine xmlns:a14="http://schemas.microsoft.com/office/drawing/2010/main" xmlns="" w="9525">
                     <a:solidFill>
                       <a:srgbClr val="000000"/>
                     </a:solidFill>
@@ -9408,7 +9408,7 @@
               </a:ln>
               <a:extLst>
                 <a:ext uri="{91240B29-F687-4f45-9708-019B960494DF}">
-                  <a14:hiddenLine xmlns="" xmlns:a14="http://schemas.microsoft.com/office/drawing/2010/main" w="9525">
+                  <a14:hiddenLine xmlns:a14="http://schemas.microsoft.com/office/drawing/2010/main" xmlns="" w="9525">
                     <a:solidFill>
                       <a:srgbClr val="000000"/>
                     </a:solidFill>
@@ -9470,7 +9470,7 @@
               </a:ln>
               <a:extLst>
                 <a:ext uri="{91240B29-F687-4f45-9708-019B960494DF}">
-                  <a14:hiddenLine xmlns="" xmlns:a14="http://schemas.microsoft.com/office/drawing/2010/main" w="9525">
+                  <a14:hiddenLine xmlns:a14="http://schemas.microsoft.com/office/drawing/2010/main" xmlns="" w="9525">
                     <a:solidFill>
                       <a:srgbClr val="000000"/>
                     </a:solidFill>
@@ -9532,7 +9532,7 @@
               </a:ln>
               <a:extLst>
                 <a:ext uri="{91240B29-F687-4f45-9708-019B960494DF}">
-                  <a14:hiddenLine xmlns="" xmlns:a14="http://schemas.microsoft.com/office/drawing/2010/main" w="9525">
+                  <a14:hiddenLine xmlns:a14="http://schemas.microsoft.com/office/drawing/2010/main" xmlns="" w="9525">
                     <a:solidFill>
                       <a:srgbClr val="000000"/>
                     </a:solidFill>
@@ -9622,7 +9622,7 @@
               </a:ln>
               <a:extLst>
                 <a:ext uri="{91240B29-F687-4f45-9708-019B960494DF}">
-                  <a14:hiddenLine xmlns="" xmlns:a14="http://schemas.microsoft.com/office/drawing/2010/main" w="9525">
+                  <a14:hiddenLine xmlns:a14="http://schemas.microsoft.com/office/drawing/2010/main" xmlns="" w="9525">
                     <a:solidFill>
                       <a:srgbClr val="000000"/>
                     </a:solidFill>
@@ -9712,7 +9712,7 @@
               </a:ln>
               <a:extLst>
                 <a:ext uri="{91240B29-F687-4f45-9708-019B960494DF}">
-                  <a14:hiddenLine xmlns="" xmlns:a14="http://schemas.microsoft.com/office/drawing/2010/main" w="9525">
+                  <a14:hiddenLine xmlns:a14="http://schemas.microsoft.com/office/drawing/2010/main" xmlns="" w="9525">
                     <a:solidFill>
                       <a:srgbClr val="000000"/>
                     </a:solidFill>
@@ -9774,7 +9774,7 @@
               </a:ln>
               <a:extLst>
                 <a:ext uri="{91240B29-F687-4f45-9708-019B960494DF}">
-                  <a14:hiddenLine xmlns="" xmlns:a14="http://schemas.microsoft.com/office/drawing/2010/main" w="9525">
+                  <a14:hiddenLine xmlns:a14="http://schemas.microsoft.com/office/drawing/2010/main" xmlns="" w="9525">
                     <a:solidFill>
                       <a:srgbClr val="000000"/>
                     </a:solidFill>
@@ -9884,7 +9884,7 @@
               </a:ln>
               <a:extLst>
                 <a:ext uri="{91240B29-F687-4f45-9708-019B960494DF}">
-                  <a14:hiddenLine xmlns="" xmlns:a14="http://schemas.microsoft.com/office/drawing/2010/main" w="9525">
+                  <a14:hiddenLine xmlns:a14="http://schemas.microsoft.com/office/drawing/2010/main" xmlns="" w="9525">
                     <a:solidFill>
                       <a:srgbClr val="000000"/>
                     </a:solidFill>
@@ -9968,7 +9968,7 @@
               </a:ln>
               <a:extLst>
                 <a:ext uri="{91240B29-F687-4f45-9708-019B960494DF}">
-                  <a14:hiddenLine xmlns="" xmlns:a14="http://schemas.microsoft.com/office/drawing/2010/main" w="9525">
+                  <a14:hiddenLine xmlns:a14="http://schemas.microsoft.com/office/drawing/2010/main" xmlns="" w="9525">
                     <a:solidFill>
                       <a:srgbClr val="000000"/>
                     </a:solidFill>
@@ -10030,7 +10030,7 @@
               </a:ln>
               <a:extLst>
                 <a:ext uri="{91240B29-F687-4f45-9708-019B960494DF}">
-                  <a14:hiddenLine xmlns="" xmlns:a14="http://schemas.microsoft.com/office/drawing/2010/main" w="9525">
+                  <a14:hiddenLine xmlns:a14="http://schemas.microsoft.com/office/drawing/2010/main" xmlns="" w="9525">
                     <a:solidFill>
                       <a:srgbClr val="000000"/>
                     </a:solidFill>
@@ -10092,7 +10092,7 @@
               </a:ln>
               <a:extLst>
                 <a:ext uri="{91240B29-F687-4f45-9708-019B960494DF}">
-                  <a14:hiddenLine xmlns="" xmlns:a14="http://schemas.microsoft.com/office/drawing/2010/main" w="9525">
+                  <a14:hiddenLine xmlns:a14="http://schemas.microsoft.com/office/drawing/2010/main" xmlns="" w="9525">
                     <a:solidFill>
                       <a:srgbClr val="000000"/>
                     </a:solidFill>
@@ -10182,7 +10182,7 @@
               </a:ln>
               <a:extLst>
                 <a:ext uri="{91240B29-F687-4f45-9708-019B960494DF}">
-                  <a14:hiddenLine xmlns="" xmlns:a14="http://schemas.microsoft.com/office/drawing/2010/main" w="9525">
+                  <a14:hiddenLine xmlns:a14="http://schemas.microsoft.com/office/drawing/2010/main" xmlns="" w="9525">
                     <a:solidFill>
                       <a:srgbClr val="000000"/>
                     </a:solidFill>
@@ -10216,7 +10216,7 @@
               </a:ln>
               <a:extLst>
                 <a:ext uri="{91240B29-F687-4f45-9708-019B960494DF}">
-                  <a14:hiddenLine xmlns="" xmlns:a14="http://schemas.microsoft.com/office/drawing/2010/main" w="9525">
+                  <a14:hiddenLine xmlns:a14="http://schemas.microsoft.com/office/drawing/2010/main" xmlns="" w="9525">
                     <a:solidFill>
                       <a:srgbClr val="000000"/>
                     </a:solidFill>
@@ -10281,7 +10281,7 @@
               </a:ln>
               <a:extLst>
                 <a:ext uri="{91240B29-F687-4f45-9708-019B960494DF}">
-                  <a14:hiddenLine xmlns="" xmlns:a14="http://schemas.microsoft.com/office/drawing/2010/main" w="9525">
+                  <a14:hiddenLine xmlns:a14="http://schemas.microsoft.com/office/drawing/2010/main" xmlns="" w="9525">
                     <a:solidFill>
                       <a:srgbClr val="000000"/>
                     </a:solidFill>
@@ -10371,7 +10371,7 @@
               </a:ln>
               <a:extLst>
                 <a:ext uri="{91240B29-F687-4f45-9708-019B960494DF}">
-                  <a14:hiddenLine xmlns="" xmlns:a14="http://schemas.microsoft.com/office/drawing/2010/main" w="9525">
+                  <a14:hiddenLine xmlns:a14="http://schemas.microsoft.com/office/drawing/2010/main" xmlns="" w="9525">
                     <a:solidFill>
                       <a:srgbClr val="000000"/>
                     </a:solidFill>
@@ -10433,7 +10433,7 @@
               </a:ln>
               <a:extLst>
                 <a:ext uri="{91240B29-F687-4f45-9708-019B960494DF}">
-                  <a14:hiddenLine xmlns="" xmlns:a14="http://schemas.microsoft.com/office/drawing/2010/main" w="9525">
+                  <a14:hiddenLine xmlns:a14="http://schemas.microsoft.com/office/drawing/2010/main" xmlns="" w="9525">
                     <a:solidFill>
                       <a:srgbClr val="000000"/>
                     </a:solidFill>
@@ -10523,7 +10523,7 @@
               </a:ln>
               <a:extLst>
                 <a:ext uri="{91240B29-F687-4f45-9708-019B960494DF}">
-                  <a14:hiddenLine xmlns="" xmlns:a14="http://schemas.microsoft.com/office/drawing/2010/main" w="9525">
+                  <a14:hiddenLine xmlns:a14="http://schemas.microsoft.com/office/drawing/2010/main" xmlns="" w="9525">
                     <a:solidFill>
                       <a:srgbClr val="000000"/>
                     </a:solidFill>
@@ -10588,7 +10588,7 @@
               </a:ln>
               <a:extLst>
                 <a:ext uri="{91240B29-F687-4f45-9708-019B960494DF}">
-                  <a14:hiddenLine xmlns="" xmlns:a14="http://schemas.microsoft.com/office/drawing/2010/main" w="9525">
+                  <a14:hiddenLine xmlns:a14="http://schemas.microsoft.com/office/drawing/2010/main" xmlns="" w="9525">
                     <a:solidFill>
                       <a:srgbClr val="000000"/>
                     </a:solidFill>
@@ -10650,7 +10650,7 @@
               </a:ln>
               <a:extLst>
                 <a:ext uri="{91240B29-F687-4f45-9708-019B960494DF}">
-                  <a14:hiddenLine xmlns="" xmlns:a14="http://schemas.microsoft.com/office/drawing/2010/main" w="9525">
+                  <a14:hiddenLine xmlns:a14="http://schemas.microsoft.com/office/drawing/2010/main" xmlns="" w="9525">
                     <a:solidFill>
                       <a:srgbClr val="000000"/>
                     </a:solidFill>
@@ -10740,7 +10740,7 @@
               </a:ln>
               <a:extLst>
                 <a:ext uri="{91240B29-F687-4f45-9708-019B960494DF}">
-                  <a14:hiddenLine xmlns="" xmlns:a14="http://schemas.microsoft.com/office/drawing/2010/main" w="9525">
+                  <a14:hiddenLine xmlns:a14="http://schemas.microsoft.com/office/drawing/2010/main" xmlns="" w="9525">
                     <a:solidFill>
                       <a:srgbClr val="000000"/>
                     </a:solidFill>
@@ -10830,7 +10830,7 @@
               </a:ln>
               <a:extLst>
                 <a:ext uri="{91240B29-F687-4f45-9708-019B960494DF}">
-                  <a14:hiddenLine xmlns="" xmlns:a14="http://schemas.microsoft.com/office/drawing/2010/main" w="9525">
+                  <a14:hiddenLine xmlns:a14="http://schemas.microsoft.com/office/drawing/2010/main" xmlns="" w="9525">
                     <a:solidFill>
                       <a:srgbClr val="000000"/>
                     </a:solidFill>
@@ -10895,7 +10895,7 @@
               </a:ln>
               <a:extLst>
                 <a:ext uri="{91240B29-F687-4f45-9708-019B960494DF}">
-                  <a14:hiddenLine xmlns="" xmlns:a14="http://schemas.microsoft.com/office/drawing/2010/main" w="9525">
+                  <a14:hiddenLine xmlns:a14="http://schemas.microsoft.com/office/drawing/2010/main" xmlns="" w="9525">
                     <a:solidFill>
                       <a:srgbClr val="000000"/>
                     </a:solidFill>
@@ -11015,7 +11015,7 @@
               </a:ln>
               <a:extLst>
                 <a:ext uri="{91240B29-F687-4f45-9708-019B960494DF}">
-                  <a14:hiddenLine xmlns="" xmlns:a14="http://schemas.microsoft.com/office/drawing/2010/main" w="9525">
+                  <a14:hiddenLine xmlns:a14="http://schemas.microsoft.com/office/drawing/2010/main" xmlns="" w="9525">
                     <a:solidFill>
                       <a:srgbClr val="000000"/>
                     </a:solidFill>
@@ -11096,7 +11096,7 @@
               </a:ln>
               <a:extLst>
                 <a:ext uri="{91240B29-F687-4f45-9708-019B960494DF}">
-                  <a14:hiddenLine xmlns="" xmlns:a14="http://schemas.microsoft.com/office/drawing/2010/main" w="9525">
+                  <a14:hiddenLine xmlns:a14="http://schemas.microsoft.com/office/drawing/2010/main" xmlns="" w="9525">
                     <a:solidFill>
                       <a:srgbClr val="000000"/>
                     </a:solidFill>
@@ -11211,7 +11211,7 @@
               </a:ln>
               <a:extLst>
                 <a:ext uri="{91240B29-F687-4f45-9708-019B960494DF}">
-                  <a14:hiddenLine xmlns="" xmlns:a14="http://schemas.microsoft.com/office/drawing/2010/main" w="9525">
+                  <a14:hiddenLine xmlns:a14="http://schemas.microsoft.com/office/drawing/2010/main" xmlns="" w="9525">
                     <a:solidFill>
                       <a:srgbClr val="000000"/>
                     </a:solidFill>
@@ -11301,7 +11301,7 @@
               </a:ln>
               <a:extLst>
                 <a:ext uri="{91240B29-F687-4f45-9708-019B960494DF}">
-                  <a14:hiddenLine xmlns="" xmlns:a14="http://schemas.microsoft.com/office/drawing/2010/main" w="9525">
+                  <a14:hiddenLine xmlns:a14="http://schemas.microsoft.com/office/drawing/2010/main" xmlns="" w="9525">
                     <a:solidFill>
                       <a:srgbClr val="000000"/>
                     </a:solidFill>
@@ -11366,7 +11366,7 @@
               </a:ln>
               <a:extLst>
                 <a:ext uri="{91240B29-F687-4f45-9708-019B960494DF}">
-                  <a14:hiddenLine xmlns="" xmlns:a14="http://schemas.microsoft.com/office/drawing/2010/main" w="9525">
+                  <a14:hiddenLine xmlns:a14="http://schemas.microsoft.com/office/drawing/2010/main" xmlns="" w="9525">
                     <a:solidFill>
                       <a:srgbClr val="000000"/>
                     </a:solidFill>
@@ -11456,7 +11456,7 @@
               </a:ln>
               <a:extLst>
                 <a:ext uri="{91240B29-F687-4f45-9708-019B960494DF}">
-                  <a14:hiddenLine xmlns="" xmlns:a14="http://schemas.microsoft.com/office/drawing/2010/main" w="9525">
+                  <a14:hiddenLine xmlns:a14="http://schemas.microsoft.com/office/drawing/2010/main" xmlns="" w="9525">
                     <a:solidFill>
                       <a:srgbClr val="000000"/>
                     </a:solidFill>
@@ -11524,7 +11524,7 @@
               </a:ln>
               <a:extLst>
                 <a:ext uri="{91240B29-F687-4f45-9708-019B960494DF}">
-                  <a14:hiddenLine xmlns="" xmlns:a14="http://schemas.microsoft.com/office/drawing/2010/main" w="9525">
+                  <a14:hiddenLine xmlns:a14="http://schemas.microsoft.com/office/drawing/2010/main" xmlns="" w="9525">
                     <a:solidFill>
                       <a:srgbClr val="000000"/>
                     </a:solidFill>
@@ -11614,7 +11614,7 @@
               </a:ln>
               <a:extLst>
                 <a:ext uri="{91240B29-F687-4f45-9708-019B960494DF}">
-                  <a14:hiddenLine xmlns="" xmlns:a14="http://schemas.microsoft.com/office/drawing/2010/main" w="9525">
+                  <a14:hiddenLine xmlns:a14="http://schemas.microsoft.com/office/drawing/2010/main" xmlns="" w="9525">
                     <a:solidFill>
                       <a:srgbClr val="000000"/>
                     </a:solidFill>
@@ -11682,7 +11682,7 @@
               </a:ln>
               <a:extLst>
                 <a:ext uri="{91240B29-F687-4f45-9708-019B960494DF}">
-                  <a14:hiddenLine xmlns="" xmlns:a14="http://schemas.microsoft.com/office/drawing/2010/main" w="9525">
+                  <a14:hiddenLine xmlns:a14="http://schemas.microsoft.com/office/drawing/2010/main" xmlns="" w="9525">
                     <a:solidFill>
                       <a:srgbClr val="000000"/>
                     </a:solidFill>
@@ -11772,7 +11772,7 @@
               </a:ln>
               <a:extLst>
                 <a:ext uri="{91240B29-F687-4f45-9708-019B960494DF}">
-                  <a14:hiddenLine xmlns="" xmlns:a14="http://schemas.microsoft.com/office/drawing/2010/main" w="9525">
+                  <a14:hiddenLine xmlns:a14="http://schemas.microsoft.com/office/drawing/2010/main" xmlns="" w="9525">
                     <a:solidFill>
                       <a:srgbClr val="000000"/>
                     </a:solidFill>
@@ -11806,7 +11806,7 @@
               </a:ln>
               <a:extLst>
                 <a:ext uri="{91240B29-F687-4f45-9708-019B960494DF}">
-                  <a14:hiddenLine xmlns="" xmlns:a14="http://schemas.microsoft.com/office/drawing/2010/main" w="9525">
+                  <a14:hiddenLine xmlns:a14="http://schemas.microsoft.com/office/drawing/2010/main" xmlns="" w="9525">
                     <a:solidFill>
                       <a:srgbClr val="000000"/>
                     </a:solidFill>

--- a/documents/Trabalho de Sistemas Embarcados (C213).pptx
+++ b/documents/Trabalho de Sistemas Embarcados (C213).pptx
@@ -188,7 +188,7 @@
           <a:noFill/>
           <a:extLst>
             <a:ext uri="{909E8E84-426E-40dd-AFC4-6F175D3DCCD1}">
-              <a14:hiddenFill xmlns:a14="http://schemas.microsoft.com/office/drawing/2010/main" xmlns="">
+              <a14:hiddenFill xmlns="" xmlns:a14="http://schemas.microsoft.com/office/drawing/2010/main">
                 <a:solidFill>
                   <a:srgbClr val="FFFFFF"/>
                 </a:solidFill>
@@ -247,7 +247,7 @@
             </a:ln>
             <a:extLst>
               <a:ext uri="{91240B29-F687-4f45-9708-019B960494DF}">
-                <a14:hiddenLine xmlns:a14="http://schemas.microsoft.com/office/drawing/2010/main" xmlns="" w="9525">
+                <a14:hiddenLine xmlns="" xmlns:a14="http://schemas.microsoft.com/office/drawing/2010/main" w="9525">
                   <a:solidFill>
                     <a:srgbClr val="000000"/>
                   </a:solidFill>
@@ -337,7 +337,7 @@
             </a:ln>
             <a:extLst>
               <a:ext uri="{91240B29-F687-4f45-9708-019B960494DF}">
-                <a14:hiddenLine xmlns:a14="http://schemas.microsoft.com/office/drawing/2010/main" xmlns="" w="9525">
+                <a14:hiddenLine xmlns="" xmlns:a14="http://schemas.microsoft.com/office/drawing/2010/main" w="9525">
                   <a:solidFill>
                     <a:srgbClr val="000000"/>
                   </a:solidFill>
@@ -427,7 +427,7 @@
             </a:ln>
             <a:extLst>
               <a:ext uri="{91240B29-F687-4f45-9708-019B960494DF}">
-                <a14:hiddenLine xmlns:a14="http://schemas.microsoft.com/office/drawing/2010/main" xmlns="" w="9525">
+                <a14:hiddenLine xmlns="" xmlns:a14="http://schemas.microsoft.com/office/drawing/2010/main" w="9525">
                   <a:solidFill>
                     <a:srgbClr val="000000"/>
                   </a:solidFill>
@@ -461,7 +461,7 @@
             </a:ln>
             <a:extLst>
               <a:ext uri="{91240B29-F687-4f45-9708-019B960494DF}">
-                <a14:hiddenLine xmlns:a14="http://schemas.microsoft.com/office/drawing/2010/main" xmlns="" w="9525">
+                <a14:hiddenLine xmlns="" xmlns:a14="http://schemas.microsoft.com/office/drawing/2010/main" w="9525">
                   <a:solidFill>
                     <a:srgbClr val="000000"/>
                   </a:solidFill>
@@ -551,7 +551,7 @@
             </a:ln>
             <a:extLst>
               <a:ext uri="{91240B29-F687-4f45-9708-019B960494DF}">
-                <a14:hiddenLine xmlns:a14="http://schemas.microsoft.com/office/drawing/2010/main" xmlns="" w="9525">
+                <a14:hiddenLine xmlns="" xmlns:a14="http://schemas.microsoft.com/office/drawing/2010/main" w="9525">
                   <a:solidFill>
                     <a:srgbClr val="000000"/>
                   </a:solidFill>
@@ -613,7 +613,7 @@
             </a:ln>
             <a:extLst>
               <a:ext uri="{91240B29-F687-4f45-9708-019B960494DF}">
-                <a14:hiddenLine xmlns:a14="http://schemas.microsoft.com/office/drawing/2010/main" xmlns="" w="9525">
+                <a14:hiddenLine xmlns="" xmlns:a14="http://schemas.microsoft.com/office/drawing/2010/main" w="9525">
                   <a:solidFill>
                     <a:srgbClr val="000000"/>
                   </a:solidFill>
@@ -675,7 +675,7 @@
             </a:ln>
             <a:extLst>
               <a:ext uri="{91240B29-F687-4f45-9708-019B960494DF}">
-                <a14:hiddenLine xmlns:a14="http://schemas.microsoft.com/office/drawing/2010/main" xmlns="" w="9525">
+                <a14:hiddenLine xmlns="" xmlns:a14="http://schemas.microsoft.com/office/drawing/2010/main" w="9525">
                   <a:solidFill>
                     <a:srgbClr val="000000"/>
                   </a:solidFill>
@@ -765,7 +765,7 @@
             </a:ln>
             <a:extLst>
               <a:ext uri="{91240B29-F687-4f45-9708-019B960494DF}">
-                <a14:hiddenLine xmlns:a14="http://schemas.microsoft.com/office/drawing/2010/main" xmlns="" w="9525">
+                <a14:hiddenLine xmlns="" xmlns:a14="http://schemas.microsoft.com/office/drawing/2010/main" w="9525">
                   <a:solidFill>
                     <a:srgbClr val="000000"/>
                   </a:solidFill>
@@ -827,7 +827,7 @@
             </a:ln>
             <a:extLst>
               <a:ext uri="{91240B29-F687-4f45-9708-019B960494DF}">
-                <a14:hiddenLine xmlns:a14="http://schemas.microsoft.com/office/drawing/2010/main" xmlns="" w="9525">
+                <a14:hiddenLine xmlns="" xmlns:a14="http://schemas.microsoft.com/office/drawing/2010/main" w="9525">
                   <a:solidFill>
                     <a:srgbClr val="000000"/>
                   </a:solidFill>
@@ -889,7 +889,7 @@
             </a:ln>
             <a:extLst>
               <a:ext uri="{91240B29-F687-4f45-9708-019B960494DF}">
-                <a14:hiddenLine xmlns:a14="http://schemas.microsoft.com/office/drawing/2010/main" xmlns="" w="9525">
+                <a14:hiddenLine xmlns="" xmlns:a14="http://schemas.microsoft.com/office/drawing/2010/main" w="9525">
                   <a:solidFill>
                     <a:srgbClr val="000000"/>
                   </a:solidFill>
@@ -979,7 +979,7 @@
             </a:ln>
             <a:extLst>
               <a:ext uri="{91240B29-F687-4f45-9708-019B960494DF}">
-                <a14:hiddenLine xmlns:a14="http://schemas.microsoft.com/office/drawing/2010/main" xmlns="" w="9525">
+                <a14:hiddenLine xmlns="" xmlns:a14="http://schemas.microsoft.com/office/drawing/2010/main" w="9525">
                   <a:solidFill>
                     <a:srgbClr val="000000"/>
                   </a:solidFill>
@@ -1069,7 +1069,7 @@
             </a:ln>
             <a:extLst>
               <a:ext uri="{91240B29-F687-4f45-9708-019B960494DF}">
-                <a14:hiddenLine xmlns:a14="http://schemas.microsoft.com/office/drawing/2010/main" xmlns="" w="9525">
+                <a14:hiddenLine xmlns="" xmlns:a14="http://schemas.microsoft.com/office/drawing/2010/main" w="9525">
                   <a:solidFill>
                     <a:srgbClr val="000000"/>
                   </a:solidFill>
@@ -1131,7 +1131,7 @@
             </a:ln>
             <a:extLst>
               <a:ext uri="{91240B29-F687-4f45-9708-019B960494DF}">
-                <a14:hiddenLine xmlns:a14="http://schemas.microsoft.com/office/drawing/2010/main" xmlns="" w="9525">
+                <a14:hiddenLine xmlns="" xmlns:a14="http://schemas.microsoft.com/office/drawing/2010/main" w="9525">
                   <a:solidFill>
                     <a:srgbClr val="000000"/>
                   </a:solidFill>
@@ -1241,7 +1241,7 @@
             </a:ln>
             <a:extLst>
               <a:ext uri="{91240B29-F687-4f45-9708-019B960494DF}">
-                <a14:hiddenLine xmlns:a14="http://schemas.microsoft.com/office/drawing/2010/main" xmlns="" w="9525">
+                <a14:hiddenLine xmlns="" xmlns:a14="http://schemas.microsoft.com/office/drawing/2010/main" w="9525">
                   <a:solidFill>
                     <a:srgbClr val="000000"/>
                   </a:solidFill>
@@ -1303,7 +1303,7 @@
             </a:ln>
             <a:extLst>
               <a:ext uri="{91240B29-F687-4f45-9708-019B960494DF}">
-                <a14:hiddenLine xmlns:a14="http://schemas.microsoft.com/office/drawing/2010/main" xmlns="" w="9525">
+                <a14:hiddenLine xmlns="" xmlns:a14="http://schemas.microsoft.com/office/drawing/2010/main" w="9525">
                   <a:solidFill>
                     <a:srgbClr val="000000"/>
                   </a:solidFill>
@@ -1393,7 +1393,7 @@
             </a:ln>
             <a:extLst>
               <a:ext uri="{91240B29-F687-4f45-9708-019B960494DF}">
-                <a14:hiddenLine xmlns:a14="http://schemas.microsoft.com/office/drawing/2010/main" xmlns="" w="9525">
+                <a14:hiddenLine xmlns="" xmlns:a14="http://schemas.microsoft.com/office/drawing/2010/main" w="9525">
                   <a:solidFill>
                     <a:srgbClr val="000000"/>
                   </a:solidFill>
@@ -1483,7 +1483,7 @@
             </a:ln>
             <a:extLst>
               <a:ext uri="{91240B29-F687-4f45-9708-019B960494DF}">
-                <a14:hiddenLine xmlns:a14="http://schemas.microsoft.com/office/drawing/2010/main" xmlns="" w="9525">
+                <a14:hiddenLine xmlns="" xmlns:a14="http://schemas.microsoft.com/office/drawing/2010/main" w="9525">
                   <a:solidFill>
                     <a:srgbClr val="000000"/>
                   </a:solidFill>
@@ -1545,7 +1545,7 @@
             </a:ln>
             <a:extLst>
               <a:ext uri="{91240B29-F687-4f45-9708-019B960494DF}">
-                <a14:hiddenLine xmlns:a14="http://schemas.microsoft.com/office/drawing/2010/main" xmlns="" w="9525">
+                <a14:hiddenLine xmlns="" xmlns:a14="http://schemas.microsoft.com/office/drawing/2010/main" w="9525">
                   <a:solidFill>
                     <a:srgbClr val="000000"/>
                   </a:solidFill>
@@ -1635,7 +1635,7 @@
             </a:ln>
             <a:extLst>
               <a:ext uri="{91240B29-F687-4f45-9708-019B960494DF}">
-                <a14:hiddenLine xmlns:a14="http://schemas.microsoft.com/office/drawing/2010/main" xmlns="" w="9525">
+                <a14:hiddenLine xmlns="" xmlns:a14="http://schemas.microsoft.com/office/drawing/2010/main" w="9525">
                   <a:solidFill>
                     <a:srgbClr val="000000"/>
                   </a:solidFill>
@@ -1725,7 +1725,7 @@
             </a:ln>
             <a:extLst>
               <a:ext uri="{91240B29-F687-4f45-9708-019B960494DF}">
-                <a14:hiddenLine xmlns:a14="http://schemas.microsoft.com/office/drawing/2010/main" xmlns="" w="9525">
+                <a14:hiddenLine xmlns="" xmlns:a14="http://schemas.microsoft.com/office/drawing/2010/main" w="9525">
                   <a:solidFill>
                     <a:srgbClr val="000000"/>
                   </a:solidFill>
@@ -1781,7 +1781,7 @@
             </a:ln>
             <a:extLst>
               <a:ext uri="{91240B29-F687-4f45-9708-019B960494DF}">
-                <a14:hiddenLine xmlns:a14="http://schemas.microsoft.com/office/drawing/2010/main" xmlns="" w="9525">
+                <a14:hiddenLine xmlns="" xmlns:a14="http://schemas.microsoft.com/office/drawing/2010/main" w="9525">
                   <a:solidFill>
                     <a:srgbClr val="000000"/>
                   </a:solidFill>
@@ -1871,7 +1871,7 @@
             </a:ln>
             <a:extLst>
               <a:ext uri="{91240B29-F687-4f45-9708-019B960494DF}">
-                <a14:hiddenLine xmlns:a14="http://schemas.microsoft.com/office/drawing/2010/main" xmlns="" w="9525">
+                <a14:hiddenLine xmlns="" xmlns:a14="http://schemas.microsoft.com/office/drawing/2010/main" w="9525">
                   <a:solidFill>
                     <a:srgbClr val="000000"/>
                   </a:solidFill>
@@ -1927,7 +1927,7 @@
             </a:ln>
             <a:extLst>
               <a:ext uri="{91240B29-F687-4f45-9708-019B960494DF}">
-                <a14:hiddenLine xmlns:a14="http://schemas.microsoft.com/office/drawing/2010/main" xmlns="" w="9525">
+                <a14:hiddenLine xmlns="" xmlns:a14="http://schemas.microsoft.com/office/drawing/2010/main" w="9525">
                   <a:solidFill>
                     <a:srgbClr val="000000"/>
                   </a:solidFill>
@@ -2017,7 +2017,7 @@
             </a:ln>
             <a:extLst>
               <a:ext uri="{91240B29-F687-4f45-9708-019B960494DF}">
-                <a14:hiddenLine xmlns:a14="http://schemas.microsoft.com/office/drawing/2010/main" xmlns="" w="9525">
+                <a14:hiddenLine xmlns="" xmlns:a14="http://schemas.microsoft.com/office/drawing/2010/main" w="9525">
                   <a:solidFill>
                     <a:srgbClr val="000000"/>
                   </a:solidFill>
@@ -2085,7 +2085,7 @@
             </a:ln>
             <a:extLst>
               <a:ext uri="{91240B29-F687-4f45-9708-019B960494DF}">
-                <a14:hiddenLine xmlns:a14="http://schemas.microsoft.com/office/drawing/2010/main" xmlns="" w="9525">
+                <a14:hiddenLine xmlns="" xmlns:a14="http://schemas.microsoft.com/office/drawing/2010/main" w="9525">
                   <a:solidFill>
                     <a:srgbClr val="000000"/>
                   </a:solidFill>
@@ -2175,7 +2175,7 @@
             </a:ln>
             <a:extLst>
               <a:ext uri="{91240B29-F687-4f45-9708-019B960494DF}">
-                <a14:hiddenLine xmlns:a14="http://schemas.microsoft.com/office/drawing/2010/main" xmlns="" w="9525">
+                <a14:hiddenLine xmlns="" xmlns:a14="http://schemas.microsoft.com/office/drawing/2010/main" w="9525">
                   <a:solidFill>
                     <a:srgbClr val="000000"/>
                   </a:solidFill>
@@ -2243,7 +2243,7 @@
             </a:ln>
             <a:extLst>
               <a:ext uri="{91240B29-F687-4f45-9708-019B960494DF}">
-                <a14:hiddenLine xmlns:a14="http://schemas.microsoft.com/office/drawing/2010/main" xmlns="" w="9525">
+                <a14:hiddenLine xmlns="" xmlns:a14="http://schemas.microsoft.com/office/drawing/2010/main" w="9525">
                   <a:solidFill>
                     <a:srgbClr val="000000"/>
                   </a:solidFill>
@@ -2333,7 +2333,7 @@
             </a:ln>
             <a:extLst>
               <a:ext uri="{91240B29-F687-4f45-9708-019B960494DF}">
-                <a14:hiddenLine xmlns:a14="http://schemas.microsoft.com/office/drawing/2010/main" xmlns="" w="9525">
+                <a14:hiddenLine xmlns="" xmlns:a14="http://schemas.microsoft.com/office/drawing/2010/main" w="9525">
                   <a:solidFill>
                     <a:srgbClr val="000000"/>
                   </a:solidFill>
@@ -2367,7 +2367,7 @@
             </a:ln>
             <a:extLst>
               <a:ext uri="{91240B29-F687-4f45-9708-019B960494DF}">
-                <a14:hiddenLine xmlns:a14="http://schemas.microsoft.com/office/drawing/2010/main" xmlns="" w="9525">
+                <a14:hiddenLine xmlns="" xmlns:a14="http://schemas.microsoft.com/office/drawing/2010/main" w="9525">
                   <a:solidFill>
                     <a:srgbClr val="000000"/>
                   </a:solidFill>
@@ -2457,7 +2457,7 @@
             </a:ln>
             <a:extLst>
               <a:ext uri="{91240B29-F687-4f45-9708-019B960494DF}">
-                <a14:hiddenLine xmlns:a14="http://schemas.microsoft.com/office/drawing/2010/main" xmlns="" w="9525">
+                <a14:hiddenLine xmlns="" xmlns:a14="http://schemas.microsoft.com/office/drawing/2010/main" w="9525">
                   <a:solidFill>
                     <a:srgbClr val="000000"/>
                   </a:solidFill>
@@ -2519,7 +2519,7 @@
             </a:ln>
             <a:extLst>
               <a:ext uri="{91240B29-F687-4f45-9708-019B960494DF}">
-                <a14:hiddenLine xmlns:a14="http://schemas.microsoft.com/office/drawing/2010/main" xmlns="" w="9525">
+                <a14:hiddenLine xmlns="" xmlns:a14="http://schemas.microsoft.com/office/drawing/2010/main" w="9525">
                   <a:solidFill>
                     <a:srgbClr val="000000"/>
                   </a:solidFill>
@@ -2581,7 +2581,7 @@
             </a:ln>
             <a:extLst>
               <a:ext uri="{91240B29-F687-4f45-9708-019B960494DF}">
-                <a14:hiddenLine xmlns:a14="http://schemas.microsoft.com/office/drawing/2010/main" xmlns="" w="9525">
+                <a14:hiddenLine xmlns="" xmlns:a14="http://schemas.microsoft.com/office/drawing/2010/main" w="9525">
                   <a:solidFill>
                     <a:srgbClr val="000000"/>
                   </a:solidFill>
@@ -2671,7 +2671,7 @@
             </a:ln>
             <a:extLst>
               <a:ext uri="{91240B29-F687-4f45-9708-019B960494DF}">
-                <a14:hiddenLine xmlns:a14="http://schemas.microsoft.com/office/drawing/2010/main" xmlns="" w="9525">
+                <a14:hiddenLine xmlns="" xmlns:a14="http://schemas.microsoft.com/office/drawing/2010/main" w="9525">
                   <a:solidFill>
                     <a:srgbClr val="000000"/>
                   </a:solidFill>
@@ -2739,7 +2739,7 @@
             </a:ln>
             <a:extLst>
               <a:ext uri="{91240B29-F687-4f45-9708-019B960494DF}">
-                <a14:hiddenLine xmlns:a14="http://schemas.microsoft.com/office/drawing/2010/main" xmlns="" w="9525">
+                <a14:hiddenLine xmlns="" xmlns:a14="http://schemas.microsoft.com/office/drawing/2010/main" w="9525">
                   <a:solidFill>
                     <a:srgbClr val="000000"/>
                   </a:solidFill>
@@ -2801,7 +2801,7 @@
             </a:ln>
             <a:extLst>
               <a:ext uri="{91240B29-F687-4f45-9708-019B960494DF}">
-                <a14:hiddenLine xmlns:a14="http://schemas.microsoft.com/office/drawing/2010/main" xmlns="" w="9525">
+                <a14:hiddenLine xmlns="" xmlns:a14="http://schemas.microsoft.com/office/drawing/2010/main" w="9525">
                   <a:solidFill>
                     <a:srgbClr val="000000"/>
                   </a:solidFill>
@@ -2891,7 +2891,7 @@
             </a:ln>
             <a:extLst>
               <a:ext uri="{91240B29-F687-4f45-9708-019B960494DF}">
-                <a14:hiddenLine xmlns:a14="http://schemas.microsoft.com/office/drawing/2010/main" xmlns="" w="9525">
+                <a14:hiddenLine xmlns="" xmlns:a14="http://schemas.microsoft.com/office/drawing/2010/main" w="9525">
                   <a:solidFill>
                     <a:srgbClr val="000000"/>
                   </a:solidFill>
@@ -2953,7 +2953,7 @@
             </a:ln>
             <a:extLst>
               <a:ext uri="{91240B29-F687-4f45-9708-019B960494DF}">
-                <a14:hiddenLine xmlns:a14="http://schemas.microsoft.com/office/drawing/2010/main" xmlns="" w="9525">
+                <a14:hiddenLine xmlns="" xmlns:a14="http://schemas.microsoft.com/office/drawing/2010/main" w="9525">
                   <a:solidFill>
                     <a:srgbClr val="000000"/>
                   </a:solidFill>
@@ -3043,7 +3043,7 @@
             </a:ln>
             <a:extLst>
               <a:ext uri="{91240B29-F687-4f45-9708-019B960494DF}">
-                <a14:hiddenLine xmlns:a14="http://schemas.microsoft.com/office/drawing/2010/main" xmlns="" w="9525">
+                <a14:hiddenLine xmlns="" xmlns:a14="http://schemas.microsoft.com/office/drawing/2010/main" w="9525">
                   <a:solidFill>
                     <a:srgbClr val="000000"/>
                   </a:solidFill>
@@ -3105,7 +3105,7 @@
             </a:ln>
             <a:extLst>
               <a:ext uri="{91240B29-F687-4f45-9708-019B960494DF}">
-                <a14:hiddenLine xmlns:a14="http://schemas.microsoft.com/office/drawing/2010/main" xmlns="" w="9525">
+                <a14:hiddenLine xmlns="" xmlns:a14="http://schemas.microsoft.com/office/drawing/2010/main" w="9525">
                   <a:solidFill>
                     <a:srgbClr val="000000"/>
                   </a:solidFill>
@@ -3195,7 +3195,7 @@
             </a:ln>
             <a:extLst>
               <a:ext uri="{91240B29-F687-4f45-9708-019B960494DF}">
-                <a14:hiddenLine xmlns:a14="http://schemas.microsoft.com/office/drawing/2010/main" xmlns="" w="9525">
+                <a14:hiddenLine xmlns="" xmlns:a14="http://schemas.microsoft.com/office/drawing/2010/main" w="9525">
                   <a:solidFill>
                     <a:srgbClr val="000000"/>
                   </a:solidFill>
@@ -3229,7 +3229,7 @@
             </a:ln>
             <a:extLst>
               <a:ext uri="{91240B29-F687-4f45-9708-019B960494DF}">
-                <a14:hiddenLine xmlns:a14="http://schemas.microsoft.com/office/drawing/2010/main" xmlns="" w="9525">
+                <a14:hiddenLine xmlns="" xmlns:a14="http://schemas.microsoft.com/office/drawing/2010/main" w="9525">
                   <a:solidFill>
                     <a:srgbClr val="000000"/>
                   </a:solidFill>
@@ -3294,7 +3294,7 @@
             </a:ln>
             <a:extLst>
               <a:ext uri="{91240B29-F687-4f45-9708-019B960494DF}">
-                <a14:hiddenLine xmlns:a14="http://schemas.microsoft.com/office/drawing/2010/main" xmlns="" w="9525">
+                <a14:hiddenLine xmlns="" xmlns:a14="http://schemas.microsoft.com/office/drawing/2010/main" w="9525">
                   <a:solidFill>
                     <a:srgbClr val="000000"/>
                   </a:solidFill>
@@ -3384,7 +3384,7 @@
             </a:ln>
             <a:extLst>
               <a:ext uri="{91240B29-F687-4f45-9708-019B960494DF}">
-                <a14:hiddenLine xmlns:a14="http://schemas.microsoft.com/office/drawing/2010/main" xmlns="" w="9525">
+                <a14:hiddenLine xmlns="" xmlns:a14="http://schemas.microsoft.com/office/drawing/2010/main" w="9525">
                   <a:solidFill>
                     <a:srgbClr val="000000"/>
                   </a:solidFill>
@@ -3446,7 +3446,7 @@
             </a:ln>
             <a:extLst>
               <a:ext uri="{91240B29-F687-4f45-9708-019B960494DF}">
-                <a14:hiddenLine xmlns:a14="http://schemas.microsoft.com/office/drawing/2010/main" xmlns="" w="9525">
+                <a14:hiddenLine xmlns="" xmlns:a14="http://schemas.microsoft.com/office/drawing/2010/main" w="9525">
                   <a:solidFill>
                     <a:srgbClr val="000000"/>
                   </a:solidFill>
@@ -3536,7 +3536,7 @@
             </a:ln>
             <a:extLst>
               <a:ext uri="{91240B29-F687-4f45-9708-019B960494DF}">
-                <a14:hiddenLine xmlns:a14="http://schemas.microsoft.com/office/drawing/2010/main" xmlns="" w="9525">
+                <a14:hiddenLine xmlns="" xmlns:a14="http://schemas.microsoft.com/office/drawing/2010/main" w="9525">
                   <a:solidFill>
                     <a:srgbClr val="000000"/>
                   </a:solidFill>
@@ -3626,7 +3626,7 @@
             </a:ln>
             <a:extLst>
               <a:ext uri="{91240B29-F687-4f45-9708-019B960494DF}">
-                <a14:hiddenLine xmlns:a14="http://schemas.microsoft.com/office/drawing/2010/main" xmlns="" w="9525">
+                <a14:hiddenLine xmlns="" xmlns:a14="http://schemas.microsoft.com/office/drawing/2010/main" w="9525">
                   <a:solidFill>
                     <a:srgbClr val="000000"/>
                   </a:solidFill>
@@ -3691,7 +3691,7 @@
             </a:ln>
             <a:extLst>
               <a:ext uri="{91240B29-F687-4f45-9708-019B960494DF}">
-                <a14:hiddenLine xmlns:a14="http://schemas.microsoft.com/office/drawing/2010/main" xmlns="" w="9525">
+                <a14:hiddenLine xmlns="" xmlns:a14="http://schemas.microsoft.com/office/drawing/2010/main" w="9525">
                   <a:solidFill>
                     <a:srgbClr val="000000"/>
                   </a:solidFill>
@@ -3753,7 +3753,7 @@
             </a:ln>
             <a:extLst>
               <a:ext uri="{91240B29-F687-4f45-9708-019B960494DF}">
-                <a14:hiddenLine xmlns:a14="http://schemas.microsoft.com/office/drawing/2010/main" xmlns="" w="9525">
+                <a14:hiddenLine xmlns="" xmlns:a14="http://schemas.microsoft.com/office/drawing/2010/main" w="9525">
                   <a:solidFill>
                     <a:srgbClr val="000000"/>
                   </a:solidFill>
@@ -3843,7 +3843,7 @@
             </a:ln>
             <a:extLst>
               <a:ext uri="{91240B29-F687-4f45-9708-019B960494DF}">
-                <a14:hiddenLine xmlns:a14="http://schemas.microsoft.com/office/drawing/2010/main" xmlns="" w="9525">
+                <a14:hiddenLine xmlns="" xmlns:a14="http://schemas.microsoft.com/office/drawing/2010/main" w="9525">
                   <a:solidFill>
                     <a:srgbClr val="000000"/>
                   </a:solidFill>
@@ -3933,7 +3933,7 @@
             </a:ln>
             <a:extLst>
               <a:ext uri="{91240B29-F687-4f45-9708-019B960494DF}">
-                <a14:hiddenLine xmlns:a14="http://schemas.microsoft.com/office/drawing/2010/main" xmlns="" w="9525">
+                <a14:hiddenLine xmlns="" xmlns:a14="http://schemas.microsoft.com/office/drawing/2010/main" w="9525">
                   <a:solidFill>
                     <a:srgbClr val="000000"/>
                   </a:solidFill>
@@ -3995,7 +3995,7 @@
             </a:ln>
             <a:extLst>
               <a:ext uri="{91240B29-F687-4f45-9708-019B960494DF}">
-                <a14:hiddenLine xmlns:a14="http://schemas.microsoft.com/office/drawing/2010/main" xmlns="" w="9525">
+                <a14:hiddenLine xmlns="" xmlns:a14="http://schemas.microsoft.com/office/drawing/2010/main" w="9525">
                   <a:solidFill>
                     <a:srgbClr val="000000"/>
                   </a:solidFill>
@@ -4115,7 +4115,7 @@
             </a:ln>
             <a:extLst>
               <a:ext uri="{91240B29-F687-4f45-9708-019B960494DF}">
-                <a14:hiddenLine xmlns:a14="http://schemas.microsoft.com/office/drawing/2010/main" xmlns="" w="9525">
+                <a14:hiddenLine xmlns="" xmlns:a14="http://schemas.microsoft.com/office/drawing/2010/main" w="9525">
                   <a:solidFill>
                     <a:srgbClr val="000000"/>
                   </a:solidFill>
@@ -4183,7 +4183,7 @@
             </a:ln>
             <a:extLst>
               <a:ext uri="{91240B29-F687-4f45-9708-019B960494DF}">
-                <a14:hiddenLine xmlns:a14="http://schemas.microsoft.com/office/drawing/2010/main" xmlns="" w="9525">
+                <a14:hiddenLine xmlns="" xmlns:a14="http://schemas.microsoft.com/office/drawing/2010/main" w="9525">
                   <a:solidFill>
                     <a:srgbClr val="000000"/>
                   </a:solidFill>
@@ -4273,7 +4273,7 @@
             </a:ln>
             <a:extLst>
               <a:ext uri="{91240B29-F687-4f45-9708-019B960494DF}">
-                <a14:hiddenLine xmlns:a14="http://schemas.microsoft.com/office/drawing/2010/main" xmlns="" w="9525">
+                <a14:hiddenLine xmlns="" xmlns:a14="http://schemas.microsoft.com/office/drawing/2010/main" w="9525">
                   <a:solidFill>
                     <a:srgbClr val="000000"/>
                   </a:solidFill>
@@ -9002,7 +9002,7 @@
           <a:noFill/>
           <a:extLst>
             <a:ext uri="{909E8E84-426E-40dd-AFC4-6F175D3DCCD1}">
-              <a14:hiddenFill xmlns:a14="http://schemas.microsoft.com/office/drawing/2010/main" xmlns="">
+              <a14:hiddenFill xmlns="" xmlns:a14="http://schemas.microsoft.com/office/drawing/2010/main">
                 <a:solidFill>
                   <a:srgbClr val="FFFFFF"/>
                 </a:solidFill>
@@ -9076,7 +9076,7 @@
               </a:ln>
               <a:extLst>
                 <a:ext uri="{91240B29-F687-4f45-9708-019B960494DF}">
-                  <a14:hiddenLine xmlns:a14="http://schemas.microsoft.com/office/drawing/2010/main" xmlns="" w="9525">
+                  <a14:hiddenLine xmlns="" xmlns:a14="http://schemas.microsoft.com/office/drawing/2010/main" w="9525">
                     <a:solidFill>
                       <a:srgbClr val="000000"/>
                     </a:solidFill>
@@ -9166,7 +9166,7 @@
               </a:ln>
               <a:extLst>
                 <a:ext uri="{91240B29-F687-4f45-9708-019B960494DF}">
-                  <a14:hiddenLine xmlns:a14="http://schemas.microsoft.com/office/drawing/2010/main" xmlns="" w="9525">
+                  <a14:hiddenLine xmlns="" xmlns:a14="http://schemas.microsoft.com/office/drawing/2010/main" w="9525">
                     <a:solidFill>
                       <a:srgbClr val="000000"/>
                     </a:solidFill>
@@ -9256,7 +9256,7 @@
               </a:ln>
               <a:extLst>
                 <a:ext uri="{91240B29-F687-4f45-9708-019B960494DF}">
-                  <a14:hiddenLine xmlns:a14="http://schemas.microsoft.com/office/drawing/2010/main" xmlns="" w="9525">
+                  <a14:hiddenLine xmlns="" xmlns:a14="http://schemas.microsoft.com/office/drawing/2010/main" w="9525">
                     <a:solidFill>
                       <a:srgbClr val="000000"/>
                     </a:solidFill>
@@ -9318,7 +9318,7 @@
               </a:ln>
               <a:extLst>
                 <a:ext uri="{91240B29-F687-4f45-9708-019B960494DF}">
-                  <a14:hiddenLine xmlns:a14="http://schemas.microsoft.com/office/drawing/2010/main" xmlns="" w="9525">
+                  <a14:hiddenLine xmlns="" xmlns:a14="http://schemas.microsoft.com/office/drawing/2010/main" w="9525">
                     <a:solidFill>
                       <a:srgbClr val="000000"/>
                     </a:solidFill>
@@ -9408,7 +9408,7 @@
               </a:ln>
               <a:extLst>
                 <a:ext uri="{91240B29-F687-4f45-9708-019B960494DF}">
-                  <a14:hiddenLine xmlns:a14="http://schemas.microsoft.com/office/drawing/2010/main" xmlns="" w="9525">
+                  <a14:hiddenLine xmlns="" xmlns:a14="http://schemas.microsoft.com/office/drawing/2010/main" w="9525">
                     <a:solidFill>
                       <a:srgbClr val="000000"/>
                     </a:solidFill>
@@ -9470,7 +9470,7 @@
               </a:ln>
               <a:extLst>
                 <a:ext uri="{91240B29-F687-4f45-9708-019B960494DF}">
-                  <a14:hiddenLine xmlns:a14="http://schemas.microsoft.com/office/drawing/2010/main" xmlns="" w="9525">
+                  <a14:hiddenLine xmlns="" xmlns:a14="http://schemas.microsoft.com/office/drawing/2010/main" w="9525">
                     <a:solidFill>
                       <a:srgbClr val="000000"/>
                     </a:solidFill>
@@ -9532,7 +9532,7 @@
               </a:ln>
               <a:extLst>
                 <a:ext uri="{91240B29-F687-4f45-9708-019B960494DF}">
-                  <a14:hiddenLine xmlns:a14="http://schemas.microsoft.com/office/drawing/2010/main" xmlns="" w="9525">
+                  <a14:hiddenLine xmlns="" xmlns:a14="http://schemas.microsoft.com/office/drawing/2010/main" w="9525">
                     <a:solidFill>
                       <a:srgbClr val="000000"/>
                     </a:solidFill>
@@ -9622,7 +9622,7 @@
               </a:ln>
               <a:extLst>
                 <a:ext uri="{91240B29-F687-4f45-9708-019B960494DF}">
-                  <a14:hiddenLine xmlns:a14="http://schemas.microsoft.com/office/drawing/2010/main" xmlns="" w="9525">
+                  <a14:hiddenLine xmlns="" xmlns:a14="http://schemas.microsoft.com/office/drawing/2010/main" w="9525">
                     <a:solidFill>
                       <a:srgbClr val="000000"/>
                     </a:solidFill>
@@ -9712,7 +9712,7 @@
               </a:ln>
               <a:extLst>
                 <a:ext uri="{91240B29-F687-4f45-9708-019B960494DF}">
-                  <a14:hiddenLine xmlns:a14="http://schemas.microsoft.com/office/drawing/2010/main" xmlns="" w="9525">
+                  <a14:hiddenLine xmlns="" xmlns:a14="http://schemas.microsoft.com/office/drawing/2010/main" w="9525">
                     <a:solidFill>
                       <a:srgbClr val="000000"/>
                     </a:solidFill>
@@ -9774,7 +9774,7 @@
               </a:ln>
               <a:extLst>
                 <a:ext uri="{91240B29-F687-4f45-9708-019B960494DF}">
-                  <a14:hiddenLine xmlns:a14="http://schemas.microsoft.com/office/drawing/2010/main" xmlns="" w="9525">
+                  <a14:hiddenLine xmlns="" xmlns:a14="http://schemas.microsoft.com/office/drawing/2010/main" w="9525">
                     <a:solidFill>
                       <a:srgbClr val="000000"/>
                     </a:solidFill>
@@ -9884,7 +9884,7 @@
               </a:ln>
               <a:extLst>
                 <a:ext uri="{91240B29-F687-4f45-9708-019B960494DF}">
-                  <a14:hiddenLine xmlns:a14="http://schemas.microsoft.com/office/drawing/2010/main" xmlns="" w="9525">
+                  <a14:hiddenLine xmlns="" xmlns:a14="http://schemas.microsoft.com/office/drawing/2010/main" w="9525">
                     <a:solidFill>
                       <a:srgbClr val="000000"/>
                     </a:solidFill>
@@ -9968,7 +9968,7 @@
               </a:ln>
               <a:extLst>
                 <a:ext uri="{91240B29-F687-4f45-9708-019B960494DF}">
-                  <a14:hiddenLine xmlns:a14="http://schemas.microsoft.com/office/drawing/2010/main" xmlns="" w="9525">
+                  <a14:hiddenLine xmlns="" xmlns:a14="http://schemas.microsoft.com/office/drawing/2010/main" w="9525">
                     <a:solidFill>
                       <a:srgbClr val="000000"/>
                     </a:solidFill>
@@ -10030,7 +10030,7 @@
               </a:ln>
               <a:extLst>
                 <a:ext uri="{91240B29-F687-4f45-9708-019B960494DF}">
-                  <a14:hiddenLine xmlns:a14="http://schemas.microsoft.com/office/drawing/2010/main" xmlns="" w="9525">
+                  <a14:hiddenLine xmlns="" xmlns:a14="http://schemas.microsoft.com/office/drawing/2010/main" w="9525">
                     <a:solidFill>
                       <a:srgbClr val="000000"/>
                     </a:solidFill>
@@ -10092,7 +10092,7 @@
               </a:ln>
               <a:extLst>
                 <a:ext uri="{91240B29-F687-4f45-9708-019B960494DF}">
-                  <a14:hiddenLine xmlns:a14="http://schemas.microsoft.com/office/drawing/2010/main" xmlns="" w="9525">
+                  <a14:hiddenLine xmlns="" xmlns:a14="http://schemas.microsoft.com/office/drawing/2010/main" w="9525">
                     <a:solidFill>
                       <a:srgbClr val="000000"/>
                     </a:solidFill>
@@ -10182,7 +10182,7 @@
               </a:ln>
               <a:extLst>
                 <a:ext uri="{91240B29-F687-4f45-9708-019B960494DF}">
-                  <a14:hiddenLine xmlns:a14="http://schemas.microsoft.com/office/drawing/2010/main" xmlns="" w="9525">
+                  <a14:hiddenLine xmlns="" xmlns:a14="http://schemas.microsoft.com/office/drawing/2010/main" w="9525">
                     <a:solidFill>
                       <a:srgbClr val="000000"/>
                     </a:solidFill>
@@ -10216,7 +10216,7 @@
               </a:ln>
               <a:extLst>
                 <a:ext uri="{91240B29-F687-4f45-9708-019B960494DF}">
-                  <a14:hiddenLine xmlns:a14="http://schemas.microsoft.com/office/drawing/2010/main" xmlns="" w="9525">
+                  <a14:hiddenLine xmlns="" xmlns:a14="http://schemas.microsoft.com/office/drawing/2010/main" w="9525">
                     <a:solidFill>
                       <a:srgbClr val="000000"/>
                     </a:solidFill>
@@ -10281,7 +10281,7 @@
               </a:ln>
               <a:extLst>
                 <a:ext uri="{91240B29-F687-4f45-9708-019B960494DF}">
-                  <a14:hiddenLine xmlns:a14="http://schemas.microsoft.com/office/drawing/2010/main" xmlns="" w="9525">
+                  <a14:hiddenLine xmlns="" xmlns:a14="http://schemas.microsoft.com/office/drawing/2010/main" w="9525">
                     <a:solidFill>
                       <a:srgbClr val="000000"/>
                     </a:solidFill>
@@ -10371,7 +10371,7 @@
               </a:ln>
               <a:extLst>
                 <a:ext uri="{91240B29-F687-4f45-9708-019B960494DF}">
-                  <a14:hiddenLine xmlns:a14="http://schemas.microsoft.com/office/drawing/2010/main" xmlns="" w="9525">
+                  <a14:hiddenLine xmlns="" xmlns:a14="http://schemas.microsoft.com/office/drawing/2010/main" w="9525">
                     <a:solidFill>
                       <a:srgbClr val="000000"/>
                     </a:solidFill>
@@ -10433,7 +10433,7 @@
               </a:ln>
               <a:extLst>
                 <a:ext uri="{91240B29-F687-4f45-9708-019B960494DF}">
-                  <a14:hiddenLine xmlns:a14="http://schemas.microsoft.com/office/drawing/2010/main" xmlns="" w="9525">
+                  <a14:hiddenLine xmlns="" xmlns:a14="http://schemas.microsoft.com/office/drawing/2010/main" w="9525">
                     <a:solidFill>
                       <a:srgbClr val="000000"/>
                     </a:solidFill>
@@ -10523,7 +10523,7 @@
               </a:ln>
               <a:extLst>
                 <a:ext uri="{91240B29-F687-4f45-9708-019B960494DF}">
-                  <a14:hiddenLine xmlns:a14="http://schemas.microsoft.com/office/drawing/2010/main" xmlns="" w="9525">
+                  <a14:hiddenLine xmlns="" xmlns:a14="http://schemas.microsoft.com/office/drawing/2010/main" w="9525">
                     <a:solidFill>
                       <a:srgbClr val="000000"/>
                     </a:solidFill>
@@ -10588,7 +10588,7 @@
               </a:ln>
               <a:extLst>
                 <a:ext uri="{91240B29-F687-4f45-9708-019B960494DF}">
-                  <a14:hiddenLine xmlns:a14="http://schemas.microsoft.com/office/drawing/2010/main" xmlns="" w="9525">
+                  <a14:hiddenLine xmlns="" xmlns:a14="http://schemas.microsoft.com/office/drawing/2010/main" w="9525">
                     <a:solidFill>
                       <a:srgbClr val="000000"/>
                     </a:solidFill>
@@ -10650,7 +10650,7 @@
               </a:ln>
               <a:extLst>
                 <a:ext uri="{91240B29-F687-4f45-9708-019B960494DF}">
-                  <a14:hiddenLine xmlns:a14="http://schemas.microsoft.com/office/drawing/2010/main" xmlns="" w="9525">
+                  <a14:hiddenLine xmlns="" xmlns:a14="http://schemas.microsoft.com/office/drawing/2010/main" w="9525">
                     <a:solidFill>
                       <a:srgbClr val="000000"/>
                     </a:solidFill>
@@ -10740,7 +10740,7 @@
               </a:ln>
               <a:extLst>
                 <a:ext uri="{91240B29-F687-4f45-9708-019B960494DF}">
-                  <a14:hiddenLine xmlns:a14="http://schemas.microsoft.com/office/drawing/2010/main" xmlns="" w="9525">
+                  <a14:hiddenLine xmlns="" xmlns:a14="http://schemas.microsoft.com/office/drawing/2010/main" w="9525">
                     <a:solidFill>
                       <a:srgbClr val="000000"/>
                     </a:solidFill>
@@ -10830,7 +10830,7 @@
               </a:ln>
               <a:extLst>
                 <a:ext uri="{91240B29-F687-4f45-9708-019B960494DF}">
-                  <a14:hiddenLine xmlns:a14="http://schemas.microsoft.com/office/drawing/2010/main" xmlns="" w="9525">
+                  <a14:hiddenLine xmlns="" xmlns:a14="http://schemas.microsoft.com/office/drawing/2010/main" w="9525">
                     <a:solidFill>
                       <a:srgbClr val="000000"/>
                     </a:solidFill>
@@ -10895,7 +10895,7 @@
               </a:ln>
               <a:extLst>
                 <a:ext uri="{91240B29-F687-4f45-9708-019B960494DF}">
-                  <a14:hiddenLine xmlns:a14="http://schemas.microsoft.com/office/drawing/2010/main" xmlns="" w="9525">
+                  <a14:hiddenLine xmlns="" xmlns:a14="http://schemas.microsoft.com/office/drawing/2010/main" w="9525">
                     <a:solidFill>
                       <a:srgbClr val="000000"/>
                     </a:solidFill>
@@ -11015,7 +11015,7 @@
               </a:ln>
               <a:extLst>
                 <a:ext uri="{91240B29-F687-4f45-9708-019B960494DF}">
-                  <a14:hiddenLine xmlns:a14="http://schemas.microsoft.com/office/drawing/2010/main" xmlns="" w="9525">
+                  <a14:hiddenLine xmlns="" xmlns:a14="http://schemas.microsoft.com/office/drawing/2010/main" w="9525">
                     <a:solidFill>
                       <a:srgbClr val="000000"/>
                     </a:solidFill>
@@ -11096,7 +11096,7 @@
               </a:ln>
               <a:extLst>
                 <a:ext uri="{91240B29-F687-4f45-9708-019B960494DF}">
-                  <a14:hiddenLine xmlns:a14="http://schemas.microsoft.com/office/drawing/2010/main" xmlns="" w="9525">
+                  <a14:hiddenLine xmlns="" xmlns:a14="http://schemas.microsoft.com/office/drawing/2010/main" w="9525">
                     <a:solidFill>
                       <a:srgbClr val="000000"/>
                     </a:solidFill>
@@ -11211,7 +11211,7 @@
               </a:ln>
               <a:extLst>
                 <a:ext uri="{91240B29-F687-4f45-9708-019B960494DF}">
-                  <a14:hiddenLine xmlns:a14="http://schemas.microsoft.com/office/drawing/2010/main" xmlns="" w="9525">
+                  <a14:hiddenLine xmlns="" xmlns:a14="http://schemas.microsoft.com/office/drawing/2010/main" w="9525">
                     <a:solidFill>
                       <a:srgbClr val="000000"/>
                     </a:solidFill>
@@ -11301,7 +11301,7 @@
               </a:ln>
               <a:extLst>
                 <a:ext uri="{91240B29-F687-4f45-9708-019B960494DF}">
-                  <a14:hiddenLine xmlns:a14="http://schemas.microsoft.com/office/drawing/2010/main" xmlns="" w="9525">
+                  <a14:hiddenLine xmlns="" xmlns:a14="http://schemas.microsoft.com/office/drawing/2010/main" w="9525">
                     <a:solidFill>
                       <a:srgbClr val="000000"/>
                     </a:solidFill>
@@ -11366,7 +11366,7 @@
               </a:ln>
               <a:extLst>
                 <a:ext uri="{91240B29-F687-4f45-9708-019B960494DF}">
-                  <a14:hiddenLine xmlns:a14="http://schemas.microsoft.com/office/drawing/2010/main" xmlns="" w="9525">
+                  <a14:hiddenLine xmlns="" xmlns:a14="http://schemas.microsoft.com/office/drawing/2010/main" w="9525">
                     <a:solidFill>
                       <a:srgbClr val="000000"/>
                     </a:solidFill>
@@ -11456,7 +11456,7 @@
               </a:ln>
               <a:extLst>
                 <a:ext uri="{91240B29-F687-4f45-9708-019B960494DF}">
-                  <a14:hiddenLine xmlns:a14="http://schemas.microsoft.com/office/drawing/2010/main" xmlns="" w="9525">
+                  <a14:hiddenLine xmlns="" xmlns:a14="http://schemas.microsoft.com/office/drawing/2010/main" w="9525">
                     <a:solidFill>
                       <a:srgbClr val="000000"/>
                     </a:solidFill>
@@ -11524,7 +11524,7 @@
               </a:ln>
               <a:extLst>
                 <a:ext uri="{91240B29-F687-4f45-9708-019B960494DF}">
-                  <a14:hiddenLine xmlns:a14="http://schemas.microsoft.com/office/drawing/2010/main" xmlns="" w="9525">
+                  <a14:hiddenLine xmlns="" xmlns:a14="http://schemas.microsoft.com/office/drawing/2010/main" w="9525">
                     <a:solidFill>
                       <a:srgbClr val="000000"/>
                     </a:solidFill>
@@ -11614,7 +11614,7 @@
               </a:ln>
               <a:extLst>
                 <a:ext uri="{91240B29-F687-4f45-9708-019B960494DF}">
-                  <a14:hiddenLine xmlns:a14="http://schemas.microsoft.com/office/drawing/2010/main" xmlns="" w="9525">
+                  <a14:hiddenLine xmlns="" xmlns:a14="http://schemas.microsoft.com/office/drawing/2010/main" w="9525">
                     <a:solidFill>
                       <a:srgbClr val="000000"/>
                     </a:solidFill>
@@ -11682,7 +11682,7 @@
               </a:ln>
               <a:extLst>
                 <a:ext uri="{91240B29-F687-4f45-9708-019B960494DF}">
-                  <a14:hiddenLine xmlns:a14="http://schemas.microsoft.com/office/drawing/2010/main" xmlns="" w="9525">
+                  <a14:hiddenLine xmlns="" xmlns:a14="http://schemas.microsoft.com/office/drawing/2010/main" w="9525">
                     <a:solidFill>
                       <a:srgbClr val="000000"/>
                     </a:solidFill>
@@ -11772,7 +11772,7 @@
               </a:ln>
               <a:extLst>
                 <a:ext uri="{91240B29-F687-4f45-9708-019B960494DF}">
-                  <a14:hiddenLine xmlns:a14="http://schemas.microsoft.com/office/drawing/2010/main" xmlns="" w="9525">
+                  <a14:hiddenLine xmlns="" xmlns:a14="http://schemas.microsoft.com/office/drawing/2010/main" w="9525">
                     <a:solidFill>
                       <a:srgbClr val="000000"/>
                     </a:solidFill>
@@ -11806,7 +11806,7 @@
               </a:ln>
               <a:extLst>
                 <a:ext uri="{91240B29-F687-4f45-9708-019B960494DF}">
-                  <a14:hiddenLine xmlns:a14="http://schemas.microsoft.com/office/drawing/2010/main" xmlns="" w="9525">
+                  <a14:hiddenLine xmlns="" xmlns:a14="http://schemas.microsoft.com/office/drawing/2010/main" w="9525">
                     <a:solidFill>
                       <a:srgbClr val="000000"/>
                     </a:solidFill>
@@ -12644,6 +12644,36 @@
           </a:p>
         </p:txBody>
       </p:sp>
+      <p:pic>
+        <p:nvPicPr>
+          <p:cNvPr id="4" name="Imagem 3">
+            <a:extLst>
+              <a:ext uri="{FF2B5EF4-FFF2-40B4-BE49-F238E27FC236}">
+                <a16:creationId xmlns:a16="http://schemas.microsoft.com/office/drawing/2014/main" id="{162EF54F-361B-FA46-AC72-C05BF2D42781}"/>
+              </a:ext>
+            </a:extLst>
+          </p:cNvPr>
+          <p:cNvPicPr>
+            <a:picLocks noChangeAspect="1"/>
+          </p:cNvPicPr>
+          <p:nvPr/>
+        </p:nvPicPr>
+        <p:blipFill>
+          <a:blip r:embed="rId3"/>
+          <a:stretch>
+            <a:fillRect/>
+          </a:stretch>
+        </p:blipFill>
+        <p:spPr>
+          <a:xfrm>
+            <a:off x="1294820" y="1383332"/>
+            <a:ext cx="7118266" cy="4675724"/>
+          </a:xfrm>
+          <a:prstGeom prst="rect">
+            <a:avLst/>
+          </a:prstGeom>
+        </p:spPr>
+      </p:pic>
     </p:spTree>
     <p:extLst>
       <p:ext uri="{BB962C8B-B14F-4D97-AF65-F5344CB8AC3E}">

--- a/documents/Trabalho de Sistemas Embarcados (C213).pptx
+++ b/documents/Trabalho de Sistemas Embarcados (C213).pptx
@@ -188,7 +188,7 @@
           <a:noFill/>
           <a:extLst>
             <a:ext uri="{909E8E84-426E-40dd-AFC4-6F175D3DCCD1}">
-              <a14:hiddenFill xmlns="" xmlns:a14="http://schemas.microsoft.com/office/drawing/2010/main">
+              <a14:hiddenFill xmlns:a14="http://schemas.microsoft.com/office/drawing/2010/main" xmlns="">
                 <a:solidFill>
                   <a:srgbClr val="FFFFFF"/>
                 </a:solidFill>
@@ -247,7 +247,7 @@
             </a:ln>
             <a:extLst>
               <a:ext uri="{91240B29-F687-4f45-9708-019B960494DF}">
-                <a14:hiddenLine xmlns="" xmlns:a14="http://schemas.microsoft.com/office/drawing/2010/main" w="9525">
+                <a14:hiddenLine xmlns:a14="http://schemas.microsoft.com/office/drawing/2010/main" xmlns="" w="9525">
                   <a:solidFill>
                     <a:srgbClr val="000000"/>
                   </a:solidFill>
@@ -337,7 +337,7 @@
             </a:ln>
             <a:extLst>
               <a:ext uri="{91240B29-F687-4f45-9708-019B960494DF}">
-                <a14:hiddenLine xmlns="" xmlns:a14="http://schemas.microsoft.com/office/drawing/2010/main" w="9525">
+                <a14:hiddenLine xmlns:a14="http://schemas.microsoft.com/office/drawing/2010/main" xmlns="" w="9525">
                   <a:solidFill>
                     <a:srgbClr val="000000"/>
                   </a:solidFill>
@@ -427,7 +427,7 @@
             </a:ln>
             <a:extLst>
               <a:ext uri="{91240B29-F687-4f45-9708-019B960494DF}">
-                <a14:hiddenLine xmlns="" xmlns:a14="http://schemas.microsoft.com/office/drawing/2010/main" w="9525">
+                <a14:hiddenLine xmlns:a14="http://schemas.microsoft.com/office/drawing/2010/main" xmlns="" w="9525">
                   <a:solidFill>
                     <a:srgbClr val="000000"/>
                   </a:solidFill>
@@ -461,7 +461,7 @@
             </a:ln>
             <a:extLst>
               <a:ext uri="{91240B29-F687-4f45-9708-019B960494DF}">
-                <a14:hiddenLine xmlns="" xmlns:a14="http://schemas.microsoft.com/office/drawing/2010/main" w="9525">
+                <a14:hiddenLine xmlns:a14="http://schemas.microsoft.com/office/drawing/2010/main" xmlns="" w="9525">
                   <a:solidFill>
                     <a:srgbClr val="000000"/>
                   </a:solidFill>
@@ -551,7 +551,7 @@
             </a:ln>
             <a:extLst>
               <a:ext uri="{91240B29-F687-4f45-9708-019B960494DF}">
-                <a14:hiddenLine xmlns="" xmlns:a14="http://schemas.microsoft.com/office/drawing/2010/main" w="9525">
+                <a14:hiddenLine xmlns:a14="http://schemas.microsoft.com/office/drawing/2010/main" xmlns="" w="9525">
                   <a:solidFill>
                     <a:srgbClr val="000000"/>
                   </a:solidFill>
@@ -613,7 +613,7 @@
             </a:ln>
             <a:extLst>
               <a:ext uri="{91240B29-F687-4f45-9708-019B960494DF}">
-                <a14:hiddenLine xmlns="" xmlns:a14="http://schemas.microsoft.com/office/drawing/2010/main" w="9525">
+                <a14:hiddenLine xmlns:a14="http://schemas.microsoft.com/office/drawing/2010/main" xmlns="" w="9525">
                   <a:solidFill>
                     <a:srgbClr val="000000"/>
                   </a:solidFill>
@@ -675,7 +675,7 @@
             </a:ln>
             <a:extLst>
               <a:ext uri="{91240B29-F687-4f45-9708-019B960494DF}">
-                <a14:hiddenLine xmlns="" xmlns:a14="http://schemas.microsoft.com/office/drawing/2010/main" w="9525">
+                <a14:hiddenLine xmlns:a14="http://schemas.microsoft.com/office/drawing/2010/main" xmlns="" w="9525">
                   <a:solidFill>
                     <a:srgbClr val="000000"/>
                   </a:solidFill>
@@ -765,7 +765,7 @@
             </a:ln>
             <a:extLst>
               <a:ext uri="{91240B29-F687-4f45-9708-019B960494DF}">
-                <a14:hiddenLine xmlns="" xmlns:a14="http://schemas.microsoft.com/office/drawing/2010/main" w="9525">
+                <a14:hiddenLine xmlns:a14="http://schemas.microsoft.com/office/drawing/2010/main" xmlns="" w="9525">
                   <a:solidFill>
                     <a:srgbClr val="000000"/>
                   </a:solidFill>
@@ -827,7 +827,7 @@
             </a:ln>
             <a:extLst>
               <a:ext uri="{91240B29-F687-4f45-9708-019B960494DF}">
-                <a14:hiddenLine xmlns="" xmlns:a14="http://schemas.microsoft.com/office/drawing/2010/main" w="9525">
+                <a14:hiddenLine xmlns:a14="http://schemas.microsoft.com/office/drawing/2010/main" xmlns="" w="9525">
                   <a:solidFill>
                     <a:srgbClr val="000000"/>
                   </a:solidFill>
@@ -889,7 +889,7 @@
             </a:ln>
             <a:extLst>
               <a:ext uri="{91240B29-F687-4f45-9708-019B960494DF}">
-                <a14:hiddenLine xmlns="" xmlns:a14="http://schemas.microsoft.com/office/drawing/2010/main" w="9525">
+                <a14:hiddenLine xmlns:a14="http://schemas.microsoft.com/office/drawing/2010/main" xmlns="" w="9525">
                   <a:solidFill>
                     <a:srgbClr val="000000"/>
                   </a:solidFill>
@@ -979,7 +979,7 @@
             </a:ln>
             <a:extLst>
               <a:ext uri="{91240B29-F687-4f45-9708-019B960494DF}">
-                <a14:hiddenLine xmlns="" xmlns:a14="http://schemas.microsoft.com/office/drawing/2010/main" w="9525">
+                <a14:hiddenLine xmlns:a14="http://schemas.microsoft.com/office/drawing/2010/main" xmlns="" w="9525">
                   <a:solidFill>
                     <a:srgbClr val="000000"/>
                   </a:solidFill>
@@ -1069,7 +1069,7 @@
             </a:ln>
             <a:extLst>
               <a:ext uri="{91240B29-F687-4f45-9708-019B960494DF}">
-                <a14:hiddenLine xmlns="" xmlns:a14="http://schemas.microsoft.com/office/drawing/2010/main" w="9525">
+                <a14:hiddenLine xmlns:a14="http://schemas.microsoft.com/office/drawing/2010/main" xmlns="" w="9525">
                   <a:solidFill>
                     <a:srgbClr val="000000"/>
                   </a:solidFill>
@@ -1131,7 +1131,7 @@
             </a:ln>
             <a:extLst>
               <a:ext uri="{91240B29-F687-4f45-9708-019B960494DF}">
-                <a14:hiddenLine xmlns="" xmlns:a14="http://schemas.microsoft.com/office/drawing/2010/main" w="9525">
+                <a14:hiddenLine xmlns:a14="http://schemas.microsoft.com/office/drawing/2010/main" xmlns="" w="9525">
                   <a:solidFill>
                     <a:srgbClr val="000000"/>
                   </a:solidFill>
@@ -1241,7 +1241,7 @@
             </a:ln>
             <a:extLst>
               <a:ext uri="{91240B29-F687-4f45-9708-019B960494DF}">
-                <a14:hiddenLine xmlns="" xmlns:a14="http://schemas.microsoft.com/office/drawing/2010/main" w="9525">
+                <a14:hiddenLine xmlns:a14="http://schemas.microsoft.com/office/drawing/2010/main" xmlns="" w="9525">
                   <a:solidFill>
                     <a:srgbClr val="000000"/>
                   </a:solidFill>
@@ -1303,7 +1303,7 @@
             </a:ln>
             <a:extLst>
               <a:ext uri="{91240B29-F687-4f45-9708-019B960494DF}">
-                <a14:hiddenLine xmlns="" xmlns:a14="http://schemas.microsoft.com/office/drawing/2010/main" w="9525">
+                <a14:hiddenLine xmlns:a14="http://schemas.microsoft.com/office/drawing/2010/main" xmlns="" w="9525">
                   <a:solidFill>
                     <a:srgbClr val="000000"/>
                   </a:solidFill>
@@ -1393,7 +1393,7 @@
             </a:ln>
             <a:extLst>
               <a:ext uri="{91240B29-F687-4f45-9708-019B960494DF}">
-                <a14:hiddenLine xmlns="" xmlns:a14="http://schemas.microsoft.com/office/drawing/2010/main" w="9525">
+                <a14:hiddenLine xmlns:a14="http://schemas.microsoft.com/office/drawing/2010/main" xmlns="" w="9525">
                   <a:solidFill>
                     <a:srgbClr val="000000"/>
                   </a:solidFill>
@@ -1483,7 +1483,7 @@
             </a:ln>
             <a:extLst>
               <a:ext uri="{91240B29-F687-4f45-9708-019B960494DF}">
-                <a14:hiddenLine xmlns="" xmlns:a14="http://schemas.microsoft.com/office/drawing/2010/main" w="9525">
+                <a14:hiddenLine xmlns:a14="http://schemas.microsoft.com/office/drawing/2010/main" xmlns="" w="9525">
                   <a:solidFill>
                     <a:srgbClr val="000000"/>
                   </a:solidFill>
@@ -1545,7 +1545,7 @@
             </a:ln>
             <a:extLst>
               <a:ext uri="{91240B29-F687-4f45-9708-019B960494DF}">
-                <a14:hiddenLine xmlns="" xmlns:a14="http://schemas.microsoft.com/office/drawing/2010/main" w="9525">
+                <a14:hiddenLine xmlns:a14="http://schemas.microsoft.com/office/drawing/2010/main" xmlns="" w="9525">
                   <a:solidFill>
                     <a:srgbClr val="000000"/>
                   </a:solidFill>
@@ -1635,7 +1635,7 @@
             </a:ln>
             <a:extLst>
               <a:ext uri="{91240B29-F687-4f45-9708-019B960494DF}">
-                <a14:hiddenLine xmlns="" xmlns:a14="http://schemas.microsoft.com/office/drawing/2010/main" w="9525">
+                <a14:hiddenLine xmlns:a14="http://schemas.microsoft.com/office/drawing/2010/main" xmlns="" w="9525">
                   <a:solidFill>
                     <a:srgbClr val="000000"/>
                   </a:solidFill>
@@ -1725,7 +1725,7 @@
             </a:ln>
             <a:extLst>
               <a:ext uri="{91240B29-F687-4f45-9708-019B960494DF}">
-                <a14:hiddenLine xmlns="" xmlns:a14="http://schemas.microsoft.com/office/drawing/2010/main" w="9525">
+                <a14:hiddenLine xmlns:a14="http://schemas.microsoft.com/office/drawing/2010/main" xmlns="" w="9525">
                   <a:solidFill>
                     <a:srgbClr val="000000"/>
                   </a:solidFill>
@@ -1781,7 +1781,7 @@
             </a:ln>
             <a:extLst>
               <a:ext uri="{91240B29-F687-4f45-9708-019B960494DF}">
-                <a14:hiddenLine xmlns="" xmlns:a14="http://schemas.microsoft.com/office/drawing/2010/main" w="9525">
+                <a14:hiddenLine xmlns:a14="http://schemas.microsoft.com/office/drawing/2010/main" xmlns="" w="9525">
                   <a:solidFill>
                     <a:srgbClr val="000000"/>
                   </a:solidFill>
@@ -1871,7 +1871,7 @@
             </a:ln>
             <a:extLst>
               <a:ext uri="{91240B29-F687-4f45-9708-019B960494DF}">
-                <a14:hiddenLine xmlns="" xmlns:a14="http://schemas.microsoft.com/office/drawing/2010/main" w="9525">
+                <a14:hiddenLine xmlns:a14="http://schemas.microsoft.com/office/drawing/2010/main" xmlns="" w="9525">
                   <a:solidFill>
                     <a:srgbClr val="000000"/>
                   </a:solidFill>
@@ -1927,7 +1927,7 @@
             </a:ln>
             <a:extLst>
               <a:ext uri="{91240B29-F687-4f45-9708-019B960494DF}">
-                <a14:hiddenLine xmlns="" xmlns:a14="http://schemas.microsoft.com/office/drawing/2010/main" w="9525">
+                <a14:hiddenLine xmlns:a14="http://schemas.microsoft.com/office/drawing/2010/main" xmlns="" w="9525">
                   <a:solidFill>
                     <a:srgbClr val="000000"/>
                   </a:solidFill>
@@ -2017,7 +2017,7 @@
             </a:ln>
             <a:extLst>
               <a:ext uri="{91240B29-F687-4f45-9708-019B960494DF}">
-                <a14:hiddenLine xmlns="" xmlns:a14="http://schemas.microsoft.com/office/drawing/2010/main" w="9525">
+                <a14:hiddenLine xmlns:a14="http://schemas.microsoft.com/office/drawing/2010/main" xmlns="" w="9525">
                   <a:solidFill>
                     <a:srgbClr val="000000"/>
                   </a:solidFill>
@@ -2085,7 +2085,7 @@
             </a:ln>
             <a:extLst>
               <a:ext uri="{91240B29-F687-4f45-9708-019B960494DF}">
-                <a14:hiddenLine xmlns="" xmlns:a14="http://schemas.microsoft.com/office/drawing/2010/main" w="9525">
+                <a14:hiddenLine xmlns:a14="http://schemas.microsoft.com/office/drawing/2010/main" xmlns="" w="9525">
                   <a:solidFill>
                     <a:srgbClr val="000000"/>
                   </a:solidFill>
@@ -2175,7 +2175,7 @@
             </a:ln>
             <a:extLst>
               <a:ext uri="{91240B29-F687-4f45-9708-019B960494DF}">
-                <a14:hiddenLine xmlns="" xmlns:a14="http://schemas.microsoft.com/office/drawing/2010/main" w="9525">
+                <a14:hiddenLine xmlns:a14="http://schemas.microsoft.com/office/drawing/2010/main" xmlns="" w="9525">
                   <a:solidFill>
                     <a:srgbClr val="000000"/>
                   </a:solidFill>
@@ -2243,7 +2243,7 @@
             </a:ln>
             <a:extLst>
               <a:ext uri="{91240B29-F687-4f45-9708-019B960494DF}">
-                <a14:hiddenLine xmlns="" xmlns:a14="http://schemas.microsoft.com/office/drawing/2010/main" w="9525">
+                <a14:hiddenLine xmlns:a14="http://schemas.microsoft.com/office/drawing/2010/main" xmlns="" w="9525">
                   <a:solidFill>
                     <a:srgbClr val="000000"/>
                   </a:solidFill>
@@ -2333,7 +2333,7 @@
             </a:ln>
             <a:extLst>
               <a:ext uri="{91240B29-F687-4f45-9708-019B960494DF}">
-                <a14:hiddenLine xmlns="" xmlns:a14="http://schemas.microsoft.com/office/drawing/2010/main" w="9525">
+                <a14:hiddenLine xmlns:a14="http://schemas.microsoft.com/office/drawing/2010/main" xmlns="" w="9525">
                   <a:solidFill>
                     <a:srgbClr val="000000"/>
                   </a:solidFill>
@@ -2367,7 +2367,7 @@
             </a:ln>
             <a:extLst>
               <a:ext uri="{91240B29-F687-4f45-9708-019B960494DF}">
-                <a14:hiddenLine xmlns="" xmlns:a14="http://schemas.microsoft.com/office/drawing/2010/main" w="9525">
+                <a14:hiddenLine xmlns:a14="http://schemas.microsoft.com/office/drawing/2010/main" xmlns="" w="9525">
                   <a:solidFill>
                     <a:srgbClr val="000000"/>
                   </a:solidFill>
@@ -2457,7 +2457,7 @@
             </a:ln>
             <a:extLst>
               <a:ext uri="{91240B29-F687-4f45-9708-019B960494DF}">
-                <a14:hiddenLine xmlns="" xmlns:a14="http://schemas.microsoft.com/office/drawing/2010/main" w="9525">
+                <a14:hiddenLine xmlns:a14="http://schemas.microsoft.com/office/drawing/2010/main" xmlns="" w="9525">
                   <a:solidFill>
                     <a:srgbClr val="000000"/>
                   </a:solidFill>
@@ -2519,7 +2519,7 @@
             </a:ln>
             <a:extLst>
               <a:ext uri="{91240B29-F687-4f45-9708-019B960494DF}">
-                <a14:hiddenLine xmlns="" xmlns:a14="http://schemas.microsoft.com/office/drawing/2010/main" w="9525">
+                <a14:hiddenLine xmlns:a14="http://schemas.microsoft.com/office/drawing/2010/main" xmlns="" w="9525">
                   <a:solidFill>
                     <a:srgbClr val="000000"/>
                   </a:solidFill>
@@ -2581,7 +2581,7 @@
             </a:ln>
             <a:extLst>
               <a:ext uri="{91240B29-F687-4f45-9708-019B960494DF}">
-                <a14:hiddenLine xmlns="" xmlns:a14="http://schemas.microsoft.com/office/drawing/2010/main" w="9525">
+                <a14:hiddenLine xmlns:a14="http://schemas.microsoft.com/office/drawing/2010/main" xmlns="" w="9525">
                   <a:solidFill>
                     <a:srgbClr val="000000"/>
                   </a:solidFill>
@@ -2671,7 +2671,7 @@
             </a:ln>
             <a:extLst>
               <a:ext uri="{91240B29-F687-4f45-9708-019B960494DF}">
-                <a14:hiddenLine xmlns="" xmlns:a14="http://schemas.microsoft.com/office/drawing/2010/main" w="9525">
+                <a14:hiddenLine xmlns:a14="http://schemas.microsoft.com/office/drawing/2010/main" xmlns="" w="9525">
                   <a:solidFill>
                     <a:srgbClr val="000000"/>
                   </a:solidFill>
@@ -2739,7 +2739,7 @@
             </a:ln>
             <a:extLst>
               <a:ext uri="{91240B29-F687-4f45-9708-019B960494DF}">
-                <a14:hiddenLine xmlns="" xmlns:a14="http://schemas.microsoft.com/office/drawing/2010/main" w="9525">
+                <a14:hiddenLine xmlns:a14="http://schemas.microsoft.com/office/drawing/2010/main" xmlns="" w="9525">
                   <a:solidFill>
                     <a:srgbClr val="000000"/>
                   </a:solidFill>
@@ -2801,7 +2801,7 @@
             </a:ln>
             <a:extLst>
               <a:ext uri="{91240B29-F687-4f45-9708-019B960494DF}">
-                <a14:hiddenLine xmlns="" xmlns:a14="http://schemas.microsoft.com/office/drawing/2010/main" w="9525">
+                <a14:hiddenLine xmlns:a14="http://schemas.microsoft.com/office/drawing/2010/main" xmlns="" w="9525">
                   <a:solidFill>
                     <a:srgbClr val="000000"/>
                   </a:solidFill>
@@ -2891,7 +2891,7 @@
             </a:ln>
             <a:extLst>
               <a:ext uri="{91240B29-F687-4f45-9708-019B960494DF}">
-                <a14:hiddenLine xmlns="" xmlns:a14="http://schemas.microsoft.com/office/drawing/2010/main" w="9525">
+                <a14:hiddenLine xmlns:a14="http://schemas.microsoft.com/office/drawing/2010/main" xmlns="" w="9525">
                   <a:solidFill>
                     <a:srgbClr val="000000"/>
                   </a:solidFill>
@@ -2953,7 +2953,7 @@
             </a:ln>
             <a:extLst>
               <a:ext uri="{91240B29-F687-4f45-9708-019B960494DF}">
-                <a14:hiddenLine xmlns="" xmlns:a14="http://schemas.microsoft.com/office/drawing/2010/main" w="9525">
+                <a14:hiddenLine xmlns:a14="http://schemas.microsoft.com/office/drawing/2010/main" xmlns="" w="9525">
                   <a:solidFill>
                     <a:srgbClr val="000000"/>
                   </a:solidFill>
@@ -3043,7 +3043,7 @@
             </a:ln>
             <a:extLst>
               <a:ext uri="{91240B29-F687-4f45-9708-019B960494DF}">
-                <a14:hiddenLine xmlns="" xmlns:a14="http://schemas.microsoft.com/office/drawing/2010/main" w="9525">
+                <a14:hiddenLine xmlns:a14="http://schemas.microsoft.com/office/drawing/2010/main" xmlns="" w="9525">
                   <a:solidFill>
                     <a:srgbClr val="000000"/>
                   </a:solidFill>
@@ -3105,7 +3105,7 @@
             </a:ln>
             <a:extLst>
               <a:ext uri="{91240B29-F687-4f45-9708-019B960494DF}">
-                <a14:hiddenLine xmlns="" xmlns:a14="http://schemas.microsoft.com/office/drawing/2010/main" w="9525">
+                <a14:hiddenLine xmlns:a14="http://schemas.microsoft.com/office/drawing/2010/main" xmlns="" w="9525">
                   <a:solidFill>
                     <a:srgbClr val="000000"/>
                   </a:solidFill>
@@ -3195,7 +3195,7 @@
             </a:ln>
             <a:extLst>
               <a:ext uri="{91240B29-F687-4f45-9708-019B960494DF}">
-                <a14:hiddenLine xmlns="" xmlns:a14="http://schemas.microsoft.com/office/drawing/2010/main" w="9525">
+                <a14:hiddenLine xmlns:a14="http://schemas.microsoft.com/office/drawing/2010/main" xmlns="" w="9525">
                   <a:solidFill>
                     <a:srgbClr val="000000"/>
                   </a:solidFill>
@@ -3229,7 +3229,7 @@
             </a:ln>
             <a:extLst>
               <a:ext uri="{91240B29-F687-4f45-9708-019B960494DF}">
-                <a14:hiddenLine xmlns="" xmlns:a14="http://schemas.microsoft.com/office/drawing/2010/main" w="9525">
+                <a14:hiddenLine xmlns:a14="http://schemas.microsoft.com/office/drawing/2010/main" xmlns="" w="9525">
                   <a:solidFill>
                     <a:srgbClr val="000000"/>
                   </a:solidFill>
@@ -3294,7 +3294,7 @@
             </a:ln>
             <a:extLst>
               <a:ext uri="{91240B29-F687-4f45-9708-019B960494DF}">
-                <a14:hiddenLine xmlns="" xmlns:a14="http://schemas.microsoft.com/office/drawing/2010/main" w="9525">
+                <a14:hiddenLine xmlns:a14="http://schemas.microsoft.com/office/drawing/2010/main" xmlns="" w="9525">
                   <a:solidFill>
                     <a:srgbClr val="000000"/>
                   </a:solidFill>
@@ -3384,7 +3384,7 @@
             </a:ln>
             <a:extLst>
               <a:ext uri="{91240B29-F687-4f45-9708-019B960494DF}">
-                <a14:hiddenLine xmlns="" xmlns:a14="http://schemas.microsoft.com/office/drawing/2010/main" w="9525">
+                <a14:hiddenLine xmlns:a14="http://schemas.microsoft.com/office/drawing/2010/main" xmlns="" w="9525">
                   <a:solidFill>
                     <a:srgbClr val="000000"/>
                   </a:solidFill>
@@ -3446,7 +3446,7 @@
             </a:ln>
             <a:extLst>
               <a:ext uri="{91240B29-F687-4f45-9708-019B960494DF}">
-                <a14:hiddenLine xmlns="" xmlns:a14="http://schemas.microsoft.com/office/drawing/2010/main" w="9525">
+                <a14:hiddenLine xmlns:a14="http://schemas.microsoft.com/office/drawing/2010/main" xmlns="" w="9525">
                   <a:solidFill>
                     <a:srgbClr val="000000"/>
                   </a:solidFill>
@@ -3536,7 +3536,7 @@
             </a:ln>
             <a:extLst>
               <a:ext uri="{91240B29-F687-4f45-9708-019B960494DF}">
-                <a14:hiddenLine xmlns="" xmlns:a14="http://schemas.microsoft.com/office/drawing/2010/main" w="9525">
+                <a14:hiddenLine xmlns:a14="http://schemas.microsoft.com/office/drawing/2010/main" xmlns="" w="9525">
                   <a:solidFill>
                     <a:srgbClr val="000000"/>
                   </a:solidFill>
@@ -3626,7 +3626,7 @@
             </a:ln>
             <a:extLst>
               <a:ext uri="{91240B29-F687-4f45-9708-019B960494DF}">
-                <a14:hiddenLine xmlns="" xmlns:a14="http://schemas.microsoft.com/office/drawing/2010/main" w="9525">
+                <a14:hiddenLine xmlns:a14="http://schemas.microsoft.com/office/drawing/2010/main" xmlns="" w="9525">
                   <a:solidFill>
                     <a:srgbClr val="000000"/>
                   </a:solidFill>
@@ -3691,7 +3691,7 @@
             </a:ln>
             <a:extLst>
               <a:ext uri="{91240B29-F687-4f45-9708-019B960494DF}">
-                <a14:hiddenLine xmlns="" xmlns:a14="http://schemas.microsoft.com/office/drawing/2010/main" w="9525">
+                <a14:hiddenLine xmlns:a14="http://schemas.microsoft.com/office/drawing/2010/main" xmlns="" w="9525">
                   <a:solidFill>
                     <a:srgbClr val="000000"/>
                   </a:solidFill>
@@ -3753,7 +3753,7 @@
             </a:ln>
             <a:extLst>
               <a:ext uri="{91240B29-F687-4f45-9708-019B960494DF}">
-                <a14:hiddenLine xmlns="" xmlns:a14="http://schemas.microsoft.com/office/drawing/2010/main" w="9525">
+                <a14:hiddenLine xmlns:a14="http://schemas.microsoft.com/office/drawing/2010/main" xmlns="" w="9525">
                   <a:solidFill>
                     <a:srgbClr val="000000"/>
                   </a:solidFill>
@@ -3843,7 +3843,7 @@
             </a:ln>
             <a:extLst>
               <a:ext uri="{91240B29-F687-4f45-9708-019B960494DF}">
-                <a14:hiddenLine xmlns="" xmlns:a14="http://schemas.microsoft.com/office/drawing/2010/main" w="9525">
+                <a14:hiddenLine xmlns:a14="http://schemas.microsoft.com/office/drawing/2010/main" xmlns="" w="9525">
                   <a:solidFill>
                     <a:srgbClr val="000000"/>
                   </a:solidFill>
@@ -3933,7 +3933,7 @@
             </a:ln>
             <a:extLst>
               <a:ext uri="{91240B29-F687-4f45-9708-019B960494DF}">
-                <a14:hiddenLine xmlns="" xmlns:a14="http://schemas.microsoft.com/office/drawing/2010/main" w="9525">
+                <a14:hiddenLine xmlns:a14="http://schemas.microsoft.com/office/drawing/2010/main" xmlns="" w="9525">
                   <a:solidFill>
                     <a:srgbClr val="000000"/>
                   </a:solidFill>
@@ -3995,7 +3995,7 @@
             </a:ln>
             <a:extLst>
               <a:ext uri="{91240B29-F687-4f45-9708-019B960494DF}">
-                <a14:hiddenLine xmlns="" xmlns:a14="http://schemas.microsoft.com/office/drawing/2010/main" w="9525">
+                <a14:hiddenLine xmlns:a14="http://schemas.microsoft.com/office/drawing/2010/main" xmlns="" w="9525">
                   <a:solidFill>
                     <a:srgbClr val="000000"/>
                   </a:solidFill>
@@ -4115,7 +4115,7 @@
             </a:ln>
             <a:extLst>
               <a:ext uri="{91240B29-F687-4f45-9708-019B960494DF}">
-                <a14:hiddenLine xmlns="" xmlns:a14="http://schemas.microsoft.com/office/drawing/2010/main" w="9525">
+                <a14:hiddenLine xmlns:a14="http://schemas.microsoft.com/office/drawing/2010/main" xmlns="" w="9525">
                   <a:solidFill>
                     <a:srgbClr val="000000"/>
                   </a:solidFill>
@@ -4183,7 +4183,7 @@
             </a:ln>
             <a:extLst>
               <a:ext uri="{91240B29-F687-4f45-9708-019B960494DF}">
-                <a14:hiddenLine xmlns="" xmlns:a14="http://schemas.microsoft.com/office/drawing/2010/main" w="9525">
+                <a14:hiddenLine xmlns:a14="http://schemas.microsoft.com/office/drawing/2010/main" xmlns="" w="9525">
                   <a:solidFill>
                     <a:srgbClr val="000000"/>
                   </a:solidFill>
@@ -4273,7 +4273,7 @@
             </a:ln>
             <a:extLst>
               <a:ext uri="{91240B29-F687-4f45-9708-019B960494DF}">
-                <a14:hiddenLine xmlns="" xmlns:a14="http://schemas.microsoft.com/office/drawing/2010/main" w="9525">
+                <a14:hiddenLine xmlns:a14="http://schemas.microsoft.com/office/drawing/2010/main" xmlns="" w="9525">
                   <a:solidFill>
                     <a:srgbClr val="000000"/>
                   </a:solidFill>
@@ -4413,7 +4413,7 @@
           <a:p>
             <a:fld id="{48A87A34-81AB-432B-8DAE-1953F412C126}" type="datetimeFigureOut">
               <a:rPr lang="en-US" dirty="0"/>
-              <a:t>4/22/2024</a:t>
+              <a:t>4/23/2024</a:t>
             </a:fld>
             <a:endParaRPr lang="en-US" dirty="0"/>
           </a:p>
@@ -4675,7 +4675,7 @@
           <a:p>
             <a:fld id="{48A87A34-81AB-432B-8DAE-1953F412C126}" type="datetimeFigureOut">
               <a:rPr lang="en-US" dirty="0"/>
-              <a:t>4/22/2024</a:t>
+              <a:t>4/23/2024</a:t>
             </a:fld>
             <a:endParaRPr lang="en-US" dirty="0"/>
           </a:p>
@@ -4866,7 +4866,7 @@
           <a:p>
             <a:fld id="{48A87A34-81AB-432B-8DAE-1953F412C126}" type="datetimeFigureOut">
               <a:rPr lang="en-US" dirty="0"/>
-              <a:t>4/22/2024</a:t>
+              <a:t>4/23/2024</a:t>
             </a:fld>
             <a:endParaRPr lang="en-US" dirty="0"/>
           </a:p>
@@ -5124,7 +5124,7 @@
           <a:p>
             <a:fld id="{48A87A34-81AB-432B-8DAE-1953F412C126}" type="datetimeFigureOut">
               <a:rPr lang="en-US" dirty="0"/>
-              <a:t>4/22/2024</a:t>
+              <a:t>4/23/2024</a:t>
             </a:fld>
             <a:endParaRPr lang="en-US" dirty="0"/>
           </a:p>
@@ -5553,7 +5553,7 @@
           <a:p>
             <a:fld id="{48A87A34-81AB-432B-8DAE-1953F412C126}" type="datetimeFigureOut">
               <a:rPr lang="en-US" dirty="0"/>
-              <a:t>4/22/2024</a:t>
+              <a:t>4/23/2024</a:t>
             </a:fld>
             <a:endParaRPr lang="en-US" dirty="0"/>
           </a:p>
@@ -6094,7 +6094,7 @@
           <a:p>
             <a:fld id="{48A87A34-81AB-432B-8DAE-1953F412C126}" type="datetimeFigureOut">
               <a:rPr lang="en-US" dirty="0"/>
-              <a:t>4/22/2024</a:t>
+              <a:t>4/23/2024</a:t>
             </a:fld>
             <a:endParaRPr lang="en-US" dirty="0"/>
           </a:p>
@@ -6809,7 +6809,7 @@
           <a:p>
             <a:fld id="{48A87A34-81AB-432B-8DAE-1953F412C126}" type="datetimeFigureOut">
               <a:rPr lang="en-US" dirty="0"/>
-              <a:t>4/22/2024</a:t>
+              <a:t>4/23/2024</a:t>
             </a:fld>
             <a:endParaRPr lang="en-US" dirty="0"/>
           </a:p>
@@ -6974,7 +6974,7 @@
           <a:p>
             <a:fld id="{48A87A34-81AB-432B-8DAE-1953F412C126}" type="datetimeFigureOut">
               <a:rPr lang="en-US" dirty="0"/>
-              <a:t>4/22/2024</a:t>
+              <a:t>4/23/2024</a:t>
             </a:fld>
             <a:endParaRPr lang="en-US" dirty="0"/>
           </a:p>
@@ -7149,7 +7149,7 @@
           <a:p>
             <a:fld id="{48A87A34-81AB-432B-8DAE-1953F412C126}" type="datetimeFigureOut">
               <a:rPr lang="en-US" dirty="0"/>
-              <a:t>4/22/2024</a:t>
+              <a:t>4/23/2024</a:t>
             </a:fld>
             <a:endParaRPr lang="en-US" dirty="0"/>
           </a:p>
@@ -7314,7 +7314,7 @@
           <a:p>
             <a:fld id="{48A87A34-81AB-432B-8DAE-1953F412C126}" type="datetimeFigureOut">
               <a:rPr lang="en-US" dirty="0"/>
-              <a:t>4/22/2024</a:t>
+              <a:t>4/23/2024</a:t>
             </a:fld>
             <a:endParaRPr lang="en-US" dirty="0"/>
           </a:p>
@@ -7559,7 +7559,7 @@
           <a:p>
             <a:fld id="{48A87A34-81AB-432B-8DAE-1953F412C126}" type="datetimeFigureOut">
               <a:rPr lang="en-US" dirty="0"/>
-              <a:t>4/22/2024</a:t>
+              <a:t>4/23/2024</a:t>
             </a:fld>
             <a:endParaRPr lang="en-US" dirty="0"/>
           </a:p>
@@ -7786,7 +7786,7 @@
           <a:p>
             <a:fld id="{48A87A34-81AB-432B-8DAE-1953F412C126}" type="datetimeFigureOut">
               <a:rPr lang="en-US" dirty="0"/>
-              <a:t>4/22/2024</a:t>
+              <a:t>4/23/2024</a:t>
             </a:fld>
             <a:endParaRPr lang="en-US" dirty="0"/>
           </a:p>
@@ -8162,7 +8162,7 @@
           <a:p>
             <a:fld id="{48A87A34-81AB-432B-8DAE-1953F412C126}" type="datetimeFigureOut">
               <a:rPr lang="en-US" dirty="0"/>
-              <a:t>4/22/2024</a:t>
+              <a:t>4/23/2024</a:t>
             </a:fld>
             <a:endParaRPr lang="en-US" dirty="0"/>
           </a:p>
@@ -8275,7 +8275,7 @@
           <a:p>
             <a:fld id="{48A87A34-81AB-432B-8DAE-1953F412C126}" type="datetimeFigureOut">
               <a:rPr lang="en-US" dirty="0"/>
-              <a:t>4/22/2024</a:t>
+              <a:t>4/23/2024</a:t>
             </a:fld>
             <a:endParaRPr lang="en-US" dirty="0"/>
           </a:p>
@@ -8365,7 +8365,7 @@
           <a:p>
             <a:fld id="{48A87A34-81AB-432B-8DAE-1953F412C126}" type="datetimeFigureOut">
               <a:rPr lang="en-US" dirty="0"/>
-              <a:t>4/22/2024</a:t>
+              <a:t>4/23/2024</a:t>
             </a:fld>
             <a:endParaRPr lang="en-US" dirty="0"/>
           </a:p>
@@ -8609,7 +8609,7 @@
           <a:p>
             <a:fld id="{48A87A34-81AB-432B-8DAE-1953F412C126}" type="datetimeFigureOut">
               <a:rPr lang="en-US" dirty="0"/>
-              <a:t>4/22/2024</a:t>
+              <a:t>4/23/2024</a:t>
             </a:fld>
             <a:endParaRPr lang="en-US" dirty="0"/>
           </a:p>
@@ -8884,7 +8884,7 @@
           <a:p>
             <a:fld id="{48A87A34-81AB-432B-8DAE-1953F412C126}" type="datetimeFigureOut">
               <a:rPr lang="en-US" dirty="0"/>
-              <a:t>4/22/2024</a:t>
+              <a:t>4/23/2024</a:t>
             </a:fld>
             <a:endParaRPr lang="en-US" dirty="0"/>
           </a:p>
@@ -9002,7 +9002,7 @@
           <a:noFill/>
           <a:extLst>
             <a:ext uri="{909E8E84-426E-40dd-AFC4-6F175D3DCCD1}">
-              <a14:hiddenFill xmlns="" xmlns:a14="http://schemas.microsoft.com/office/drawing/2010/main">
+              <a14:hiddenFill xmlns:a14="http://schemas.microsoft.com/office/drawing/2010/main" xmlns="">
                 <a:solidFill>
                   <a:srgbClr val="FFFFFF"/>
                 </a:solidFill>
@@ -9076,7 +9076,7 @@
               </a:ln>
               <a:extLst>
                 <a:ext uri="{91240B29-F687-4f45-9708-019B960494DF}">
-                  <a14:hiddenLine xmlns="" xmlns:a14="http://schemas.microsoft.com/office/drawing/2010/main" w="9525">
+                  <a14:hiddenLine xmlns:a14="http://schemas.microsoft.com/office/drawing/2010/main" xmlns="" w="9525">
                     <a:solidFill>
                       <a:srgbClr val="000000"/>
                     </a:solidFill>
@@ -9166,7 +9166,7 @@
               </a:ln>
               <a:extLst>
                 <a:ext uri="{91240B29-F687-4f45-9708-019B960494DF}">
-                  <a14:hiddenLine xmlns="" xmlns:a14="http://schemas.microsoft.com/office/drawing/2010/main" w="9525">
+                  <a14:hiddenLine xmlns:a14="http://schemas.microsoft.com/office/drawing/2010/main" xmlns="" w="9525">
                     <a:solidFill>
                       <a:srgbClr val="000000"/>
                     </a:solidFill>
@@ -9256,7 +9256,7 @@
               </a:ln>
               <a:extLst>
                 <a:ext uri="{91240B29-F687-4f45-9708-019B960494DF}">
-                  <a14:hiddenLine xmlns="" xmlns:a14="http://schemas.microsoft.com/office/drawing/2010/main" w="9525">
+                  <a14:hiddenLine xmlns:a14="http://schemas.microsoft.com/office/drawing/2010/main" xmlns="" w="9525">
                     <a:solidFill>
                       <a:srgbClr val="000000"/>
                     </a:solidFill>
@@ -9318,7 +9318,7 @@
               </a:ln>
               <a:extLst>
                 <a:ext uri="{91240B29-F687-4f45-9708-019B960494DF}">
-                  <a14:hiddenLine xmlns="" xmlns:a14="http://schemas.microsoft.com/office/drawing/2010/main" w="9525">
+                  <a14:hiddenLine xmlns:a14="http://schemas.microsoft.com/office/drawing/2010/main" xmlns="" w="9525">
                     <a:solidFill>
                       <a:srgbClr val="000000"/>
                     </a:solidFill>
@@ -9408,7 +9408,7 @@
               </a:ln>
               <a:extLst>
                 <a:ext uri="{91240B29-F687-4f45-9708-019B960494DF}">
-                  <a14:hiddenLine xmlns="" xmlns:a14="http://schemas.microsoft.com/office/drawing/2010/main" w="9525">
+                  <a14:hiddenLine xmlns:a14="http://schemas.microsoft.com/office/drawing/2010/main" xmlns="" w="9525">
                     <a:solidFill>
                       <a:srgbClr val="000000"/>
                     </a:solidFill>
@@ -9470,7 +9470,7 @@
               </a:ln>
               <a:extLst>
                 <a:ext uri="{91240B29-F687-4f45-9708-019B960494DF}">
-                  <a14:hiddenLine xmlns="" xmlns:a14="http://schemas.microsoft.com/office/drawing/2010/main" w="9525">
+                  <a14:hiddenLine xmlns:a14="http://schemas.microsoft.com/office/drawing/2010/main" xmlns="" w="9525">
                     <a:solidFill>
                       <a:srgbClr val="000000"/>
                     </a:solidFill>
@@ -9532,7 +9532,7 @@
               </a:ln>
               <a:extLst>
                 <a:ext uri="{91240B29-F687-4f45-9708-019B960494DF}">
-                  <a14:hiddenLine xmlns="" xmlns:a14="http://schemas.microsoft.com/office/drawing/2010/main" w="9525">
+                  <a14:hiddenLine xmlns:a14="http://schemas.microsoft.com/office/drawing/2010/main" xmlns="" w="9525">
                     <a:solidFill>
                       <a:srgbClr val="000000"/>
                     </a:solidFill>
@@ -9622,7 +9622,7 @@
               </a:ln>
               <a:extLst>
                 <a:ext uri="{91240B29-F687-4f45-9708-019B960494DF}">
-                  <a14:hiddenLine xmlns="" xmlns:a14="http://schemas.microsoft.com/office/drawing/2010/main" w="9525">
+                  <a14:hiddenLine xmlns:a14="http://schemas.microsoft.com/office/drawing/2010/main" xmlns="" w="9525">
                     <a:solidFill>
                       <a:srgbClr val="000000"/>
                     </a:solidFill>
@@ -9712,7 +9712,7 @@
               </a:ln>
               <a:extLst>
                 <a:ext uri="{91240B29-F687-4f45-9708-019B960494DF}">
-                  <a14:hiddenLine xmlns="" xmlns:a14="http://schemas.microsoft.com/office/drawing/2010/main" w="9525">
+                  <a14:hiddenLine xmlns:a14="http://schemas.microsoft.com/office/drawing/2010/main" xmlns="" w="9525">
                     <a:solidFill>
                       <a:srgbClr val="000000"/>
                     </a:solidFill>
@@ -9774,7 +9774,7 @@
               </a:ln>
               <a:extLst>
                 <a:ext uri="{91240B29-F687-4f45-9708-019B960494DF}">
-                  <a14:hiddenLine xmlns="" xmlns:a14="http://schemas.microsoft.com/office/drawing/2010/main" w="9525">
+                  <a14:hiddenLine xmlns:a14="http://schemas.microsoft.com/office/drawing/2010/main" xmlns="" w="9525">
                     <a:solidFill>
                       <a:srgbClr val="000000"/>
                     </a:solidFill>
@@ -9884,7 +9884,7 @@
               </a:ln>
               <a:extLst>
                 <a:ext uri="{91240B29-F687-4f45-9708-019B960494DF}">
-                  <a14:hiddenLine xmlns="" xmlns:a14="http://schemas.microsoft.com/office/drawing/2010/main" w="9525">
+                  <a14:hiddenLine xmlns:a14="http://schemas.microsoft.com/office/drawing/2010/main" xmlns="" w="9525">
                     <a:solidFill>
                       <a:srgbClr val="000000"/>
                     </a:solidFill>
@@ -9968,7 +9968,7 @@
               </a:ln>
               <a:extLst>
                 <a:ext uri="{91240B29-F687-4f45-9708-019B960494DF}">
-                  <a14:hiddenLine xmlns="" xmlns:a14="http://schemas.microsoft.com/office/drawing/2010/main" w="9525">
+                  <a14:hiddenLine xmlns:a14="http://schemas.microsoft.com/office/drawing/2010/main" xmlns="" w="9525">
                     <a:solidFill>
                       <a:srgbClr val="000000"/>
                     </a:solidFill>
@@ -10030,7 +10030,7 @@
               </a:ln>
               <a:extLst>
                 <a:ext uri="{91240B29-F687-4f45-9708-019B960494DF}">
-                  <a14:hiddenLine xmlns="" xmlns:a14="http://schemas.microsoft.com/office/drawing/2010/main" w="9525">
+                  <a14:hiddenLine xmlns:a14="http://schemas.microsoft.com/office/drawing/2010/main" xmlns="" w="9525">
                     <a:solidFill>
                       <a:srgbClr val="000000"/>
                     </a:solidFill>
@@ -10092,7 +10092,7 @@
               </a:ln>
               <a:extLst>
                 <a:ext uri="{91240B29-F687-4f45-9708-019B960494DF}">
-                  <a14:hiddenLine xmlns="" xmlns:a14="http://schemas.microsoft.com/office/drawing/2010/main" w="9525">
+                  <a14:hiddenLine xmlns:a14="http://schemas.microsoft.com/office/drawing/2010/main" xmlns="" w="9525">
                     <a:solidFill>
                       <a:srgbClr val="000000"/>
                     </a:solidFill>
@@ -10182,7 +10182,7 @@
               </a:ln>
               <a:extLst>
                 <a:ext uri="{91240B29-F687-4f45-9708-019B960494DF}">
-                  <a14:hiddenLine xmlns="" xmlns:a14="http://schemas.microsoft.com/office/drawing/2010/main" w="9525">
+                  <a14:hiddenLine xmlns:a14="http://schemas.microsoft.com/office/drawing/2010/main" xmlns="" w="9525">
                     <a:solidFill>
                       <a:srgbClr val="000000"/>
                     </a:solidFill>
@@ -10216,7 +10216,7 @@
               </a:ln>
               <a:extLst>
                 <a:ext uri="{91240B29-F687-4f45-9708-019B960494DF}">
-                  <a14:hiddenLine xmlns="" xmlns:a14="http://schemas.microsoft.com/office/drawing/2010/main" w="9525">
+                  <a14:hiddenLine xmlns:a14="http://schemas.microsoft.com/office/drawing/2010/main" xmlns="" w="9525">
                     <a:solidFill>
                       <a:srgbClr val="000000"/>
                     </a:solidFill>
@@ -10281,7 +10281,7 @@
               </a:ln>
               <a:extLst>
                 <a:ext uri="{91240B29-F687-4f45-9708-019B960494DF}">
-                  <a14:hiddenLine xmlns="" xmlns:a14="http://schemas.microsoft.com/office/drawing/2010/main" w="9525">
+                  <a14:hiddenLine xmlns:a14="http://schemas.microsoft.com/office/drawing/2010/main" xmlns="" w="9525">
                     <a:solidFill>
                       <a:srgbClr val="000000"/>
                     </a:solidFill>
@@ -10371,7 +10371,7 @@
               </a:ln>
               <a:extLst>
                 <a:ext uri="{91240B29-F687-4f45-9708-019B960494DF}">
-                  <a14:hiddenLine xmlns="" xmlns:a14="http://schemas.microsoft.com/office/drawing/2010/main" w="9525">
+                  <a14:hiddenLine xmlns:a14="http://schemas.microsoft.com/office/drawing/2010/main" xmlns="" w="9525">
                     <a:solidFill>
                       <a:srgbClr val="000000"/>
                     </a:solidFill>
@@ -10433,7 +10433,7 @@
               </a:ln>
               <a:extLst>
                 <a:ext uri="{91240B29-F687-4f45-9708-019B960494DF}">
-                  <a14:hiddenLine xmlns="" xmlns:a14="http://schemas.microsoft.com/office/drawing/2010/main" w="9525">
+                  <a14:hiddenLine xmlns:a14="http://schemas.microsoft.com/office/drawing/2010/main" xmlns="" w="9525">
                     <a:solidFill>
                       <a:srgbClr val="000000"/>
                     </a:solidFill>
@@ -10523,7 +10523,7 @@
               </a:ln>
               <a:extLst>
                 <a:ext uri="{91240B29-F687-4f45-9708-019B960494DF}">
-                  <a14:hiddenLine xmlns="" xmlns:a14="http://schemas.microsoft.com/office/drawing/2010/main" w="9525">
+                  <a14:hiddenLine xmlns:a14="http://schemas.microsoft.com/office/drawing/2010/main" xmlns="" w="9525">
                     <a:solidFill>
                       <a:srgbClr val="000000"/>
                     </a:solidFill>
@@ -10588,7 +10588,7 @@
               </a:ln>
               <a:extLst>
                 <a:ext uri="{91240B29-F687-4f45-9708-019B960494DF}">
-                  <a14:hiddenLine xmlns="" xmlns:a14="http://schemas.microsoft.com/office/drawing/2010/main" w="9525">
+                  <a14:hiddenLine xmlns:a14="http://schemas.microsoft.com/office/drawing/2010/main" xmlns="" w="9525">
                     <a:solidFill>
                       <a:srgbClr val="000000"/>
                     </a:solidFill>
@@ -10650,7 +10650,7 @@
               </a:ln>
               <a:extLst>
                 <a:ext uri="{91240B29-F687-4f45-9708-019B960494DF}">
-                  <a14:hiddenLine xmlns="" xmlns:a14="http://schemas.microsoft.com/office/drawing/2010/main" w="9525">
+                  <a14:hiddenLine xmlns:a14="http://schemas.microsoft.com/office/drawing/2010/main" xmlns="" w="9525">
                     <a:solidFill>
                       <a:srgbClr val="000000"/>
                     </a:solidFill>
@@ -10740,7 +10740,7 @@
               </a:ln>
               <a:extLst>
                 <a:ext uri="{91240B29-F687-4f45-9708-019B960494DF}">
-                  <a14:hiddenLine xmlns="" xmlns:a14="http://schemas.microsoft.com/office/drawing/2010/main" w="9525">
+                  <a14:hiddenLine xmlns:a14="http://schemas.microsoft.com/office/drawing/2010/main" xmlns="" w="9525">
                     <a:solidFill>
                       <a:srgbClr val="000000"/>
                     </a:solidFill>
@@ -10830,7 +10830,7 @@
               </a:ln>
               <a:extLst>
                 <a:ext uri="{91240B29-F687-4f45-9708-019B960494DF}">
-                  <a14:hiddenLine xmlns="" xmlns:a14="http://schemas.microsoft.com/office/drawing/2010/main" w="9525">
+                  <a14:hiddenLine xmlns:a14="http://schemas.microsoft.com/office/drawing/2010/main" xmlns="" w="9525">
                     <a:solidFill>
                       <a:srgbClr val="000000"/>
                     </a:solidFill>
@@ -10895,7 +10895,7 @@
               </a:ln>
               <a:extLst>
                 <a:ext uri="{91240B29-F687-4f45-9708-019B960494DF}">
-                  <a14:hiddenLine xmlns="" xmlns:a14="http://schemas.microsoft.com/office/drawing/2010/main" w="9525">
+                  <a14:hiddenLine xmlns:a14="http://schemas.microsoft.com/office/drawing/2010/main" xmlns="" w="9525">
                     <a:solidFill>
                       <a:srgbClr val="000000"/>
                     </a:solidFill>
@@ -11015,7 +11015,7 @@
               </a:ln>
               <a:extLst>
                 <a:ext uri="{91240B29-F687-4f45-9708-019B960494DF}">
-                  <a14:hiddenLine xmlns="" xmlns:a14="http://schemas.microsoft.com/office/drawing/2010/main" w="9525">
+                  <a14:hiddenLine xmlns:a14="http://schemas.microsoft.com/office/drawing/2010/main" xmlns="" w="9525">
                     <a:solidFill>
                       <a:srgbClr val="000000"/>
                     </a:solidFill>
@@ -11096,7 +11096,7 @@
               </a:ln>
               <a:extLst>
                 <a:ext uri="{91240B29-F687-4f45-9708-019B960494DF}">
-                  <a14:hiddenLine xmlns="" xmlns:a14="http://schemas.microsoft.com/office/drawing/2010/main" w="9525">
+                  <a14:hiddenLine xmlns:a14="http://schemas.microsoft.com/office/drawing/2010/main" xmlns="" w="9525">
                     <a:solidFill>
                       <a:srgbClr val="000000"/>
                     </a:solidFill>
@@ -11211,7 +11211,7 @@
               </a:ln>
               <a:extLst>
                 <a:ext uri="{91240B29-F687-4f45-9708-019B960494DF}">
-                  <a14:hiddenLine xmlns="" xmlns:a14="http://schemas.microsoft.com/office/drawing/2010/main" w="9525">
+                  <a14:hiddenLine xmlns:a14="http://schemas.microsoft.com/office/drawing/2010/main" xmlns="" w="9525">
                     <a:solidFill>
                       <a:srgbClr val="000000"/>
                     </a:solidFill>
@@ -11301,7 +11301,7 @@
               </a:ln>
               <a:extLst>
                 <a:ext uri="{91240B29-F687-4f45-9708-019B960494DF}">
-                  <a14:hiddenLine xmlns="" xmlns:a14="http://schemas.microsoft.com/office/drawing/2010/main" w="9525">
+                  <a14:hiddenLine xmlns:a14="http://schemas.microsoft.com/office/drawing/2010/main" xmlns="" w="9525">
                     <a:solidFill>
                       <a:srgbClr val="000000"/>
                     </a:solidFill>
@@ -11366,7 +11366,7 @@
               </a:ln>
               <a:extLst>
                 <a:ext uri="{91240B29-F687-4f45-9708-019B960494DF}">
-                  <a14:hiddenLine xmlns="" xmlns:a14="http://schemas.microsoft.com/office/drawing/2010/main" w="9525">
+                  <a14:hiddenLine xmlns:a14="http://schemas.microsoft.com/office/drawing/2010/main" xmlns="" w="9525">
                     <a:solidFill>
                       <a:srgbClr val="000000"/>
                     </a:solidFill>
@@ -11456,7 +11456,7 @@
               </a:ln>
               <a:extLst>
                 <a:ext uri="{91240B29-F687-4f45-9708-019B960494DF}">
-                  <a14:hiddenLine xmlns="" xmlns:a14="http://schemas.microsoft.com/office/drawing/2010/main" w="9525">
+                  <a14:hiddenLine xmlns:a14="http://schemas.microsoft.com/office/drawing/2010/main" xmlns="" w="9525">
                     <a:solidFill>
                       <a:srgbClr val="000000"/>
                     </a:solidFill>
@@ -11524,7 +11524,7 @@
               </a:ln>
               <a:extLst>
                 <a:ext uri="{91240B29-F687-4f45-9708-019B960494DF}">
-                  <a14:hiddenLine xmlns="" xmlns:a14="http://schemas.microsoft.com/office/drawing/2010/main" w="9525">
+                  <a14:hiddenLine xmlns:a14="http://schemas.microsoft.com/office/drawing/2010/main" xmlns="" w="9525">
                     <a:solidFill>
                       <a:srgbClr val="000000"/>
                     </a:solidFill>
@@ -11614,7 +11614,7 @@
               </a:ln>
               <a:extLst>
                 <a:ext uri="{91240B29-F687-4f45-9708-019B960494DF}">
-                  <a14:hiddenLine xmlns="" xmlns:a14="http://schemas.microsoft.com/office/drawing/2010/main" w="9525">
+                  <a14:hiddenLine xmlns:a14="http://schemas.microsoft.com/office/drawing/2010/main" xmlns="" w="9525">
                     <a:solidFill>
                       <a:srgbClr val="000000"/>
                     </a:solidFill>
@@ -11682,7 +11682,7 @@
               </a:ln>
               <a:extLst>
                 <a:ext uri="{91240B29-F687-4f45-9708-019B960494DF}">
-                  <a14:hiddenLine xmlns="" xmlns:a14="http://schemas.microsoft.com/office/drawing/2010/main" w="9525">
+                  <a14:hiddenLine xmlns:a14="http://schemas.microsoft.com/office/drawing/2010/main" xmlns="" w="9525">
                     <a:solidFill>
                       <a:srgbClr val="000000"/>
                     </a:solidFill>
@@ -11772,7 +11772,7 @@
               </a:ln>
               <a:extLst>
                 <a:ext uri="{91240B29-F687-4f45-9708-019B960494DF}">
-                  <a14:hiddenLine xmlns="" xmlns:a14="http://schemas.microsoft.com/office/drawing/2010/main" w="9525">
+                  <a14:hiddenLine xmlns:a14="http://schemas.microsoft.com/office/drawing/2010/main" xmlns="" w="9525">
                     <a:solidFill>
                       <a:srgbClr val="000000"/>
                     </a:solidFill>
@@ -11806,7 +11806,7 @@
               </a:ln>
               <a:extLst>
                 <a:ext uri="{91240B29-F687-4f45-9708-019B960494DF}">
-                  <a14:hiddenLine xmlns="" xmlns:a14="http://schemas.microsoft.com/office/drawing/2010/main" w="9525">
+                  <a14:hiddenLine xmlns:a14="http://schemas.microsoft.com/office/drawing/2010/main" xmlns="" w="9525">
                     <a:solidFill>
                       <a:srgbClr val="000000"/>
                     </a:solidFill>
@@ -11947,7 +11947,7 @@
             <a:fld id="{48A87A34-81AB-432B-8DAE-1953F412C126}" type="datetimeFigureOut">
               <a:rPr lang="en-US" dirty="0"/>
               <a:pPr/>
-              <a:t>4/22/2024</a:t>
+              <a:t>4/23/2024</a:t>
             </a:fld>
             <a:endParaRPr lang="en-US" dirty="0"/>
           </a:p>
@@ -12509,36 +12509,6 @@
           </a:p>
         </p:txBody>
       </p:sp>
-      <p:pic>
-        <p:nvPicPr>
-          <p:cNvPr id="9" name="Imagem 8">
-            <a:extLst>
-              <a:ext uri="{FF2B5EF4-FFF2-40B4-BE49-F238E27FC236}">
-                <a16:creationId xmlns:a16="http://schemas.microsoft.com/office/drawing/2014/main" id="{94784C69-CA73-0AFC-255C-DED75B876AF1}"/>
-              </a:ext>
-            </a:extLst>
-          </p:cNvPr>
-          <p:cNvPicPr>
-            <a:picLocks noChangeAspect="1"/>
-          </p:cNvPicPr>
-          <p:nvPr/>
-        </p:nvPicPr>
-        <p:blipFill>
-          <a:blip r:embed="rId2"/>
-          <a:stretch>
-            <a:fillRect/>
-          </a:stretch>
-        </p:blipFill>
-        <p:spPr>
-          <a:xfrm>
-            <a:off x="1282308" y="1383332"/>
-            <a:ext cx="7066123" cy="4675724"/>
-          </a:xfrm>
-          <a:prstGeom prst="rect">
-            <a:avLst/>
-          </a:prstGeom>
-        </p:spPr>
-      </p:pic>
       <p:sp>
         <p:nvSpPr>
           <p:cNvPr id="10" name="Retângulo 9">
@@ -12659,7 +12629,7 @@
           <p:nvPr/>
         </p:nvPicPr>
         <p:blipFill>
-          <a:blip r:embed="rId3"/>
+          <a:blip r:embed="rId2"/>
           <a:stretch>
             <a:fillRect/>
           </a:stretch>
@@ -12667,13 +12637,67 @@
         <p:spPr>
           <a:xfrm>
             <a:off x="1294820" y="1383332"/>
-            <a:ext cx="7118266" cy="4675724"/>
+            <a:ext cx="7118266" cy="4417104"/>
           </a:xfrm>
           <a:prstGeom prst="rect">
             <a:avLst/>
           </a:prstGeom>
         </p:spPr>
       </p:pic>
+      <p:sp>
+        <p:nvSpPr>
+          <p:cNvPr id="3" name="Retângulo 2">
+            <a:extLst>
+              <a:ext uri="{FF2B5EF4-FFF2-40B4-BE49-F238E27FC236}">
+                <a16:creationId xmlns:a16="http://schemas.microsoft.com/office/drawing/2014/main" id="{4A6E2782-F2CA-6746-F0D3-3E88D7E0D49A}"/>
+              </a:ext>
+            </a:extLst>
+          </p:cNvPr>
+          <p:cNvSpPr/>
+          <p:nvPr/>
+        </p:nvSpPr>
+        <p:spPr>
+          <a:xfrm>
+            <a:off x="1294820" y="5939300"/>
+            <a:ext cx="10684744" cy="660400"/>
+          </a:xfrm>
+          <a:prstGeom prst="rect">
+            <a:avLst/>
+          </a:prstGeom>
+          <a:solidFill>
+            <a:schemeClr val="bg2">
+              <a:lumMod val="90000"/>
+              <a:lumOff val="10000"/>
+            </a:schemeClr>
+          </a:solidFill>
+        </p:spPr>
+        <p:style>
+          <a:lnRef idx="2">
+            <a:schemeClr val="dk1">
+              <a:shade val="15000"/>
+            </a:schemeClr>
+          </a:lnRef>
+          <a:fillRef idx="1">
+            <a:schemeClr val="dk1"/>
+          </a:fillRef>
+          <a:effectRef idx="0">
+            <a:schemeClr val="dk1"/>
+          </a:effectRef>
+          <a:fontRef idx="minor">
+            <a:schemeClr val="lt1"/>
+          </a:fontRef>
+        </p:style>
+        <p:txBody>
+          <a:bodyPr rtlCol="0" anchor="ctr"/>
+          <a:lstStyle/>
+          <a:p>
+            <a:r>
+              <a:rPr lang="pt-BR" sz="1800" dirty="0"/>
+              <a:t>A Interpolação é realizada para que a saída coincida com os tempos dos dados reais, para que não haja valores discrepantes</a:t>
+            </a:r>
+          </a:p>
+        </p:txBody>
+      </p:sp>
     </p:spTree>
     <p:extLst>
       <p:ext uri="{BB962C8B-B14F-4D97-AF65-F5344CB8AC3E}">
@@ -13198,6 +13222,36 @@
           <a:xfrm>
             <a:off x="1248031" y="2655102"/>
             <a:ext cx="4374274" cy="2194125"/>
+          </a:xfrm>
+          <a:prstGeom prst="rect">
+            <a:avLst/>
+          </a:prstGeom>
+        </p:spPr>
+      </p:pic>
+      <p:pic>
+        <p:nvPicPr>
+          <p:cNvPr id="5" name="Imagem 4">
+            <a:extLst>
+              <a:ext uri="{FF2B5EF4-FFF2-40B4-BE49-F238E27FC236}">
+                <a16:creationId xmlns:a16="http://schemas.microsoft.com/office/drawing/2014/main" id="{002B954B-9817-9588-1E6C-B9F5E0D0070B}"/>
+              </a:ext>
+            </a:extLst>
+          </p:cNvPr>
+          <p:cNvPicPr>
+            <a:picLocks noChangeAspect="1"/>
+          </p:cNvPicPr>
+          <p:nvPr/>
+        </p:nvPicPr>
+        <p:blipFill>
+          <a:blip r:embed="rId3"/>
+          <a:stretch>
+            <a:fillRect/>
+          </a:stretch>
+        </p:blipFill>
+        <p:spPr>
+          <a:xfrm>
+            <a:off x="1257265" y="2655102"/>
+            <a:ext cx="4374449" cy="2194124"/>
           </a:xfrm>
           <a:prstGeom prst="rect">
             <a:avLst/>
@@ -13286,6 +13340,36 @@
           <a:xfrm>
             <a:off x="2939132" y="1793650"/>
             <a:ext cx="5927777" cy="4445832"/>
+          </a:xfrm>
+          <a:prstGeom prst="rect">
+            <a:avLst/>
+          </a:prstGeom>
+        </p:spPr>
+      </p:pic>
+      <p:pic>
+        <p:nvPicPr>
+          <p:cNvPr id="5" name="Imagem 4">
+            <a:extLst>
+              <a:ext uri="{FF2B5EF4-FFF2-40B4-BE49-F238E27FC236}">
+                <a16:creationId xmlns:a16="http://schemas.microsoft.com/office/drawing/2014/main" id="{05BBEA4D-833D-104A-8F17-D5D05968D1B6}"/>
+              </a:ext>
+            </a:extLst>
+          </p:cNvPr>
+          <p:cNvPicPr>
+            <a:picLocks noChangeAspect="1"/>
+          </p:cNvPicPr>
+          <p:nvPr/>
+        </p:nvPicPr>
+        <p:blipFill>
+          <a:blip r:embed="rId3"/>
+          <a:stretch>
+            <a:fillRect/>
+          </a:stretch>
+        </p:blipFill>
+        <p:spPr>
+          <a:xfrm>
+            <a:off x="2939132" y="1771226"/>
+            <a:ext cx="5957676" cy="4468256"/>
           </a:xfrm>
           <a:prstGeom prst="rect">
             <a:avLst/>
@@ -14519,6 +14603,36 @@
           </a:prstGeom>
         </p:spPr>
       </p:pic>
+      <p:pic>
+        <p:nvPicPr>
+          <p:cNvPr id="6" name="Imagem 5">
+            <a:extLst>
+              <a:ext uri="{FF2B5EF4-FFF2-40B4-BE49-F238E27FC236}">
+                <a16:creationId xmlns:a16="http://schemas.microsoft.com/office/drawing/2014/main" id="{9A0496F4-6980-AFE7-A4D4-3EB5CBF8D27F}"/>
+              </a:ext>
+            </a:extLst>
+          </p:cNvPr>
+          <p:cNvPicPr>
+            <a:picLocks noChangeAspect="1"/>
+          </p:cNvPicPr>
+          <p:nvPr/>
+        </p:nvPicPr>
+        <p:blipFill>
+          <a:blip r:embed="rId4"/>
+          <a:stretch>
+            <a:fillRect/>
+          </a:stretch>
+        </p:blipFill>
+        <p:spPr>
+          <a:xfrm>
+            <a:off x="1427740" y="2736929"/>
+            <a:ext cx="4051144" cy="2335034"/>
+          </a:xfrm>
+          <a:prstGeom prst="rect">
+            <a:avLst/>
+          </a:prstGeom>
+        </p:spPr>
+      </p:pic>
     </p:spTree>
     <p:extLst>
       <p:ext uri="{BB962C8B-B14F-4D97-AF65-F5344CB8AC3E}">
@@ -14847,6 +14961,36 @@
           </a:p>
         </p:txBody>
       </p:sp>
+      <p:pic>
+        <p:nvPicPr>
+          <p:cNvPr id="4" name="Imagem 3">
+            <a:extLst>
+              <a:ext uri="{FF2B5EF4-FFF2-40B4-BE49-F238E27FC236}">
+                <a16:creationId xmlns:a16="http://schemas.microsoft.com/office/drawing/2014/main" id="{B78D1B87-9619-700A-66C0-E37BF32FCD8A}"/>
+              </a:ext>
+            </a:extLst>
+          </p:cNvPr>
+          <p:cNvPicPr>
+            <a:picLocks noChangeAspect="1"/>
+          </p:cNvPicPr>
+          <p:nvPr/>
+        </p:nvPicPr>
+        <p:blipFill>
+          <a:blip r:embed="rId4"/>
+          <a:stretch>
+            <a:fillRect/>
+          </a:stretch>
+        </p:blipFill>
+        <p:spPr>
+          <a:xfrm>
+            <a:off x="1595582" y="2094343"/>
+            <a:ext cx="4574308" cy="2669307"/>
+          </a:xfrm>
+          <a:prstGeom prst="rect">
+            <a:avLst/>
+          </a:prstGeom>
+        </p:spPr>
+      </p:pic>
     </p:spTree>
     <p:extLst>
       <p:ext uri="{BB962C8B-B14F-4D97-AF65-F5344CB8AC3E}">
@@ -14933,6 +15077,36 @@
         <p:spPr>
           <a:xfrm>
             <a:off x="3354154" y="1627545"/>
+            <a:ext cx="5483692" cy="4867447"/>
+          </a:xfrm>
+          <a:prstGeom prst="rect">
+            <a:avLst/>
+          </a:prstGeom>
+        </p:spPr>
+      </p:pic>
+      <p:pic>
+        <p:nvPicPr>
+          <p:cNvPr id="4" name="Imagem 3">
+            <a:extLst>
+              <a:ext uri="{FF2B5EF4-FFF2-40B4-BE49-F238E27FC236}">
+                <a16:creationId xmlns:a16="http://schemas.microsoft.com/office/drawing/2014/main" id="{0CDF258E-6BED-D886-E0D0-DDF1D9B1B895}"/>
+              </a:ext>
+            </a:extLst>
+          </p:cNvPr>
+          <p:cNvPicPr>
+            <a:picLocks noChangeAspect="1"/>
+          </p:cNvPicPr>
+          <p:nvPr/>
+        </p:nvPicPr>
+        <p:blipFill>
+          <a:blip r:embed="rId3"/>
+          <a:stretch>
+            <a:fillRect/>
+          </a:stretch>
+        </p:blipFill>
+        <p:spPr>
+          <a:xfrm>
+            <a:off x="3354155" y="1627545"/>
             <a:ext cx="5483692" cy="4867447"/>
           </a:xfrm>
           <a:prstGeom prst="rect">
@@ -15119,6 +15293,36 @@
           <a:xfrm>
             <a:off x="2546159" y="2050910"/>
             <a:ext cx="6878010" cy="4067743"/>
+          </a:xfrm>
+          <a:prstGeom prst="rect">
+            <a:avLst/>
+          </a:prstGeom>
+        </p:spPr>
+      </p:pic>
+      <p:pic>
+        <p:nvPicPr>
+          <p:cNvPr id="5" name="Imagem 4">
+            <a:extLst>
+              <a:ext uri="{FF2B5EF4-FFF2-40B4-BE49-F238E27FC236}">
+                <a16:creationId xmlns:a16="http://schemas.microsoft.com/office/drawing/2014/main" id="{917E2E45-A1AB-55A0-FAA1-40142E5C938A}"/>
+              </a:ext>
+            </a:extLst>
+          </p:cNvPr>
+          <p:cNvPicPr>
+            <a:picLocks noChangeAspect="1"/>
+          </p:cNvPicPr>
+          <p:nvPr/>
+        </p:nvPicPr>
+        <p:blipFill>
+          <a:blip r:embed="rId3"/>
+          <a:stretch>
+            <a:fillRect/>
+          </a:stretch>
+        </p:blipFill>
+        <p:spPr>
+          <a:xfrm>
+            <a:off x="2546159" y="2075692"/>
+            <a:ext cx="6878010" cy="4029107"/>
           </a:xfrm>
           <a:prstGeom prst="rect">
             <a:avLst/>
